--- a/PPT.pptx
+++ b/PPT.pptx
@@ -4,15 +4,16 @@
   <p:sldMasterIdLst>
     <p:sldMasterId id="2147483648" r:id="rId1"/>
   </p:sldMasterIdLst>
+  <p:notesMasterIdLst>
+    <p:notesMasterId r:id="rId6"/>
+  </p:notesMasterIdLst>
   <p:sldIdLst>
-    <p:sldId id="256" r:id="rId3"/>
-    <p:sldId id="257" r:id="rId4"/>
+    <p:sldId id="258" r:id="rId3"/>
+    <p:sldId id="274" r:id="rId4"/>
+    <p:sldId id="278" r:id="rId5"/>
   </p:sldIdLst>
   <p:sldSz cx="12192000" cy="6858000"/>
   <p:notesSz cx="6858000" cy="9144000"/>
-  <p:custDataLst>
-    <p:tags r:id="rId8"/>
-  </p:custDataLst>
   <p:defaultTextStyle>
     <a:defPPr>
       <a:defRPr lang="zh-CN"/>
@@ -111,6 +112,359 @@
 </p:presentation>
 </file>
 
+<file path=ppt/commentAuthors.xml><?xml version="1.0" encoding="utf-8"?>
+<p:cmAuthorLst xmlns:a="http://schemas.openxmlformats.org/drawingml/2006/main" xmlns:r="http://schemas.openxmlformats.org/officeDocument/2006/relationships" xmlns:p="http://schemas.openxmlformats.org/presentationml/2006/main">
+  <p:cmAuthor id="2" name="作者" initials="A" lastIdx="0" clrIdx="1"/>
+</p:cmAuthorLst>
+</file>
+
+<file path=ppt/notesMasters/notesMaster1.xml><?xml version="1.0" encoding="utf-8"?>
+<p:notesMaster xmlns:a="http://schemas.openxmlformats.org/drawingml/2006/main" xmlns:r="http://schemas.openxmlformats.org/officeDocument/2006/relationships" xmlns:p="http://schemas.openxmlformats.org/presentationml/2006/main">
+  <p:cSld>
+    <p:bg>
+      <p:bgRef idx="1001">
+        <a:schemeClr val="bg1"/>
+      </p:bgRef>
+    </p:bg>
+    <p:spTree>
+      <p:nvGrpSpPr>
+        <p:cNvPr id="1" name=""/>
+        <p:cNvGrpSpPr/>
+        <p:nvPr/>
+      </p:nvGrpSpPr>
+      <p:grpSpPr>
+        <a:xfrm>
+          <a:off x="0" y="0"/>
+          <a:ext cx="0" cy="0"/>
+          <a:chOff x="0" y="0"/>
+          <a:chExt cx="0" cy="0"/>
+        </a:xfrm>
+      </p:grpSpPr>
+      <p:sp>
+        <p:nvSpPr>
+          <p:cNvPr id="2" name="页眉占位符 1"/>
+          <p:cNvSpPr>
+            <a:spLocks noGrp="1"/>
+          </p:cNvSpPr>
+          <p:nvPr>
+            <p:ph type="hdr" sz="quarter"/>
+          </p:nvPr>
+        </p:nvSpPr>
+        <p:spPr>
+          <a:xfrm>
+            <a:off x="0" y="0"/>
+            <a:ext cx="2971800" cy="458788"/>
+          </a:xfrm>
+          <a:prstGeom prst="rect">
+            <a:avLst/>
+          </a:prstGeom>
+        </p:spPr>
+        <p:txBody>
+          <a:bodyPr vert="horz" lIns="91440" tIns="45720" rIns="91440" bIns="45720" rtlCol="0"/>
+          <a:lstStyle>
+            <a:lvl1pPr algn="l">
+              <a:defRPr sz="1200"/>
+            </a:lvl1pPr>
+          </a:lstStyle>
+          <a:p>
+            <a:endParaRPr lang="zh-CN" altLang="en-US"/>
+          </a:p>
+        </p:txBody>
+      </p:sp>
+      <p:sp>
+        <p:nvSpPr>
+          <p:cNvPr id="3" name="日期占位符 2"/>
+          <p:cNvSpPr>
+            <a:spLocks noGrp="1"/>
+          </p:cNvSpPr>
+          <p:nvPr>
+            <p:ph type="dt" idx="1"/>
+          </p:nvPr>
+        </p:nvSpPr>
+        <p:spPr>
+          <a:xfrm>
+            <a:off x="3884613" y="0"/>
+            <a:ext cx="2971800" cy="458788"/>
+          </a:xfrm>
+          <a:prstGeom prst="rect">
+            <a:avLst/>
+          </a:prstGeom>
+        </p:spPr>
+        <p:txBody>
+          <a:bodyPr vert="horz" lIns="91440" tIns="45720" rIns="91440" bIns="45720" rtlCol="0"/>
+          <a:lstStyle>
+            <a:lvl1pPr algn="r">
+              <a:defRPr sz="1200"/>
+            </a:lvl1pPr>
+          </a:lstStyle>
+          <a:p>
+            <a:fld id="{D2A48B96-639E-45A3-A0BA-2464DFDB1FAA}" type="datetimeFigureOut">
+              <a:rPr lang="zh-CN" altLang="en-US" smtClean="0"/>
+            </a:fld>
+            <a:endParaRPr lang="zh-CN" altLang="en-US"/>
+          </a:p>
+        </p:txBody>
+      </p:sp>
+      <p:sp>
+        <p:nvSpPr>
+          <p:cNvPr id="4" name="幻灯片图像占位符 3"/>
+          <p:cNvSpPr>
+            <a:spLocks noGrp="1" noRot="1" noChangeAspect="1"/>
+          </p:cNvSpPr>
+          <p:nvPr>
+            <p:ph type="sldImg" idx="2"/>
+          </p:nvPr>
+        </p:nvSpPr>
+        <p:spPr>
+          <a:xfrm>
+            <a:off x="685800" y="1143000"/>
+            <a:ext cx="5486400" cy="3086100"/>
+          </a:xfrm>
+          <a:prstGeom prst="rect">
+            <a:avLst/>
+          </a:prstGeom>
+          <a:noFill/>
+          <a:ln w="12700">
+            <a:solidFill>
+              <a:prstClr val="black"/>
+            </a:solidFill>
+          </a:ln>
+        </p:spPr>
+        <p:txBody>
+          <a:bodyPr vert="horz" lIns="91440" tIns="45720" rIns="91440" bIns="45720" rtlCol="0" anchor="ctr"/>
+          <a:lstStyle/>
+          <a:p>
+            <a:endParaRPr lang="zh-CN" altLang="en-US"/>
+          </a:p>
+        </p:txBody>
+      </p:sp>
+      <p:sp>
+        <p:nvSpPr>
+          <p:cNvPr id="5" name="备注占位符 4"/>
+          <p:cNvSpPr>
+            <a:spLocks noGrp="1"/>
+          </p:cNvSpPr>
+          <p:nvPr>
+            <p:ph type="body" sz="quarter" idx="3"/>
+          </p:nvPr>
+        </p:nvSpPr>
+        <p:spPr>
+          <a:xfrm>
+            <a:off x="685800" y="4400550"/>
+            <a:ext cx="5486400" cy="3600450"/>
+          </a:xfrm>
+          <a:prstGeom prst="rect">
+            <a:avLst/>
+          </a:prstGeom>
+        </p:spPr>
+        <p:txBody>
+          <a:bodyPr vert="horz" lIns="91440" tIns="45720" rIns="91440" bIns="45720" rtlCol="0"/>
+          <a:lstStyle/>
+          <a:p>
+            <a:pPr lvl="0"/>
+            <a:r>
+              <a:rPr lang="zh-CN" altLang="en-US" smtClean="0"/>
+              <a:t>单击此处编辑母版文本样式</a:t>
+            </a:r>
+            <a:endParaRPr lang="zh-CN" altLang="en-US" smtClean="0"/>
+          </a:p>
+          <a:p>
+            <a:pPr lvl="1"/>
+            <a:r>
+              <a:rPr lang="zh-CN" altLang="en-US" smtClean="0"/>
+              <a:t>第二级</a:t>
+            </a:r>
+            <a:endParaRPr lang="zh-CN" altLang="en-US" smtClean="0"/>
+          </a:p>
+          <a:p>
+            <a:pPr lvl="2"/>
+            <a:r>
+              <a:rPr lang="zh-CN" altLang="en-US" smtClean="0"/>
+              <a:t>第三级</a:t>
+            </a:r>
+            <a:endParaRPr lang="zh-CN" altLang="en-US" smtClean="0"/>
+          </a:p>
+          <a:p>
+            <a:pPr lvl="3"/>
+            <a:r>
+              <a:rPr lang="zh-CN" altLang="en-US" smtClean="0"/>
+              <a:t>第四级</a:t>
+            </a:r>
+            <a:endParaRPr lang="zh-CN" altLang="en-US" smtClean="0"/>
+          </a:p>
+          <a:p>
+            <a:pPr lvl="4"/>
+            <a:r>
+              <a:rPr lang="zh-CN" altLang="en-US" smtClean="0"/>
+              <a:t>第五级</a:t>
+            </a:r>
+            <a:endParaRPr lang="zh-CN" altLang="en-US"/>
+          </a:p>
+        </p:txBody>
+      </p:sp>
+      <p:sp>
+        <p:nvSpPr>
+          <p:cNvPr id="6" name="页脚占位符 5"/>
+          <p:cNvSpPr>
+            <a:spLocks noGrp="1"/>
+          </p:cNvSpPr>
+          <p:nvPr>
+            <p:ph type="ftr" sz="quarter" idx="4"/>
+          </p:nvPr>
+        </p:nvSpPr>
+        <p:spPr>
+          <a:xfrm>
+            <a:off x="0" y="8685213"/>
+            <a:ext cx="2971800" cy="458787"/>
+          </a:xfrm>
+          <a:prstGeom prst="rect">
+            <a:avLst/>
+          </a:prstGeom>
+        </p:spPr>
+        <p:txBody>
+          <a:bodyPr vert="horz" lIns="91440" tIns="45720" rIns="91440" bIns="45720" rtlCol="0" anchor="b"/>
+          <a:lstStyle>
+            <a:lvl1pPr algn="l">
+              <a:defRPr sz="1200"/>
+            </a:lvl1pPr>
+          </a:lstStyle>
+          <a:p>
+            <a:endParaRPr lang="zh-CN" altLang="en-US"/>
+          </a:p>
+        </p:txBody>
+      </p:sp>
+      <p:sp>
+        <p:nvSpPr>
+          <p:cNvPr id="7" name="灯片编号占位符 6"/>
+          <p:cNvSpPr>
+            <a:spLocks noGrp="1"/>
+          </p:cNvSpPr>
+          <p:nvPr>
+            <p:ph type="sldNum" sz="quarter" idx="5"/>
+          </p:nvPr>
+        </p:nvSpPr>
+        <p:spPr>
+          <a:xfrm>
+            <a:off x="3884613" y="8685213"/>
+            <a:ext cx="2971800" cy="458787"/>
+          </a:xfrm>
+          <a:prstGeom prst="rect">
+            <a:avLst/>
+          </a:prstGeom>
+        </p:spPr>
+        <p:txBody>
+          <a:bodyPr vert="horz" lIns="91440" tIns="45720" rIns="91440" bIns="45720" rtlCol="0" anchor="b"/>
+          <a:lstStyle>
+            <a:lvl1pPr algn="r">
+              <a:defRPr sz="1200"/>
+            </a:lvl1pPr>
+          </a:lstStyle>
+          <a:p>
+            <a:fld id="{A6837353-30EB-4A48-80EB-173D804AEFBD}" type="slidenum">
+              <a:rPr lang="zh-CN" altLang="en-US" smtClean="0"/>
+            </a:fld>
+            <a:endParaRPr lang="zh-CN" altLang="en-US"/>
+          </a:p>
+        </p:txBody>
+      </p:sp>
+    </p:spTree>
+  </p:cSld>
+  <p:clrMap bg1="lt1" tx1="dk1" bg2="lt2" tx2="dk2" accent1="accent1" accent2="accent2" accent3="accent3" accent4="accent4" accent5="accent5" accent6="accent6" hlink="hlink" folHlink="folHlink"/>
+  <p:notesStyle>
+    <a:lvl1pPr marL="0" algn="l" defTabSz="914400" rtl="0" eaLnBrk="1" latinLnBrk="0" hangingPunct="1">
+      <a:defRPr sz="1200" kern="1200">
+        <a:solidFill>
+          <a:schemeClr val="tx1"/>
+        </a:solidFill>
+        <a:latin typeface="+mn-lt"/>
+        <a:ea typeface="+mn-ea"/>
+        <a:cs typeface="+mn-cs"/>
+      </a:defRPr>
+    </a:lvl1pPr>
+    <a:lvl2pPr marL="457200" algn="l" defTabSz="914400" rtl="0" eaLnBrk="1" latinLnBrk="0" hangingPunct="1">
+      <a:defRPr sz="1200" kern="1200">
+        <a:solidFill>
+          <a:schemeClr val="tx1"/>
+        </a:solidFill>
+        <a:latin typeface="+mn-lt"/>
+        <a:ea typeface="+mn-ea"/>
+        <a:cs typeface="+mn-cs"/>
+      </a:defRPr>
+    </a:lvl2pPr>
+    <a:lvl3pPr marL="914400" algn="l" defTabSz="914400" rtl="0" eaLnBrk="1" latinLnBrk="0" hangingPunct="1">
+      <a:defRPr sz="1200" kern="1200">
+        <a:solidFill>
+          <a:schemeClr val="tx1"/>
+        </a:solidFill>
+        <a:latin typeface="+mn-lt"/>
+        <a:ea typeface="+mn-ea"/>
+        <a:cs typeface="+mn-cs"/>
+      </a:defRPr>
+    </a:lvl3pPr>
+    <a:lvl4pPr marL="1371600" algn="l" defTabSz="914400" rtl="0" eaLnBrk="1" latinLnBrk="0" hangingPunct="1">
+      <a:defRPr sz="1200" kern="1200">
+        <a:solidFill>
+          <a:schemeClr val="tx1"/>
+        </a:solidFill>
+        <a:latin typeface="+mn-lt"/>
+        <a:ea typeface="+mn-ea"/>
+        <a:cs typeface="+mn-cs"/>
+      </a:defRPr>
+    </a:lvl4pPr>
+    <a:lvl5pPr marL="1828800" algn="l" defTabSz="914400" rtl="0" eaLnBrk="1" latinLnBrk="0" hangingPunct="1">
+      <a:defRPr sz="1200" kern="1200">
+        <a:solidFill>
+          <a:schemeClr val="tx1"/>
+        </a:solidFill>
+        <a:latin typeface="+mn-lt"/>
+        <a:ea typeface="+mn-ea"/>
+        <a:cs typeface="+mn-cs"/>
+      </a:defRPr>
+    </a:lvl5pPr>
+    <a:lvl6pPr marL="2286000" algn="l" defTabSz="914400" rtl="0" eaLnBrk="1" latinLnBrk="0" hangingPunct="1">
+      <a:defRPr sz="1200" kern="1200">
+        <a:solidFill>
+          <a:schemeClr val="tx1"/>
+        </a:solidFill>
+        <a:latin typeface="+mn-lt"/>
+        <a:ea typeface="+mn-ea"/>
+        <a:cs typeface="+mn-cs"/>
+      </a:defRPr>
+    </a:lvl6pPr>
+    <a:lvl7pPr marL="2743200" algn="l" defTabSz="914400" rtl="0" eaLnBrk="1" latinLnBrk="0" hangingPunct="1">
+      <a:defRPr sz="1200" kern="1200">
+        <a:solidFill>
+          <a:schemeClr val="tx1"/>
+        </a:solidFill>
+        <a:latin typeface="+mn-lt"/>
+        <a:ea typeface="+mn-ea"/>
+        <a:cs typeface="+mn-cs"/>
+      </a:defRPr>
+    </a:lvl7pPr>
+    <a:lvl8pPr marL="3200400" algn="l" defTabSz="914400" rtl="0" eaLnBrk="1" latinLnBrk="0" hangingPunct="1">
+      <a:defRPr sz="1200" kern="1200">
+        <a:solidFill>
+          <a:schemeClr val="tx1"/>
+        </a:solidFill>
+        <a:latin typeface="+mn-lt"/>
+        <a:ea typeface="+mn-ea"/>
+        <a:cs typeface="+mn-cs"/>
+      </a:defRPr>
+    </a:lvl8pPr>
+    <a:lvl9pPr marL="3657600" algn="l" defTabSz="914400" rtl="0" eaLnBrk="1" latinLnBrk="0" hangingPunct="1">
+      <a:defRPr sz="1200" kern="1200">
+        <a:solidFill>
+          <a:schemeClr val="tx1"/>
+        </a:solidFill>
+        <a:latin typeface="+mn-lt"/>
+        <a:ea typeface="+mn-ea"/>
+        <a:cs typeface="+mn-cs"/>
+      </a:defRPr>
+    </a:lvl9pPr>
+  </p:notesStyle>
+</p:notesMaster>
+</file>
+
 <file path=ppt/slideLayouts/slideLayout1.xml><?xml version="1.0" encoding="utf-8"?>
 <p:sldLayout xmlns:a="http://schemas.openxmlformats.org/drawingml/2006/main" xmlns:r="http://schemas.openxmlformats.org/officeDocument/2006/relationships" xmlns:p="http://schemas.openxmlformats.org/presentationml/2006/main" type="title" preserve="1">
   <p:cSld name="标题幻灯片">
@@ -130,103 +484,6 @@
       </p:grpSpPr>
       <p:sp>
         <p:nvSpPr>
-          <p:cNvPr id="2" name="标题 1"/>
-          <p:cNvSpPr>
-            <a:spLocks noGrp="1"/>
-          </p:cNvSpPr>
-          <p:nvPr>
-            <p:ph type="ctrTitle"/>
-          </p:nvPr>
-        </p:nvSpPr>
-        <p:spPr>
-          <a:xfrm>
-            <a:off x="1524000" y="1122363"/>
-            <a:ext cx="9144000" cy="2387600"/>
-          </a:xfrm>
-        </p:spPr>
-        <p:txBody>
-          <a:bodyPr anchor="b"/>
-          <a:lstStyle>
-            <a:lvl1pPr algn="ctr">
-              <a:defRPr sz="6000"/>
-            </a:lvl1pPr>
-          </a:lstStyle>
-          <a:p>
-            <a:r>
-              <a:rPr lang="zh-CN" altLang="en-US" smtClean="0"/>
-              <a:t>单击此处编辑母版标题样式</a:t>
-            </a:r>
-            <a:endParaRPr lang="zh-CN" altLang="en-US"/>
-          </a:p>
-        </p:txBody>
-      </p:sp>
-      <p:sp>
-        <p:nvSpPr>
-          <p:cNvPr id="3" name="副标题 2"/>
-          <p:cNvSpPr>
-            <a:spLocks noGrp="1"/>
-          </p:cNvSpPr>
-          <p:nvPr>
-            <p:ph type="subTitle" idx="1" hasCustomPrompt="1"/>
-          </p:nvPr>
-        </p:nvSpPr>
-        <p:spPr>
-          <a:xfrm>
-            <a:off x="1524000" y="3602038"/>
-            <a:ext cx="9144000" cy="1655762"/>
-          </a:xfrm>
-        </p:spPr>
-        <p:txBody>
-          <a:bodyPr/>
-          <a:lstStyle>
-            <a:lvl1pPr marL="0" indent="0" algn="ctr">
-              <a:buNone/>
-              <a:defRPr sz="2400"/>
-            </a:lvl1pPr>
-            <a:lvl2pPr marL="457200" indent="0" algn="ctr">
-              <a:buNone/>
-              <a:defRPr sz="2000"/>
-            </a:lvl2pPr>
-            <a:lvl3pPr marL="914400" indent="0" algn="ctr">
-              <a:buNone/>
-              <a:defRPr sz="1800"/>
-            </a:lvl3pPr>
-            <a:lvl4pPr marL="1371600" indent="0" algn="ctr">
-              <a:buNone/>
-              <a:defRPr sz="1600"/>
-            </a:lvl4pPr>
-            <a:lvl5pPr marL="1828800" indent="0" algn="ctr">
-              <a:buNone/>
-              <a:defRPr sz="1600"/>
-            </a:lvl5pPr>
-            <a:lvl6pPr marL="2286000" indent="0" algn="ctr">
-              <a:buNone/>
-              <a:defRPr sz="1600"/>
-            </a:lvl6pPr>
-            <a:lvl7pPr marL="2743200" indent="0" algn="ctr">
-              <a:buNone/>
-              <a:defRPr sz="1600"/>
-            </a:lvl7pPr>
-            <a:lvl8pPr marL="3200400" indent="0" algn="ctr">
-              <a:buNone/>
-              <a:defRPr sz="1600"/>
-            </a:lvl8pPr>
-            <a:lvl9pPr marL="3657600" indent="0" algn="ctr">
-              <a:buNone/>
-              <a:defRPr sz="1600"/>
-            </a:lvl9pPr>
-          </a:lstStyle>
-          <a:p>
-            <a:r>
-              <a:rPr lang="zh-CN" altLang="en-US" smtClean="0"/>
-              <a:t>单击以编辑母版副标题样式</a:t>
-            </a:r>
-            <a:endParaRPr lang="zh-CN" altLang="en-US"/>
-          </a:p>
-        </p:txBody>
-      </p:sp>
-      <p:sp>
-        <p:nvSpPr>
           <p:cNvPr id="4" name="日期占位符 3"/>
           <p:cNvSpPr>
             <a:spLocks noGrp="1"/>
@@ -240,7 +497,7 @@
           <a:bodyPr/>
           <a:lstStyle/>
           <a:p>
-            <a:fld id="{062E573F-3355-421D-8962-3F57221F498A}" type="datetimeFigureOut">
+            <a:fld id="{D997B5FA-0921-464F-AAE1-844C04324D75}" type="datetimeFigureOut">
               <a:rPr lang="zh-CN" altLang="en-US" smtClean="0"/>
             </a:fld>
             <a:endParaRPr lang="zh-CN" altLang="en-US"/>
@@ -281,7 +538,7 @@
           <a:bodyPr/>
           <a:lstStyle/>
           <a:p>
-            <a:fld id="{C3CBA7A2-3D53-4390-98C9-AF0507A31012}" type="slidenum">
+            <a:fld id="{565CE74E-AB26-4998-AD42-012C4C1AD076}" type="slidenum">
               <a:rPr lang="zh-CN" altLang="en-US" smtClean="0"/>
             </a:fld>
             <a:endParaRPr lang="zh-CN" altLang="en-US"/>
@@ -343,7 +600,7 @@
             <a:spLocks noGrp="1"/>
           </p:cNvSpPr>
           <p:nvPr>
-            <p:ph type="body" orient="vert" idx="1" hasCustomPrompt="1"/>
+            <p:ph type="body" orient="vert" idx="1"/>
           </p:nvPr>
         </p:nvSpPr>
         <p:spPr/>
@@ -354,7 +611,7 @@
             <a:pPr lvl="0"/>
             <a:r>
               <a:rPr lang="zh-CN" altLang="en-US" smtClean="0"/>
-              <a:t>编辑母版文本样式</a:t>
+              <a:t>单击此处编辑母版文本样式</a:t>
             </a:r>
             <a:endParaRPr lang="zh-CN" altLang="en-US" smtClean="0"/>
           </a:p>
@@ -407,7 +664,7 @@
           <a:bodyPr/>
           <a:lstStyle/>
           <a:p>
-            <a:fld id="{062E573F-3355-421D-8962-3F57221F498A}" type="datetimeFigureOut">
+            <a:fld id="{D997B5FA-0921-464F-AAE1-844C04324D75}" type="datetimeFigureOut">
               <a:rPr lang="zh-CN" altLang="en-US" smtClean="0"/>
             </a:fld>
             <a:endParaRPr lang="zh-CN" altLang="en-US"/>
@@ -448,7 +705,7 @@
           <a:bodyPr/>
           <a:lstStyle/>
           <a:p>
-            <a:fld id="{C3CBA7A2-3D53-4390-98C9-AF0507A31012}" type="slidenum">
+            <a:fld id="{565CE74E-AB26-4998-AD42-012C4C1AD076}" type="slidenum">
               <a:rPr lang="zh-CN" altLang="en-US" smtClean="0"/>
             </a:fld>
             <a:endParaRPr lang="zh-CN" altLang="en-US"/>
@@ -465,7 +722,7 @@
 
 <file path=ppt/slideLayouts/slideLayout11.xml><?xml version="1.0" encoding="utf-8"?>
 <p:sldLayout xmlns:a="http://schemas.openxmlformats.org/drawingml/2006/main" xmlns:r="http://schemas.openxmlformats.org/officeDocument/2006/relationships" xmlns:p="http://schemas.openxmlformats.org/presentationml/2006/main" type="vertTitleAndTx" preserve="1">
-  <p:cSld name="竖排标题与文本">
+  <p:cSld name="垂直排列标题与&#10;文本">
     <p:spTree>
       <p:nvGrpSpPr>
         <p:cNvPr id="1" name=""/>
@@ -515,7 +772,7 @@
             <a:spLocks noGrp="1"/>
           </p:cNvSpPr>
           <p:nvPr>
-            <p:ph type="body" orient="vert" idx="1" hasCustomPrompt="1"/>
+            <p:ph type="body" orient="vert" idx="1"/>
           </p:nvPr>
         </p:nvSpPr>
         <p:spPr>
@@ -531,7 +788,7 @@
             <a:pPr lvl="0"/>
             <a:r>
               <a:rPr lang="zh-CN" altLang="en-US" smtClean="0"/>
-              <a:t>编辑母版文本样式</a:t>
+              <a:t>单击此处编辑母版文本样式</a:t>
             </a:r>
             <a:endParaRPr lang="zh-CN" altLang="en-US" smtClean="0"/>
           </a:p>
@@ -584,7 +841,7 @@
           <a:bodyPr/>
           <a:lstStyle/>
           <a:p>
-            <a:fld id="{062E573F-3355-421D-8962-3F57221F498A}" type="datetimeFigureOut">
+            <a:fld id="{D997B5FA-0921-464F-AAE1-844C04324D75}" type="datetimeFigureOut">
               <a:rPr lang="zh-CN" altLang="en-US" smtClean="0"/>
             </a:fld>
             <a:endParaRPr lang="zh-CN" altLang="en-US"/>
@@ -625,7 +882,7 @@
           <a:bodyPr/>
           <a:lstStyle/>
           <a:p>
-            <a:fld id="{C3CBA7A2-3D53-4390-98C9-AF0507A31012}" type="slidenum">
+            <a:fld id="{565CE74E-AB26-4998-AD42-012C4C1AD076}" type="slidenum">
               <a:rPr lang="zh-CN" altLang="en-US" smtClean="0"/>
             </a:fld>
             <a:endParaRPr lang="zh-CN" altLang="en-US"/>
@@ -687,7 +944,7 @@
             <a:spLocks noGrp="1"/>
           </p:cNvSpPr>
           <p:nvPr>
-            <p:ph idx="1" hasCustomPrompt="1"/>
+            <p:ph idx="1"/>
           </p:nvPr>
         </p:nvSpPr>
         <p:spPr/>
@@ -698,7 +955,7 @@
             <a:pPr lvl="0"/>
             <a:r>
               <a:rPr lang="zh-CN" altLang="en-US" smtClean="0"/>
-              <a:t>编辑母版文本样式</a:t>
+              <a:t>单击此处编辑母版文本样式</a:t>
             </a:r>
             <a:endParaRPr lang="zh-CN" altLang="en-US" smtClean="0"/>
           </a:p>
@@ -751,7 +1008,7 @@
           <a:bodyPr/>
           <a:lstStyle/>
           <a:p>
-            <a:fld id="{062E573F-3355-421D-8962-3F57221F498A}" type="datetimeFigureOut">
+            <a:fld id="{D997B5FA-0921-464F-AAE1-844C04324D75}" type="datetimeFigureOut">
               <a:rPr lang="zh-CN" altLang="en-US" smtClean="0"/>
             </a:fld>
             <a:endParaRPr lang="zh-CN" altLang="en-US"/>
@@ -792,7 +1049,7 @@
           <a:bodyPr/>
           <a:lstStyle/>
           <a:p>
-            <a:fld id="{C3CBA7A2-3D53-4390-98C9-AF0507A31012}" type="slidenum">
+            <a:fld id="{565CE74E-AB26-4998-AD42-012C4C1AD076}" type="slidenum">
               <a:rPr lang="zh-CN" altLang="en-US" smtClean="0"/>
             </a:fld>
             <a:endParaRPr lang="zh-CN" altLang="en-US"/>
@@ -863,7 +1120,7 @@
             <a:spLocks noGrp="1"/>
           </p:cNvSpPr>
           <p:nvPr>
-            <p:ph type="body" idx="1" hasCustomPrompt="1"/>
+            <p:ph type="body" idx="1"/>
           </p:nvPr>
         </p:nvSpPr>
         <p:spPr>
@@ -970,7 +1227,7 @@
             <a:pPr lvl="0"/>
             <a:r>
               <a:rPr lang="zh-CN" altLang="en-US" smtClean="0"/>
-              <a:t>编辑母版文本样式</a:t>
+              <a:t>单击此处编辑母版文本样式</a:t>
             </a:r>
             <a:endParaRPr lang="zh-CN" altLang="en-US" smtClean="0"/>
           </a:p>
@@ -991,7 +1248,7 @@
           <a:bodyPr/>
           <a:lstStyle/>
           <a:p>
-            <a:fld id="{062E573F-3355-421D-8962-3F57221F498A}" type="datetimeFigureOut">
+            <a:fld id="{D997B5FA-0921-464F-AAE1-844C04324D75}" type="datetimeFigureOut">
               <a:rPr lang="zh-CN" altLang="en-US" smtClean="0"/>
             </a:fld>
             <a:endParaRPr lang="zh-CN" altLang="en-US"/>
@@ -1032,7 +1289,7 @@
           <a:bodyPr/>
           <a:lstStyle/>
           <a:p>
-            <a:fld id="{C3CBA7A2-3D53-4390-98C9-AF0507A31012}" type="slidenum">
+            <a:fld id="{565CE74E-AB26-4998-AD42-012C4C1AD076}" type="slidenum">
               <a:rPr lang="zh-CN" altLang="en-US" smtClean="0"/>
             </a:fld>
             <a:endParaRPr lang="zh-CN" altLang="en-US"/>
@@ -1094,7 +1351,7 @@
             <a:spLocks noGrp="1"/>
           </p:cNvSpPr>
           <p:nvPr>
-            <p:ph sz="half" idx="1" hasCustomPrompt="1"/>
+            <p:ph sz="half" idx="1"/>
           </p:nvPr>
         </p:nvSpPr>
         <p:spPr>
@@ -1110,7 +1367,7 @@
             <a:pPr lvl="0"/>
             <a:r>
               <a:rPr lang="zh-CN" altLang="en-US" smtClean="0"/>
-              <a:t>编辑母版文本样式</a:t>
+              <a:t>单击此处编辑母版文本样式</a:t>
             </a:r>
             <a:endParaRPr lang="zh-CN" altLang="en-US" smtClean="0"/>
           </a:p>
@@ -1155,7 +1412,7 @@
             <a:spLocks noGrp="1"/>
           </p:cNvSpPr>
           <p:nvPr>
-            <p:ph sz="half" idx="2" hasCustomPrompt="1"/>
+            <p:ph sz="half" idx="2"/>
           </p:nvPr>
         </p:nvSpPr>
         <p:spPr>
@@ -1171,7 +1428,7 @@
             <a:pPr lvl="0"/>
             <a:r>
               <a:rPr lang="zh-CN" altLang="en-US" smtClean="0"/>
-              <a:t>编辑母版文本样式</a:t>
+              <a:t>单击此处编辑母版文本样式</a:t>
             </a:r>
             <a:endParaRPr lang="zh-CN" altLang="en-US" smtClean="0"/>
           </a:p>
@@ -1224,7 +1481,7 @@
           <a:bodyPr/>
           <a:lstStyle/>
           <a:p>
-            <a:fld id="{062E573F-3355-421D-8962-3F57221F498A}" type="datetimeFigureOut">
+            <a:fld id="{D997B5FA-0921-464F-AAE1-844C04324D75}" type="datetimeFigureOut">
               <a:rPr lang="zh-CN" altLang="en-US" smtClean="0"/>
             </a:fld>
             <a:endParaRPr lang="zh-CN" altLang="en-US"/>
@@ -1265,7 +1522,7 @@
           <a:bodyPr/>
           <a:lstStyle/>
           <a:p>
-            <a:fld id="{C3CBA7A2-3D53-4390-98C9-AF0507A31012}" type="slidenum">
+            <a:fld id="{565CE74E-AB26-4998-AD42-012C4C1AD076}" type="slidenum">
               <a:rPr lang="zh-CN" altLang="en-US" smtClean="0"/>
             </a:fld>
             <a:endParaRPr lang="zh-CN" altLang="en-US"/>
@@ -1332,7 +1589,7 @@
             <a:spLocks noGrp="1"/>
           </p:cNvSpPr>
           <p:nvPr>
-            <p:ph type="body" idx="1" hasCustomPrompt="1"/>
+            <p:ph type="body" idx="1"/>
           </p:nvPr>
         </p:nvSpPr>
         <p:spPr>
@@ -1385,7 +1642,7 @@
             <a:pPr lvl="0"/>
             <a:r>
               <a:rPr lang="zh-CN" altLang="en-US" smtClean="0"/>
-              <a:t>编辑母版文本样式</a:t>
+              <a:t>单击此处编辑母版文本样式</a:t>
             </a:r>
             <a:endParaRPr lang="zh-CN" altLang="en-US" smtClean="0"/>
           </a:p>
@@ -1398,7 +1655,7 @@
             <a:spLocks noGrp="1"/>
           </p:cNvSpPr>
           <p:nvPr>
-            <p:ph sz="half" idx="2" hasCustomPrompt="1"/>
+            <p:ph sz="half" idx="2"/>
           </p:nvPr>
         </p:nvSpPr>
         <p:spPr>
@@ -1414,7 +1671,7 @@
             <a:pPr lvl="0"/>
             <a:r>
               <a:rPr lang="zh-CN" altLang="en-US" smtClean="0"/>
-              <a:t>编辑母版文本样式</a:t>
+              <a:t>单击此处编辑母版文本样式</a:t>
             </a:r>
             <a:endParaRPr lang="zh-CN" altLang="en-US" smtClean="0"/>
           </a:p>
@@ -1459,7 +1716,7 @@
             <a:spLocks noGrp="1"/>
           </p:cNvSpPr>
           <p:nvPr>
-            <p:ph type="body" sz="quarter" idx="3" hasCustomPrompt="1"/>
+            <p:ph type="body" sz="quarter" idx="3"/>
           </p:nvPr>
         </p:nvSpPr>
         <p:spPr>
@@ -1512,7 +1769,7 @@
             <a:pPr lvl="0"/>
             <a:r>
               <a:rPr lang="zh-CN" altLang="en-US" smtClean="0"/>
-              <a:t>编辑母版文本样式</a:t>
+              <a:t>单击此处编辑母版文本样式</a:t>
             </a:r>
             <a:endParaRPr lang="zh-CN" altLang="en-US" smtClean="0"/>
           </a:p>
@@ -1525,7 +1782,7 @@
             <a:spLocks noGrp="1"/>
           </p:cNvSpPr>
           <p:nvPr>
-            <p:ph sz="quarter" idx="4" hasCustomPrompt="1"/>
+            <p:ph sz="quarter" idx="4"/>
           </p:nvPr>
         </p:nvSpPr>
         <p:spPr>
@@ -1541,7 +1798,7 @@
             <a:pPr lvl="0"/>
             <a:r>
               <a:rPr lang="zh-CN" altLang="en-US" smtClean="0"/>
-              <a:t>编辑母版文本样式</a:t>
+              <a:t>单击此处编辑母版文本样式</a:t>
             </a:r>
             <a:endParaRPr lang="zh-CN" altLang="en-US" smtClean="0"/>
           </a:p>
@@ -1594,7 +1851,7 @@
           <a:bodyPr/>
           <a:lstStyle/>
           <a:p>
-            <a:fld id="{062E573F-3355-421D-8962-3F57221F498A}" type="datetimeFigureOut">
+            <a:fld id="{D997B5FA-0921-464F-AAE1-844C04324D75}" type="datetimeFigureOut">
               <a:rPr lang="zh-CN" altLang="en-US" smtClean="0"/>
             </a:fld>
             <a:endParaRPr lang="zh-CN" altLang="en-US"/>
@@ -1635,7 +1892,7 @@
           <a:bodyPr/>
           <a:lstStyle/>
           <a:p>
-            <a:fld id="{C3CBA7A2-3D53-4390-98C9-AF0507A31012}" type="slidenum">
+            <a:fld id="{565CE74E-AB26-4998-AD42-012C4C1AD076}" type="slidenum">
               <a:rPr lang="zh-CN" altLang="en-US" smtClean="0"/>
             </a:fld>
             <a:endParaRPr lang="zh-CN" altLang="en-US"/>
@@ -1705,7 +1962,7 @@
           <a:bodyPr/>
           <a:lstStyle/>
           <a:p>
-            <a:fld id="{062E573F-3355-421D-8962-3F57221F498A}" type="datetimeFigureOut">
+            <a:fld id="{D997B5FA-0921-464F-AAE1-844C04324D75}" type="datetimeFigureOut">
               <a:rPr lang="zh-CN" altLang="en-US" smtClean="0"/>
             </a:fld>
             <a:endParaRPr lang="zh-CN" altLang="en-US"/>
@@ -1746,7 +2003,7 @@
           <a:bodyPr/>
           <a:lstStyle/>
           <a:p>
-            <a:fld id="{C3CBA7A2-3D53-4390-98C9-AF0507A31012}" type="slidenum">
+            <a:fld id="{565CE74E-AB26-4998-AD42-012C4C1AD076}" type="slidenum">
               <a:rPr lang="zh-CN" altLang="en-US" smtClean="0"/>
             </a:fld>
             <a:endParaRPr lang="zh-CN" altLang="en-US"/>
@@ -1793,7 +2050,7 @@
           <a:bodyPr/>
           <a:lstStyle/>
           <a:p>
-            <a:fld id="{062E573F-3355-421D-8962-3F57221F498A}" type="datetimeFigureOut">
+            <a:fld id="{D997B5FA-0921-464F-AAE1-844C04324D75}" type="datetimeFigureOut">
               <a:rPr lang="zh-CN" altLang="en-US" smtClean="0"/>
             </a:fld>
             <a:endParaRPr lang="zh-CN" altLang="en-US"/>
@@ -1834,7 +2091,7 @@
           <a:bodyPr/>
           <a:lstStyle/>
           <a:p>
-            <a:fld id="{C3CBA7A2-3D53-4390-98C9-AF0507A31012}" type="slidenum">
+            <a:fld id="{565CE74E-AB26-4998-AD42-012C4C1AD076}" type="slidenum">
               <a:rPr lang="zh-CN" altLang="en-US" smtClean="0"/>
             </a:fld>
             <a:endParaRPr lang="zh-CN" altLang="en-US"/>
@@ -1905,7 +2162,7 @@
             <a:spLocks noGrp="1"/>
           </p:cNvSpPr>
           <p:nvPr>
-            <p:ph idx="1" hasCustomPrompt="1"/>
+            <p:ph idx="1"/>
           </p:nvPr>
         </p:nvSpPr>
         <p:spPr>
@@ -1949,7 +2206,7 @@
             <a:pPr lvl="0"/>
             <a:r>
               <a:rPr lang="zh-CN" altLang="en-US" smtClean="0"/>
-              <a:t>编辑母版文本样式</a:t>
+              <a:t>单击此处编辑母版文本样式</a:t>
             </a:r>
             <a:endParaRPr lang="zh-CN" altLang="en-US" smtClean="0"/>
           </a:p>
@@ -1994,7 +2251,7 @@
             <a:spLocks noGrp="1"/>
           </p:cNvSpPr>
           <p:nvPr>
-            <p:ph type="body" sz="half" idx="2" hasCustomPrompt="1"/>
+            <p:ph type="body" sz="half" idx="2"/>
           </p:nvPr>
         </p:nvSpPr>
         <p:spPr>
@@ -2047,7 +2304,7 @@
             <a:pPr lvl="0"/>
             <a:r>
               <a:rPr lang="zh-CN" altLang="en-US" smtClean="0"/>
-              <a:t>编辑母版文本样式</a:t>
+              <a:t>单击此处编辑母版文本样式</a:t>
             </a:r>
             <a:endParaRPr lang="zh-CN" altLang="en-US" smtClean="0"/>
           </a:p>
@@ -2068,7 +2325,7 @@
           <a:bodyPr/>
           <a:lstStyle/>
           <a:p>
-            <a:fld id="{062E573F-3355-421D-8962-3F57221F498A}" type="datetimeFigureOut">
+            <a:fld id="{D997B5FA-0921-464F-AAE1-844C04324D75}" type="datetimeFigureOut">
               <a:rPr lang="zh-CN" altLang="en-US" smtClean="0"/>
             </a:fld>
             <a:endParaRPr lang="zh-CN" altLang="en-US"/>
@@ -2109,7 +2366,7 @@
           <a:bodyPr/>
           <a:lstStyle/>
           <a:p>
-            <a:fld id="{C3CBA7A2-3D53-4390-98C9-AF0507A31012}" type="slidenum">
+            <a:fld id="{565CE74E-AB26-4998-AD42-012C4C1AD076}" type="slidenum">
               <a:rPr lang="zh-CN" altLang="en-US" smtClean="0"/>
             </a:fld>
             <a:endParaRPr lang="zh-CN" altLang="en-US"/>
@@ -2241,7 +2498,7 @@
             <a:spLocks noGrp="1"/>
           </p:cNvSpPr>
           <p:nvPr>
-            <p:ph type="body" sz="half" idx="2" hasCustomPrompt="1"/>
+            <p:ph type="body" sz="half" idx="2"/>
           </p:nvPr>
         </p:nvSpPr>
         <p:spPr>
@@ -2294,7 +2551,7 @@
             <a:pPr lvl="0"/>
             <a:r>
               <a:rPr lang="zh-CN" altLang="en-US" smtClean="0"/>
-              <a:t>编辑母版文本样式</a:t>
+              <a:t>单击此处编辑母版文本样式</a:t>
             </a:r>
             <a:endParaRPr lang="zh-CN" altLang="en-US" smtClean="0"/>
           </a:p>
@@ -2315,7 +2572,7 @@
           <a:bodyPr/>
           <a:lstStyle/>
           <a:p>
-            <a:fld id="{062E573F-3355-421D-8962-3F57221F498A}" type="datetimeFigureOut">
+            <a:fld id="{D997B5FA-0921-464F-AAE1-844C04324D75}" type="datetimeFigureOut">
               <a:rPr lang="zh-CN" altLang="en-US" smtClean="0"/>
             </a:fld>
             <a:endParaRPr lang="zh-CN" altLang="en-US"/>
@@ -2356,7 +2613,7 @@
           <a:bodyPr/>
           <a:lstStyle/>
           <a:p>
-            <a:fld id="{C3CBA7A2-3D53-4390-98C9-AF0507A31012}" type="slidenum">
+            <a:fld id="{565CE74E-AB26-4998-AD42-012C4C1AD076}" type="slidenum">
               <a:rPr lang="zh-CN" altLang="en-US" smtClean="0"/>
             </a:fld>
             <a:endParaRPr lang="zh-CN" altLang="en-US"/>
@@ -2419,10 +2676,10 @@
           <a:lstStyle/>
           <a:p>
             <a:r>
-              <a:rPr lang="zh-CN" altLang="en-US" dirty="0" smtClean="0"/>
+              <a:rPr lang="zh-CN" altLang="en-US" smtClean="0"/>
               <a:t>单击此处编辑母版标题样式</a:t>
             </a:r>
-            <a:endParaRPr lang="zh-CN" altLang="en-US" dirty="0"/>
+            <a:endParaRPr lang="zh-CN" altLang="en-US"/>
           </a:p>
         </p:txBody>
       </p:sp>
@@ -2453,42 +2710,42 @@
           <a:p>
             <a:pPr lvl="0"/>
             <a:r>
-              <a:rPr lang="zh-CN" altLang="en-US" dirty="0" smtClean="0"/>
-              <a:t>编辑母版文本样式</a:t>
+              <a:rPr lang="zh-CN" altLang="en-US" smtClean="0"/>
+              <a:t>单击此处编辑母版文本样式</a:t>
             </a:r>
-            <a:endParaRPr lang="zh-CN" altLang="en-US" dirty="0" smtClean="0"/>
+            <a:endParaRPr lang="zh-CN" altLang="en-US" smtClean="0"/>
           </a:p>
           <a:p>
             <a:pPr lvl="1"/>
             <a:r>
-              <a:rPr lang="zh-CN" altLang="en-US" dirty="0" smtClean="0"/>
+              <a:rPr lang="zh-CN" altLang="en-US" smtClean="0"/>
               <a:t>第二级</a:t>
             </a:r>
-            <a:endParaRPr lang="zh-CN" altLang="en-US" dirty="0" smtClean="0"/>
+            <a:endParaRPr lang="zh-CN" altLang="en-US" smtClean="0"/>
           </a:p>
           <a:p>
             <a:pPr lvl="2"/>
             <a:r>
-              <a:rPr lang="zh-CN" altLang="en-US" dirty="0" smtClean="0"/>
+              <a:rPr lang="zh-CN" altLang="en-US" smtClean="0"/>
               <a:t>第三级</a:t>
             </a:r>
-            <a:endParaRPr lang="zh-CN" altLang="en-US" dirty="0" smtClean="0"/>
+            <a:endParaRPr lang="zh-CN" altLang="en-US" smtClean="0"/>
           </a:p>
           <a:p>
             <a:pPr lvl="3"/>
             <a:r>
-              <a:rPr lang="zh-CN" altLang="en-US" dirty="0" smtClean="0"/>
+              <a:rPr lang="zh-CN" altLang="en-US" smtClean="0"/>
               <a:t>第四级</a:t>
             </a:r>
-            <a:endParaRPr lang="zh-CN" altLang="en-US" dirty="0" smtClean="0"/>
+            <a:endParaRPr lang="zh-CN" altLang="en-US" smtClean="0"/>
           </a:p>
           <a:p>
             <a:pPr lvl="4"/>
             <a:r>
-              <a:rPr lang="zh-CN" altLang="en-US" dirty="0" smtClean="0"/>
+              <a:rPr lang="zh-CN" altLang="en-US" smtClean="0"/>
               <a:t>第五级</a:t>
             </a:r>
-            <a:endParaRPr lang="zh-CN" altLang="en-US" dirty="0"/>
+            <a:endParaRPr lang="zh-CN" altLang="en-US"/>
           </a:p>
         </p:txBody>
       </p:sp>
@@ -2521,15 +2778,14 @@
                     <a:tint val="75000"/>
                   </a:schemeClr>
                 </a:solidFill>
-                <a:ea typeface="幼圆" panose="02010509060101010101" pitchFamily="49" charset="-122"/>
               </a:defRPr>
             </a:lvl1pPr>
           </a:lstStyle>
           <a:p>
-            <a:fld id="{062E573F-3355-421D-8962-3F57221F498A}" type="datetimeFigureOut">
+            <a:fld id="{D997B5FA-0921-464F-AAE1-844C04324D75}" type="datetimeFigureOut">
               <a:rPr lang="zh-CN" altLang="en-US" smtClean="0"/>
             </a:fld>
-            <a:endParaRPr lang="zh-CN" altLang="en-US" dirty="0"/>
+            <a:endParaRPr lang="zh-CN" altLang="en-US"/>
           </a:p>
         </p:txBody>
       </p:sp>
@@ -2562,12 +2818,11 @@
                     <a:tint val="75000"/>
                   </a:schemeClr>
                 </a:solidFill>
-                <a:ea typeface="幼圆" panose="02010509060101010101" pitchFamily="49" charset="-122"/>
               </a:defRPr>
             </a:lvl1pPr>
           </a:lstStyle>
           <a:p>
-            <a:endParaRPr lang="zh-CN" altLang="en-US" dirty="0"/>
+            <a:endParaRPr lang="zh-CN" altLang="en-US"/>
           </a:p>
         </p:txBody>
       </p:sp>
@@ -2600,15 +2855,14 @@
                     <a:tint val="75000"/>
                   </a:schemeClr>
                 </a:solidFill>
-                <a:ea typeface="幼圆" panose="02010509060101010101" pitchFamily="49" charset="-122"/>
               </a:defRPr>
             </a:lvl1pPr>
           </a:lstStyle>
           <a:p>
-            <a:fld id="{C3CBA7A2-3D53-4390-98C9-AF0507A31012}" type="slidenum">
+            <a:fld id="{565CE74E-AB26-4998-AD42-012C4C1AD076}" type="slidenum">
               <a:rPr lang="zh-CN" altLang="en-US" smtClean="0"/>
             </a:fld>
-            <a:endParaRPr lang="zh-CN" altLang="en-US" dirty="0"/>
+            <a:endParaRPr lang="zh-CN" altLang="en-US"/>
           </a:p>
         </p:txBody>
       </p:sp>
@@ -2643,7 +2897,7 @@
             <a:schemeClr val="tx1"/>
           </a:solidFill>
           <a:latin typeface="+mj-lt"/>
-          <a:ea typeface="幼圆" panose="02010509060101010101" pitchFamily="49" charset="-122"/>
+          <a:ea typeface="+mj-ea"/>
           <a:cs typeface="+mj-cs"/>
         </a:defRPr>
       </a:lvl1pPr>
@@ -2663,7 +2917,7 @@
             <a:schemeClr val="tx1"/>
           </a:solidFill>
           <a:latin typeface="+mn-lt"/>
-          <a:ea typeface="幼圆" panose="02010509060101010101" pitchFamily="49" charset="-122"/>
+          <a:ea typeface="+mn-ea"/>
           <a:cs typeface="+mn-cs"/>
         </a:defRPr>
       </a:lvl1pPr>
@@ -2681,7 +2935,7 @@
             <a:schemeClr val="tx1"/>
           </a:solidFill>
           <a:latin typeface="+mn-lt"/>
-          <a:ea typeface="幼圆" panose="02010509060101010101" pitchFamily="49" charset="-122"/>
+          <a:ea typeface="+mn-ea"/>
           <a:cs typeface="+mn-cs"/>
         </a:defRPr>
       </a:lvl2pPr>
@@ -2699,7 +2953,7 @@
             <a:schemeClr val="tx1"/>
           </a:solidFill>
           <a:latin typeface="+mn-lt"/>
-          <a:ea typeface="幼圆" panose="02010509060101010101" pitchFamily="49" charset="-122"/>
+          <a:ea typeface="+mn-ea"/>
           <a:cs typeface="+mn-cs"/>
         </a:defRPr>
       </a:lvl3pPr>
@@ -2717,7 +2971,7 @@
             <a:schemeClr val="tx1"/>
           </a:solidFill>
           <a:latin typeface="+mn-lt"/>
-          <a:ea typeface="幼圆" panose="02010509060101010101" pitchFamily="49" charset="-122"/>
+          <a:ea typeface="+mn-ea"/>
           <a:cs typeface="+mn-cs"/>
         </a:defRPr>
       </a:lvl4pPr>
@@ -2735,7 +2989,7 @@
             <a:schemeClr val="tx1"/>
           </a:solidFill>
           <a:latin typeface="+mn-lt"/>
-          <a:ea typeface="幼圆" panose="02010509060101010101" pitchFamily="49" charset="-122"/>
+          <a:ea typeface="+mn-ea"/>
           <a:cs typeface="+mn-cs"/>
         </a:defRPr>
       </a:lvl5pPr>
@@ -2920,764 +3174,23 @@
         <p:cNvGrpSpPr/>
         <p:nvPr/>
       </p:nvGrpSpPr>
-      <p:grpSpPr>
-        <a:xfrm>
-          <a:off x="0" y="0"/>
-          <a:ext cx="0" cy="0"/>
-          <a:chOff x="0" y="0"/>
-          <a:chExt cx="0" cy="0"/>
-        </a:xfrm>
-      </p:grpSpPr>
-      <p:pic>
-        <p:nvPicPr>
-          <p:cNvPr id="4" name="图片 3"/>
-          <p:cNvPicPr>
-            <a:picLocks noChangeAspect="1"/>
-          </p:cNvPicPr>
-          <p:nvPr/>
-        </p:nvPicPr>
-        <p:blipFill rotWithShape="1">
-          <a:blip r:embed="rId1" cstate="print">
-            <a:extLst>
-              <a:ext uri="{28A0092B-C50C-407E-A947-70E740481C1C}">
-                <a14:useLocalDpi xmlns:a14="http://schemas.microsoft.com/office/drawing/2010/main" val="0"/>
-              </a:ext>
-            </a:extLst>
-          </a:blip>
-          <a:srcRect/>
-          <a:stretch>
-            <a:fillRect/>
-          </a:stretch>
-        </p:blipFill>
-        <p:spPr>
-          <a:xfrm flipH="1">
-            <a:off x="0" y="0"/>
-            <a:ext cx="12192000" cy="6858000"/>
-          </a:xfrm>
-          <a:prstGeom prst="rect">
-            <a:avLst/>
-          </a:prstGeom>
-        </p:spPr>
-      </p:pic>
+      <p:grpSpPr/>
       <p:sp>
         <p:nvSpPr>
-          <p:cNvPr id="5" name="矩形 4"/>
+          <p:cNvPr id="13" name="矩形 12"/>
           <p:cNvSpPr/>
           <p:nvPr/>
         </p:nvSpPr>
         <p:spPr>
           <a:xfrm>
-            <a:off x="0" y="0"/>
-            <a:ext cx="12192000" cy="6858000"/>
+            <a:off x="-12700" y="4052570"/>
+            <a:ext cx="12217400" cy="2804795"/>
           </a:xfrm>
           <a:prstGeom prst="rect">
             <a:avLst/>
           </a:prstGeom>
-          <a:gradFill flip="none" rotWithShape="1">
-            <a:gsLst>
-              <a:gs pos="0">
-                <a:schemeClr val="accent2">
-                  <a:lumMod val="40000"/>
-                  <a:lumOff val="60000"/>
-                </a:schemeClr>
-              </a:gs>
-              <a:gs pos="56000">
-                <a:schemeClr val="accent2">
-                  <a:lumMod val="40000"/>
-                  <a:lumOff val="60000"/>
-                  <a:alpha val="74000"/>
-                </a:schemeClr>
-              </a:gs>
-              <a:gs pos="100000">
-                <a:schemeClr val="accent2">
-                  <a:lumMod val="40000"/>
-                  <a:lumOff val="60000"/>
-                  <a:alpha val="0"/>
-                </a:schemeClr>
-              </a:gs>
-            </a:gsLst>
-            <a:lin ang="0" scaled="1"/>
-            <a:tileRect/>
-          </a:gradFill>
-          <a:ln>
-            <a:noFill/>
-          </a:ln>
-        </p:spPr>
-        <p:style>
-          <a:lnRef idx="2">
-            <a:schemeClr val="accent1">
-              <a:shade val="50000"/>
-            </a:schemeClr>
-          </a:lnRef>
-          <a:fillRef idx="1">
-            <a:schemeClr val="accent1"/>
-          </a:fillRef>
-          <a:effectRef idx="0">
-            <a:schemeClr val="accent1"/>
-          </a:effectRef>
-          <a:fontRef idx="minor">
-            <a:schemeClr val="lt1"/>
-          </a:fontRef>
-        </p:style>
-        <p:txBody>
-          <a:bodyPr rtlCol="0" anchor="ctr"/>
-          <a:lstStyle/>
-          <a:p>
-            <a:pPr algn="ctr"/>
-            <a:endParaRPr lang="zh-CN" altLang="en-US" sz="2400" dirty="0">
-              <a:ea typeface="幼圆" panose="02010509060101010101" pitchFamily="49" charset="-122"/>
-              <a:cs typeface="+mn-ea"/>
-              <a:sym typeface="+mn-lt"/>
-            </a:endParaRPr>
-          </a:p>
-        </p:txBody>
-      </p:sp>
-      <p:sp>
-        <p:nvSpPr>
-          <p:cNvPr id="6" name="文本框 5"/>
-          <p:cNvSpPr txBox="1"/>
-          <p:nvPr/>
-        </p:nvSpPr>
-        <p:spPr>
-          <a:xfrm>
-            <a:off x="0" y="1795412"/>
-            <a:ext cx="6096000" cy="1446550"/>
-          </a:xfrm>
-          <a:prstGeom prst="rect">
-            <a:avLst/>
-          </a:prstGeom>
-          <a:noFill/>
-        </p:spPr>
-        <p:txBody>
-          <a:bodyPr wrap="square" rtlCol="0">
-            <a:spAutoFit/>
-          </a:bodyPr>
-          <a:lstStyle/>
-          <a:p>
-            <a:pPr algn="ctr"/>
-            <a:r>
-              <a:rPr lang="zh-CN" altLang="en-US" sz="8800" dirty="0" smtClean="0">
-                <a:ea typeface="幼圆" panose="02010509060101010101" pitchFamily="49" charset="-122"/>
-                <a:cs typeface="+mn-ea"/>
-                <a:sym typeface="+mn-lt"/>
-              </a:rPr>
-              <a:t>小 </a:t>
-            </a:r>
-            <a:r>
-              <a:rPr lang="zh-CN" altLang="en-US" sz="8800" dirty="0" smtClean="0">
-                <a:ea typeface="幼圆" panose="02010509060101010101" pitchFamily="49" charset="-122"/>
-                <a:cs typeface="+mn-ea"/>
-                <a:sym typeface="+mn-lt"/>
-              </a:rPr>
-              <a:t>清 新</a:t>
-            </a:r>
-            <a:endParaRPr lang="zh-CN" altLang="en-US" sz="8800" dirty="0">
-              <a:ea typeface="幼圆" panose="02010509060101010101" pitchFamily="49" charset="-122"/>
-              <a:cs typeface="+mn-ea"/>
-              <a:sym typeface="+mn-lt"/>
-            </a:endParaRPr>
-          </a:p>
-        </p:txBody>
-      </p:sp>
-      <p:sp>
-        <p:nvSpPr>
-          <p:cNvPr id="7" name="文本框 6"/>
-          <p:cNvSpPr txBox="1"/>
-          <p:nvPr/>
-        </p:nvSpPr>
-        <p:spPr>
-          <a:xfrm>
-            <a:off x="609590" y="3138961"/>
-            <a:ext cx="4876810" cy="954107"/>
-          </a:xfrm>
-          <a:prstGeom prst="rect">
-            <a:avLst/>
-          </a:prstGeom>
-          <a:noFill/>
-        </p:spPr>
-        <p:txBody>
-          <a:bodyPr wrap="square" rtlCol="0">
-            <a:spAutoFit/>
-          </a:bodyPr>
-          <a:lstStyle/>
-          <a:p>
-            <a:pPr algn="ctr"/>
-            <a:r>
-              <a:rPr lang="en-US" altLang="zh-CN" sz="2800" dirty="0" smtClean="0">
-                <a:latin typeface="幼圆" panose="02010509060101010101" pitchFamily="49" charset="-122"/>
-                <a:ea typeface="幼圆" panose="02010509060101010101" pitchFamily="49" charset="-122"/>
-              </a:rPr>
-              <a:t>Enjoy your garden</a:t>
-            </a:r>
-            <a:r>
-              <a:rPr lang="en-US" altLang="zh-CN" sz="2800" dirty="0">
-                <a:latin typeface="幼圆" panose="02010509060101010101" pitchFamily="49" charset="-122"/>
-                <a:ea typeface="幼圆" panose="02010509060101010101" pitchFamily="49" charset="-122"/>
-              </a:rPr>
-              <a:t>, </a:t>
-            </a:r>
-            <a:endParaRPr lang="en-US" altLang="zh-CN" sz="2800" dirty="0" smtClean="0">
-              <a:latin typeface="幼圆" panose="02010509060101010101" pitchFamily="49" charset="-122"/>
-              <a:ea typeface="幼圆" panose="02010509060101010101" pitchFamily="49" charset="-122"/>
-            </a:endParaRPr>
-          </a:p>
-          <a:p>
-            <a:pPr algn="ctr"/>
-            <a:r>
-              <a:rPr lang="en-US" altLang="zh-CN" sz="2800" dirty="0" smtClean="0">
-                <a:latin typeface="幼圆" panose="02010509060101010101" pitchFamily="49" charset="-122"/>
-                <a:ea typeface="幼圆" panose="02010509060101010101" pitchFamily="49" charset="-122"/>
-              </a:rPr>
-              <a:t>enjoy </a:t>
-            </a:r>
-            <a:r>
-              <a:rPr lang="en-US" altLang="zh-CN" sz="2800" dirty="0">
-                <a:latin typeface="幼圆" panose="02010509060101010101" pitchFamily="49" charset="-122"/>
-                <a:ea typeface="幼圆" panose="02010509060101010101" pitchFamily="49" charset="-122"/>
-              </a:rPr>
-              <a:t>your </a:t>
-            </a:r>
-            <a:r>
-              <a:rPr lang="en-US" altLang="zh-CN" sz="2800" dirty="0" smtClean="0">
-                <a:latin typeface="幼圆" panose="02010509060101010101" pitchFamily="49" charset="-122"/>
-                <a:ea typeface="幼圆" panose="02010509060101010101" pitchFamily="49" charset="-122"/>
-              </a:rPr>
-              <a:t>life</a:t>
-            </a:r>
-            <a:r>
-              <a:rPr lang="en-US" altLang="zh-CN" sz="2800" dirty="0">
-                <a:latin typeface="幼圆" panose="02010509060101010101" pitchFamily="49" charset="-122"/>
-                <a:ea typeface="幼圆" panose="02010509060101010101" pitchFamily="49" charset="-122"/>
-              </a:rPr>
-              <a:t>.</a:t>
-            </a:r>
-            <a:endParaRPr lang="zh-CN" altLang="en-US" sz="2800" dirty="0">
-              <a:latin typeface="幼圆" panose="02010509060101010101" pitchFamily="49" charset="-122"/>
-              <a:ea typeface="幼圆" panose="02010509060101010101" pitchFamily="49" charset="-122"/>
-            </a:endParaRPr>
-          </a:p>
-        </p:txBody>
-      </p:sp>
-      <p:sp>
-        <p:nvSpPr>
-          <p:cNvPr id="16" name="任意多边形 15"/>
-          <p:cNvSpPr/>
-          <p:nvPr/>
-        </p:nvSpPr>
-        <p:spPr>
-          <a:xfrm>
-            <a:off x="294410" y="2556162"/>
-            <a:ext cx="5507180" cy="2493818"/>
-          </a:xfrm>
-          <a:custGeom>
-            <a:avLst/>
-            <a:gdLst>
-              <a:gd name="connsiteX0" fmla="*/ 457199 w 5507180"/>
-              <a:gd name="connsiteY0" fmla="*/ 0 h 2857499"/>
-              <a:gd name="connsiteX1" fmla="*/ 5049981 w 5507180"/>
-              <a:gd name="connsiteY1" fmla="*/ 0 h 2857499"/>
-              <a:gd name="connsiteX2" fmla="*/ 5049981 w 5507180"/>
-              <a:gd name="connsiteY2" fmla="*/ 1265815 h 2857499"/>
-              <a:gd name="connsiteX3" fmla="*/ 5507180 w 5507180"/>
-              <a:gd name="connsiteY3" fmla="*/ 1265815 h 2857499"/>
-              <a:gd name="connsiteX4" fmla="*/ 5507180 w 5507180"/>
-              <a:gd name="connsiteY4" fmla="*/ 2857499 h 2857499"/>
-              <a:gd name="connsiteX5" fmla="*/ 0 w 5507180"/>
-              <a:gd name="connsiteY5" fmla="*/ 2857499 h 2857499"/>
-              <a:gd name="connsiteX6" fmla="*/ 0 w 5507180"/>
-              <a:gd name="connsiteY6" fmla="*/ 1265815 h 2857499"/>
-              <a:gd name="connsiteX7" fmla="*/ 457199 w 5507180"/>
-              <a:gd name="connsiteY7" fmla="*/ 1265815 h 2857499"/>
-              <a:gd name="connsiteX0-1" fmla="*/ 457199 w 5507180"/>
-              <a:gd name="connsiteY0-2" fmla="*/ 0 h 2857499"/>
-              <a:gd name="connsiteX1-3" fmla="*/ 5049981 w 5507180"/>
-              <a:gd name="connsiteY1-4" fmla="*/ 0 h 2857499"/>
-              <a:gd name="connsiteX2-5" fmla="*/ 5049981 w 5507180"/>
-              <a:gd name="connsiteY2-6" fmla="*/ 1265815 h 2857499"/>
-              <a:gd name="connsiteX3-7" fmla="*/ 5507180 w 5507180"/>
-              <a:gd name="connsiteY3-8" fmla="*/ 1265815 h 2857499"/>
-              <a:gd name="connsiteX4-9" fmla="*/ 5507180 w 5507180"/>
-              <a:gd name="connsiteY4-10" fmla="*/ 2857499 h 2857499"/>
-              <a:gd name="connsiteX5-11" fmla="*/ 0 w 5507180"/>
-              <a:gd name="connsiteY5-12" fmla="*/ 2857499 h 2857499"/>
-              <a:gd name="connsiteX6-13" fmla="*/ 0 w 5507180"/>
-              <a:gd name="connsiteY6-14" fmla="*/ 1265815 h 2857499"/>
-              <a:gd name="connsiteX7-15" fmla="*/ 457199 w 5507180"/>
-              <a:gd name="connsiteY7-16" fmla="*/ 1265815 h 2857499"/>
-              <a:gd name="connsiteX8" fmla="*/ 548639 w 5507180"/>
-              <a:gd name="connsiteY8" fmla="*/ 91440 h 2857499"/>
-              <a:gd name="connsiteX0-17" fmla="*/ 457199 w 5507180"/>
-              <a:gd name="connsiteY0-18" fmla="*/ 0 h 2857499"/>
-              <a:gd name="connsiteX1-19" fmla="*/ 5049981 w 5507180"/>
-              <a:gd name="connsiteY1-20" fmla="*/ 0 h 2857499"/>
-              <a:gd name="connsiteX2-21" fmla="*/ 5049981 w 5507180"/>
-              <a:gd name="connsiteY2-22" fmla="*/ 1265815 h 2857499"/>
-              <a:gd name="connsiteX3-23" fmla="*/ 5507180 w 5507180"/>
-              <a:gd name="connsiteY3-24" fmla="*/ 1265815 h 2857499"/>
-              <a:gd name="connsiteX4-25" fmla="*/ 5507180 w 5507180"/>
-              <a:gd name="connsiteY4-26" fmla="*/ 2857499 h 2857499"/>
-              <a:gd name="connsiteX5-27" fmla="*/ 0 w 5507180"/>
-              <a:gd name="connsiteY5-28" fmla="*/ 2857499 h 2857499"/>
-              <a:gd name="connsiteX6-29" fmla="*/ 0 w 5507180"/>
-              <a:gd name="connsiteY6-30" fmla="*/ 1265815 h 2857499"/>
-              <a:gd name="connsiteX7-31" fmla="*/ 457199 w 5507180"/>
-              <a:gd name="connsiteY7-32" fmla="*/ 1265815 h 2857499"/>
-              <a:gd name="connsiteX0-33" fmla="*/ 457199 w 5507180"/>
-              <a:gd name="connsiteY0-34" fmla="*/ 0 h 2857499"/>
-              <a:gd name="connsiteX1-35" fmla="*/ 5049981 w 5507180"/>
-              <a:gd name="connsiteY1-36" fmla="*/ 1265815 h 2857499"/>
-              <a:gd name="connsiteX2-37" fmla="*/ 5507180 w 5507180"/>
-              <a:gd name="connsiteY2-38" fmla="*/ 1265815 h 2857499"/>
-              <a:gd name="connsiteX3-39" fmla="*/ 5507180 w 5507180"/>
-              <a:gd name="connsiteY3-40" fmla="*/ 2857499 h 2857499"/>
-              <a:gd name="connsiteX4-41" fmla="*/ 0 w 5507180"/>
-              <a:gd name="connsiteY4-42" fmla="*/ 2857499 h 2857499"/>
-              <a:gd name="connsiteX5-43" fmla="*/ 0 w 5507180"/>
-              <a:gd name="connsiteY5-44" fmla="*/ 1265815 h 2857499"/>
-              <a:gd name="connsiteX6-45" fmla="*/ 457199 w 5507180"/>
-              <a:gd name="connsiteY6-46" fmla="*/ 1265815 h 2857499"/>
-              <a:gd name="connsiteX0-47" fmla="*/ 5049981 w 5507180"/>
-              <a:gd name="connsiteY0-48" fmla="*/ 0 h 1591684"/>
-              <a:gd name="connsiteX1-49" fmla="*/ 5507180 w 5507180"/>
-              <a:gd name="connsiteY1-50" fmla="*/ 0 h 1591684"/>
-              <a:gd name="connsiteX2-51" fmla="*/ 5507180 w 5507180"/>
-              <a:gd name="connsiteY2-52" fmla="*/ 1591684 h 1591684"/>
-              <a:gd name="connsiteX3-53" fmla="*/ 0 w 5507180"/>
-              <a:gd name="connsiteY3-54" fmla="*/ 1591684 h 1591684"/>
-              <a:gd name="connsiteX4-55" fmla="*/ 0 w 5507180"/>
-              <a:gd name="connsiteY4-56" fmla="*/ 0 h 1591684"/>
-              <a:gd name="connsiteX5-57" fmla="*/ 457199 w 5507180"/>
-              <a:gd name="connsiteY5-58" fmla="*/ 0 h 1591684"/>
-            </a:gdLst>
-            <a:ahLst/>
-            <a:cxnLst>
-              <a:cxn ang="0">
-                <a:pos x="connsiteX0-1" y="connsiteY0-2"/>
-              </a:cxn>
-              <a:cxn ang="0">
-                <a:pos x="connsiteX1-3" y="connsiteY1-4"/>
-              </a:cxn>
-              <a:cxn ang="0">
-                <a:pos x="connsiteX2-5" y="connsiteY2-6"/>
-              </a:cxn>
-              <a:cxn ang="0">
-                <a:pos x="connsiteX3-7" y="connsiteY3-8"/>
-              </a:cxn>
-              <a:cxn ang="0">
-                <a:pos x="connsiteX4-9" y="connsiteY4-10"/>
-              </a:cxn>
-              <a:cxn ang="0">
-                <a:pos x="connsiteX5-11" y="connsiteY5-12"/>
-              </a:cxn>
-            </a:cxnLst>
-            <a:rect l="l" t="t" r="r" b="b"/>
-            <a:pathLst>
-              <a:path w="5507180" h="1591684">
-                <a:moveTo>
-                  <a:pt x="5049981" y="0"/>
-                </a:moveTo>
-                <a:lnTo>
-                  <a:pt x="5507180" y="0"/>
-                </a:lnTo>
-                <a:lnTo>
-                  <a:pt x="5507180" y="1591684"/>
-                </a:lnTo>
-                <a:lnTo>
-                  <a:pt x="0" y="1591684"/>
-                </a:lnTo>
-                <a:lnTo>
-                  <a:pt x="0" y="0"/>
-                </a:lnTo>
-                <a:lnTo>
-                  <a:pt x="457199" y="0"/>
-                </a:lnTo>
-              </a:path>
-            </a:pathLst>
-          </a:custGeom>
-          <a:noFill/>
-          <a:ln w="57150">
-            <a:solidFill>
-              <a:srgbClr val="E570B2"/>
-            </a:solidFill>
-          </a:ln>
-        </p:spPr>
-        <p:style>
-          <a:lnRef idx="2">
-            <a:schemeClr val="accent1">
-              <a:shade val="50000"/>
-            </a:schemeClr>
-          </a:lnRef>
-          <a:fillRef idx="1">
-            <a:schemeClr val="accent1"/>
-          </a:fillRef>
-          <a:effectRef idx="0">
-            <a:schemeClr val="accent1"/>
-          </a:effectRef>
-          <a:fontRef idx="minor">
-            <a:schemeClr val="lt1"/>
-          </a:fontRef>
-        </p:style>
-        <p:txBody>
-          <a:bodyPr rtlCol="0" anchor="ctr"/>
-          <a:lstStyle/>
-          <a:p>
-            <a:pPr algn="ctr"/>
-            <a:endParaRPr lang="zh-CN" altLang="en-US" dirty="0">
-              <a:ea typeface="幼圆" panose="02010509060101010101" pitchFamily="49" charset="-122"/>
-            </a:endParaRPr>
-          </a:p>
-        </p:txBody>
-      </p:sp>
-      <p:sp>
-        <p:nvSpPr>
-          <p:cNvPr id="3" name="文本框 2"/>
-          <p:cNvSpPr txBox="1"/>
-          <p:nvPr/>
-        </p:nvSpPr>
-        <p:spPr>
-          <a:xfrm>
-            <a:off x="1125674" y="4502627"/>
-            <a:ext cx="3844637" cy="461665"/>
-          </a:xfrm>
-          <a:prstGeom prst="rect">
-            <a:avLst/>
-          </a:prstGeom>
-          <a:noFill/>
-        </p:spPr>
-        <p:txBody>
-          <a:bodyPr wrap="square" rtlCol="0">
-            <a:spAutoFit/>
-          </a:bodyPr>
-          <a:lstStyle/>
-          <a:p>
-            <a:pPr algn="ctr"/>
-            <a:r>
-              <a:rPr lang="en-US" altLang="zh-CN" sz="2400" dirty="0" smtClean="0">
-                <a:latin typeface="幼圆" panose="02010509060101010101" pitchFamily="49" charset="-122"/>
-                <a:ea typeface="幼圆" panose="02010509060101010101" pitchFamily="49" charset="-122"/>
-              </a:rPr>
-              <a:t>2020/XX/XX</a:t>
-            </a:r>
-            <a:endParaRPr lang="zh-CN" altLang="en-US" sz="2400" dirty="0">
-              <a:latin typeface="幼圆" panose="02010509060101010101" pitchFamily="49" charset="-122"/>
-              <a:ea typeface="幼圆" panose="02010509060101010101" pitchFamily="49" charset="-122"/>
-            </a:endParaRPr>
-          </a:p>
-        </p:txBody>
-      </p:sp>
-      <p:sp>
-        <p:nvSpPr>
-          <p:cNvPr id="2" name="文本框 1"/>
-          <p:cNvSpPr txBox="1"/>
-          <p:nvPr/>
-        </p:nvSpPr>
-        <p:spPr>
-          <a:xfrm>
-            <a:off x="1245004" y="4070178"/>
-            <a:ext cx="3605979" cy="461665"/>
-          </a:xfrm>
-          <a:prstGeom prst="rect">
-            <a:avLst/>
-          </a:prstGeom>
-          <a:noFill/>
-        </p:spPr>
-        <p:txBody>
-          <a:bodyPr wrap="square" rtlCol="0">
-            <a:spAutoFit/>
-          </a:bodyPr>
-          <a:lstStyle/>
-          <a:p>
-            <a:pPr algn="ctr"/>
-            <a:r>
-              <a:rPr lang="zh-CN" altLang="en-US" sz="2400" dirty="0" smtClean="0">
-                <a:latin typeface="幼圆" panose="02010509060101010101" pitchFamily="49" charset="-122"/>
-                <a:ea typeface="幼圆" panose="02010509060101010101" pitchFamily="49" charset="-122"/>
-              </a:rPr>
-              <a:t>汇报：</a:t>
-            </a:r>
-            <a:r>
-              <a:rPr lang="en-US" altLang="zh-CN" sz="2400" dirty="0" smtClean="0">
-                <a:latin typeface="幼圆" panose="02010509060101010101" pitchFamily="49" charset="-122"/>
-                <a:ea typeface="幼圆" panose="02010509060101010101" pitchFamily="49" charset="-122"/>
-              </a:rPr>
-              <a:t>XXX</a:t>
-            </a:r>
-            <a:endParaRPr lang="zh-CN" altLang="en-US" sz="2400" dirty="0">
-              <a:latin typeface="幼圆" panose="02010509060101010101" pitchFamily="49" charset="-122"/>
-              <a:ea typeface="幼圆" panose="02010509060101010101" pitchFamily="49" charset="-122"/>
-            </a:endParaRPr>
-          </a:p>
-        </p:txBody>
-      </p:sp>
-    </p:spTree>
-  </p:cSld>
-  <p:clrMapOvr>
-    <a:masterClrMapping/>
-  </p:clrMapOvr>
-</p:sld>
-</file>
-
-<file path=ppt/slides/slide2.xml><?xml version="1.0" encoding="utf-8"?>
-<p:sld xmlns:a="http://schemas.openxmlformats.org/drawingml/2006/main" xmlns:r="http://schemas.openxmlformats.org/officeDocument/2006/relationships" xmlns:p="http://schemas.openxmlformats.org/presentationml/2006/main">
-  <p:cSld>
-    <p:spTree>
-      <p:nvGrpSpPr>
-        <p:cNvPr id="1" name=""/>
-        <p:cNvGrpSpPr/>
-        <p:nvPr/>
-      </p:nvGrpSpPr>
-      <p:grpSpPr>
-        <a:xfrm>
-          <a:off x="0" y="0"/>
-          <a:ext cx="0" cy="0"/>
-          <a:chOff x="0" y="0"/>
-          <a:chExt cx="0" cy="0"/>
-        </a:xfrm>
-      </p:grpSpPr>
-      <p:sp>
-        <p:nvSpPr>
-          <p:cNvPr id="25" name="椭圆 24"/>
-          <p:cNvSpPr/>
-          <p:nvPr/>
-        </p:nvSpPr>
-        <p:spPr>
-          <a:xfrm>
-            <a:off x="8651875" y="2070815"/>
-            <a:ext cx="3241964" cy="1707071"/>
-          </a:xfrm>
-          <a:prstGeom prst="ellipse">
-            <a:avLst/>
-          </a:prstGeom>
-          <a:noFill/>
-          <a:ln>
-            <a:solidFill>
-              <a:schemeClr val="accent2">
-                <a:lumMod val="60000"/>
-                <a:lumOff val="40000"/>
-              </a:schemeClr>
-            </a:solidFill>
-          </a:ln>
-        </p:spPr>
-        <p:style>
-          <a:lnRef idx="2">
-            <a:schemeClr val="accent1">
-              <a:shade val="50000"/>
-            </a:schemeClr>
-          </a:lnRef>
-          <a:fillRef idx="1">
-            <a:schemeClr val="accent1"/>
-          </a:fillRef>
-          <a:effectRef idx="0">
-            <a:schemeClr val="accent1"/>
-          </a:effectRef>
-          <a:fontRef idx="minor">
-            <a:schemeClr val="lt1"/>
-          </a:fontRef>
-        </p:style>
-        <p:txBody>
-          <a:bodyPr rtlCol="0" anchor="ctr"/>
-          <a:lstStyle/>
-          <a:p>
-            <a:pPr algn="ctr"/>
-            <a:endParaRPr lang="zh-CN" altLang="en-US" dirty="0">
-              <a:ea typeface="幼圆" panose="02010509060101010101" pitchFamily="49" charset="-122"/>
-            </a:endParaRPr>
-          </a:p>
-        </p:txBody>
-      </p:sp>
-      <p:sp>
-        <p:nvSpPr>
-          <p:cNvPr id="26" name="椭圆 25"/>
-          <p:cNvSpPr/>
-          <p:nvPr/>
-        </p:nvSpPr>
-        <p:spPr>
-          <a:xfrm>
-            <a:off x="5046519" y="4433304"/>
-            <a:ext cx="3241964" cy="1707071"/>
-          </a:xfrm>
-          <a:prstGeom prst="ellipse">
-            <a:avLst/>
-          </a:prstGeom>
-          <a:noFill/>
-          <a:ln>
-            <a:solidFill>
-              <a:schemeClr val="accent2">
-                <a:lumMod val="60000"/>
-                <a:lumOff val="40000"/>
-              </a:schemeClr>
-            </a:solidFill>
-          </a:ln>
-        </p:spPr>
-        <p:style>
-          <a:lnRef idx="2">
-            <a:schemeClr val="accent1">
-              <a:shade val="50000"/>
-            </a:schemeClr>
-          </a:lnRef>
-          <a:fillRef idx="1">
-            <a:schemeClr val="accent1"/>
-          </a:fillRef>
-          <a:effectRef idx="0">
-            <a:schemeClr val="accent1"/>
-          </a:effectRef>
-          <a:fontRef idx="minor">
-            <a:schemeClr val="lt1"/>
-          </a:fontRef>
-        </p:style>
-        <p:txBody>
-          <a:bodyPr rtlCol="0" anchor="ctr"/>
-          <a:lstStyle/>
-          <a:p>
-            <a:pPr algn="ctr"/>
-            <a:endParaRPr lang="zh-CN" altLang="en-US" dirty="0">
-              <a:latin typeface="+mn-ea"/>
-            </a:endParaRPr>
-          </a:p>
-        </p:txBody>
-      </p:sp>
-      <p:sp>
-        <p:nvSpPr>
-          <p:cNvPr id="27" name="椭圆 26"/>
-          <p:cNvSpPr/>
-          <p:nvPr/>
-        </p:nvSpPr>
-        <p:spPr>
-          <a:xfrm>
-            <a:off x="8651875" y="4433303"/>
-            <a:ext cx="3241964" cy="1707071"/>
-          </a:xfrm>
-          <a:prstGeom prst="ellipse">
-            <a:avLst/>
-          </a:prstGeom>
-          <a:noFill/>
-          <a:ln>
-            <a:solidFill>
-              <a:schemeClr val="accent2">
-                <a:lumMod val="60000"/>
-                <a:lumOff val="40000"/>
-              </a:schemeClr>
-            </a:solidFill>
-          </a:ln>
-        </p:spPr>
-        <p:style>
-          <a:lnRef idx="2">
-            <a:schemeClr val="accent1">
-              <a:shade val="50000"/>
-            </a:schemeClr>
-          </a:lnRef>
-          <a:fillRef idx="1">
-            <a:schemeClr val="accent1"/>
-          </a:fillRef>
-          <a:effectRef idx="0">
-            <a:schemeClr val="accent1"/>
-          </a:effectRef>
-          <a:fontRef idx="minor">
-            <a:schemeClr val="lt1"/>
-          </a:fontRef>
-        </p:style>
-        <p:txBody>
-          <a:bodyPr rtlCol="0" anchor="ctr"/>
-          <a:lstStyle/>
-          <a:p>
-            <a:pPr algn="ctr"/>
-            <a:endParaRPr lang="zh-CN" altLang="en-US" dirty="0">
-              <a:ea typeface="幼圆" panose="02010509060101010101" pitchFamily="49" charset="-122"/>
-            </a:endParaRPr>
-          </a:p>
-        </p:txBody>
-      </p:sp>
-      <p:sp>
-        <p:nvSpPr>
-          <p:cNvPr id="37" name="任意多边形 36"/>
-          <p:cNvSpPr/>
-          <p:nvPr/>
-        </p:nvSpPr>
-        <p:spPr>
-          <a:xfrm>
-            <a:off x="6454919" y="0"/>
-            <a:ext cx="4035136" cy="1623570"/>
-          </a:xfrm>
-          <a:custGeom>
-            <a:avLst/>
-            <a:gdLst>
-              <a:gd name="connsiteX0" fmla="*/ 27543 w 4035136"/>
-              <a:gd name="connsiteY0" fmla="*/ 0 h 1257222"/>
-              <a:gd name="connsiteX1" fmla="*/ 4007593 w 4035136"/>
-              <a:gd name="connsiteY1" fmla="*/ 0 h 1257222"/>
-              <a:gd name="connsiteX2" fmla="*/ 4024719 w 4035136"/>
-              <a:gd name="connsiteY2" fmla="*/ 60392 h 1257222"/>
-              <a:gd name="connsiteX3" fmla="*/ 4035136 w 4035136"/>
-              <a:gd name="connsiteY3" fmla="*/ 171410 h 1257222"/>
-              <a:gd name="connsiteX4" fmla="*/ 2017568 w 4035136"/>
-              <a:gd name="connsiteY4" fmla="*/ 1257222 h 1257222"/>
-              <a:gd name="connsiteX5" fmla="*/ 0 w 4035136"/>
-              <a:gd name="connsiteY5" fmla="*/ 171410 h 1257222"/>
-              <a:gd name="connsiteX6" fmla="*/ 10417 w 4035136"/>
-              <a:gd name="connsiteY6" fmla="*/ 60392 h 1257222"/>
-            </a:gdLst>
-            <a:ahLst/>
-            <a:cxnLst>
-              <a:cxn ang="0">
-                <a:pos x="connsiteX0" y="connsiteY0"/>
-              </a:cxn>
-              <a:cxn ang="0">
-                <a:pos x="connsiteX1" y="connsiteY1"/>
-              </a:cxn>
-              <a:cxn ang="0">
-                <a:pos x="connsiteX2" y="connsiteY2"/>
-              </a:cxn>
-              <a:cxn ang="0">
-                <a:pos x="connsiteX3" y="connsiteY3"/>
-              </a:cxn>
-              <a:cxn ang="0">
-                <a:pos x="connsiteX4" y="connsiteY4"/>
-              </a:cxn>
-              <a:cxn ang="0">
-                <a:pos x="connsiteX5" y="connsiteY5"/>
-              </a:cxn>
-              <a:cxn ang="0">
-                <a:pos x="connsiteX6" y="connsiteY6"/>
-              </a:cxn>
-            </a:cxnLst>
-            <a:rect l="l" t="t" r="r" b="b"/>
-            <a:pathLst>
-              <a:path w="4035136" h="1257222">
-                <a:moveTo>
-                  <a:pt x="27543" y="0"/>
-                </a:moveTo>
-                <a:lnTo>
-                  <a:pt x="4007593" y="0"/>
-                </a:lnTo>
-                <a:lnTo>
-                  <a:pt x="4024719" y="60392"/>
-                </a:lnTo>
-                <a:cubicBezTo>
-                  <a:pt x="4031607" y="96894"/>
-                  <a:pt x="4035136" y="133930"/>
-                  <a:pt x="4035136" y="171410"/>
-                </a:cubicBezTo>
-                <a:cubicBezTo>
-                  <a:pt x="4035136" y="771087"/>
-                  <a:pt x="3131840" y="1257222"/>
-                  <a:pt x="2017568" y="1257222"/>
-                </a:cubicBezTo>
-                <a:cubicBezTo>
-                  <a:pt x="903296" y="1257222"/>
-                  <a:pt x="0" y="771087"/>
-                  <a:pt x="0" y="171410"/>
-                </a:cubicBezTo>
-                <a:cubicBezTo>
-                  <a:pt x="0" y="133930"/>
-                  <a:pt x="3529" y="96894"/>
-                  <a:pt x="10417" y="60392"/>
-                </a:cubicBezTo>
-                <a:close/>
-              </a:path>
-            </a:pathLst>
-          </a:custGeom>
           <a:solidFill>
-            <a:srgbClr val="E570B2"/>
+            <a:srgbClr val="C4D0CC"/>
           </a:solidFill>
           <a:ln>
             <a:noFill/>
@@ -3701,174 +3214,74 @@
         </p:style>
         <p:txBody>
           <a:bodyPr rtlCol="0" anchor="ctr"/>
-          <a:lstStyle/>
           <a:p>
             <a:pPr algn="ctr"/>
-            <a:endParaRPr lang="zh-CN" altLang="en-US" dirty="0">
-              <a:ea typeface="幼圆" panose="02010509060101010101" pitchFamily="49" charset="-122"/>
-            </a:endParaRPr>
+            <a:endParaRPr lang="zh-CN" altLang="en-US"/>
           </a:p>
         </p:txBody>
       </p:sp>
       <p:pic>
         <p:nvPicPr>
-          <p:cNvPr id="45" name="图片 44"/>
+          <p:cNvPr id="10" name="图片 9" descr="pexels-photo-1022921"/>
           <p:cNvPicPr>
             <a:picLocks noChangeAspect="1"/>
           </p:cNvPicPr>
           <p:nvPr/>
         </p:nvPicPr>
-        <p:blipFill rotWithShape="1">
-          <a:blip r:embed="rId1" cstate="print">
-            <a:extLst>
-              <a:ext uri="{28A0092B-C50C-407E-A947-70E740481C1C}">
-                <a14:useLocalDpi xmlns:a14="http://schemas.microsoft.com/office/drawing/2010/main" val="0"/>
-              </a:ext>
-            </a:extLst>
+        <p:blipFill>
+          <a:blip r:embed="rId1">
+            <a:clrChange>
+              <a:clrFrom>
+                <a:srgbClr val="EFEEEA">
+                  <a:alpha val="100000"/>
+                </a:srgbClr>
+              </a:clrFrom>
+              <a:clrTo>
+                <a:srgbClr val="EFEEEA">
+                  <a:alpha val="100000"/>
+                  <a:alpha val="0"/>
+                </a:srgbClr>
+              </a:clrTo>
+            </a:clrChange>
           </a:blip>
-          <a:srcRect/>
+          <a:srcRect l="31375" r="19291"/>
           <a:stretch>
             <a:fillRect/>
           </a:stretch>
         </p:blipFill>
         <p:spPr>
           <a:xfrm>
-            <a:off x="-55004" y="0"/>
-            <a:ext cx="4887457" cy="6858000"/>
+            <a:off x="7753625" y="1116330"/>
+            <a:ext cx="4248000" cy="5741035"/>
           </a:xfrm>
-          <a:custGeom>
+          <a:prstGeom prst="rect">
             <a:avLst/>
-            <a:gdLst>
-              <a:gd name="connsiteX0" fmla="*/ 0 w 4887457"/>
-              <a:gd name="connsiteY0" fmla="*/ 0 h 6858000"/>
-              <a:gd name="connsiteX1" fmla="*/ 3235855 w 4887457"/>
-              <a:gd name="connsiteY1" fmla="*/ 0 h 6858000"/>
-              <a:gd name="connsiteX2" fmla="*/ 3392233 w 4887457"/>
-              <a:gd name="connsiteY2" fmla="*/ 134553 h 6858000"/>
-              <a:gd name="connsiteX3" fmla="*/ 4887457 w 4887457"/>
-              <a:gd name="connsiteY3" fmla="*/ 4117467 h 6858000"/>
-              <a:gd name="connsiteX4" fmla="*/ 4308264 w 4887457"/>
-              <a:gd name="connsiteY4" fmla="*/ 6802999 h 6858000"/>
-              <a:gd name="connsiteX5" fmla="*/ 4279225 w 4887457"/>
-              <a:gd name="connsiteY5" fmla="*/ 6858000 h 6858000"/>
-              <a:gd name="connsiteX6" fmla="*/ 0 w 4887457"/>
-              <a:gd name="connsiteY6" fmla="*/ 6858000 h 6858000"/>
-            </a:gdLst>
-            <a:ahLst/>
-            <a:cxnLst>
-              <a:cxn ang="0">
-                <a:pos x="connsiteX0" y="connsiteY0"/>
-              </a:cxn>
-              <a:cxn ang="0">
-                <a:pos x="connsiteX1" y="connsiteY1"/>
-              </a:cxn>
-              <a:cxn ang="0">
-                <a:pos x="connsiteX2" y="connsiteY2"/>
-              </a:cxn>
-              <a:cxn ang="0">
-                <a:pos x="connsiteX3" y="connsiteY3"/>
-              </a:cxn>
-              <a:cxn ang="0">
-                <a:pos x="connsiteX4" y="connsiteY4"/>
-              </a:cxn>
-              <a:cxn ang="0">
-                <a:pos x="connsiteX5" y="connsiteY5"/>
-              </a:cxn>
-              <a:cxn ang="0">
-                <a:pos x="connsiteX6" y="connsiteY6"/>
-              </a:cxn>
-            </a:cxnLst>
-            <a:rect l="l" t="t" r="r" b="b"/>
-            <a:pathLst>
-              <a:path w="4887457" h="6858000">
-                <a:moveTo>
-                  <a:pt x="0" y="0"/>
-                </a:moveTo>
-                <a:lnTo>
-                  <a:pt x="3235855" y="0"/>
-                </a:lnTo>
-                <a:lnTo>
-                  <a:pt x="3392233" y="134553"/>
-                </a:lnTo>
-                <a:cubicBezTo>
-                  <a:pt x="4294344" y="997728"/>
-                  <a:pt x="4887457" y="2459498"/>
-                  <a:pt x="4887457" y="4117467"/>
-                </a:cubicBezTo>
-                <a:cubicBezTo>
-                  <a:pt x="4887457" y="5112249"/>
-                  <a:pt x="4673937" y="6036399"/>
-                  <a:pt x="4308264" y="6802999"/>
-                </a:cubicBezTo>
-                <a:lnTo>
-                  <a:pt x="4279225" y="6858000"/>
-                </a:lnTo>
-                <a:lnTo>
-                  <a:pt x="0" y="6858000"/>
-                </a:lnTo>
-                <a:close/>
-              </a:path>
-            </a:pathLst>
-          </a:custGeom>
+          </a:prstGeom>
         </p:spPr>
       </p:pic>
       <p:sp>
         <p:nvSpPr>
-          <p:cNvPr id="4" name="文本框 3"/>
-          <p:cNvSpPr txBox="1"/>
-          <p:nvPr/>
-        </p:nvSpPr>
-        <p:spPr>
-          <a:xfrm>
-            <a:off x="7090496" y="200056"/>
-            <a:ext cx="2763982" cy="769441"/>
-          </a:xfrm>
-          <a:prstGeom prst="rect">
-            <a:avLst/>
-          </a:prstGeom>
-          <a:noFill/>
-        </p:spPr>
-        <p:txBody>
-          <a:bodyPr wrap="square" rtlCol="0">
-            <a:spAutoFit/>
-          </a:bodyPr>
-          <a:lstStyle/>
-          <a:p>
-            <a:pPr algn="ctr"/>
-            <a:r>
-              <a:rPr lang="zh-CN" altLang="en-US" sz="4400" dirty="0" smtClean="0">
-                <a:ea typeface="幼圆" panose="02010509060101010101" pitchFamily="49" charset="-122"/>
-              </a:rPr>
-              <a:t>目  录</a:t>
-            </a:r>
-            <a:endParaRPr lang="zh-CN" altLang="en-US" sz="4400" dirty="0">
-              <a:ea typeface="幼圆" panose="02010509060101010101" pitchFamily="49" charset="-122"/>
-            </a:endParaRPr>
-          </a:p>
-        </p:txBody>
-      </p:sp>
-      <p:sp>
-        <p:nvSpPr>
-          <p:cNvPr id="21" name="椭圆 20"/>
+          <p:cNvPr id="5" name="矩形 4"/>
           <p:cNvSpPr/>
           <p:nvPr/>
         </p:nvSpPr>
         <p:spPr>
           <a:xfrm>
-            <a:off x="5046519" y="2070815"/>
-            <a:ext cx="3241964" cy="1707071"/>
+            <a:off x="1380490" y="3411220"/>
+            <a:ext cx="2493645" cy="323850"/>
           </a:xfrm>
-          <a:prstGeom prst="ellipse">
+          <a:prstGeom prst="rect">
             <a:avLst/>
           </a:prstGeom>
-          <a:noFill/>
+          <a:solidFill>
+            <a:schemeClr val="tx1">
+              <a:lumMod val="75000"/>
+              <a:lumOff val="25000"/>
+              <a:alpha val="90000"/>
+            </a:schemeClr>
+          </a:solidFill>
           <a:ln>
-            <a:solidFill>
-              <a:schemeClr val="accent2">
-                <a:lumMod val="60000"/>
-                <a:lumOff val="40000"/>
-              </a:schemeClr>
-            </a:solidFill>
+            <a:noFill/>
           </a:ln>
         </p:spPr>
         <p:style>
@@ -3889,123 +3302,42 @@
         </p:style>
         <p:txBody>
           <a:bodyPr rtlCol="0" anchor="ctr"/>
-          <a:lstStyle/>
-          <a:p>
-            <a:pPr algn="ctr"/>
-            <a:endParaRPr lang="zh-CN" altLang="en-US" dirty="0">
-              <a:latin typeface="+mn-ea"/>
+          <a:p>
+            <a:pPr algn="dist"/>
+            <a:r>
+              <a:rPr lang="zh-CN" altLang="en-US" sz="1400" b="1">
+                <a:solidFill>
+                  <a:schemeClr val="bg1"/>
+                </a:solidFill>
+                <a:latin typeface="Microsoft JhengHei Light" panose="020B0304030504040204" charset="-120"/>
+                <a:ea typeface="Microsoft JhengHei Light" panose="020B0304030504040204" charset="-120"/>
+                <a:cs typeface="Microsoft JhengHei Light" panose="020B0304030504040204" charset="-120"/>
+                <a:sym typeface="+mn-ea"/>
+              </a:rPr>
+              <a:t>坚韧不拔 出手不凡</a:t>
+            </a:r>
+            <a:endParaRPr lang="zh-CN" altLang="en-US" sz="1400" b="1">
+              <a:solidFill>
+                <a:schemeClr val="bg1"/>
+              </a:solidFill>
+              <a:latin typeface="Microsoft JhengHei Light" panose="020B0304030504040204" charset="-120"/>
+              <a:ea typeface="Microsoft JhengHei Light" panose="020B0304030504040204" charset="-120"/>
+              <a:cs typeface="Microsoft JhengHei Light" panose="020B0304030504040204" charset="-120"/>
+              <a:sym typeface="+mn-ea"/>
             </a:endParaRPr>
           </a:p>
         </p:txBody>
       </p:sp>
-      <p:grpSp>
-        <p:nvGrpSpPr>
-          <p:cNvPr id="7" name="组合 6"/>
-          <p:cNvGrpSpPr/>
-          <p:nvPr/>
-        </p:nvGrpSpPr>
-        <p:grpSpPr>
-          <a:xfrm>
-            <a:off x="6267452" y="1731234"/>
-            <a:ext cx="800101" cy="800101"/>
-            <a:chOff x="6109853" y="1870364"/>
-            <a:chExt cx="800101" cy="800101"/>
-          </a:xfrm>
-        </p:grpSpPr>
-        <p:sp>
-          <p:nvSpPr>
-            <p:cNvPr id="5" name="椭圆 4"/>
-            <p:cNvSpPr/>
-            <p:nvPr/>
-          </p:nvSpPr>
-          <p:spPr>
-            <a:xfrm>
-              <a:off x="6109853" y="1870364"/>
-              <a:ext cx="800101" cy="800101"/>
-            </a:xfrm>
-            <a:prstGeom prst="ellipse">
-              <a:avLst/>
-            </a:prstGeom>
-            <a:solidFill>
-              <a:srgbClr val="E570B2"/>
-            </a:solidFill>
-            <a:ln>
-              <a:noFill/>
-            </a:ln>
-          </p:spPr>
-          <p:style>
-            <a:lnRef idx="2">
-              <a:schemeClr val="accent1">
-                <a:shade val="50000"/>
-              </a:schemeClr>
-            </a:lnRef>
-            <a:fillRef idx="1">
-              <a:schemeClr val="accent1"/>
-            </a:fillRef>
-            <a:effectRef idx="0">
-              <a:schemeClr val="accent1"/>
-            </a:effectRef>
-            <a:fontRef idx="minor">
-              <a:schemeClr val="lt1"/>
-            </a:fontRef>
-          </p:style>
-          <p:txBody>
-            <a:bodyPr rtlCol="0" anchor="ctr"/>
-            <a:lstStyle/>
-            <a:p>
-              <a:pPr algn="ctr"/>
-              <a:endParaRPr lang="zh-CN" altLang="en-US" dirty="0">
-                <a:latin typeface="+mn-ea"/>
-              </a:endParaRPr>
-            </a:p>
-          </p:txBody>
-        </p:sp>
-        <p:sp>
-          <p:nvSpPr>
-            <p:cNvPr id="6" name="文本框 5"/>
-            <p:cNvSpPr txBox="1"/>
-            <p:nvPr/>
-          </p:nvSpPr>
-          <p:spPr>
-            <a:xfrm>
-              <a:off x="6177393" y="1978026"/>
-              <a:ext cx="665020" cy="584775"/>
-            </a:xfrm>
-            <a:prstGeom prst="rect">
-              <a:avLst/>
-            </a:prstGeom>
-            <a:noFill/>
-          </p:spPr>
-          <p:txBody>
-            <a:bodyPr wrap="square" rtlCol="0">
-              <a:spAutoFit/>
-            </a:bodyPr>
-            <a:lstStyle/>
-            <a:p>
-              <a:pPr algn="ctr"/>
-              <a:r>
-                <a:rPr lang="en-US" altLang="zh-CN" sz="3200" dirty="0" smtClean="0">
-                  <a:latin typeface="+mn-ea"/>
-                </a:rPr>
-                <a:t>01</a:t>
-              </a:r>
-              <a:endParaRPr lang="zh-CN" altLang="en-US" sz="3200" dirty="0">
-                <a:latin typeface="+mn-ea"/>
-              </a:endParaRPr>
-            </a:p>
-          </p:txBody>
-        </p:sp>
-      </p:grpSp>
       <p:sp>
         <p:nvSpPr>
-          <p:cNvPr id="8" name="文本框 7"/>
+          <p:cNvPr id="4" name="文本框 3"/>
           <p:cNvSpPr txBox="1"/>
           <p:nvPr/>
         </p:nvSpPr>
         <p:spPr>
           <a:xfrm>
-            <a:off x="5628411" y="2638997"/>
-            <a:ext cx="2078181" cy="523220"/>
+            <a:off x="1294765" y="1974215"/>
+            <a:ext cx="4253865" cy="1014730"/>
           </a:xfrm>
           <a:prstGeom prst="rect">
             <a:avLst/>
@@ -4016,93 +3348,57 @@
           <a:bodyPr wrap="square" rtlCol="0">
             <a:spAutoFit/>
           </a:bodyPr>
-          <a:lstStyle/>
-          <a:p>
-            <a:pPr algn="ctr"/>
+          <a:p>
             <a:r>
-              <a:rPr lang="zh-CN" altLang="en-US" sz="2800" b="1" dirty="0" smtClean="0">
-                <a:latin typeface="+mn-ea"/>
+              <a:rPr lang="zh-CN" altLang="en-US" sz="6000">
+                <a:solidFill>
+                  <a:schemeClr val="tx1">
+                    <a:lumMod val="75000"/>
+                    <a:lumOff val="25000"/>
+                  </a:schemeClr>
+                </a:solidFill>
+                <a:latin typeface="腾祥凌黑简" panose="01010104010101010101" charset="-122"/>
+                <a:ea typeface="腾祥凌黑简" panose="01010104010101010101" charset="-122"/>
               </a:rPr>
-              <a:t>输入标题</a:t>
+              <a:t>仙人掌团队</a:t>
             </a:r>
-            <a:endParaRPr lang="zh-CN" altLang="en-US" sz="2800" b="1" dirty="0">
-              <a:latin typeface="+mn-ea"/>
+            <a:endParaRPr lang="zh-CN" altLang="en-US" sz="6000">
+              <a:solidFill>
+                <a:schemeClr val="tx1">
+                  <a:lumMod val="75000"/>
+                  <a:lumOff val="25000"/>
+                </a:schemeClr>
+              </a:solidFill>
+              <a:latin typeface="腾祥凌黑简" panose="01010104010101010101" charset="-122"/>
+              <a:ea typeface="腾祥凌黑简" panose="01010104010101010101" charset="-122"/>
             </a:endParaRPr>
           </a:p>
         </p:txBody>
       </p:sp>
       <p:grpSp>
         <p:nvGrpSpPr>
-          <p:cNvPr id="9" name="组合 8"/>
+          <p:cNvPr id="6" name="组合 5"/>
           <p:cNvGrpSpPr/>
           <p:nvPr/>
         </p:nvGrpSpPr>
         <p:grpSpPr>
           <a:xfrm>
-            <a:off x="9872808" y="1733467"/>
-            <a:ext cx="800101" cy="800101"/>
-            <a:chOff x="6109853" y="1870364"/>
-            <a:chExt cx="800101" cy="800101"/>
+            <a:off x="1042670" y="4510405"/>
+            <a:ext cx="6468745" cy="1719580"/>
+            <a:chOff x="1642" y="5483"/>
+            <a:chExt cx="10187" cy="2708"/>
           </a:xfrm>
         </p:grpSpPr>
         <p:sp>
           <p:nvSpPr>
-            <p:cNvPr id="10" name="椭圆 9"/>
-            <p:cNvSpPr/>
-            <p:nvPr/>
-          </p:nvSpPr>
-          <p:spPr>
-            <a:xfrm>
-              <a:off x="6109853" y="1870364"/>
-              <a:ext cx="800101" cy="800101"/>
-            </a:xfrm>
-            <a:prstGeom prst="ellipse">
-              <a:avLst/>
-            </a:prstGeom>
-            <a:solidFill>
-              <a:srgbClr val="E570B2"/>
-            </a:solidFill>
-            <a:ln>
-              <a:noFill/>
-            </a:ln>
-          </p:spPr>
-          <p:style>
-            <a:lnRef idx="2">
-              <a:schemeClr val="accent1">
-                <a:shade val="50000"/>
-              </a:schemeClr>
-            </a:lnRef>
-            <a:fillRef idx="1">
-              <a:schemeClr val="accent1"/>
-            </a:fillRef>
-            <a:effectRef idx="0">
-              <a:schemeClr val="accent1"/>
-            </a:effectRef>
-            <a:fontRef idx="minor">
-              <a:schemeClr val="lt1"/>
-            </a:fontRef>
-          </p:style>
-          <p:txBody>
-            <a:bodyPr rtlCol="0" anchor="ctr"/>
-            <a:lstStyle/>
-            <a:p>
-              <a:pPr algn="ctr"/>
-              <a:endParaRPr lang="zh-CN" altLang="en-US" dirty="0">
-                <a:latin typeface="+mn-ea"/>
-              </a:endParaRPr>
-            </a:p>
-          </p:txBody>
-        </p:sp>
-        <p:sp>
-          <p:nvSpPr>
-            <p:cNvPr id="11" name="文本框 10"/>
+            <p:cNvPr id="9" name="文本框 8"/>
             <p:cNvSpPr txBox="1"/>
             <p:nvPr/>
           </p:nvSpPr>
           <p:spPr>
             <a:xfrm>
-              <a:off x="6177393" y="1978026"/>
-              <a:ext cx="665020" cy="584775"/>
+              <a:off x="2048" y="5483"/>
+              <a:ext cx="9781" cy="2708"/>
             </a:xfrm>
             <a:prstGeom prst="rect">
               <a:avLst/>
@@ -4110,20 +3406,3093 @@
             <a:noFill/>
           </p:spPr>
           <p:txBody>
-            <a:bodyPr wrap="square" rtlCol="0">
+            <a:bodyPr wrap="square" rtlCol="0" anchor="t">
               <a:spAutoFit/>
             </a:bodyPr>
-            <a:lstStyle/>
             <a:p>
-              <a:pPr algn="ctr"/>
+              <a:pPr fontAlgn="auto">
+                <a:lnSpc>
+                  <a:spcPts val="1900"/>
+                </a:lnSpc>
+              </a:pPr>
               <a:r>
-                <a:rPr lang="en-US" altLang="zh-CN" sz="3200" dirty="0" smtClean="0">
-                  <a:latin typeface="+mn-ea"/>
+                <a:rPr lang="zh-CN" altLang="en-US" sz="1400" b="1">
+                  <a:solidFill>
+                    <a:schemeClr val="tx1">
+                      <a:lumMod val="65000"/>
+                      <a:lumOff val="35000"/>
+                    </a:schemeClr>
+                  </a:solidFill>
                 </a:rPr>
-                <a:t>02</a:t>
+                <a:t>对于创新型的组织，我们在很多场合都提到一种生态，那就是仙人掌。</a:t>
               </a:r>
-              <a:endParaRPr lang="zh-CN" altLang="en-US" sz="3200" dirty="0">
-                <a:latin typeface="+mn-ea"/>
+              <a:endParaRPr lang="zh-CN" altLang="en-US" sz="1400" b="1">
+                <a:solidFill>
+                  <a:schemeClr val="tx1">
+                    <a:lumMod val="65000"/>
+                    <a:lumOff val="35000"/>
+                  </a:schemeClr>
+                </a:solidFill>
+              </a:endParaRPr>
+            </a:p>
+            <a:p>
+              <a:pPr fontAlgn="auto">
+                <a:lnSpc>
+                  <a:spcPts val="1900"/>
+                </a:lnSpc>
+              </a:pPr>
+              <a:endParaRPr lang="zh-CN" altLang="en-US" sz="1400">
+                <a:solidFill>
+                  <a:schemeClr val="tx1">
+                    <a:lumMod val="65000"/>
+                    <a:lumOff val="35000"/>
+                  </a:schemeClr>
+                </a:solidFill>
+              </a:endParaRPr>
+            </a:p>
+            <a:p>
+              <a:pPr fontAlgn="auto">
+                <a:lnSpc>
+                  <a:spcPts val="1700"/>
+                </a:lnSpc>
+              </a:pPr>
+              <a:r>
+                <a:rPr lang="zh-CN" altLang="en-US" sz="1200">
+                  <a:solidFill>
+                    <a:schemeClr val="tx1">
+                      <a:lumMod val="65000"/>
+                      <a:lumOff val="35000"/>
+                    </a:schemeClr>
+                  </a:solidFill>
+                </a:rPr>
+                <a:t>仙人掌是一种在恶劣环境也能够生长的植物，刚开始仙人掌是只有一片掌叶的，长到一定规模后，渐渐生出新的掌叶，通过吸收母体的养分逐渐长大，到一定阶段，在这片新的掌叶上又生出新的更小的组织。最终成为更强的、大型的仙人掌。</a:t>
+              </a:r>
+              <a:endParaRPr lang="zh-CN" altLang="en-US" sz="1200">
+                <a:solidFill>
+                  <a:schemeClr val="tx1">
+                    <a:lumMod val="65000"/>
+                    <a:lumOff val="35000"/>
+                  </a:schemeClr>
+                </a:solidFill>
+              </a:endParaRPr>
+            </a:p>
+            <a:p>
+              <a:pPr fontAlgn="auto">
+                <a:lnSpc>
+                  <a:spcPts val="1900"/>
+                </a:lnSpc>
+              </a:pPr>
+              <a:endParaRPr lang="zh-CN" altLang="en-US" sz="1200">
+                <a:solidFill>
+                  <a:schemeClr val="tx1">
+                    <a:lumMod val="65000"/>
+                    <a:lumOff val="35000"/>
+                  </a:schemeClr>
+                </a:solidFill>
+              </a:endParaRPr>
+            </a:p>
+            <a:p>
+              <a:pPr fontAlgn="auto">
+                <a:lnSpc>
+                  <a:spcPts val="1900"/>
+                </a:lnSpc>
+              </a:pPr>
+              <a:r>
+                <a:rPr lang="zh-CN" altLang="en-US" sz="1200">
+                  <a:solidFill>
+                    <a:schemeClr val="tx1">
+                      <a:lumMod val="65000"/>
+                      <a:lumOff val="35000"/>
+                    </a:schemeClr>
+                  </a:solidFill>
+                </a:rPr>
+                <a:t>这种生长的模式，也是我们团队发展过程中希望的方式。</a:t>
+              </a:r>
+              <a:endParaRPr lang="zh-CN" altLang="en-US" sz="1200">
+                <a:solidFill>
+                  <a:schemeClr val="tx1">
+                    <a:lumMod val="65000"/>
+                    <a:lumOff val="35000"/>
+                  </a:schemeClr>
+                </a:solidFill>
+              </a:endParaRPr>
+            </a:p>
+          </p:txBody>
+        </p:sp>
+        <p:sp>
+          <p:nvSpPr>
+            <p:cNvPr id="247" name="Freeform 245"/>
+            <p:cNvSpPr>
+              <a:spLocks noChangeAspect="1" noEditPoints="1"/>
+            </p:cNvSpPr>
+            <p:nvPr/>
+          </p:nvSpPr>
+          <p:spPr bwMode="auto">
+            <a:xfrm>
+              <a:off x="1642" y="5563"/>
+              <a:ext cx="397" cy="336"/>
+            </a:xfrm>
+            <a:custGeom>
+              <a:avLst/>
+              <a:gdLst>
+                <a:gd name="T0" fmla="*/ 72 w 157"/>
+                <a:gd name="T1" fmla="*/ 79 h 133"/>
+                <a:gd name="T2" fmla="*/ 72 w 157"/>
+                <a:gd name="T3" fmla="*/ 115 h 133"/>
+                <a:gd name="T4" fmla="*/ 67 w 157"/>
+                <a:gd name="T5" fmla="*/ 128 h 133"/>
+                <a:gd name="T6" fmla="*/ 54 w 157"/>
+                <a:gd name="T7" fmla="*/ 133 h 133"/>
+                <a:gd name="T8" fmla="*/ 18 w 157"/>
+                <a:gd name="T9" fmla="*/ 133 h 133"/>
+                <a:gd name="T10" fmla="*/ 5 w 157"/>
+                <a:gd name="T11" fmla="*/ 128 h 133"/>
+                <a:gd name="T12" fmla="*/ 0 w 157"/>
+                <a:gd name="T13" fmla="*/ 115 h 133"/>
+                <a:gd name="T14" fmla="*/ 0 w 157"/>
+                <a:gd name="T15" fmla="*/ 49 h 133"/>
+                <a:gd name="T16" fmla="*/ 3 w 157"/>
+                <a:gd name="T17" fmla="*/ 30 h 133"/>
+                <a:gd name="T18" fmla="*/ 14 w 157"/>
+                <a:gd name="T19" fmla="*/ 14 h 133"/>
+                <a:gd name="T20" fmla="*/ 29 w 157"/>
+                <a:gd name="T21" fmla="*/ 4 h 133"/>
+                <a:gd name="T22" fmla="*/ 48 w 157"/>
+                <a:gd name="T23" fmla="*/ 0 h 133"/>
+                <a:gd name="T24" fmla="*/ 54 w 157"/>
+                <a:gd name="T25" fmla="*/ 0 h 133"/>
+                <a:gd name="T26" fmla="*/ 58 w 157"/>
+                <a:gd name="T27" fmla="*/ 2 h 133"/>
+                <a:gd name="T28" fmla="*/ 60 w 157"/>
+                <a:gd name="T29" fmla="*/ 6 h 133"/>
+                <a:gd name="T30" fmla="*/ 60 w 157"/>
+                <a:gd name="T31" fmla="*/ 18 h 133"/>
+                <a:gd name="T32" fmla="*/ 58 w 157"/>
+                <a:gd name="T33" fmla="*/ 23 h 133"/>
+                <a:gd name="T34" fmla="*/ 54 w 157"/>
+                <a:gd name="T35" fmla="*/ 25 h 133"/>
+                <a:gd name="T36" fmla="*/ 48 w 157"/>
+                <a:gd name="T37" fmla="*/ 25 h 133"/>
+                <a:gd name="T38" fmla="*/ 31 w 157"/>
+                <a:gd name="T39" fmla="*/ 32 h 133"/>
+                <a:gd name="T40" fmla="*/ 24 w 157"/>
+                <a:gd name="T41" fmla="*/ 49 h 133"/>
+                <a:gd name="T42" fmla="*/ 24 w 157"/>
+                <a:gd name="T43" fmla="*/ 52 h 133"/>
+                <a:gd name="T44" fmla="*/ 26 w 157"/>
+                <a:gd name="T45" fmla="*/ 58 h 133"/>
+                <a:gd name="T46" fmla="*/ 33 w 157"/>
+                <a:gd name="T47" fmla="*/ 61 h 133"/>
+                <a:gd name="T48" fmla="*/ 54 w 157"/>
+                <a:gd name="T49" fmla="*/ 61 h 133"/>
+                <a:gd name="T50" fmla="*/ 67 w 157"/>
+                <a:gd name="T51" fmla="*/ 66 h 133"/>
+                <a:gd name="T52" fmla="*/ 72 w 157"/>
+                <a:gd name="T53" fmla="*/ 79 h 133"/>
+                <a:gd name="T54" fmla="*/ 157 w 157"/>
+                <a:gd name="T55" fmla="*/ 79 h 133"/>
+                <a:gd name="T56" fmla="*/ 157 w 157"/>
+                <a:gd name="T57" fmla="*/ 115 h 133"/>
+                <a:gd name="T58" fmla="*/ 152 w 157"/>
+                <a:gd name="T59" fmla="*/ 128 h 133"/>
+                <a:gd name="T60" fmla="*/ 139 w 157"/>
+                <a:gd name="T61" fmla="*/ 133 h 133"/>
+                <a:gd name="T62" fmla="*/ 102 w 157"/>
+                <a:gd name="T63" fmla="*/ 133 h 133"/>
+                <a:gd name="T64" fmla="*/ 90 w 157"/>
+                <a:gd name="T65" fmla="*/ 128 h 133"/>
+                <a:gd name="T66" fmla="*/ 84 w 157"/>
+                <a:gd name="T67" fmla="*/ 115 h 133"/>
+                <a:gd name="T68" fmla="*/ 84 w 157"/>
+                <a:gd name="T69" fmla="*/ 49 h 133"/>
+                <a:gd name="T70" fmla="*/ 88 w 157"/>
+                <a:gd name="T71" fmla="*/ 30 h 133"/>
+                <a:gd name="T72" fmla="*/ 99 w 157"/>
+                <a:gd name="T73" fmla="*/ 14 h 133"/>
+                <a:gd name="T74" fmla="*/ 114 w 157"/>
+                <a:gd name="T75" fmla="*/ 4 h 133"/>
+                <a:gd name="T76" fmla="*/ 133 w 157"/>
+                <a:gd name="T77" fmla="*/ 0 h 133"/>
+                <a:gd name="T78" fmla="*/ 139 w 157"/>
+                <a:gd name="T79" fmla="*/ 0 h 133"/>
+                <a:gd name="T80" fmla="*/ 143 w 157"/>
+                <a:gd name="T81" fmla="*/ 2 h 133"/>
+                <a:gd name="T82" fmla="*/ 145 w 157"/>
+                <a:gd name="T83" fmla="*/ 6 h 133"/>
+                <a:gd name="T84" fmla="*/ 145 w 157"/>
+                <a:gd name="T85" fmla="*/ 18 h 133"/>
+                <a:gd name="T86" fmla="*/ 143 w 157"/>
+                <a:gd name="T87" fmla="*/ 23 h 133"/>
+                <a:gd name="T88" fmla="*/ 139 w 157"/>
+                <a:gd name="T89" fmla="*/ 25 h 133"/>
+                <a:gd name="T90" fmla="*/ 133 w 157"/>
+                <a:gd name="T91" fmla="*/ 25 h 133"/>
+                <a:gd name="T92" fmla="*/ 116 w 157"/>
+                <a:gd name="T93" fmla="*/ 32 h 133"/>
+                <a:gd name="T94" fmla="*/ 109 w 157"/>
+                <a:gd name="T95" fmla="*/ 49 h 133"/>
+                <a:gd name="T96" fmla="*/ 109 w 157"/>
+                <a:gd name="T97" fmla="*/ 52 h 133"/>
+                <a:gd name="T98" fmla="*/ 111 w 157"/>
+                <a:gd name="T99" fmla="*/ 58 h 133"/>
+                <a:gd name="T100" fmla="*/ 118 w 157"/>
+                <a:gd name="T101" fmla="*/ 61 h 133"/>
+                <a:gd name="T102" fmla="*/ 139 w 157"/>
+                <a:gd name="T103" fmla="*/ 61 h 133"/>
+                <a:gd name="T104" fmla="*/ 152 w 157"/>
+                <a:gd name="T105" fmla="*/ 66 h 133"/>
+                <a:gd name="T106" fmla="*/ 157 w 157"/>
+                <a:gd name="T107" fmla="*/ 79 h 133"/>
+              </a:gdLst>
+              <a:ahLst/>
+              <a:cxnLst>
+                <a:cxn ang="0">
+                  <a:pos x="T0" y="T1"/>
+                </a:cxn>
+                <a:cxn ang="0">
+                  <a:pos x="T2" y="T3"/>
+                </a:cxn>
+                <a:cxn ang="0">
+                  <a:pos x="T4" y="T5"/>
+                </a:cxn>
+                <a:cxn ang="0">
+                  <a:pos x="T6" y="T7"/>
+                </a:cxn>
+                <a:cxn ang="0">
+                  <a:pos x="T8" y="T9"/>
+                </a:cxn>
+                <a:cxn ang="0">
+                  <a:pos x="T10" y="T11"/>
+                </a:cxn>
+                <a:cxn ang="0">
+                  <a:pos x="T12" y="T13"/>
+                </a:cxn>
+                <a:cxn ang="0">
+                  <a:pos x="T14" y="T15"/>
+                </a:cxn>
+                <a:cxn ang="0">
+                  <a:pos x="T16" y="T17"/>
+                </a:cxn>
+                <a:cxn ang="0">
+                  <a:pos x="T18" y="T19"/>
+                </a:cxn>
+                <a:cxn ang="0">
+                  <a:pos x="T20" y="T21"/>
+                </a:cxn>
+                <a:cxn ang="0">
+                  <a:pos x="T22" y="T23"/>
+                </a:cxn>
+                <a:cxn ang="0">
+                  <a:pos x="T24" y="T25"/>
+                </a:cxn>
+                <a:cxn ang="0">
+                  <a:pos x="T26" y="T27"/>
+                </a:cxn>
+                <a:cxn ang="0">
+                  <a:pos x="T28" y="T29"/>
+                </a:cxn>
+                <a:cxn ang="0">
+                  <a:pos x="T30" y="T31"/>
+                </a:cxn>
+                <a:cxn ang="0">
+                  <a:pos x="T32" y="T33"/>
+                </a:cxn>
+                <a:cxn ang="0">
+                  <a:pos x="T34" y="T35"/>
+                </a:cxn>
+                <a:cxn ang="0">
+                  <a:pos x="T36" y="T37"/>
+                </a:cxn>
+                <a:cxn ang="0">
+                  <a:pos x="T38" y="T39"/>
+                </a:cxn>
+                <a:cxn ang="0">
+                  <a:pos x="T40" y="T41"/>
+                </a:cxn>
+                <a:cxn ang="0">
+                  <a:pos x="T42" y="T43"/>
+                </a:cxn>
+                <a:cxn ang="0">
+                  <a:pos x="T44" y="T45"/>
+                </a:cxn>
+                <a:cxn ang="0">
+                  <a:pos x="T46" y="T47"/>
+                </a:cxn>
+                <a:cxn ang="0">
+                  <a:pos x="T48" y="T49"/>
+                </a:cxn>
+                <a:cxn ang="0">
+                  <a:pos x="T50" y="T51"/>
+                </a:cxn>
+                <a:cxn ang="0">
+                  <a:pos x="T52" y="T53"/>
+                </a:cxn>
+                <a:cxn ang="0">
+                  <a:pos x="T54" y="T55"/>
+                </a:cxn>
+                <a:cxn ang="0">
+                  <a:pos x="T56" y="T57"/>
+                </a:cxn>
+                <a:cxn ang="0">
+                  <a:pos x="T58" y="T59"/>
+                </a:cxn>
+                <a:cxn ang="0">
+                  <a:pos x="T60" y="T61"/>
+                </a:cxn>
+                <a:cxn ang="0">
+                  <a:pos x="T62" y="T63"/>
+                </a:cxn>
+                <a:cxn ang="0">
+                  <a:pos x="T64" y="T65"/>
+                </a:cxn>
+                <a:cxn ang="0">
+                  <a:pos x="T66" y="T67"/>
+                </a:cxn>
+                <a:cxn ang="0">
+                  <a:pos x="T68" y="T69"/>
+                </a:cxn>
+                <a:cxn ang="0">
+                  <a:pos x="T70" y="T71"/>
+                </a:cxn>
+                <a:cxn ang="0">
+                  <a:pos x="T72" y="T73"/>
+                </a:cxn>
+                <a:cxn ang="0">
+                  <a:pos x="T74" y="T75"/>
+                </a:cxn>
+                <a:cxn ang="0">
+                  <a:pos x="T76" y="T77"/>
+                </a:cxn>
+                <a:cxn ang="0">
+                  <a:pos x="T78" y="T79"/>
+                </a:cxn>
+                <a:cxn ang="0">
+                  <a:pos x="T80" y="T81"/>
+                </a:cxn>
+                <a:cxn ang="0">
+                  <a:pos x="T82" y="T83"/>
+                </a:cxn>
+                <a:cxn ang="0">
+                  <a:pos x="T84" y="T85"/>
+                </a:cxn>
+                <a:cxn ang="0">
+                  <a:pos x="T86" y="T87"/>
+                </a:cxn>
+                <a:cxn ang="0">
+                  <a:pos x="T88" y="T89"/>
+                </a:cxn>
+                <a:cxn ang="0">
+                  <a:pos x="T90" y="T91"/>
+                </a:cxn>
+                <a:cxn ang="0">
+                  <a:pos x="T92" y="T93"/>
+                </a:cxn>
+                <a:cxn ang="0">
+                  <a:pos x="T94" y="T95"/>
+                </a:cxn>
+                <a:cxn ang="0">
+                  <a:pos x="T96" y="T97"/>
+                </a:cxn>
+                <a:cxn ang="0">
+                  <a:pos x="T98" y="T99"/>
+                </a:cxn>
+                <a:cxn ang="0">
+                  <a:pos x="T100" y="T101"/>
+                </a:cxn>
+                <a:cxn ang="0">
+                  <a:pos x="T102" y="T103"/>
+                </a:cxn>
+                <a:cxn ang="0">
+                  <a:pos x="T104" y="T105"/>
+                </a:cxn>
+                <a:cxn ang="0">
+                  <a:pos x="T106" y="T107"/>
+                </a:cxn>
+              </a:cxnLst>
+              <a:rect l="0" t="0" r="r" b="b"/>
+              <a:pathLst>
+                <a:path w="157" h="133">
+                  <a:moveTo>
+                    <a:pt x="72" y="79"/>
+                  </a:moveTo>
+                  <a:cubicBezTo>
+                    <a:pt x="72" y="115"/>
+                    <a:pt x="72" y="115"/>
+                    <a:pt x="72" y="115"/>
+                  </a:cubicBezTo>
+                  <a:cubicBezTo>
+                    <a:pt x="72" y="120"/>
+                    <a:pt x="70" y="125"/>
+                    <a:pt x="67" y="128"/>
+                  </a:cubicBezTo>
+                  <a:cubicBezTo>
+                    <a:pt x="63" y="132"/>
+                    <a:pt x="59" y="133"/>
+                    <a:pt x="54" y="133"/>
+                  </a:cubicBezTo>
+                  <a:cubicBezTo>
+                    <a:pt x="18" y="133"/>
+                    <a:pt x="18" y="133"/>
+                    <a:pt x="18" y="133"/>
+                  </a:cubicBezTo>
+                  <a:cubicBezTo>
+                    <a:pt x="13" y="133"/>
+                    <a:pt x="8" y="132"/>
+                    <a:pt x="5" y="128"/>
+                  </a:cubicBezTo>
+                  <a:cubicBezTo>
+                    <a:pt x="1" y="125"/>
+                    <a:pt x="0" y="120"/>
+                    <a:pt x="0" y="115"/>
+                  </a:cubicBezTo>
+                  <a:cubicBezTo>
+                    <a:pt x="0" y="49"/>
+                    <a:pt x="0" y="49"/>
+                    <a:pt x="0" y="49"/>
+                  </a:cubicBezTo>
+                  <a:cubicBezTo>
+                    <a:pt x="0" y="42"/>
+                    <a:pt x="1" y="36"/>
+                    <a:pt x="3" y="30"/>
+                  </a:cubicBezTo>
+                  <a:cubicBezTo>
+                    <a:pt x="6" y="24"/>
+                    <a:pt x="9" y="19"/>
+                    <a:pt x="14" y="14"/>
+                  </a:cubicBezTo>
+                  <a:cubicBezTo>
+                    <a:pt x="18" y="10"/>
+                    <a:pt x="23" y="7"/>
+                    <a:pt x="29" y="4"/>
+                  </a:cubicBezTo>
+                  <a:cubicBezTo>
+                    <a:pt x="35" y="2"/>
+                    <a:pt x="41" y="0"/>
+                    <a:pt x="48" y="0"/>
+                  </a:cubicBezTo>
+                  <a:cubicBezTo>
+                    <a:pt x="54" y="0"/>
+                    <a:pt x="54" y="0"/>
+                    <a:pt x="54" y="0"/>
+                  </a:cubicBezTo>
+                  <a:cubicBezTo>
+                    <a:pt x="56" y="0"/>
+                    <a:pt x="57" y="1"/>
+                    <a:pt x="58" y="2"/>
+                  </a:cubicBezTo>
+                  <a:cubicBezTo>
+                    <a:pt x="60" y="3"/>
+                    <a:pt x="60" y="5"/>
+                    <a:pt x="60" y="6"/>
+                  </a:cubicBezTo>
+                  <a:cubicBezTo>
+                    <a:pt x="60" y="18"/>
+                    <a:pt x="60" y="18"/>
+                    <a:pt x="60" y="18"/>
+                  </a:cubicBezTo>
+                  <a:cubicBezTo>
+                    <a:pt x="60" y="20"/>
+                    <a:pt x="60" y="22"/>
+                    <a:pt x="58" y="23"/>
+                  </a:cubicBezTo>
+                  <a:cubicBezTo>
+                    <a:pt x="57" y="24"/>
+                    <a:pt x="56" y="25"/>
+                    <a:pt x="54" y="25"/>
+                  </a:cubicBezTo>
+                  <a:cubicBezTo>
+                    <a:pt x="48" y="25"/>
+                    <a:pt x="48" y="25"/>
+                    <a:pt x="48" y="25"/>
+                  </a:cubicBezTo>
+                  <a:cubicBezTo>
+                    <a:pt x="41" y="25"/>
+                    <a:pt x="36" y="27"/>
+                    <a:pt x="31" y="32"/>
+                  </a:cubicBezTo>
+                  <a:cubicBezTo>
+                    <a:pt x="26" y="36"/>
+                    <a:pt x="24" y="42"/>
+                    <a:pt x="24" y="49"/>
+                  </a:cubicBezTo>
+                  <a:cubicBezTo>
+                    <a:pt x="24" y="52"/>
+                    <a:pt x="24" y="52"/>
+                    <a:pt x="24" y="52"/>
+                  </a:cubicBezTo>
+                  <a:cubicBezTo>
+                    <a:pt x="24" y="54"/>
+                    <a:pt x="25" y="56"/>
+                    <a:pt x="26" y="58"/>
+                  </a:cubicBezTo>
+                  <a:cubicBezTo>
+                    <a:pt x="28" y="60"/>
+                    <a:pt x="30" y="61"/>
+                    <a:pt x="33" y="61"/>
+                  </a:cubicBezTo>
+                  <a:cubicBezTo>
+                    <a:pt x="54" y="61"/>
+                    <a:pt x="54" y="61"/>
+                    <a:pt x="54" y="61"/>
+                  </a:cubicBezTo>
+                  <a:cubicBezTo>
+                    <a:pt x="59" y="61"/>
+                    <a:pt x="63" y="63"/>
+                    <a:pt x="67" y="66"/>
+                  </a:cubicBezTo>
+                  <a:cubicBezTo>
+                    <a:pt x="70" y="70"/>
+                    <a:pt x="72" y="74"/>
+                    <a:pt x="72" y="79"/>
+                  </a:cubicBezTo>
+                  <a:close/>
+                  <a:moveTo>
+                    <a:pt x="157" y="79"/>
+                  </a:moveTo>
+                  <a:cubicBezTo>
+                    <a:pt x="157" y="115"/>
+                    <a:pt x="157" y="115"/>
+                    <a:pt x="157" y="115"/>
+                  </a:cubicBezTo>
+                  <a:cubicBezTo>
+                    <a:pt x="157" y="120"/>
+                    <a:pt x="155" y="125"/>
+                    <a:pt x="152" y="128"/>
+                  </a:cubicBezTo>
+                  <a:cubicBezTo>
+                    <a:pt x="148" y="132"/>
+                    <a:pt x="144" y="133"/>
+                    <a:pt x="139" y="133"/>
+                  </a:cubicBezTo>
+                  <a:cubicBezTo>
+                    <a:pt x="102" y="133"/>
+                    <a:pt x="102" y="133"/>
+                    <a:pt x="102" y="133"/>
+                  </a:cubicBezTo>
+                  <a:cubicBezTo>
+                    <a:pt x="97" y="133"/>
+                    <a:pt x="93" y="132"/>
+                    <a:pt x="90" y="128"/>
+                  </a:cubicBezTo>
+                  <a:cubicBezTo>
+                    <a:pt x="86" y="125"/>
+                    <a:pt x="84" y="120"/>
+                    <a:pt x="84" y="115"/>
+                  </a:cubicBezTo>
+                  <a:cubicBezTo>
+                    <a:pt x="84" y="49"/>
+                    <a:pt x="84" y="49"/>
+                    <a:pt x="84" y="49"/>
+                  </a:cubicBezTo>
+                  <a:cubicBezTo>
+                    <a:pt x="84" y="42"/>
+                    <a:pt x="86" y="36"/>
+                    <a:pt x="88" y="30"/>
+                  </a:cubicBezTo>
+                  <a:cubicBezTo>
+                    <a:pt x="91" y="24"/>
+                    <a:pt x="94" y="19"/>
+                    <a:pt x="99" y="14"/>
+                  </a:cubicBezTo>
+                  <a:cubicBezTo>
+                    <a:pt x="103" y="10"/>
+                    <a:pt x="108" y="7"/>
+                    <a:pt x="114" y="4"/>
+                  </a:cubicBezTo>
+                  <a:cubicBezTo>
+                    <a:pt x="120" y="2"/>
+                    <a:pt x="126" y="0"/>
+                    <a:pt x="133" y="0"/>
+                  </a:cubicBezTo>
+                  <a:cubicBezTo>
+                    <a:pt x="139" y="0"/>
+                    <a:pt x="139" y="0"/>
+                    <a:pt x="139" y="0"/>
+                  </a:cubicBezTo>
+                  <a:cubicBezTo>
+                    <a:pt x="140" y="0"/>
+                    <a:pt x="142" y="1"/>
+                    <a:pt x="143" y="2"/>
+                  </a:cubicBezTo>
+                  <a:cubicBezTo>
+                    <a:pt x="144" y="3"/>
+                    <a:pt x="145" y="5"/>
+                    <a:pt x="145" y="6"/>
+                  </a:cubicBezTo>
+                  <a:cubicBezTo>
+                    <a:pt x="145" y="18"/>
+                    <a:pt x="145" y="18"/>
+                    <a:pt x="145" y="18"/>
+                  </a:cubicBezTo>
+                  <a:cubicBezTo>
+                    <a:pt x="145" y="20"/>
+                    <a:pt x="144" y="22"/>
+                    <a:pt x="143" y="23"/>
+                  </a:cubicBezTo>
+                  <a:cubicBezTo>
+                    <a:pt x="142" y="24"/>
+                    <a:pt x="140" y="25"/>
+                    <a:pt x="139" y="25"/>
+                  </a:cubicBezTo>
+                  <a:cubicBezTo>
+                    <a:pt x="133" y="25"/>
+                    <a:pt x="133" y="25"/>
+                    <a:pt x="133" y="25"/>
+                  </a:cubicBezTo>
+                  <a:cubicBezTo>
+                    <a:pt x="126" y="25"/>
+                    <a:pt x="120" y="27"/>
+                    <a:pt x="116" y="32"/>
+                  </a:cubicBezTo>
+                  <a:cubicBezTo>
+                    <a:pt x="111" y="36"/>
+                    <a:pt x="109" y="42"/>
+                    <a:pt x="109" y="49"/>
+                  </a:cubicBezTo>
+                  <a:cubicBezTo>
+                    <a:pt x="109" y="52"/>
+                    <a:pt x="109" y="52"/>
+                    <a:pt x="109" y="52"/>
+                  </a:cubicBezTo>
+                  <a:cubicBezTo>
+                    <a:pt x="109" y="54"/>
+                    <a:pt x="109" y="56"/>
+                    <a:pt x="111" y="58"/>
+                  </a:cubicBezTo>
+                  <a:cubicBezTo>
+                    <a:pt x="113" y="60"/>
+                    <a:pt x="115" y="61"/>
+                    <a:pt x="118" y="61"/>
+                  </a:cubicBezTo>
+                  <a:cubicBezTo>
+                    <a:pt x="139" y="61"/>
+                    <a:pt x="139" y="61"/>
+                    <a:pt x="139" y="61"/>
+                  </a:cubicBezTo>
+                  <a:cubicBezTo>
+                    <a:pt x="144" y="61"/>
+                    <a:pt x="148" y="63"/>
+                    <a:pt x="152" y="66"/>
+                  </a:cubicBezTo>
+                  <a:cubicBezTo>
+                    <a:pt x="155" y="70"/>
+                    <a:pt x="157" y="74"/>
+                    <a:pt x="157" y="79"/>
+                  </a:cubicBezTo>
+                  <a:close/>
+                </a:path>
+              </a:pathLst>
+            </a:custGeom>
+            <a:solidFill>
+              <a:schemeClr val="tx1">
+                <a:lumMod val="50000"/>
+                <a:lumOff val="50000"/>
+              </a:schemeClr>
+            </a:solidFill>
+            <a:ln>
+              <a:noFill/>
+            </a:ln>
+            <a:extLst>
+              <a:ext uri="{91240B29-F687-4F45-9708-019B960494DF}">
+                <a14:hiddenLine xmlns:a14="http://schemas.microsoft.com/office/drawing/2010/main" w="9525">
+                  <a:solidFill>
+                    <a:srgbClr val="000000"/>
+                  </a:solidFill>
+                  <a:round/>
+                </a14:hiddenLine>
+              </a:ext>
+            </a:extLst>
+          </p:spPr>
+          <p:txBody>
+            <a:bodyPr vert="horz" wrap="square" lIns="91440" tIns="45720" rIns="91440" bIns="45720" numCol="1" anchor="t" anchorCtr="0" compatLnSpc="1"/>
+            <a:p>
+              <a:endParaRPr lang="en-US">
+                <a:solidFill>
+                  <a:schemeClr val="tx1">
+                    <a:lumMod val="65000"/>
+                    <a:lumOff val="35000"/>
+                  </a:schemeClr>
+                </a:solidFill>
+              </a:endParaRPr>
+            </a:p>
+          </p:txBody>
+        </p:sp>
+        <p:sp>
+          <p:nvSpPr>
+            <p:cNvPr id="248" name="Freeform 246"/>
+            <p:cNvSpPr>
+              <a:spLocks noChangeAspect="1" noEditPoints="1"/>
+            </p:cNvSpPr>
+            <p:nvPr/>
+          </p:nvSpPr>
+          <p:spPr bwMode="auto">
+            <a:xfrm>
+              <a:off x="8467" y="7755"/>
+              <a:ext cx="397" cy="336"/>
+            </a:xfrm>
+            <a:custGeom>
+              <a:avLst/>
+              <a:gdLst>
+                <a:gd name="T0" fmla="*/ 73 w 157"/>
+                <a:gd name="T1" fmla="*/ 18 h 133"/>
+                <a:gd name="T2" fmla="*/ 73 w 157"/>
+                <a:gd name="T3" fmla="*/ 85 h 133"/>
+                <a:gd name="T4" fmla="*/ 69 w 157"/>
+                <a:gd name="T5" fmla="*/ 104 h 133"/>
+                <a:gd name="T6" fmla="*/ 58 w 157"/>
+                <a:gd name="T7" fmla="*/ 119 h 133"/>
+                <a:gd name="T8" fmla="*/ 43 w 157"/>
+                <a:gd name="T9" fmla="*/ 130 h 133"/>
+                <a:gd name="T10" fmla="*/ 24 w 157"/>
+                <a:gd name="T11" fmla="*/ 133 h 133"/>
+                <a:gd name="T12" fmla="*/ 18 w 157"/>
+                <a:gd name="T13" fmla="*/ 133 h 133"/>
+                <a:gd name="T14" fmla="*/ 14 w 157"/>
+                <a:gd name="T15" fmla="*/ 132 h 133"/>
+                <a:gd name="T16" fmla="*/ 12 w 157"/>
+                <a:gd name="T17" fmla="*/ 127 h 133"/>
+                <a:gd name="T18" fmla="*/ 12 w 157"/>
+                <a:gd name="T19" fmla="*/ 115 h 133"/>
+                <a:gd name="T20" fmla="*/ 14 w 157"/>
+                <a:gd name="T21" fmla="*/ 111 h 133"/>
+                <a:gd name="T22" fmla="*/ 18 w 157"/>
+                <a:gd name="T23" fmla="*/ 109 h 133"/>
+                <a:gd name="T24" fmla="*/ 24 w 157"/>
+                <a:gd name="T25" fmla="*/ 109 h 133"/>
+                <a:gd name="T26" fmla="*/ 41 w 157"/>
+                <a:gd name="T27" fmla="*/ 102 h 133"/>
+                <a:gd name="T28" fmla="*/ 48 w 157"/>
+                <a:gd name="T29" fmla="*/ 85 h 133"/>
+                <a:gd name="T30" fmla="*/ 48 w 157"/>
+                <a:gd name="T31" fmla="*/ 82 h 133"/>
+                <a:gd name="T32" fmla="*/ 46 w 157"/>
+                <a:gd name="T33" fmla="*/ 76 h 133"/>
+                <a:gd name="T34" fmla="*/ 39 w 157"/>
+                <a:gd name="T35" fmla="*/ 73 h 133"/>
+                <a:gd name="T36" fmla="*/ 18 w 157"/>
+                <a:gd name="T37" fmla="*/ 73 h 133"/>
+                <a:gd name="T38" fmla="*/ 5 w 157"/>
+                <a:gd name="T39" fmla="*/ 68 h 133"/>
+                <a:gd name="T40" fmla="*/ 0 w 157"/>
+                <a:gd name="T41" fmla="*/ 55 h 133"/>
+                <a:gd name="T42" fmla="*/ 0 w 157"/>
+                <a:gd name="T43" fmla="*/ 18 h 133"/>
+                <a:gd name="T44" fmla="*/ 5 w 157"/>
+                <a:gd name="T45" fmla="*/ 6 h 133"/>
+                <a:gd name="T46" fmla="*/ 18 w 157"/>
+                <a:gd name="T47" fmla="*/ 0 h 133"/>
+                <a:gd name="T48" fmla="*/ 54 w 157"/>
+                <a:gd name="T49" fmla="*/ 0 h 133"/>
+                <a:gd name="T50" fmla="*/ 67 w 157"/>
+                <a:gd name="T51" fmla="*/ 6 h 133"/>
+                <a:gd name="T52" fmla="*/ 73 w 157"/>
+                <a:gd name="T53" fmla="*/ 18 h 133"/>
+                <a:gd name="T54" fmla="*/ 157 w 157"/>
+                <a:gd name="T55" fmla="*/ 18 h 133"/>
+                <a:gd name="T56" fmla="*/ 157 w 157"/>
+                <a:gd name="T57" fmla="*/ 85 h 133"/>
+                <a:gd name="T58" fmla="*/ 153 w 157"/>
+                <a:gd name="T59" fmla="*/ 104 h 133"/>
+                <a:gd name="T60" fmla="*/ 143 w 157"/>
+                <a:gd name="T61" fmla="*/ 119 h 133"/>
+                <a:gd name="T62" fmla="*/ 128 w 157"/>
+                <a:gd name="T63" fmla="*/ 130 h 133"/>
+                <a:gd name="T64" fmla="*/ 109 w 157"/>
+                <a:gd name="T65" fmla="*/ 133 h 133"/>
+                <a:gd name="T66" fmla="*/ 103 w 157"/>
+                <a:gd name="T67" fmla="*/ 133 h 133"/>
+                <a:gd name="T68" fmla="*/ 99 w 157"/>
+                <a:gd name="T69" fmla="*/ 132 h 133"/>
+                <a:gd name="T70" fmla="*/ 97 w 157"/>
+                <a:gd name="T71" fmla="*/ 127 h 133"/>
+                <a:gd name="T72" fmla="*/ 97 w 157"/>
+                <a:gd name="T73" fmla="*/ 115 h 133"/>
+                <a:gd name="T74" fmla="*/ 99 w 157"/>
+                <a:gd name="T75" fmla="*/ 111 h 133"/>
+                <a:gd name="T76" fmla="*/ 103 w 157"/>
+                <a:gd name="T77" fmla="*/ 109 h 133"/>
+                <a:gd name="T78" fmla="*/ 109 w 157"/>
+                <a:gd name="T79" fmla="*/ 109 h 133"/>
+                <a:gd name="T80" fmla="*/ 126 w 157"/>
+                <a:gd name="T81" fmla="*/ 102 h 133"/>
+                <a:gd name="T82" fmla="*/ 133 w 157"/>
+                <a:gd name="T83" fmla="*/ 85 h 133"/>
+                <a:gd name="T84" fmla="*/ 133 w 157"/>
+                <a:gd name="T85" fmla="*/ 82 h 133"/>
+                <a:gd name="T86" fmla="*/ 130 w 157"/>
+                <a:gd name="T87" fmla="*/ 76 h 133"/>
+                <a:gd name="T88" fmla="*/ 124 w 157"/>
+                <a:gd name="T89" fmla="*/ 73 h 133"/>
+                <a:gd name="T90" fmla="*/ 103 w 157"/>
+                <a:gd name="T91" fmla="*/ 73 h 133"/>
+                <a:gd name="T92" fmla="*/ 90 w 157"/>
+                <a:gd name="T93" fmla="*/ 68 h 133"/>
+                <a:gd name="T94" fmla="*/ 85 w 157"/>
+                <a:gd name="T95" fmla="*/ 55 h 133"/>
+                <a:gd name="T96" fmla="*/ 85 w 157"/>
+                <a:gd name="T97" fmla="*/ 18 h 133"/>
+                <a:gd name="T98" fmla="*/ 90 w 157"/>
+                <a:gd name="T99" fmla="*/ 6 h 133"/>
+                <a:gd name="T100" fmla="*/ 103 w 157"/>
+                <a:gd name="T101" fmla="*/ 0 h 133"/>
+                <a:gd name="T102" fmla="*/ 139 w 157"/>
+                <a:gd name="T103" fmla="*/ 0 h 133"/>
+                <a:gd name="T104" fmla="*/ 152 w 157"/>
+                <a:gd name="T105" fmla="*/ 6 h 133"/>
+                <a:gd name="T106" fmla="*/ 157 w 157"/>
+                <a:gd name="T107" fmla="*/ 18 h 133"/>
+              </a:gdLst>
+              <a:ahLst/>
+              <a:cxnLst>
+                <a:cxn ang="0">
+                  <a:pos x="T0" y="T1"/>
+                </a:cxn>
+                <a:cxn ang="0">
+                  <a:pos x="T2" y="T3"/>
+                </a:cxn>
+                <a:cxn ang="0">
+                  <a:pos x="T4" y="T5"/>
+                </a:cxn>
+                <a:cxn ang="0">
+                  <a:pos x="T6" y="T7"/>
+                </a:cxn>
+                <a:cxn ang="0">
+                  <a:pos x="T8" y="T9"/>
+                </a:cxn>
+                <a:cxn ang="0">
+                  <a:pos x="T10" y="T11"/>
+                </a:cxn>
+                <a:cxn ang="0">
+                  <a:pos x="T12" y="T13"/>
+                </a:cxn>
+                <a:cxn ang="0">
+                  <a:pos x="T14" y="T15"/>
+                </a:cxn>
+                <a:cxn ang="0">
+                  <a:pos x="T16" y="T17"/>
+                </a:cxn>
+                <a:cxn ang="0">
+                  <a:pos x="T18" y="T19"/>
+                </a:cxn>
+                <a:cxn ang="0">
+                  <a:pos x="T20" y="T21"/>
+                </a:cxn>
+                <a:cxn ang="0">
+                  <a:pos x="T22" y="T23"/>
+                </a:cxn>
+                <a:cxn ang="0">
+                  <a:pos x="T24" y="T25"/>
+                </a:cxn>
+                <a:cxn ang="0">
+                  <a:pos x="T26" y="T27"/>
+                </a:cxn>
+                <a:cxn ang="0">
+                  <a:pos x="T28" y="T29"/>
+                </a:cxn>
+                <a:cxn ang="0">
+                  <a:pos x="T30" y="T31"/>
+                </a:cxn>
+                <a:cxn ang="0">
+                  <a:pos x="T32" y="T33"/>
+                </a:cxn>
+                <a:cxn ang="0">
+                  <a:pos x="T34" y="T35"/>
+                </a:cxn>
+                <a:cxn ang="0">
+                  <a:pos x="T36" y="T37"/>
+                </a:cxn>
+                <a:cxn ang="0">
+                  <a:pos x="T38" y="T39"/>
+                </a:cxn>
+                <a:cxn ang="0">
+                  <a:pos x="T40" y="T41"/>
+                </a:cxn>
+                <a:cxn ang="0">
+                  <a:pos x="T42" y="T43"/>
+                </a:cxn>
+                <a:cxn ang="0">
+                  <a:pos x="T44" y="T45"/>
+                </a:cxn>
+                <a:cxn ang="0">
+                  <a:pos x="T46" y="T47"/>
+                </a:cxn>
+                <a:cxn ang="0">
+                  <a:pos x="T48" y="T49"/>
+                </a:cxn>
+                <a:cxn ang="0">
+                  <a:pos x="T50" y="T51"/>
+                </a:cxn>
+                <a:cxn ang="0">
+                  <a:pos x="T52" y="T53"/>
+                </a:cxn>
+                <a:cxn ang="0">
+                  <a:pos x="T54" y="T55"/>
+                </a:cxn>
+                <a:cxn ang="0">
+                  <a:pos x="T56" y="T57"/>
+                </a:cxn>
+                <a:cxn ang="0">
+                  <a:pos x="T58" y="T59"/>
+                </a:cxn>
+                <a:cxn ang="0">
+                  <a:pos x="T60" y="T61"/>
+                </a:cxn>
+                <a:cxn ang="0">
+                  <a:pos x="T62" y="T63"/>
+                </a:cxn>
+                <a:cxn ang="0">
+                  <a:pos x="T64" y="T65"/>
+                </a:cxn>
+                <a:cxn ang="0">
+                  <a:pos x="T66" y="T67"/>
+                </a:cxn>
+                <a:cxn ang="0">
+                  <a:pos x="T68" y="T69"/>
+                </a:cxn>
+                <a:cxn ang="0">
+                  <a:pos x="T70" y="T71"/>
+                </a:cxn>
+                <a:cxn ang="0">
+                  <a:pos x="T72" y="T73"/>
+                </a:cxn>
+                <a:cxn ang="0">
+                  <a:pos x="T74" y="T75"/>
+                </a:cxn>
+                <a:cxn ang="0">
+                  <a:pos x="T76" y="T77"/>
+                </a:cxn>
+                <a:cxn ang="0">
+                  <a:pos x="T78" y="T79"/>
+                </a:cxn>
+                <a:cxn ang="0">
+                  <a:pos x="T80" y="T81"/>
+                </a:cxn>
+                <a:cxn ang="0">
+                  <a:pos x="T82" y="T83"/>
+                </a:cxn>
+                <a:cxn ang="0">
+                  <a:pos x="T84" y="T85"/>
+                </a:cxn>
+                <a:cxn ang="0">
+                  <a:pos x="T86" y="T87"/>
+                </a:cxn>
+                <a:cxn ang="0">
+                  <a:pos x="T88" y="T89"/>
+                </a:cxn>
+                <a:cxn ang="0">
+                  <a:pos x="T90" y="T91"/>
+                </a:cxn>
+                <a:cxn ang="0">
+                  <a:pos x="T92" y="T93"/>
+                </a:cxn>
+                <a:cxn ang="0">
+                  <a:pos x="T94" y="T95"/>
+                </a:cxn>
+                <a:cxn ang="0">
+                  <a:pos x="T96" y="T97"/>
+                </a:cxn>
+                <a:cxn ang="0">
+                  <a:pos x="T98" y="T99"/>
+                </a:cxn>
+                <a:cxn ang="0">
+                  <a:pos x="T100" y="T101"/>
+                </a:cxn>
+                <a:cxn ang="0">
+                  <a:pos x="T102" y="T103"/>
+                </a:cxn>
+                <a:cxn ang="0">
+                  <a:pos x="T104" y="T105"/>
+                </a:cxn>
+                <a:cxn ang="0">
+                  <a:pos x="T106" y="T107"/>
+                </a:cxn>
+              </a:cxnLst>
+              <a:rect l="0" t="0" r="r" b="b"/>
+              <a:pathLst>
+                <a:path w="157" h="133">
+                  <a:moveTo>
+                    <a:pt x="73" y="18"/>
+                  </a:moveTo>
+                  <a:cubicBezTo>
+                    <a:pt x="73" y="85"/>
+                    <a:pt x="73" y="85"/>
+                    <a:pt x="73" y="85"/>
+                  </a:cubicBezTo>
+                  <a:cubicBezTo>
+                    <a:pt x="73" y="92"/>
+                    <a:pt x="71" y="98"/>
+                    <a:pt x="69" y="104"/>
+                  </a:cubicBezTo>
+                  <a:cubicBezTo>
+                    <a:pt x="66" y="110"/>
+                    <a:pt x="63" y="115"/>
+                    <a:pt x="58" y="119"/>
+                  </a:cubicBezTo>
+                  <a:cubicBezTo>
+                    <a:pt x="54" y="124"/>
+                    <a:pt x="49" y="127"/>
+                    <a:pt x="43" y="130"/>
+                  </a:cubicBezTo>
+                  <a:cubicBezTo>
+                    <a:pt x="37" y="132"/>
+                    <a:pt x="31" y="133"/>
+                    <a:pt x="24" y="133"/>
+                  </a:cubicBezTo>
+                  <a:cubicBezTo>
+                    <a:pt x="18" y="133"/>
+                    <a:pt x="18" y="133"/>
+                    <a:pt x="18" y="133"/>
+                  </a:cubicBezTo>
+                  <a:cubicBezTo>
+                    <a:pt x="16" y="133"/>
+                    <a:pt x="15" y="133"/>
+                    <a:pt x="14" y="132"/>
+                  </a:cubicBezTo>
+                  <a:cubicBezTo>
+                    <a:pt x="13" y="130"/>
+                    <a:pt x="12" y="129"/>
+                    <a:pt x="12" y="127"/>
+                  </a:cubicBezTo>
+                  <a:cubicBezTo>
+                    <a:pt x="12" y="115"/>
+                    <a:pt x="12" y="115"/>
+                    <a:pt x="12" y="115"/>
+                  </a:cubicBezTo>
+                  <a:cubicBezTo>
+                    <a:pt x="12" y="114"/>
+                    <a:pt x="13" y="112"/>
+                    <a:pt x="14" y="111"/>
+                  </a:cubicBezTo>
+                  <a:cubicBezTo>
+                    <a:pt x="15" y="110"/>
+                    <a:pt x="16" y="109"/>
+                    <a:pt x="18" y="109"/>
+                  </a:cubicBezTo>
+                  <a:cubicBezTo>
+                    <a:pt x="24" y="109"/>
+                    <a:pt x="24" y="109"/>
+                    <a:pt x="24" y="109"/>
+                  </a:cubicBezTo>
+                  <a:cubicBezTo>
+                    <a:pt x="31" y="109"/>
+                    <a:pt x="37" y="107"/>
+                    <a:pt x="41" y="102"/>
+                  </a:cubicBezTo>
+                  <a:cubicBezTo>
+                    <a:pt x="46" y="97"/>
+                    <a:pt x="48" y="92"/>
+                    <a:pt x="48" y="85"/>
+                  </a:cubicBezTo>
+                  <a:cubicBezTo>
+                    <a:pt x="48" y="82"/>
+                    <a:pt x="48" y="82"/>
+                    <a:pt x="48" y="82"/>
+                  </a:cubicBezTo>
+                  <a:cubicBezTo>
+                    <a:pt x="48" y="79"/>
+                    <a:pt x="47" y="77"/>
+                    <a:pt x="46" y="76"/>
+                  </a:cubicBezTo>
+                  <a:cubicBezTo>
+                    <a:pt x="44" y="74"/>
+                    <a:pt x="42" y="73"/>
+                    <a:pt x="39" y="73"/>
+                  </a:cubicBezTo>
+                  <a:cubicBezTo>
+                    <a:pt x="18" y="73"/>
+                    <a:pt x="18" y="73"/>
+                    <a:pt x="18" y="73"/>
+                  </a:cubicBezTo>
+                  <a:cubicBezTo>
+                    <a:pt x="13" y="73"/>
+                    <a:pt x="9" y="71"/>
+                    <a:pt x="5" y="68"/>
+                  </a:cubicBezTo>
+                  <a:cubicBezTo>
+                    <a:pt x="2" y="64"/>
+                    <a:pt x="0" y="60"/>
+                    <a:pt x="0" y="55"/>
+                  </a:cubicBezTo>
+                  <a:cubicBezTo>
+                    <a:pt x="0" y="18"/>
+                    <a:pt x="0" y="18"/>
+                    <a:pt x="0" y="18"/>
+                  </a:cubicBezTo>
+                  <a:cubicBezTo>
+                    <a:pt x="0" y="13"/>
+                    <a:pt x="2" y="9"/>
+                    <a:pt x="5" y="6"/>
+                  </a:cubicBezTo>
+                  <a:cubicBezTo>
+                    <a:pt x="9" y="2"/>
+                    <a:pt x="13" y="0"/>
+                    <a:pt x="18" y="0"/>
+                  </a:cubicBezTo>
+                  <a:cubicBezTo>
+                    <a:pt x="54" y="0"/>
+                    <a:pt x="54" y="0"/>
+                    <a:pt x="54" y="0"/>
+                  </a:cubicBezTo>
+                  <a:cubicBezTo>
+                    <a:pt x="59" y="0"/>
+                    <a:pt x="64" y="2"/>
+                    <a:pt x="67" y="6"/>
+                  </a:cubicBezTo>
+                  <a:cubicBezTo>
+                    <a:pt x="71" y="9"/>
+                    <a:pt x="73" y="13"/>
+                    <a:pt x="73" y="18"/>
+                  </a:cubicBezTo>
+                  <a:close/>
+                  <a:moveTo>
+                    <a:pt x="157" y="18"/>
+                  </a:moveTo>
+                  <a:cubicBezTo>
+                    <a:pt x="157" y="85"/>
+                    <a:pt x="157" y="85"/>
+                    <a:pt x="157" y="85"/>
+                  </a:cubicBezTo>
+                  <a:cubicBezTo>
+                    <a:pt x="157" y="92"/>
+                    <a:pt x="156" y="98"/>
+                    <a:pt x="153" y="104"/>
+                  </a:cubicBezTo>
+                  <a:cubicBezTo>
+                    <a:pt x="151" y="110"/>
+                    <a:pt x="147" y="115"/>
+                    <a:pt x="143" y="119"/>
+                  </a:cubicBezTo>
+                  <a:cubicBezTo>
+                    <a:pt x="139" y="124"/>
+                    <a:pt x="134" y="127"/>
+                    <a:pt x="128" y="130"/>
+                  </a:cubicBezTo>
+                  <a:cubicBezTo>
+                    <a:pt x="122" y="132"/>
+                    <a:pt x="115" y="133"/>
+                    <a:pt x="109" y="133"/>
+                  </a:cubicBezTo>
+                  <a:cubicBezTo>
+                    <a:pt x="103" y="133"/>
+                    <a:pt x="103" y="133"/>
+                    <a:pt x="103" y="133"/>
+                  </a:cubicBezTo>
+                  <a:cubicBezTo>
+                    <a:pt x="101" y="133"/>
+                    <a:pt x="100" y="133"/>
+                    <a:pt x="99" y="132"/>
+                  </a:cubicBezTo>
+                  <a:cubicBezTo>
+                    <a:pt x="97" y="130"/>
+                    <a:pt x="97" y="129"/>
+                    <a:pt x="97" y="127"/>
+                  </a:cubicBezTo>
+                  <a:cubicBezTo>
+                    <a:pt x="97" y="115"/>
+                    <a:pt x="97" y="115"/>
+                    <a:pt x="97" y="115"/>
+                  </a:cubicBezTo>
+                  <a:cubicBezTo>
+                    <a:pt x="97" y="114"/>
+                    <a:pt x="97" y="112"/>
+                    <a:pt x="99" y="111"/>
+                  </a:cubicBezTo>
+                  <a:cubicBezTo>
+                    <a:pt x="100" y="110"/>
+                    <a:pt x="101" y="109"/>
+                    <a:pt x="103" y="109"/>
+                  </a:cubicBezTo>
+                  <a:cubicBezTo>
+                    <a:pt x="109" y="109"/>
+                    <a:pt x="109" y="109"/>
+                    <a:pt x="109" y="109"/>
+                  </a:cubicBezTo>
+                  <a:cubicBezTo>
+                    <a:pt x="116" y="109"/>
+                    <a:pt x="121" y="107"/>
+                    <a:pt x="126" y="102"/>
+                  </a:cubicBezTo>
+                  <a:cubicBezTo>
+                    <a:pt x="131" y="97"/>
+                    <a:pt x="133" y="92"/>
+                    <a:pt x="133" y="85"/>
+                  </a:cubicBezTo>
+                  <a:cubicBezTo>
+                    <a:pt x="133" y="82"/>
+                    <a:pt x="133" y="82"/>
+                    <a:pt x="133" y="82"/>
+                  </a:cubicBezTo>
+                  <a:cubicBezTo>
+                    <a:pt x="133" y="79"/>
+                    <a:pt x="132" y="77"/>
+                    <a:pt x="130" y="76"/>
+                  </a:cubicBezTo>
+                  <a:cubicBezTo>
+                    <a:pt x="129" y="74"/>
+                    <a:pt x="126" y="73"/>
+                    <a:pt x="124" y="73"/>
+                  </a:cubicBezTo>
+                  <a:cubicBezTo>
+                    <a:pt x="103" y="73"/>
+                    <a:pt x="103" y="73"/>
+                    <a:pt x="103" y="73"/>
+                  </a:cubicBezTo>
+                  <a:cubicBezTo>
+                    <a:pt x="98" y="73"/>
+                    <a:pt x="93" y="71"/>
+                    <a:pt x="90" y="68"/>
+                  </a:cubicBezTo>
+                  <a:cubicBezTo>
+                    <a:pt x="86" y="64"/>
+                    <a:pt x="85" y="60"/>
+                    <a:pt x="85" y="55"/>
+                  </a:cubicBezTo>
+                  <a:cubicBezTo>
+                    <a:pt x="85" y="18"/>
+                    <a:pt x="85" y="18"/>
+                    <a:pt x="85" y="18"/>
+                  </a:cubicBezTo>
+                  <a:cubicBezTo>
+                    <a:pt x="85" y="13"/>
+                    <a:pt x="86" y="9"/>
+                    <a:pt x="90" y="6"/>
+                  </a:cubicBezTo>
+                  <a:cubicBezTo>
+                    <a:pt x="93" y="2"/>
+                    <a:pt x="98" y="0"/>
+                    <a:pt x="103" y="0"/>
+                  </a:cubicBezTo>
+                  <a:cubicBezTo>
+                    <a:pt x="139" y="0"/>
+                    <a:pt x="139" y="0"/>
+                    <a:pt x="139" y="0"/>
+                  </a:cubicBezTo>
+                  <a:cubicBezTo>
+                    <a:pt x="144" y="0"/>
+                    <a:pt x="148" y="2"/>
+                    <a:pt x="152" y="6"/>
+                  </a:cubicBezTo>
+                  <a:cubicBezTo>
+                    <a:pt x="155" y="9"/>
+                    <a:pt x="157" y="13"/>
+                    <a:pt x="157" y="18"/>
+                  </a:cubicBezTo>
+                  <a:close/>
+                </a:path>
+              </a:pathLst>
+            </a:custGeom>
+            <a:solidFill>
+              <a:schemeClr val="tx1">
+                <a:lumMod val="50000"/>
+                <a:lumOff val="50000"/>
+              </a:schemeClr>
+            </a:solidFill>
+            <a:ln>
+              <a:noFill/>
+            </a:ln>
+            <a:extLst>
+              <a:ext uri="{91240B29-F687-4F45-9708-019B960494DF}">
+                <a14:hiddenLine xmlns:a14="http://schemas.microsoft.com/office/drawing/2010/main" w="9525">
+                  <a:solidFill>
+                    <a:srgbClr val="000000"/>
+                  </a:solidFill>
+                  <a:round/>
+                </a14:hiddenLine>
+              </a:ext>
+            </a:extLst>
+          </p:spPr>
+          <p:txBody>
+            <a:bodyPr vert="horz" wrap="square" lIns="91440" tIns="45720" rIns="91440" bIns="45720" numCol="1" anchor="t" anchorCtr="0" compatLnSpc="1"/>
+            <a:p>
+              <a:endParaRPr lang="en-US">
+                <a:solidFill>
+                  <a:schemeClr val="tx1">
+                    <a:lumMod val="65000"/>
+                    <a:lumOff val="35000"/>
+                  </a:schemeClr>
+                </a:solidFill>
+              </a:endParaRPr>
+            </a:p>
+          </p:txBody>
+        </p:sp>
+      </p:grpSp>
+    </p:spTree>
+  </p:cSld>
+  <p:clrMapOvr>
+    <a:masterClrMapping/>
+  </p:clrMapOvr>
+</p:sld>
+</file>
+
+<file path=ppt/slides/slide2.xml><?xml version="1.0" encoding="utf-8"?>
+<p:sld xmlns:a="http://schemas.openxmlformats.org/drawingml/2006/main" xmlns:r="http://schemas.openxmlformats.org/officeDocument/2006/relationships" xmlns:p="http://schemas.openxmlformats.org/presentationml/2006/main">
+  <p:cSld>
+    <p:spTree>
+      <p:nvGrpSpPr>
+        <p:cNvPr id="1" name=""/>
+        <p:cNvGrpSpPr/>
+        <p:nvPr/>
+      </p:nvGrpSpPr>
+      <p:grpSpPr/>
+      <p:sp>
+        <p:nvSpPr>
+          <p:cNvPr id="6" name="矩形 5"/>
+          <p:cNvSpPr/>
+          <p:nvPr/>
+        </p:nvSpPr>
+        <p:spPr>
+          <a:xfrm>
+            <a:off x="-15875" y="744855"/>
+            <a:ext cx="12223115" cy="2476500"/>
+          </a:xfrm>
+          <a:prstGeom prst="rect">
+            <a:avLst/>
+          </a:prstGeom>
+          <a:solidFill>
+            <a:srgbClr val="C4D0CC"/>
+          </a:solidFill>
+          <a:ln>
+            <a:noFill/>
+          </a:ln>
+        </p:spPr>
+        <p:style>
+          <a:lnRef idx="2">
+            <a:schemeClr val="accent1">
+              <a:shade val="50000"/>
+            </a:schemeClr>
+          </a:lnRef>
+          <a:fillRef idx="1">
+            <a:schemeClr val="accent1"/>
+          </a:fillRef>
+          <a:effectRef idx="0">
+            <a:schemeClr val="accent1"/>
+          </a:effectRef>
+          <a:fontRef idx="minor">
+            <a:schemeClr val="lt1"/>
+          </a:fontRef>
+        </p:style>
+        <p:txBody>
+          <a:bodyPr rtlCol="0" anchor="ctr"/>
+          <a:p>
+            <a:pPr algn="ctr"/>
+            <a:endParaRPr lang="zh-CN" altLang="en-US"/>
+          </a:p>
+        </p:txBody>
+      </p:sp>
+      <p:pic>
+        <p:nvPicPr>
+          <p:cNvPr id="5" name="图片 4" descr="pexels-photo-1036372"/>
+          <p:cNvPicPr>
+            <a:picLocks noChangeAspect="1"/>
+          </p:cNvPicPr>
+          <p:nvPr/>
+        </p:nvPicPr>
+        <p:blipFill>
+          <a:blip r:embed="rId1"/>
+          <a:srcRect l="4401" r="610"/>
+          <a:stretch>
+            <a:fillRect/>
+          </a:stretch>
+        </p:blipFill>
+        <p:spPr>
+          <a:xfrm>
+            <a:off x="7515860" y="-50165"/>
+            <a:ext cx="3852000" cy="5911215"/>
+          </a:xfrm>
+          <a:prstGeom prst="rect">
+            <a:avLst/>
+          </a:prstGeom>
+        </p:spPr>
+      </p:pic>
+      <p:sp>
+        <p:nvSpPr>
+          <p:cNvPr id="35" name="文本框 34"/>
+          <p:cNvSpPr txBox="1"/>
+          <p:nvPr/>
+        </p:nvSpPr>
+        <p:spPr>
+          <a:xfrm>
+            <a:off x="1063625" y="3524885"/>
+            <a:ext cx="5046980" cy="2466340"/>
+          </a:xfrm>
+          <a:prstGeom prst="rect">
+            <a:avLst/>
+          </a:prstGeom>
+          <a:noFill/>
+        </p:spPr>
+        <p:txBody>
+          <a:bodyPr wrap="square" rtlCol="0" anchor="t">
+            <a:spAutoFit/>
+          </a:bodyPr>
+          <a:p>
+            <a:pPr algn="l" fontAlgn="auto">
+              <a:lnSpc>
+                <a:spcPct val="120000"/>
+              </a:lnSpc>
+            </a:pPr>
+            <a:r>
+              <a:rPr lang="zh-CN" altLang="tr-TR" sz="1400">
+                <a:solidFill>
+                  <a:schemeClr val="tx1"/>
+                </a:solidFill>
+                <a:latin typeface="微软雅黑" panose="020B0503020204020204" charset="-122"/>
+                <a:ea typeface="微软雅黑" panose="020B0503020204020204" charset="-122"/>
+                <a:sym typeface="+mn-ea"/>
+              </a:rPr>
+              <a:t>对主标题进行提炼和描述，请尽量言简意赅，清晰明了。对主标题进行提炼和描述</a:t>
+            </a:r>
+            <a:r>
+              <a:rPr lang="en-US" altLang="zh-CN" sz="1400">
+                <a:solidFill>
+                  <a:schemeClr val="tx1"/>
+                </a:solidFill>
+                <a:latin typeface="微软雅黑" panose="020B0503020204020204" charset="-122"/>
+                <a:ea typeface="微软雅黑" panose="020B0503020204020204" charset="-122"/>
+                <a:sym typeface="+mn-ea"/>
+              </a:rPr>
+              <a:t>,</a:t>
+            </a:r>
+            <a:r>
+              <a:rPr lang="zh-CN" altLang="tr-TR" sz="1400">
+                <a:solidFill>
+                  <a:schemeClr val="tx1"/>
+                </a:solidFill>
+                <a:latin typeface="微软雅黑" panose="020B0503020204020204" charset="-122"/>
+                <a:ea typeface="微软雅黑" panose="020B0503020204020204" charset="-122"/>
+                <a:sym typeface="+mn-ea"/>
+              </a:rPr>
+              <a:t>请尽量言简意赅，清晰明了</a:t>
+            </a:r>
+            <a:endParaRPr lang="zh-CN" altLang="tr-TR" sz="1400">
+              <a:solidFill>
+                <a:schemeClr val="tx1"/>
+              </a:solidFill>
+              <a:latin typeface="微软雅黑" panose="020B0503020204020204" charset="-122"/>
+              <a:ea typeface="微软雅黑" panose="020B0503020204020204" charset="-122"/>
+              <a:sym typeface="+mn-ea"/>
+            </a:endParaRPr>
+          </a:p>
+          <a:p>
+            <a:pPr algn="l" fontAlgn="auto">
+              <a:lnSpc>
+                <a:spcPct val="120000"/>
+              </a:lnSpc>
+              <a:spcAft>
+                <a:spcPts val="1200"/>
+              </a:spcAft>
+            </a:pPr>
+            <a:endParaRPr lang="zh-CN" altLang="tr-TR" sz="1400" smtClean="0">
+              <a:solidFill>
+                <a:schemeClr val="tx1"/>
+              </a:solidFill>
+              <a:latin typeface="微软雅黑" panose="020B0503020204020204" charset="-122"/>
+              <a:ea typeface="微软雅黑" panose="020B0503020204020204" charset="-122"/>
+              <a:cs typeface="Open Sans Semibold" panose="020B0706030804020204" pitchFamily="34" charset="0"/>
+              <a:sym typeface="+mn-ea"/>
+            </a:endParaRPr>
+          </a:p>
+          <a:p>
+            <a:pPr algn="l" fontAlgn="auto">
+              <a:lnSpc>
+                <a:spcPct val="120000"/>
+              </a:lnSpc>
+            </a:pPr>
+            <a:r>
+              <a:rPr lang="zh-CN" altLang="tr-TR" sz="1400">
+                <a:latin typeface="微软雅黑" panose="020B0503020204020204" charset="-122"/>
+                <a:ea typeface="微软雅黑" panose="020B0503020204020204" charset="-122"/>
+                <a:sym typeface="+mn-ea"/>
+              </a:rPr>
+              <a:t>对主标题进行提炼和描述，请尽量言简意赅，清晰明了。对主标题进行提炼和描述</a:t>
+            </a:r>
+            <a:r>
+              <a:rPr lang="en-US" altLang="zh-CN" sz="1400">
+                <a:latin typeface="微软雅黑" panose="020B0503020204020204" charset="-122"/>
+                <a:ea typeface="微软雅黑" panose="020B0503020204020204" charset="-122"/>
+                <a:sym typeface="+mn-ea"/>
+              </a:rPr>
+              <a:t>,</a:t>
+            </a:r>
+            <a:r>
+              <a:rPr lang="zh-CN" altLang="tr-TR" sz="1400">
+                <a:latin typeface="微软雅黑" panose="020B0503020204020204" charset="-122"/>
+                <a:ea typeface="微软雅黑" panose="020B0503020204020204" charset="-122"/>
+                <a:sym typeface="+mn-ea"/>
+              </a:rPr>
+              <a:t>请尽量言简意赅，清晰明了</a:t>
+            </a:r>
+            <a:endParaRPr lang="zh-CN" altLang="tr-TR" sz="1400" smtClean="0">
+              <a:solidFill>
+                <a:schemeClr val="tx1"/>
+              </a:solidFill>
+              <a:latin typeface="微软雅黑" panose="020B0503020204020204" charset="-122"/>
+              <a:ea typeface="微软雅黑" panose="020B0503020204020204" charset="-122"/>
+              <a:cs typeface="Open Sans Semibold" panose="020B0706030804020204" pitchFamily="34" charset="0"/>
+              <a:sym typeface="+mn-ea"/>
+            </a:endParaRPr>
+          </a:p>
+          <a:p>
+            <a:pPr algn="l" fontAlgn="auto">
+              <a:lnSpc>
+                <a:spcPct val="120000"/>
+              </a:lnSpc>
+              <a:spcAft>
+                <a:spcPts val="1200"/>
+              </a:spcAft>
+            </a:pPr>
+            <a:endParaRPr lang="zh-CN" altLang="tr-TR" sz="1400" smtClean="0">
+              <a:solidFill>
+                <a:schemeClr val="tx1"/>
+              </a:solidFill>
+              <a:latin typeface="微软雅黑" panose="020B0503020204020204" charset="-122"/>
+              <a:ea typeface="微软雅黑" panose="020B0503020204020204" charset="-122"/>
+              <a:cs typeface="Open Sans Semibold" panose="020B0706030804020204" pitchFamily="34" charset="0"/>
+              <a:sym typeface="+mn-ea"/>
+            </a:endParaRPr>
+          </a:p>
+          <a:p>
+            <a:pPr algn="l" fontAlgn="auto">
+              <a:lnSpc>
+                <a:spcPct val="120000"/>
+              </a:lnSpc>
+            </a:pPr>
+            <a:r>
+              <a:rPr lang="zh-CN" altLang="tr-TR" sz="1400">
+                <a:latin typeface="微软雅黑" panose="020B0503020204020204" charset="-122"/>
+                <a:ea typeface="微软雅黑" panose="020B0503020204020204" charset="-122"/>
+                <a:sym typeface="+mn-ea"/>
+              </a:rPr>
+              <a:t>对主标题进行提炼和描述，请尽量言简意赅，清晰明了。对主标题进行提炼和描述</a:t>
+            </a:r>
+            <a:r>
+              <a:rPr lang="en-US" altLang="zh-CN" sz="1400">
+                <a:latin typeface="微软雅黑" panose="020B0503020204020204" charset="-122"/>
+                <a:ea typeface="微软雅黑" panose="020B0503020204020204" charset="-122"/>
+                <a:sym typeface="+mn-ea"/>
+              </a:rPr>
+              <a:t>,</a:t>
+            </a:r>
+            <a:r>
+              <a:rPr lang="zh-CN" altLang="tr-TR" sz="1400">
+                <a:latin typeface="微软雅黑" panose="020B0503020204020204" charset="-122"/>
+                <a:ea typeface="微软雅黑" panose="020B0503020204020204" charset="-122"/>
+                <a:sym typeface="+mn-ea"/>
+              </a:rPr>
+              <a:t>请尽量言简意赅，清晰明了</a:t>
+            </a:r>
+            <a:endParaRPr lang="zh-CN" altLang="tr-TR" sz="1400" smtClean="0">
+              <a:solidFill>
+                <a:schemeClr val="tx1"/>
+              </a:solidFill>
+              <a:latin typeface="微软雅黑" panose="020B0503020204020204" charset="-122"/>
+              <a:ea typeface="微软雅黑" panose="020B0503020204020204" charset="-122"/>
+              <a:cs typeface="Open Sans Semibold" panose="020B0706030804020204" pitchFamily="34" charset="0"/>
+              <a:sym typeface="+mn-ea"/>
+            </a:endParaRPr>
+          </a:p>
+        </p:txBody>
+      </p:sp>
+      <p:grpSp>
+        <p:nvGrpSpPr>
+          <p:cNvPr id="10" name="Group 27"/>
+          <p:cNvGrpSpPr>
+            <a:grpSpLocks noChangeAspect="1"/>
+          </p:cNvGrpSpPr>
+          <p:nvPr/>
+        </p:nvGrpSpPr>
+        <p:grpSpPr>
+          <a:xfrm>
+            <a:off x="6664789" y="3412258"/>
+            <a:ext cx="526168" cy="500663"/>
+            <a:chOff x="1588" y="4763"/>
+            <a:chExt cx="6746875" cy="6419850"/>
+          </a:xfrm>
+          <a:solidFill>
+            <a:schemeClr val="bg1"/>
+          </a:solidFill>
+        </p:grpSpPr>
+        <p:sp>
+          <p:nvSpPr>
+            <p:cNvPr id="11" name="Freeform 5"/>
+            <p:cNvSpPr>
+              <a:spLocks noEditPoints="1"/>
+            </p:cNvSpPr>
+            <p:nvPr/>
+          </p:nvSpPr>
+          <p:spPr bwMode="auto">
+            <a:xfrm>
+              <a:off x="1588" y="4763"/>
+              <a:ext cx="6746875" cy="6419850"/>
+            </a:xfrm>
+            <a:custGeom>
+              <a:avLst/>
+              <a:gdLst>
+                <a:gd name="T0" fmla="*/ 1645 w 1796"/>
+                <a:gd name="T1" fmla="*/ 0 h 1709"/>
+                <a:gd name="T2" fmla="*/ 151 w 1796"/>
+                <a:gd name="T3" fmla="*/ 0 h 1709"/>
+                <a:gd name="T4" fmla="*/ 0 w 1796"/>
+                <a:gd name="T5" fmla="*/ 151 h 1709"/>
+                <a:gd name="T6" fmla="*/ 0 w 1796"/>
+                <a:gd name="T7" fmla="*/ 1307 h 1709"/>
+                <a:gd name="T8" fmla="*/ 151 w 1796"/>
+                <a:gd name="T9" fmla="*/ 1458 h 1709"/>
+                <a:gd name="T10" fmla="*/ 606 w 1796"/>
+                <a:gd name="T11" fmla="*/ 1458 h 1709"/>
+                <a:gd name="T12" fmla="*/ 526 w 1796"/>
+                <a:gd name="T13" fmla="*/ 1545 h 1709"/>
+                <a:gd name="T14" fmla="*/ 483 w 1796"/>
+                <a:gd name="T15" fmla="*/ 1590 h 1709"/>
+                <a:gd name="T16" fmla="*/ 479 w 1796"/>
+                <a:gd name="T17" fmla="*/ 1659 h 1709"/>
+                <a:gd name="T18" fmla="*/ 593 w 1796"/>
+                <a:gd name="T19" fmla="*/ 1709 h 1709"/>
+                <a:gd name="T20" fmla="*/ 1203 w 1796"/>
+                <a:gd name="T21" fmla="*/ 1709 h 1709"/>
+                <a:gd name="T22" fmla="*/ 1316 w 1796"/>
+                <a:gd name="T23" fmla="*/ 1659 h 1709"/>
+                <a:gd name="T24" fmla="*/ 1312 w 1796"/>
+                <a:gd name="T25" fmla="*/ 1590 h 1709"/>
+                <a:gd name="T26" fmla="*/ 1270 w 1796"/>
+                <a:gd name="T27" fmla="*/ 1545 h 1709"/>
+                <a:gd name="T28" fmla="*/ 1190 w 1796"/>
+                <a:gd name="T29" fmla="*/ 1458 h 1709"/>
+                <a:gd name="T30" fmla="*/ 1645 w 1796"/>
+                <a:gd name="T31" fmla="*/ 1458 h 1709"/>
+                <a:gd name="T32" fmla="*/ 1796 w 1796"/>
+                <a:gd name="T33" fmla="*/ 1307 h 1709"/>
+                <a:gd name="T34" fmla="*/ 1796 w 1796"/>
+                <a:gd name="T35" fmla="*/ 151 h 1709"/>
+                <a:gd name="T36" fmla="*/ 1645 w 1796"/>
+                <a:gd name="T37" fmla="*/ 0 h 1709"/>
+                <a:gd name="T38" fmla="*/ 1231 w 1796"/>
+                <a:gd name="T39" fmla="*/ 1585 h 1709"/>
+                <a:gd name="T40" fmla="*/ 1267 w 1796"/>
+                <a:gd name="T41" fmla="*/ 1622 h 1709"/>
+                <a:gd name="T42" fmla="*/ 1265 w 1796"/>
+                <a:gd name="T43" fmla="*/ 1635 h 1709"/>
+                <a:gd name="T44" fmla="*/ 1203 w 1796"/>
+                <a:gd name="T45" fmla="*/ 1653 h 1709"/>
+                <a:gd name="T46" fmla="*/ 593 w 1796"/>
+                <a:gd name="T47" fmla="*/ 1653 h 1709"/>
+                <a:gd name="T48" fmla="*/ 530 w 1796"/>
+                <a:gd name="T49" fmla="*/ 1635 h 1709"/>
+                <a:gd name="T50" fmla="*/ 528 w 1796"/>
+                <a:gd name="T51" fmla="*/ 1623 h 1709"/>
+                <a:gd name="T52" fmla="*/ 528 w 1796"/>
+                <a:gd name="T53" fmla="*/ 1623 h 1709"/>
+                <a:gd name="T54" fmla="*/ 565 w 1796"/>
+                <a:gd name="T55" fmla="*/ 1585 h 1709"/>
+                <a:gd name="T56" fmla="*/ 672 w 1796"/>
+                <a:gd name="T57" fmla="*/ 1458 h 1709"/>
+                <a:gd name="T58" fmla="*/ 1124 w 1796"/>
+                <a:gd name="T59" fmla="*/ 1458 h 1709"/>
+                <a:gd name="T60" fmla="*/ 1231 w 1796"/>
+                <a:gd name="T61" fmla="*/ 1585 h 1709"/>
+                <a:gd name="T62" fmla="*/ 1684 w 1796"/>
+                <a:gd name="T63" fmla="*/ 1307 h 1709"/>
+                <a:gd name="T64" fmla="*/ 1645 w 1796"/>
+                <a:gd name="T65" fmla="*/ 1346 h 1709"/>
+                <a:gd name="T66" fmla="*/ 151 w 1796"/>
+                <a:gd name="T67" fmla="*/ 1346 h 1709"/>
+                <a:gd name="T68" fmla="*/ 112 w 1796"/>
+                <a:gd name="T69" fmla="*/ 1307 h 1709"/>
+                <a:gd name="T70" fmla="*/ 112 w 1796"/>
+                <a:gd name="T71" fmla="*/ 151 h 1709"/>
+                <a:gd name="T72" fmla="*/ 151 w 1796"/>
+                <a:gd name="T73" fmla="*/ 112 h 1709"/>
+                <a:gd name="T74" fmla="*/ 1645 w 1796"/>
+                <a:gd name="T75" fmla="*/ 112 h 1709"/>
+                <a:gd name="T76" fmla="*/ 1684 w 1796"/>
+                <a:gd name="T77" fmla="*/ 151 h 1709"/>
+                <a:gd name="T78" fmla="*/ 1684 w 1796"/>
+                <a:gd name="T79" fmla="*/ 1307 h 1709"/>
+              </a:gdLst>
+              <a:ahLst/>
+              <a:cxnLst>
+                <a:cxn ang="0">
+                  <a:pos x="T0" y="T1"/>
+                </a:cxn>
+                <a:cxn ang="0">
+                  <a:pos x="T2" y="T3"/>
+                </a:cxn>
+                <a:cxn ang="0">
+                  <a:pos x="T4" y="T5"/>
+                </a:cxn>
+                <a:cxn ang="0">
+                  <a:pos x="T6" y="T7"/>
+                </a:cxn>
+                <a:cxn ang="0">
+                  <a:pos x="T8" y="T9"/>
+                </a:cxn>
+                <a:cxn ang="0">
+                  <a:pos x="T10" y="T11"/>
+                </a:cxn>
+                <a:cxn ang="0">
+                  <a:pos x="T12" y="T13"/>
+                </a:cxn>
+                <a:cxn ang="0">
+                  <a:pos x="T14" y="T15"/>
+                </a:cxn>
+                <a:cxn ang="0">
+                  <a:pos x="T16" y="T17"/>
+                </a:cxn>
+                <a:cxn ang="0">
+                  <a:pos x="T18" y="T19"/>
+                </a:cxn>
+                <a:cxn ang="0">
+                  <a:pos x="T20" y="T21"/>
+                </a:cxn>
+                <a:cxn ang="0">
+                  <a:pos x="T22" y="T23"/>
+                </a:cxn>
+                <a:cxn ang="0">
+                  <a:pos x="T24" y="T25"/>
+                </a:cxn>
+                <a:cxn ang="0">
+                  <a:pos x="T26" y="T27"/>
+                </a:cxn>
+                <a:cxn ang="0">
+                  <a:pos x="T28" y="T29"/>
+                </a:cxn>
+                <a:cxn ang="0">
+                  <a:pos x="T30" y="T31"/>
+                </a:cxn>
+                <a:cxn ang="0">
+                  <a:pos x="T32" y="T33"/>
+                </a:cxn>
+                <a:cxn ang="0">
+                  <a:pos x="T34" y="T35"/>
+                </a:cxn>
+                <a:cxn ang="0">
+                  <a:pos x="T36" y="T37"/>
+                </a:cxn>
+                <a:cxn ang="0">
+                  <a:pos x="T38" y="T39"/>
+                </a:cxn>
+                <a:cxn ang="0">
+                  <a:pos x="T40" y="T41"/>
+                </a:cxn>
+                <a:cxn ang="0">
+                  <a:pos x="T42" y="T43"/>
+                </a:cxn>
+                <a:cxn ang="0">
+                  <a:pos x="T44" y="T45"/>
+                </a:cxn>
+                <a:cxn ang="0">
+                  <a:pos x="T46" y="T47"/>
+                </a:cxn>
+                <a:cxn ang="0">
+                  <a:pos x="T48" y="T49"/>
+                </a:cxn>
+                <a:cxn ang="0">
+                  <a:pos x="T50" y="T51"/>
+                </a:cxn>
+                <a:cxn ang="0">
+                  <a:pos x="T52" y="T53"/>
+                </a:cxn>
+                <a:cxn ang="0">
+                  <a:pos x="T54" y="T55"/>
+                </a:cxn>
+                <a:cxn ang="0">
+                  <a:pos x="T56" y="T57"/>
+                </a:cxn>
+                <a:cxn ang="0">
+                  <a:pos x="T58" y="T59"/>
+                </a:cxn>
+                <a:cxn ang="0">
+                  <a:pos x="T60" y="T61"/>
+                </a:cxn>
+                <a:cxn ang="0">
+                  <a:pos x="T62" y="T63"/>
+                </a:cxn>
+                <a:cxn ang="0">
+                  <a:pos x="T64" y="T65"/>
+                </a:cxn>
+                <a:cxn ang="0">
+                  <a:pos x="T66" y="T67"/>
+                </a:cxn>
+                <a:cxn ang="0">
+                  <a:pos x="T68" y="T69"/>
+                </a:cxn>
+                <a:cxn ang="0">
+                  <a:pos x="T70" y="T71"/>
+                </a:cxn>
+                <a:cxn ang="0">
+                  <a:pos x="T72" y="T73"/>
+                </a:cxn>
+                <a:cxn ang="0">
+                  <a:pos x="T74" y="T75"/>
+                </a:cxn>
+                <a:cxn ang="0">
+                  <a:pos x="T76" y="T77"/>
+                </a:cxn>
+                <a:cxn ang="0">
+                  <a:pos x="T78" y="T79"/>
+                </a:cxn>
+              </a:cxnLst>
+              <a:rect l="0" t="0" r="r" b="b"/>
+              <a:pathLst>
+                <a:path w="1796" h="1709">
+                  <a:moveTo>
+                    <a:pt x="1645" y="0"/>
+                  </a:moveTo>
+                  <a:cubicBezTo>
+                    <a:pt x="151" y="0"/>
+                    <a:pt x="151" y="0"/>
+                    <a:pt x="151" y="0"/>
+                  </a:cubicBezTo>
+                  <a:cubicBezTo>
+                    <a:pt x="68" y="0"/>
+                    <a:pt x="0" y="67"/>
+                    <a:pt x="0" y="151"/>
+                  </a:cubicBezTo>
+                  <a:cubicBezTo>
+                    <a:pt x="0" y="1307"/>
+                    <a:pt x="0" y="1307"/>
+                    <a:pt x="0" y="1307"/>
+                  </a:cubicBezTo>
+                  <a:cubicBezTo>
+                    <a:pt x="0" y="1390"/>
+                    <a:pt x="68" y="1458"/>
+                    <a:pt x="151" y="1458"/>
+                  </a:cubicBezTo>
+                  <a:cubicBezTo>
+                    <a:pt x="606" y="1458"/>
+                    <a:pt x="606" y="1458"/>
+                    <a:pt x="606" y="1458"/>
+                  </a:cubicBezTo>
+                  <a:cubicBezTo>
+                    <a:pt x="582" y="1488"/>
+                    <a:pt x="544" y="1527"/>
+                    <a:pt x="526" y="1545"/>
+                  </a:cubicBezTo>
+                  <a:cubicBezTo>
+                    <a:pt x="506" y="1564"/>
+                    <a:pt x="491" y="1579"/>
+                    <a:pt x="483" y="1590"/>
+                  </a:cubicBezTo>
+                  <a:cubicBezTo>
+                    <a:pt x="472" y="1605"/>
+                    <a:pt x="467" y="1634"/>
+                    <a:pt x="479" y="1659"/>
+                  </a:cubicBezTo>
+                  <a:cubicBezTo>
+                    <a:pt x="491" y="1682"/>
+                    <a:pt x="520" y="1709"/>
+                    <a:pt x="593" y="1709"/>
+                  </a:cubicBezTo>
+                  <a:cubicBezTo>
+                    <a:pt x="1203" y="1709"/>
+                    <a:pt x="1203" y="1709"/>
+                    <a:pt x="1203" y="1709"/>
+                  </a:cubicBezTo>
+                  <a:cubicBezTo>
+                    <a:pt x="1276" y="1709"/>
+                    <a:pt x="1305" y="1682"/>
+                    <a:pt x="1316" y="1659"/>
+                  </a:cubicBezTo>
+                  <a:cubicBezTo>
+                    <a:pt x="1329" y="1634"/>
+                    <a:pt x="1324" y="1605"/>
+                    <a:pt x="1312" y="1590"/>
+                  </a:cubicBezTo>
+                  <a:cubicBezTo>
+                    <a:pt x="1304" y="1579"/>
+                    <a:pt x="1289" y="1564"/>
+                    <a:pt x="1270" y="1545"/>
+                  </a:cubicBezTo>
+                  <a:cubicBezTo>
+                    <a:pt x="1252" y="1527"/>
+                    <a:pt x="1213" y="1488"/>
+                    <a:pt x="1190" y="1458"/>
+                  </a:cubicBezTo>
+                  <a:cubicBezTo>
+                    <a:pt x="1645" y="1458"/>
+                    <a:pt x="1645" y="1458"/>
+                    <a:pt x="1645" y="1458"/>
+                  </a:cubicBezTo>
+                  <a:cubicBezTo>
+                    <a:pt x="1728" y="1458"/>
+                    <a:pt x="1796" y="1390"/>
+                    <a:pt x="1796" y="1307"/>
+                  </a:cubicBezTo>
+                  <a:cubicBezTo>
+                    <a:pt x="1796" y="151"/>
+                    <a:pt x="1796" y="151"/>
+                    <a:pt x="1796" y="151"/>
+                  </a:cubicBezTo>
+                  <a:cubicBezTo>
+                    <a:pt x="1796" y="67"/>
+                    <a:pt x="1728" y="0"/>
+                    <a:pt x="1645" y="0"/>
+                  </a:cubicBezTo>
+                  <a:close/>
+                  <a:moveTo>
+                    <a:pt x="1231" y="1585"/>
+                  </a:moveTo>
+                  <a:cubicBezTo>
+                    <a:pt x="1247" y="1601"/>
+                    <a:pt x="1262" y="1616"/>
+                    <a:pt x="1267" y="1622"/>
+                  </a:cubicBezTo>
+                  <a:cubicBezTo>
+                    <a:pt x="1267" y="1622"/>
+                    <a:pt x="1269" y="1629"/>
+                    <a:pt x="1265" y="1635"/>
+                  </a:cubicBezTo>
+                  <a:cubicBezTo>
+                    <a:pt x="1258" y="1646"/>
+                    <a:pt x="1235" y="1653"/>
+                    <a:pt x="1203" y="1653"/>
+                  </a:cubicBezTo>
+                  <a:cubicBezTo>
+                    <a:pt x="593" y="1653"/>
+                    <a:pt x="593" y="1653"/>
+                    <a:pt x="593" y="1653"/>
+                  </a:cubicBezTo>
+                  <a:cubicBezTo>
+                    <a:pt x="561" y="1653"/>
+                    <a:pt x="538" y="1646"/>
+                    <a:pt x="530" y="1635"/>
+                  </a:cubicBezTo>
+                  <a:cubicBezTo>
+                    <a:pt x="527" y="1629"/>
+                    <a:pt x="528" y="1623"/>
+                    <a:pt x="528" y="1623"/>
+                  </a:cubicBezTo>
+                  <a:cubicBezTo>
+                    <a:pt x="528" y="1623"/>
+                    <a:pt x="528" y="1623"/>
+                    <a:pt x="528" y="1623"/>
+                  </a:cubicBezTo>
+                  <a:cubicBezTo>
+                    <a:pt x="534" y="1616"/>
+                    <a:pt x="549" y="1601"/>
+                    <a:pt x="565" y="1585"/>
+                  </a:cubicBezTo>
+                  <a:cubicBezTo>
+                    <a:pt x="614" y="1536"/>
+                    <a:pt x="654" y="1494"/>
+                    <a:pt x="672" y="1458"/>
+                  </a:cubicBezTo>
+                  <a:cubicBezTo>
+                    <a:pt x="1124" y="1458"/>
+                    <a:pt x="1124" y="1458"/>
+                    <a:pt x="1124" y="1458"/>
+                  </a:cubicBezTo>
+                  <a:cubicBezTo>
+                    <a:pt x="1142" y="1494"/>
+                    <a:pt x="1182" y="1536"/>
+                    <a:pt x="1231" y="1585"/>
+                  </a:cubicBezTo>
+                  <a:close/>
+                  <a:moveTo>
+                    <a:pt x="1684" y="1307"/>
+                  </a:moveTo>
+                  <a:cubicBezTo>
+                    <a:pt x="1684" y="1328"/>
+                    <a:pt x="1666" y="1346"/>
+                    <a:pt x="1645" y="1346"/>
+                  </a:cubicBezTo>
+                  <a:cubicBezTo>
+                    <a:pt x="151" y="1346"/>
+                    <a:pt x="151" y="1346"/>
+                    <a:pt x="151" y="1346"/>
+                  </a:cubicBezTo>
+                  <a:cubicBezTo>
+                    <a:pt x="129" y="1346"/>
+                    <a:pt x="112" y="1328"/>
+                    <a:pt x="112" y="1307"/>
+                  </a:cubicBezTo>
+                  <a:cubicBezTo>
+                    <a:pt x="112" y="151"/>
+                    <a:pt x="112" y="151"/>
+                    <a:pt x="112" y="151"/>
+                  </a:cubicBezTo>
+                  <a:cubicBezTo>
+                    <a:pt x="112" y="129"/>
+                    <a:pt x="129" y="112"/>
+                    <a:pt x="151" y="112"/>
+                  </a:cubicBezTo>
+                  <a:cubicBezTo>
+                    <a:pt x="1645" y="112"/>
+                    <a:pt x="1645" y="112"/>
+                    <a:pt x="1645" y="112"/>
+                  </a:cubicBezTo>
+                  <a:cubicBezTo>
+                    <a:pt x="1666" y="112"/>
+                    <a:pt x="1684" y="129"/>
+                    <a:pt x="1684" y="151"/>
+                  </a:cubicBezTo>
+                  <a:lnTo>
+                    <a:pt x="1684" y="1307"/>
+                  </a:lnTo>
+                  <a:close/>
+                </a:path>
+              </a:pathLst>
+            </a:custGeom>
+            <a:grpFill/>
+            <a:ln>
+              <a:noFill/>
+            </a:ln>
+          </p:spPr>
+          <p:txBody>
+            <a:bodyPr vert="horz" wrap="square" lIns="91440" tIns="45720" rIns="91440" bIns="45720" numCol="1" anchor="t" anchorCtr="0" compatLnSpc="1"/>
+            <a:p>
+              <a:pPr marL="0" marR="0" lvl="0" indent="0" algn="l" defTabSz="914400" rtl="0" eaLnBrk="1" fontAlgn="auto" latinLnBrk="0" hangingPunct="1">
+                <a:lnSpc>
+                  <a:spcPct val="100000"/>
+                </a:lnSpc>
+                <a:spcBef>
+                  <a:spcPts val="0"/>
+                </a:spcBef>
+                <a:spcAft>
+                  <a:spcPts val="0"/>
+                </a:spcAft>
+                <a:buClrTx/>
+                <a:buSzTx/>
+                <a:buFontTx/>
+                <a:buNone/>
+                <a:defRPr/>
+              </a:pPr>
+              <a:endParaRPr kumimoji="0" lang="id-ID" sz="2000" b="0" i="0" u="none" strike="noStrike" kern="1200" cap="none" spc="0" normalizeH="0" baseline="0" noProof="0">
+                <a:ln>
+                  <a:noFill/>
+                </a:ln>
+                <a:solidFill>
+                  <a:schemeClr val="tx1"/>
+                </a:solidFill>
+                <a:effectLst/>
+                <a:uLnTx/>
+                <a:uFillTx/>
+                <a:latin typeface="+mn-lt"/>
+                <a:ea typeface="+mn-ea"/>
+                <a:cs typeface="+mn-cs"/>
+              </a:endParaRPr>
+            </a:p>
+          </p:txBody>
+        </p:sp>
+        <p:sp>
+          <p:nvSpPr>
+            <p:cNvPr id="25" name="Freeform 6"/>
+            <p:cNvSpPr>
+              <a:spLocks noEditPoints="1"/>
+            </p:cNvSpPr>
+            <p:nvPr/>
+          </p:nvSpPr>
+          <p:spPr bwMode="auto">
+            <a:xfrm>
+              <a:off x="842963" y="846138"/>
+              <a:ext cx="5064125" cy="3376613"/>
+            </a:xfrm>
+            <a:custGeom>
+              <a:avLst/>
+              <a:gdLst>
+                <a:gd name="T0" fmla="*/ 1252 w 1348"/>
+                <a:gd name="T1" fmla="*/ 0 h 899"/>
+                <a:gd name="T2" fmla="*/ 96 w 1348"/>
+                <a:gd name="T3" fmla="*/ 0 h 899"/>
+                <a:gd name="T4" fmla="*/ 0 w 1348"/>
+                <a:gd name="T5" fmla="*/ 95 h 899"/>
+                <a:gd name="T6" fmla="*/ 0 w 1348"/>
+                <a:gd name="T7" fmla="*/ 803 h 899"/>
+                <a:gd name="T8" fmla="*/ 96 w 1348"/>
+                <a:gd name="T9" fmla="*/ 899 h 899"/>
+                <a:gd name="T10" fmla="*/ 1252 w 1348"/>
+                <a:gd name="T11" fmla="*/ 899 h 899"/>
+                <a:gd name="T12" fmla="*/ 1348 w 1348"/>
+                <a:gd name="T13" fmla="*/ 803 h 899"/>
+                <a:gd name="T14" fmla="*/ 1348 w 1348"/>
+                <a:gd name="T15" fmla="*/ 95 h 899"/>
+                <a:gd name="T16" fmla="*/ 1252 w 1348"/>
+                <a:gd name="T17" fmla="*/ 0 h 899"/>
+                <a:gd name="T18" fmla="*/ 1291 w 1348"/>
+                <a:gd name="T19" fmla="*/ 803 h 899"/>
+                <a:gd name="T20" fmla="*/ 1252 w 1348"/>
+                <a:gd name="T21" fmla="*/ 843 h 899"/>
+                <a:gd name="T22" fmla="*/ 96 w 1348"/>
+                <a:gd name="T23" fmla="*/ 843 h 899"/>
+                <a:gd name="T24" fmla="*/ 56 w 1348"/>
+                <a:gd name="T25" fmla="*/ 803 h 899"/>
+                <a:gd name="T26" fmla="*/ 56 w 1348"/>
+                <a:gd name="T27" fmla="*/ 95 h 899"/>
+                <a:gd name="T28" fmla="*/ 96 w 1348"/>
+                <a:gd name="T29" fmla="*/ 56 h 899"/>
+                <a:gd name="T30" fmla="*/ 1252 w 1348"/>
+                <a:gd name="T31" fmla="*/ 56 h 899"/>
+                <a:gd name="T32" fmla="*/ 1291 w 1348"/>
+                <a:gd name="T33" fmla="*/ 95 h 899"/>
+                <a:gd name="T34" fmla="*/ 1291 w 1348"/>
+                <a:gd name="T35" fmla="*/ 803 h 899"/>
+              </a:gdLst>
+              <a:ahLst/>
+              <a:cxnLst>
+                <a:cxn ang="0">
+                  <a:pos x="T0" y="T1"/>
+                </a:cxn>
+                <a:cxn ang="0">
+                  <a:pos x="T2" y="T3"/>
+                </a:cxn>
+                <a:cxn ang="0">
+                  <a:pos x="T4" y="T5"/>
+                </a:cxn>
+                <a:cxn ang="0">
+                  <a:pos x="T6" y="T7"/>
+                </a:cxn>
+                <a:cxn ang="0">
+                  <a:pos x="T8" y="T9"/>
+                </a:cxn>
+                <a:cxn ang="0">
+                  <a:pos x="T10" y="T11"/>
+                </a:cxn>
+                <a:cxn ang="0">
+                  <a:pos x="T12" y="T13"/>
+                </a:cxn>
+                <a:cxn ang="0">
+                  <a:pos x="T14" y="T15"/>
+                </a:cxn>
+                <a:cxn ang="0">
+                  <a:pos x="T16" y="T17"/>
+                </a:cxn>
+                <a:cxn ang="0">
+                  <a:pos x="T18" y="T19"/>
+                </a:cxn>
+                <a:cxn ang="0">
+                  <a:pos x="T20" y="T21"/>
+                </a:cxn>
+                <a:cxn ang="0">
+                  <a:pos x="T22" y="T23"/>
+                </a:cxn>
+                <a:cxn ang="0">
+                  <a:pos x="T24" y="T25"/>
+                </a:cxn>
+                <a:cxn ang="0">
+                  <a:pos x="T26" y="T27"/>
+                </a:cxn>
+                <a:cxn ang="0">
+                  <a:pos x="T28" y="T29"/>
+                </a:cxn>
+                <a:cxn ang="0">
+                  <a:pos x="T30" y="T31"/>
+                </a:cxn>
+                <a:cxn ang="0">
+                  <a:pos x="T32" y="T33"/>
+                </a:cxn>
+                <a:cxn ang="0">
+                  <a:pos x="T34" y="T35"/>
+                </a:cxn>
+              </a:cxnLst>
+              <a:rect l="0" t="0" r="r" b="b"/>
+              <a:pathLst>
+                <a:path w="1348" h="899">
+                  <a:moveTo>
+                    <a:pt x="1252" y="0"/>
+                  </a:moveTo>
+                  <a:cubicBezTo>
+                    <a:pt x="96" y="0"/>
+                    <a:pt x="96" y="0"/>
+                    <a:pt x="96" y="0"/>
+                  </a:cubicBezTo>
+                  <a:cubicBezTo>
+                    <a:pt x="43" y="0"/>
+                    <a:pt x="0" y="43"/>
+                    <a:pt x="0" y="95"/>
+                  </a:cubicBezTo>
+                  <a:cubicBezTo>
+                    <a:pt x="0" y="803"/>
+                    <a:pt x="0" y="803"/>
+                    <a:pt x="0" y="803"/>
+                  </a:cubicBezTo>
+                  <a:cubicBezTo>
+                    <a:pt x="0" y="856"/>
+                    <a:pt x="43" y="899"/>
+                    <a:pt x="96" y="899"/>
+                  </a:cubicBezTo>
+                  <a:cubicBezTo>
+                    <a:pt x="1252" y="899"/>
+                    <a:pt x="1252" y="899"/>
+                    <a:pt x="1252" y="899"/>
+                  </a:cubicBezTo>
+                  <a:cubicBezTo>
+                    <a:pt x="1305" y="899"/>
+                    <a:pt x="1348" y="856"/>
+                    <a:pt x="1348" y="803"/>
+                  </a:cubicBezTo>
+                  <a:cubicBezTo>
+                    <a:pt x="1348" y="95"/>
+                    <a:pt x="1348" y="95"/>
+                    <a:pt x="1348" y="95"/>
+                  </a:cubicBezTo>
+                  <a:cubicBezTo>
+                    <a:pt x="1348" y="43"/>
+                    <a:pt x="1305" y="0"/>
+                    <a:pt x="1252" y="0"/>
+                  </a:cubicBezTo>
+                  <a:close/>
+                  <a:moveTo>
+                    <a:pt x="1291" y="803"/>
+                  </a:moveTo>
+                  <a:cubicBezTo>
+                    <a:pt x="1291" y="825"/>
+                    <a:pt x="1274" y="843"/>
+                    <a:pt x="1252" y="843"/>
+                  </a:cubicBezTo>
+                  <a:cubicBezTo>
+                    <a:pt x="96" y="843"/>
+                    <a:pt x="96" y="843"/>
+                    <a:pt x="96" y="843"/>
+                  </a:cubicBezTo>
+                  <a:cubicBezTo>
+                    <a:pt x="74" y="843"/>
+                    <a:pt x="56" y="825"/>
+                    <a:pt x="56" y="803"/>
+                  </a:cubicBezTo>
+                  <a:cubicBezTo>
+                    <a:pt x="56" y="95"/>
+                    <a:pt x="56" y="95"/>
+                    <a:pt x="56" y="95"/>
+                  </a:cubicBezTo>
+                  <a:cubicBezTo>
+                    <a:pt x="56" y="74"/>
+                    <a:pt x="74" y="56"/>
+                    <a:pt x="96" y="56"/>
+                  </a:cubicBezTo>
+                  <a:cubicBezTo>
+                    <a:pt x="1252" y="56"/>
+                    <a:pt x="1252" y="56"/>
+                    <a:pt x="1252" y="56"/>
+                  </a:cubicBezTo>
+                  <a:cubicBezTo>
+                    <a:pt x="1274" y="56"/>
+                    <a:pt x="1291" y="74"/>
+                    <a:pt x="1291" y="95"/>
+                  </a:cubicBezTo>
+                  <a:lnTo>
+                    <a:pt x="1291" y="803"/>
+                  </a:lnTo>
+                  <a:close/>
+                </a:path>
+              </a:pathLst>
+            </a:custGeom>
+            <a:grpFill/>
+            <a:ln>
+              <a:noFill/>
+            </a:ln>
+          </p:spPr>
+          <p:txBody>
+            <a:bodyPr vert="horz" wrap="square" lIns="91440" tIns="45720" rIns="91440" bIns="45720" numCol="1" anchor="t" anchorCtr="0" compatLnSpc="1"/>
+            <a:p>
+              <a:pPr marL="0" marR="0" lvl="0" indent="0" algn="l" defTabSz="914400" rtl="0" eaLnBrk="1" fontAlgn="auto" latinLnBrk="0" hangingPunct="1">
+                <a:lnSpc>
+                  <a:spcPct val="100000"/>
+                </a:lnSpc>
+                <a:spcBef>
+                  <a:spcPts val="0"/>
+                </a:spcBef>
+                <a:spcAft>
+                  <a:spcPts val="0"/>
+                </a:spcAft>
+                <a:buClrTx/>
+                <a:buSzTx/>
+                <a:buFontTx/>
+                <a:buNone/>
+                <a:defRPr/>
+              </a:pPr>
+              <a:endParaRPr kumimoji="0" lang="id-ID" sz="2000" b="0" i="0" u="none" strike="noStrike" kern="1200" cap="none" spc="0" normalizeH="0" baseline="0" noProof="0">
+                <a:ln>
+                  <a:noFill/>
+                </a:ln>
+                <a:solidFill>
+                  <a:schemeClr val="tx1"/>
+                </a:solidFill>
+                <a:effectLst/>
+                <a:uLnTx/>
+                <a:uFillTx/>
+                <a:latin typeface="+mn-lt"/>
+                <a:ea typeface="+mn-ea"/>
+                <a:cs typeface="+mn-cs"/>
+              </a:endParaRPr>
+            </a:p>
+          </p:txBody>
+        </p:sp>
+        <p:sp>
+          <p:nvSpPr>
+            <p:cNvPr id="26" name="Freeform 7"/>
+            <p:cNvSpPr>
+              <a:spLocks noEditPoints="1"/>
+            </p:cNvSpPr>
+            <p:nvPr/>
+          </p:nvSpPr>
+          <p:spPr bwMode="auto">
+            <a:xfrm>
+              <a:off x="3059113" y="4321176"/>
+              <a:ext cx="631825" cy="630238"/>
+            </a:xfrm>
+            <a:custGeom>
+              <a:avLst/>
+              <a:gdLst>
+                <a:gd name="T0" fmla="*/ 84 w 168"/>
+                <a:gd name="T1" fmla="*/ 0 h 168"/>
+                <a:gd name="T2" fmla="*/ 0 w 168"/>
+                <a:gd name="T3" fmla="*/ 84 h 168"/>
+                <a:gd name="T4" fmla="*/ 84 w 168"/>
+                <a:gd name="T5" fmla="*/ 168 h 168"/>
+                <a:gd name="T6" fmla="*/ 168 w 168"/>
+                <a:gd name="T7" fmla="*/ 84 h 168"/>
+                <a:gd name="T8" fmla="*/ 84 w 168"/>
+                <a:gd name="T9" fmla="*/ 0 h 168"/>
+                <a:gd name="T10" fmla="*/ 84 w 168"/>
+                <a:gd name="T11" fmla="*/ 112 h 168"/>
+                <a:gd name="T12" fmla="*/ 56 w 168"/>
+                <a:gd name="T13" fmla="*/ 84 h 168"/>
+                <a:gd name="T14" fmla="*/ 84 w 168"/>
+                <a:gd name="T15" fmla="*/ 56 h 168"/>
+                <a:gd name="T16" fmla="*/ 112 w 168"/>
+                <a:gd name="T17" fmla="*/ 84 h 168"/>
+                <a:gd name="T18" fmla="*/ 84 w 168"/>
+                <a:gd name="T19" fmla="*/ 112 h 168"/>
+              </a:gdLst>
+              <a:ahLst/>
+              <a:cxnLst>
+                <a:cxn ang="0">
+                  <a:pos x="T0" y="T1"/>
+                </a:cxn>
+                <a:cxn ang="0">
+                  <a:pos x="T2" y="T3"/>
+                </a:cxn>
+                <a:cxn ang="0">
+                  <a:pos x="T4" y="T5"/>
+                </a:cxn>
+                <a:cxn ang="0">
+                  <a:pos x="T6" y="T7"/>
+                </a:cxn>
+                <a:cxn ang="0">
+                  <a:pos x="T8" y="T9"/>
+                </a:cxn>
+                <a:cxn ang="0">
+                  <a:pos x="T10" y="T11"/>
+                </a:cxn>
+                <a:cxn ang="0">
+                  <a:pos x="T12" y="T13"/>
+                </a:cxn>
+                <a:cxn ang="0">
+                  <a:pos x="T14" y="T15"/>
+                </a:cxn>
+                <a:cxn ang="0">
+                  <a:pos x="T16" y="T17"/>
+                </a:cxn>
+                <a:cxn ang="0">
+                  <a:pos x="T18" y="T19"/>
+                </a:cxn>
+              </a:cxnLst>
+              <a:rect l="0" t="0" r="r" b="b"/>
+              <a:pathLst>
+                <a:path w="168" h="168">
+                  <a:moveTo>
+                    <a:pt x="84" y="0"/>
+                  </a:moveTo>
+                  <a:cubicBezTo>
+                    <a:pt x="38" y="0"/>
+                    <a:pt x="0" y="38"/>
+                    <a:pt x="0" y="84"/>
+                  </a:cubicBezTo>
+                  <a:cubicBezTo>
+                    <a:pt x="0" y="131"/>
+                    <a:pt x="38" y="168"/>
+                    <a:pt x="84" y="168"/>
+                  </a:cubicBezTo>
+                  <a:cubicBezTo>
+                    <a:pt x="130" y="168"/>
+                    <a:pt x="168" y="131"/>
+                    <a:pt x="168" y="84"/>
+                  </a:cubicBezTo>
+                  <a:cubicBezTo>
+                    <a:pt x="168" y="38"/>
+                    <a:pt x="130" y="0"/>
+                    <a:pt x="84" y="0"/>
+                  </a:cubicBezTo>
+                  <a:close/>
+                  <a:moveTo>
+                    <a:pt x="84" y="112"/>
+                  </a:moveTo>
+                  <a:cubicBezTo>
+                    <a:pt x="68" y="112"/>
+                    <a:pt x="56" y="100"/>
+                    <a:pt x="56" y="84"/>
+                  </a:cubicBezTo>
+                  <a:cubicBezTo>
+                    <a:pt x="56" y="69"/>
+                    <a:pt x="68" y="56"/>
+                    <a:pt x="84" y="56"/>
+                  </a:cubicBezTo>
+                  <a:cubicBezTo>
+                    <a:pt x="99" y="56"/>
+                    <a:pt x="112" y="69"/>
+                    <a:pt x="112" y="84"/>
+                  </a:cubicBezTo>
+                  <a:cubicBezTo>
+                    <a:pt x="112" y="100"/>
+                    <a:pt x="99" y="112"/>
+                    <a:pt x="84" y="112"/>
+                  </a:cubicBezTo>
+                  <a:close/>
+                </a:path>
+              </a:pathLst>
+            </a:custGeom>
+            <a:grpFill/>
+            <a:ln>
+              <a:noFill/>
+            </a:ln>
+          </p:spPr>
+          <p:txBody>
+            <a:bodyPr vert="horz" wrap="square" lIns="91440" tIns="45720" rIns="91440" bIns="45720" numCol="1" anchor="t" anchorCtr="0" compatLnSpc="1"/>
+            <a:p>
+              <a:pPr marL="0" marR="0" lvl="0" indent="0" algn="l" defTabSz="914400" rtl="0" eaLnBrk="1" fontAlgn="auto" latinLnBrk="0" hangingPunct="1">
+                <a:lnSpc>
+                  <a:spcPct val="100000"/>
+                </a:lnSpc>
+                <a:spcBef>
+                  <a:spcPts val="0"/>
+                </a:spcBef>
+                <a:spcAft>
+                  <a:spcPts val="0"/>
+                </a:spcAft>
+                <a:buClrTx/>
+                <a:buSzTx/>
+                <a:buFontTx/>
+                <a:buNone/>
+                <a:defRPr/>
+              </a:pPr>
+              <a:endParaRPr kumimoji="0" lang="id-ID" sz="2000" b="0" i="0" u="none" strike="noStrike" kern="1200" cap="none" spc="0" normalizeH="0" baseline="0" noProof="0">
+                <a:ln>
+                  <a:noFill/>
+                </a:ln>
+                <a:solidFill>
+                  <a:schemeClr val="tx1"/>
+                </a:solidFill>
+                <a:effectLst/>
+                <a:uLnTx/>
+                <a:uFillTx/>
+                <a:latin typeface="+mn-lt"/>
+                <a:ea typeface="+mn-ea"/>
+                <a:cs typeface="+mn-cs"/>
+              </a:endParaRPr>
+            </a:p>
+          </p:txBody>
+        </p:sp>
+        <p:sp>
+          <p:nvSpPr>
+            <p:cNvPr id="32" name="Freeform 8"/>
+            <p:cNvSpPr/>
+            <p:nvPr/>
+          </p:nvSpPr>
+          <p:spPr bwMode="auto">
+            <a:xfrm>
+              <a:off x="2528888" y="2533651"/>
+              <a:ext cx="628650" cy="1262063"/>
+            </a:xfrm>
+            <a:custGeom>
+              <a:avLst/>
+              <a:gdLst>
+                <a:gd name="T0" fmla="*/ 125 w 167"/>
+                <a:gd name="T1" fmla="*/ 0 h 336"/>
+                <a:gd name="T2" fmla="*/ 42 w 167"/>
+                <a:gd name="T3" fmla="*/ 0 h 336"/>
+                <a:gd name="T4" fmla="*/ 0 w 167"/>
+                <a:gd name="T5" fmla="*/ 42 h 336"/>
+                <a:gd name="T6" fmla="*/ 0 w 167"/>
+                <a:gd name="T7" fmla="*/ 294 h 336"/>
+                <a:gd name="T8" fmla="*/ 42 w 167"/>
+                <a:gd name="T9" fmla="*/ 336 h 336"/>
+                <a:gd name="T10" fmla="*/ 125 w 167"/>
+                <a:gd name="T11" fmla="*/ 336 h 336"/>
+                <a:gd name="T12" fmla="*/ 167 w 167"/>
+                <a:gd name="T13" fmla="*/ 294 h 336"/>
+                <a:gd name="T14" fmla="*/ 167 w 167"/>
+                <a:gd name="T15" fmla="*/ 42 h 336"/>
+                <a:gd name="T16" fmla="*/ 125 w 167"/>
+                <a:gd name="T17" fmla="*/ 0 h 336"/>
+              </a:gdLst>
+              <a:ahLst/>
+              <a:cxnLst>
+                <a:cxn ang="0">
+                  <a:pos x="T0" y="T1"/>
+                </a:cxn>
+                <a:cxn ang="0">
+                  <a:pos x="T2" y="T3"/>
+                </a:cxn>
+                <a:cxn ang="0">
+                  <a:pos x="T4" y="T5"/>
+                </a:cxn>
+                <a:cxn ang="0">
+                  <a:pos x="T6" y="T7"/>
+                </a:cxn>
+                <a:cxn ang="0">
+                  <a:pos x="T8" y="T9"/>
+                </a:cxn>
+                <a:cxn ang="0">
+                  <a:pos x="T10" y="T11"/>
+                </a:cxn>
+                <a:cxn ang="0">
+                  <a:pos x="T12" y="T13"/>
+                </a:cxn>
+                <a:cxn ang="0">
+                  <a:pos x="T14" y="T15"/>
+                </a:cxn>
+                <a:cxn ang="0">
+                  <a:pos x="T16" y="T17"/>
+                </a:cxn>
+              </a:cxnLst>
+              <a:rect l="0" t="0" r="r" b="b"/>
+              <a:pathLst>
+                <a:path w="167" h="336">
+                  <a:moveTo>
+                    <a:pt x="125" y="0"/>
+                  </a:moveTo>
+                  <a:cubicBezTo>
+                    <a:pt x="42" y="0"/>
+                    <a:pt x="42" y="0"/>
+                    <a:pt x="42" y="0"/>
+                  </a:cubicBezTo>
+                  <a:cubicBezTo>
+                    <a:pt x="19" y="0"/>
+                    <a:pt x="0" y="18"/>
+                    <a:pt x="0" y="42"/>
+                  </a:cubicBezTo>
+                  <a:cubicBezTo>
+                    <a:pt x="0" y="294"/>
+                    <a:pt x="0" y="294"/>
+                    <a:pt x="0" y="294"/>
+                  </a:cubicBezTo>
+                  <a:cubicBezTo>
+                    <a:pt x="0" y="317"/>
+                    <a:pt x="19" y="336"/>
+                    <a:pt x="42" y="336"/>
+                  </a:cubicBezTo>
+                  <a:cubicBezTo>
+                    <a:pt x="125" y="336"/>
+                    <a:pt x="125" y="336"/>
+                    <a:pt x="125" y="336"/>
+                  </a:cubicBezTo>
+                  <a:cubicBezTo>
+                    <a:pt x="148" y="336"/>
+                    <a:pt x="167" y="317"/>
+                    <a:pt x="167" y="294"/>
+                  </a:cubicBezTo>
+                  <a:cubicBezTo>
+                    <a:pt x="167" y="42"/>
+                    <a:pt x="167" y="42"/>
+                    <a:pt x="167" y="42"/>
+                  </a:cubicBezTo>
+                  <a:cubicBezTo>
+                    <a:pt x="167" y="18"/>
+                    <a:pt x="148" y="0"/>
+                    <a:pt x="125" y="0"/>
+                  </a:cubicBezTo>
+                  <a:close/>
+                </a:path>
+              </a:pathLst>
+            </a:custGeom>
+            <a:grpFill/>
+            <a:ln>
+              <a:noFill/>
+            </a:ln>
+          </p:spPr>
+          <p:txBody>
+            <a:bodyPr vert="horz" wrap="square" lIns="91440" tIns="45720" rIns="91440" bIns="45720" numCol="1" anchor="t" anchorCtr="0" compatLnSpc="1"/>
+            <a:p>
+              <a:pPr marL="0" marR="0" lvl="0" indent="0" algn="l" defTabSz="914400" rtl="0" eaLnBrk="1" fontAlgn="auto" latinLnBrk="0" hangingPunct="1">
+                <a:lnSpc>
+                  <a:spcPct val="100000"/>
+                </a:lnSpc>
+                <a:spcBef>
+                  <a:spcPts val="0"/>
+                </a:spcBef>
+                <a:spcAft>
+                  <a:spcPts val="0"/>
+                </a:spcAft>
+                <a:buClrTx/>
+                <a:buSzTx/>
+                <a:buFontTx/>
+                <a:buNone/>
+                <a:defRPr/>
+              </a:pPr>
+              <a:endParaRPr kumimoji="0" lang="id-ID" sz="2000" b="0" i="0" u="none" strike="noStrike" kern="1200" cap="none" spc="0" normalizeH="0" baseline="0" noProof="0">
+                <a:ln>
+                  <a:noFill/>
+                </a:ln>
+                <a:solidFill>
+                  <a:schemeClr val="tx1"/>
+                </a:solidFill>
+                <a:effectLst/>
+                <a:uLnTx/>
+                <a:uFillTx/>
+                <a:latin typeface="+mn-lt"/>
+                <a:ea typeface="+mn-ea"/>
+                <a:cs typeface="+mn-cs"/>
+              </a:endParaRPr>
+            </a:p>
+          </p:txBody>
+        </p:sp>
+        <p:sp>
+          <p:nvSpPr>
+            <p:cNvPr id="33" name="Freeform 9"/>
+            <p:cNvSpPr/>
+            <p:nvPr/>
+          </p:nvSpPr>
+          <p:spPr bwMode="auto">
+            <a:xfrm>
+              <a:off x="4632326" y="1266826"/>
+              <a:ext cx="635000" cy="2528888"/>
+            </a:xfrm>
+            <a:custGeom>
+              <a:avLst/>
+              <a:gdLst>
+                <a:gd name="T0" fmla="*/ 126 w 169"/>
+                <a:gd name="T1" fmla="*/ 0 h 673"/>
+                <a:gd name="T2" fmla="*/ 42 w 169"/>
+                <a:gd name="T3" fmla="*/ 0 h 673"/>
+                <a:gd name="T4" fmla="*/ 0 w 169"/>
+                <a:gd name="T5" fmla="*/ 41 h 673"/>
+                <a:gd name="T6" fmla="*/ 0 w 169"/>
+                <a:gd name="T7" fmla="*/ 632 h 673"/>
+                <a:gd name="T8" fmla="*/ 42 w 169"/>
+                <a:gd name="T9" fmla="*/ 673 h 673"/>
+                <a:gd name="T10" fmla="*/ 126 w 169"/>
+                <a:gd name="T11" fmla="*/ 673 h 673"/>
+                <a:gd name="T12" fmla="*/ 169 w 169"/>
+                <a:gd name="T13" fmla="*/ 632 h 673"/>
+                <a:gd name="T14" fmla="*/ 169 w 169"/>
+                <a:gd name="T15" fmla="*/ 41 h 673"/>
+                <a:gd name="T16" fmla="*/ 126 w 169"/>
+                <a:gd name="T17" fmla="*/ 0 h 673"/>
+              </a:gdLst>
+              <a:ahLst/>
+              <a:cxnLst>
+                <a:cxn ang="0">
+                  <a:pos x="T0" y="T1"/>
+                </a:cxn>
+                <a:cxn ang="0">
+                  <a:pos x="T2" y="T3"/>
+                </a:cxn>
+                <a:cxn ang="0">
+                  <a:pos x="T4" y="T5"/>
+                </a:cxn>
+                <a:cxn ang="0">
+                  <a:pos x="T6" y="T7"/>
+                </a:cxn>
+                <a:cxn ang="0">
+                  <a:pos x="T8" y="T9"/>
+                </a:cxn>
+                <a:cxn ang="0">
+                  <a:pos x="T10" y="T11"/>
+                </a:cxn>
+                <a:cxn ang="0">
+                  <a:pos x="T12" y="T13"/>
+                </a:cxn>
+                <a:cxn ang="0">
+                  <a:pos x="T14" y="T15"/>
+                </a:cxn>
+                <a:cxn ang="0">
+                  <a:pos x="T16" y="T17"/>
+                </a:cxn>
+              </a:cxnLst>
+              <a:rect l="0" t="0" r="r" b="b"/>
+              <a:pathLst>
+                <a:path w="169" h="673">
+                  <a:moveTo>
+                    <a:pt x="126" y="0"/>
+                  </a:moveTo>
+                  <a:cubicBezTo>
+                    <a:pt x="42" y="0"/>
+                    <a:pt x="42" y="0"/>
+                    <a:pt x="42" y="0"/>
+                  </a:cubicBezTo>
+                  <a:cubicBezTo>
+                    <a:pt x="19" y="0"/>
+                    <a:pt x="0" y="19"/>
+                    <a:pt x="0" y="41"/>
+                  </a:cubicBezTo>
+                  <a:cubicBezTo>
+                    <a:pt x="0" y="632"/>
+                    <a:pt x="0" y="632"/>
+                    <a:pt x="0" y="632"/>
+                  </a:cubicBezTo>
+                  <a:cubicBezTo>
+                    <a:pt x="0" y="655"/>
+                    <a:pt x="19" y="673"/>
+                    <a:pt x="42" y="673"/>
+                  </a:cubicBezTo>
+                  <a:cubicBezTo>
+                    <a:pt x="126" y="673"/>
+                    <a:pt x="126" y="673"/>
+                    <a:pt x="126" y="673"/>
+                  </a:cubicBezTo>
+                  <a:cubicBezTo>
+                    <a:pt x="150" y="673"/>
+                    <a:pt x="169" y="655"/>
+                    <a:pt x="169" y="632"/>
+                  </a:cubicBezTo>
+                  <a:cubicBezTo>
+                    <a:pt x="169" y="41"/>
+                    <a:pt x="169" y="41"/>
+                    <a:pt x="169" y="41"/>
+                  </a:cubicBezTo>
+                  <a:cubicBezTo>
+                    <a:pt x="169" y="19"/>
+                    <a:pt x="150" y="0"/>
+                    <a:pt x="126" y="0"/>
+                  </a:cubicBezTo>
+                  <a:close/>
+                </a:path>
+              </a:pathLst>
+            </a:custGeom>
+            <a:grpFill/>
+            <a:ln>
+              <a:noFill/>
+            </a:ln>
+          </p:spPr>
+          <p:txBody>
+            <a:bodyPr vert="horz" wrap="square" lIns="91440" tIns="45720" rIns="91440" bIns="45720" numCol="1" anchor="t" anchorCtr="0" compatLnSpc="1"/>
+            <a:p>
+              <a:pPr marL="0" marR="0" lvl="0" indent="0" algn="l" defTabSz="914400" rtl="0" eaLnBrk="1" fontAlgn="auto" latinLnBrk="0" hangingPunct="1">
+                <a:lnSpc>
+                  <a:spcPct val="100000"/>
+                </a:lnSpc>
+                <a:spcBef>
+                  <a:spcPts val="0"/>
+                </a:spcBef>
+                <a:spcAft>
+                  <a:spcPts val="0"/>
+                </a:spcAft>
+                <a:buClrTx/>
+                <a:buSzTx/>
+                <a:buFontTx/>
+                <a:buNone/>
+                <a:defRPr/>
+              </a:pPr>
+              <a:endParaRPr kumimoji="0" lang="id-ID" sz="2000" b="0" i="0" u="none" strike="noStrike" kern="1200" cap="none" spc="0" normalizeH="0" baseline="0" noProof="0">
+                <a:ln>
+                  <a:noFill/>
+                </a:ln>
+                <a:solidFill>
+                  <a:schemeClr val="tx1"/>
+                </a:solidFill>
+                <a:effectLst/>
+                <a:uLnTx/>
+                <a:uFillTx/>
+                <a:latin typeface="+mn-lt"/>
+                <a:ea typeface="+mn-ea"/>
+                <a:cs typeface="+mn-cs"/>
+              </a:endParaRPr>
+            </a:p>
+          </p:txBody>
+        </p:sp>
+        <p:sp>
+          <p:nvSpPr>
+            <p:cNvPr id="34" name="Freeform 10"/>
+            <p:cNvSpPr/>
+            <p:nvPr/>
+          </p:nvSpPr>
+          <p:spPr bwMode="auto">
+            <a:xfrm>
+              <a:off x="3584576" y="2112963"/>
+              <a:ext cx="627063" cy="1682750"/>
+            </a:xfrm>
+            <a:custGeom>
+              <a:avLst/>
+              <a:gdLst>
+                <a:gd name="T0" fmla="*/ 125 w 167"/>
+                <a:gd name="T1" fmla="*/ 0 h 448"/>
+                <a:gd name="T2" fmla="*/ 41 w 167"/>
+                <a:gd name="T3" fmla="*/ 0 h 448"/>
+                <a:gd name="T4" fmla="*/ 0 w 167"/>
+                <a:gd name="T5" fmla="*/ 40 h 448"/>
+                <a:gd name="T6" fmla="*/ 0 w 167"/>
+                <a:gd name="T7" fmla="*/ 407 h 448"/>
+                <a:gd name="T8" fmla="*/ 41 w 167"/>
+                <a:gd name="T9" fmla="*/ 448 h 448"/>
+                <a:gd name="T10" fmla="*/ 125 w 167"/>
+                <a:gd name="T11" fmla="*/ 448 h 448"/>
+                <a:gd name="T12" fmla="*/ 167 w 167"/>
+                <a:gd name="T13" fmla="*/ 407 h 448"/>
+                <a:gd name="T14" fmla="*/ 167 w 167"/>
+                <a:gd name="T15" fmla="*/ 40 h 448"/>
+                <a:gd name="T16" fmla="*/ 125 w 167"/>
+                <a:gd name="T17" fmla="*/ 0 h 448"/>
+              </a:gdLst>
+              <a:ahLst/>
+              <a:cxnLst>
+                <a:cxn ang="0">
+                  <a:pos x="T0" y="T1"/>
+                </a:cxn>
+                <a:cxn ang="0">
+                  <a:pos x="T2" y="T3"/>
+                </a:cxn>
+                <a:cxn ang="0">
+                  <a:pos x="T4" y="T5"/>
+                </a:cxn>
+                <a:cxn ang="0">
+                  <a:pos x="T6" y="T7"/>
+                </a:cxn>
+                <a:cxn ang="0">
+                  <a:pos x="T8" y="T9"/>
+                </a:cxn>
+                <a:cxn ang="0">
+                  <a:pos x="T10" y="T11"/>
+                </a:cxn>
+                <a:cxn ang="0">
+                  <a:pos x="T12" y="T13"/>
+                </a:cxn>
+                <a:cxn ang="0">
+                  <a:pos x="T14" y="T15"/>
+                </a:cxn>
+                <a:cxn ang="0">
+                  <a:pos x="T16" y="T17"/>
+                </a:cxn>
+              </a:cxnLst>
+              <a:rect l="0" t="0" r="r" b="b"/>
+              <a:pathLst>
+                <a:path w="167" h="448">
+                  <a:moveTo>
+                    <a:pt x="125" y="0"/>
+                  </a:moveTo>
+                  <a:cubicBezTo>
+                    <a:pt x="41" y="0"/>
+                    <a:pt x="41" y="0"/>
+                    <a:pt x="41" y="0"/>
+                  </a:cubicBezTo>
+                  <a:cubicBezTo>
+                    <a:pt x="18" y="0"/>
+                    <a:pt x="0" y="18"/>
+                    <a:pt x="0" y="40"/>
+                  </a:cubicBezTo>
+                  <a:cubicBezTo>
+                    <a:pt x="0" y="407"/>
+                    <a:pt x="0" y="407"/>
+                    <a:pt x="0" y="407"/>
+                  </a:cubicBezTo>
+                  <a:cubicBezTo>
+                    <a:pt x="0" y="430"/>
+                    <a:pt x="18" y="448"/>
+                    <a:pt x="41" y="448"/>
+                  </a:cubicBezTo>
+                  <a:cubicBezTo>
+                    <a:pt x="125" y="448"/>
+                    <a:pt x="125" y="448"/>
+                    <a:pt x="125" y="448"/>
+                  </a:cubicBezTo>
+                  <a:cubicBezTo>
+                    <a:pt x="148" y="448"/>
+                    <a:pt x="167" y="430"/>
+                    <a:pt x="167" y="407"/>
+                  </a:cubicBezTo>
+                  <a:cubicBezTo>
+                    <a:pt x="167" y="40"/>
+                    <a:pt x="167" y="40"/>
+                    <a:pt x="167" y="40"/>
+                  </a:cubicBezTo>
+                  <a:cubicBezTo>
+                    <a:pt x="167" y="18"/>
+                    <a:pt x="148" y="0"/>
+                    <a:pt x="125" y="0"/>
+                  </a:cubicBezTo>
+                  <a:close/>
+                </a:path>
+              </a:pathLst>
+            </a:custGeom>
+            <a:grpFill/>
+            <a:ln>
+              <a:noFill/>
+            </a:ln>
+          </p:spPr>
+          <p:txBody>
+            <a:bodyPr vert="horz" wrap="square" lIns="91440" tIns="45720" rIns="91440" bIns="45720" numCol="1" anchor="t" anchorCtr="0" compatLnSpc="1"/>
+            <a:p>
+              <a:pPr marL="0" marR="0" lvl="0" indent="0" algn="l" defTabSz="914400" rtl="0" eaLnBrk="1" fontAlgn="auto" latinLnBrk="0" hangingPunct="1">
+                <a:lnSpc>
+                  <a:spcPct val="100000"/>
+                </a:lnSpc>
+                <a:spcBef>
+                  <a:spcPts val="0"/>
+                </a:spcBef>
+                <a:spcAft>
+                  <a:spcPts val="0"/>
+                </a:spcAft>
+                <a:buClrTx/>
+                <a:buSzTx/>
+                <a:buFontTx/>
+                <a:buNone/>
+                <a:defRPr/>
+              </a:pPr>
+              <a:endParaRPr kumimoji="0" lang="id-ID" sz="2000" b="0" i="0" u="none" strike="noStrike" kern="1200" cap="none" spc="0" normalizeH="0" baseline="0" noProof="0">
+                <a:ln>
+                  <a:noFill/>
+                </a:ln>
+                <a:solidFill>
+                  <a:schemeClr val="tx1"/>
+                </a:solidFill>
+                <a:effectLst/>
+                <a:uLnTx/>
+                <a:uFillTx/>
+                <a:latin typeface="+mn-lt"/>
+                <a:ea typeface="+mn-ea"/>
+                <a:cs typeface="+mn-cs"/>
+              </a:endParaRPr>
+            </a:p>
+          </p:txBody>
+        </p:sp>
+        <p:sp>
+          <p:nvSpPr>
+            <p:cNvPr id="38" name="Freeform 11"/>
+            <p:cNvSpPr/>
+            <p:nvPr/>
+          </p:nvSpPr>
+          <p:spPr bwMode="auto">
+            <a:xfrm>
+              <a:off x="1474788" y="1687513"/>
+              <a:ext cx="633413" cy="2108200"/>
+            </a:xfrm>
+            <a:custGeom>
+              <a:avLst/>
+              <a:gdLst>
+                <a:gd name="T0" fmla="*/ 127 w 169"/>
+                <a:gd name="T1" fmla="*/ 0 h 561"/>
+                <a:gd name="T2" fmla="*/ 43 w 169"/>
+                <a:gd name="T3" fmla="*/ 0 h 561"/>
+                <a:gd name="T4" fmla="*/ 0 w 169"/>
+                <a:gd name="T5" fmla="*/ 40 h 561"/>
+                <a:gd name="T6" fmla="*/ 0 w 169"/>
+                <a:gd name="T7" fmla="*/ 521 h 561"/>
+                <a:gd name="T8" fmla="*/ 43 w 169"/>
+                <a:gd name="T9" fmla="*/ 561 h 561"/>
+                <a:gd name="T10" fmla="*/ 127 w 169"/>
+                <a:gd name="T11" fmla="*/ 561 h 561"/>
+                <a:gd name="T12" fmla="*/ 169 w 169"/>
+                <a:gd name="T13" fmla="*/ 521 h 561"/>
+                <a:gd name="T14" fmla="*/ 169 w 169"/>
+                <a:gd name="T15" fmla="*/ 40 h 561"/>
+                <a:gd name="T16" fmla="*/ 127 w 169"/>
+                <a:gd name="T17" fmla="*/ 0 h 561"/>
+              </a:gdLst>
+              <a:ahLst/>
+              <a:cxnLst>
+                <a:cxn ang="0">
+                  <a:pos x="T0" y="T1"/>
+                </a:cxn>
+                <a:cxn ang="0">
+                  <a:pos x="T2" y="T3"/>
+                </a:cxn>
+                <a:cxn ang="0">
+                  <a:pos x="T4" y="T5"/>
+                </a:cxn>
+                <a:cxn ang="0">
+                  <a:pos x="T6" y="T7"/>
+                </a:cxn>
+                <a:cxn ang="0">
+                  <a:pos x="T8" y="T9"/>
+                </a:cxn>
+                <a:cxn ang="0">
+                  <a:pos x="T10" y="T11"/>
+                </a:cxn>
+                <a:cxn ang="0">
+                  <a:pos x="T12" y="T13"/>
+                </a:cxn>
+                <a:cxn ang="0">
+                  <a:pos x="T14" y="T15"/>
+                </a:cxn>
+                <a:cxn ang="0">
+                  <a:pos x="T16" y="T17"/>
+                </a:cxn>
+              </a:cxnLst>
+              <a:rect l="0" t="0" r="r" b="b"/>
+              <a:pathLst>
+                <a:path w="169" h="561">
+                  <a:moveTo>
+                    <a:pt x="127" y="0"/>
+                  </a:moveTo>
+                  <a:cubicBezTo>
+                    <a:pt x="43" y="0"/>
+                    <a:pt x="43" y="0"/>
+                    <a:pt x="43" y="0"/>
+                  </a:cubicBezTo>
+                  <a:cubicBezTo>
+                    <a:pt x="19" y="0"/>
+                    <a:pt x="0" y="18"/>
+                    <a:pt x="0" y="40"/>
+                  </a:cubicBezTo>
+                  <a:cubicBezTo>
+                    <a:pt x="0" y="521"/>
+                    <a:pt x="0" y="521"/>
+                    <a:pt x="0" y="521"/>
+                  </a:cubicBezTo>
+                  <a:cubicBezTo>
+                    <a:pt x="0" y="543"/>
+                    <a:pt x="19" y="561"/>
+                    <a:pt x="43" y="561"/>
+                  </a:cubicBezTo>
+                  <a:cubicBezTo>
+                    <a:pt x="127" y="561"/>
+                    <a:pt x="127" y="561"/>
+                    <a:pt x="127" y="561"/>
+                  </a:cubicBezTo>
+                  <a:cubicBezTo>
+                    <a:pt x="150" y="561"/>
+                    <a:pt x="169" y="543"/>
+                    <a:pt x="169" y="521"/>
+                  </a:cubicBezTo>
+                  <a:cubicBezTo>
+                    <a:pt x="169" y="40"/>
+                    <a:pt x="169" y="40"/>
+                    <a:pt x="169" y="40"/>
+                  </a:cubicBezTo>
+                  <a:cubicBezTo>
+                    <a:pt x="169" y="18"/>
+                    <a:pt x="150" y="0"/>
+                    <a:pt x="127" y="0"/>
+                  </a:cubicBezTo>
+                  <a:close/>
+                </a:path>
+              </a:pathLst>
+            </a:custGeom>
+            <a:grpFill/>
+            <a:ln>
+              <a:noFill/>
+            </a:ln>
+          </p:spPr>
+          <p:txBody>
+            <a:bodyPr vert="horz" wrap="square" lIns="91440" tIns="45720" rIns="91440" bIns="45720" numCol="1" anchor="t" anchorCtr="0" compatLnSpc="1"/>
+            <a:p>
+              <a:pPr marL="0" marR="0" lvl="0" indent="0" algn="l" defTabSz="914400" rtl="0" eaLnBrk="1" fontAlgn="auto" latinLnBrk="0" hangingPunct="1">
+                <a:lnSpc>
+                  <a:spcPct val="100000"/>
+                </a:lnSpc>
+                <a:spcBef>
+                  <a:spcPts val="0"/>
+                </a:spcBef>
+                <a:spcAft>
+                  <a:spcPts val="0"/>
+                </a:spcAft>
+                <a:buClrTx/>
+                <a:buSzTx/>
+                <a:buFontTx/>
+                <a:buNone/>
+                <a:defRPr/>
+              </a:pPr>
+              <a:endParaRPr kumimoji="0" lang="id-ID" sz="2000" b="0" i="0" u="none" strike="noStrike" kern="1200" cap="none" spc="0" normalizeH="0" baseline="0" noProof="0">
+                <a:ln>
+                  <a:noFill/>
+                </a:ln>
+                <a:solidFill>
+                  <a:schemeClr val="tx1"/>
+                </a:solidFill>
+                <a:effectLst/>
+                <a:uLnTx/>
+                <a:uFillTx/>
+                <a:latin typeface="+mn-lt"/>
+                <a:ea typeface="+mn-ea"/>
+                <a:cs typeface="+mn-cs"/>
               </a:endParaRPr>
             </a:p>
           </p:txBody>
@@ -4131,14 +6500,1357 @@
       </p:grpSp>
       <p:sp>
         <p:nvSpPr>
-          <p:cNvPr id="12" name="文本框 11"/>
+          <p:cNvPr id="144" name="Freeform 141"/>
+          <p:cNvSpPr>
+            <a:spLocks noEditPoints="1"/>
+          </p:cNvSpPr>
+          <p:nvPr/>
+        </p:nvSpPr>
+        <p:spPr bwMode="auto">
+          <a:xfrm>
+            <a:off x="536661" y="5526025"/>
+            <a:ext cx="362999" cy="335343"/>
+          </a:xfrm>
+          <a:custGeom>
+            <a:avLst/>
+            <a:gdLst>
+              <a:gd name="T0" fmla="*/ 158 w 158"/>
+              <a:gd name="T1" fmla="*/ 34 h 146"/>
+              <a:gd name="T2" fmla="*/ 158 w 158"/>
+              <a:gd name="T3" fmla="*/ 46 h 146"/>
+              <a:gd name="T4" fmla="*/ 154 w 158"/>
+              <a:gd name="T5" fmla="*/ 59 h 146"/>
+              <a:gd name="T6" fmla="*/ 143 w 158"/>
+              <a:gd name="T7" fmla="*/ 72 h 146"/>
+              <a:gd name="T8" fmla="*/ 127 w 158"/>
+              <a:gd name="T9" fmla="*/ 81 h 146"/>
+              <a:gd name="T10" fmla="*/ 106 w 158"/>
+              <a:gd name="T11" fmla="*/ 85 h 146"/>
+              <a:gd name="T12" fmla="*/ 97 w 158"/>
+              <a:gd name="T13" fmla="*/ 94 h 146"/>
+              <a:gd name="T14" fmla="*/ 92 w 158"/>
+              <a:gd name="T15" fmla="*/ 101 h 146"/>
+              <a:gd name="T16" fmla="*/ 91 w 158"/>
+              <a:gd name="T17" fmla="*/ 109 h 146"/>
+              <a:gd name="T18" fmla="*/ 94 w 158"/>
+              <a:gd name="T19" fmla="*/ 118 h 146"/>
+              <a:gd name="T20" fmla="*/ 103 w 158"/>
+              <a:gd name="T21" fmla="*/ 121 h 146"/>
+              <a:gd name="T22" fmla="*/ 116 w 158"/>
+              <a:gd name="T23" fmla="*/ 126 h 146"/>
+              <a:gd name="T24" fmla="*/ 121 w 158"/>
+              <a:gd name="T25" fmla="*/ 136 h 146"/>
+              <a:gd name="T26" fmla="*/ 121 w 158"/>
+              <a:gd name="T27" fmla="*/ 143 h 146"/>
+              <a:gd name="T28" fmla="*/ 120 w 158"/>
+              <a:gd name="T29" fmla="*/ 145 h 146"/>
+              <a:gd name="T30" fmla="*/ 118 w 158"/>
+              <a:gd name="T31" fmla="*/ 146 h 146"/>
+              <a:gd name="T32" fmla="*/ 40 w 158"/>
+              <a:gd name="T33" fmla="*/ 146 h 146"/>
+              <a:gd name="T34" fmla="*/ 37 w 158"/>
+              <a:gd name="T35" fmla="*/ 145 h 146"/>
+              <a:gd name="T36" fmla="*/ 37 w 158"/>
+              <a:gd name="T37" fmla="*/ 143 h 146"/>
+              <a:gd name="T38" fmla="*/ 37 w 158"/>
+              <a:gd name="T39" fmla="*/ 136 h 146"/>
+              <a:gd name="T40" fmla="*/ 42 w 158"/>
+              <a:gd name="T41" fmla="*/ 126 h 146"/>
+              <a:gd name="T42" fmla="*/ 55 w 158"/>
+              <a:gd name="T43" fmla="*/ 121 h 146"/>
+              <a:gd name="T44" fmla="*/ 64 w 158"/>
+              <a:gd name="T45" fmla="*/ 118 h 146"/>
+              <a:gd name="T46" fmla="*/ 67 w 158"/>
+              <a:gd name="T47" fmla="*/ 109 h 146"/>
+              <a:gd name="T48" fmla="*/ 65 w 158"/>
+              <a:gd name="T49" fmla="*/ 101 h 146"/>
+              <a:gd name="T50" fmla="*/ 61 w 158"/>
+              <a:gd name="T51" fmla="*/ 94 h 146"/>
+              <a:gd name="T52" fmla="*/ 52 w 158"/>
+              <a:gd name="T53" fmla="*/ 85 h 146"/>
+              <a:gd name="T54" fmla="*/ 31 w 158"/>
+              <a:gd name="T55" fmla="*/ 81 h 146"/>
+              <a:gd name="T56" fmla="*/ 15 w 158"/>
+              <a:gd name="T57" fmla="*/ 72 h 146"/>
+              <a:gd name="T58" fmla="*/ 4 w 158"/>
+              <a:gd name="T59" fmla="*/ 59 h 146"/>
+              <a:gd name="T60" fmla="*/ 0 w 158"/>
+              <a:gd name="T61" fmla="*/ 46 h 146"/>
+              <a:gd name="T62" fmla="*/ 0 w 158"/>
+              <a:gd name="T63" fmla="*/ 34 h 146"/>
+              <a:gd name="T64" fmla="*/ 3 w 158"/>
+              <a:gd name="T65" fmla="*/ 27 h 146"/>
+              <a:gd name="T66" fmla="*/ 9 w 158"/>
+              <a:gd name="T67" fmla="*/ 25 h 146"/>
+              <a:gd name="T68" fmla="*/ 37 w 158"/>
+              <a:gd name="T69" fmla="*/ 25 h 146"/>
+              <a:gd name="T70" fmla="*/ 37 w 158"/>
+              <a:gd name="T71" fmla="*/ 15 h 146"/>
+              <a:gd name="T72" fmla="*/ 41 w 158"/>
+              <a:gd name="T73" fmla="*/ 5 h 146"/>
+              <a:gd name="T74" fmla="*/ 52 w 158"/>
+              <a:gd name="T75" fmla="*/ 0 h 146"/>
+              <a:gd name="T76" fmla="*/ 106 w 158"/>
+              <a:gd name="T77" fmla="*/ 0 h 146"/>
+              <a:gd name="T78" fmla="*/ 117 w 158"/>
+              <a:gd name="T79" fmla="*/ 5 h 146"/>
+              <a:gd name="T80" fmla="*/ 121 w 158"/>
+              <a:gd name="T81" fmla="*/ 15 h 146"/>
+              <a:gd name="T82" fmla="*/ 121 w 158"/>
+              <a:gd name="T83" fmla="*/ 25 h 146"/>
+              <a:gd name="T84" fmla="*/ 149 w 158"/>
+              <a:gd name="T85" fmla="*/ 25 h 146"/>
+              <a:gd name="T86" fmla="*/ 155 w 158"/>
+              <a:gd name="T87" fmla="*/ 27 h 146"/>
+              <a:gd name="T88" fmla="*/ 158 w 158"/>
+              <a:gd name="T89" fmla="*/ 34 h 146"/>
+              <a:gd name="T90" fmla="*/ 44 w 158"/>
+              <a:gd name="T91" fmla="*/ 72 h 146"/>
+              <a:gd name="T92" fmla="*/ 37 w 158"/>
+              <a:gd name="T93" fmla="*/ 37 h 146"/>
+              <a:gd name="T94" fmla="*/ 12 w 158"/>
+              <a:gd name="T95" fmla="*/ 37 h 146"/>
+              <a:gd name="T96" fmla="*/ 12 w 158"/>
+              <a:gd name="T97" fmla="*/ 46 h 146"/>
+              <a:gd name="T98" fmla="*/ 21 w 158"/>
+              <a:gd name="T99" fmla="*/ 61 h 146"/>
+              <a:gd name="T100" fmla="*/ 44 w 158"/>
+              <a:gd name="T101" fmla="*/ 72 h 146"/>
+              <a:gd name="T102" fmla="*/ 146 w 158"/>
+              <a:gd name="T103" fmla="*/ 46 h 146"/>
+              <a:gd name="T104" fmla="*/ 146 w 158"/>
+              <a:gd name="T105" fmla="*/ 37 h 146"/>
+              <a:gd name="T106" fmla="*/ 121 w 158"/>
+              <a:gd name="T107" fmla="*/ 37 h 146"/>
+              <a:gd name="T108" fmla="*/ 114 w 158"/>
+              <a:gd name="T109" fmla="*/ 72 h 146"/>
+              <a:gd name="T110" fmla="*/ 137 w 158"/>
+              <a:gd name="T111" fmla="*/ 61 h 146"/>
+              <a:gd name="T112" fmla="*/ 146 w 158"/>
+              <a:gd name="T113" fmla="*/ 46 h 146"/>
+            </a:gdLst>
+            <a:ahLst/>
+            <a:cxnLst>
+              <a:cxn ang="0">
+                <a:pos x="T0" y="T1"/>
+              </a:cxn>
+              <a:cxn ang="0">
+                <a:pos x="T2" y="T3"/>
+              </a:cxn>
+              <a:cxn ang="0">
+                <a:pos x="T4" y="T5"/>
+              </a:cxn>
+              <a:cxn ang="0">
+                <a:pos x="T6" y="T7"/>
+              </a:cxn>
+              <a:cxn ang="0">
+                <a:pos x="T8" y="T9"/>
+              </a:cxn>
+              <a:cxn ang="0">
+                <a:pos x="T10" y="T11"/>
+              </a:cxn>
+              <a:cxn ang="0">
+                <a:pos x="T12" y="T13"/>
+              </a:cxn>
+              <a:cxn ang="0">
+                <a:pos x="T14" y="T15"/>
+              </a:cxn>
+              <a:cxn ang="0">
+                <a:pos x="T16" y="T17"/>
+              </a:cxn>
+              <a:cxn ang="0">
+                <a:pos x="T18" y="T19"/>
+              </a:cxn>
+              <a:cxn ang="0">
+                <a:pos x="T20" y="T21"/>
+              </a:cxn>
+              <a:cxn ang="0">
+                <a:pos x="T22" y="T23"/>
+              </a:cxn>
+              <a:cxn ang="0">
+                <a:pos x="T24" y="T25"/>
+              </a:cxn>
+              <a:cxn ang="0">
+                <a:pos x="T26" y="T27"/>
+              </a:cxn>
+              <a:cxn ang="0">
+                <a:pos x="T28" y="T29"/>
+              </a:cxn>
+              <a:cxn ang="0">
+                <a:pos x="T30" y="T31"/>
+              </a:cxn>
+              <a:cxn ang="0">
+                <a:pos x="T32" y="T33"/>
+              </a:cxn>
+              <a:cxn ang="0">
+                <a:pos x="T34" y="T35"/>
+              </a:cxn>
+              <a:cxn ang="0">
+                <a:pos x="T36" y="T37"/>
+              </a:cxn>
+              <a:cxn ang="0">
+                <a:pos x="T38" y="T39"/>
+              </a:cxn>
+              <a:cxn ang="0">
+                <a:pos x="T40" y="T41"/>
+              </a:cxn>
+              <a:cxn ang="0">
+                <a:pos x="T42" y="T43"/>
+              </a:cxn>
+              <a:cxn ang="0">
+                <a:pos x="T44" y="T45"/>
+              </a:cxn>
+              <a:cxn ang="0">
+                <a:pos x="T46" y="T47"/>
+              </a:cxn>
+              <a:cxn ang="0">
+                <a:pos x="T48" y="T49"/>
+              </a:cxn>
+              <a:cxn ang="0">
+                <a:pos x="T50" y="T51"/>
+              </a:cxn>
+              <a:cxn ang="0">
+                <a:pos x="T52" y="T53"/>
+              </a:cxn>
+              <a:cxn ang="0">
+                <a:pos x="T54" y="T55"/>
+              </a:cxn>
+              <a:cxn ang="0">
+                <a:pos x="T56" y="T57"/>
+              </a:cxn>
+              <a:cxn ang="0">
+                <a:pos x="T58" y="T59"/>
+              </a:cxn>
+              <a:cxn ang="0">
+                <a:pos x="T60" y="T61"/>
+              </a:cxn>
+              <a:cxn ang="0">
+                <a:pos x="T62" y="T63"/>
+              </a:cxn>
+              <a:cxn ang="0">
+                <a:pos x="T64" y="T65"/>
+              </a:cxn>
+              <a:cxn ang="0">
+                <a:pos x="T66" y="T67"/>
+              </a:cxn>
+              <a:cxn ang="0">
+                <a:pos x="T68" y="T69"/>
+              </a:cxn>
+              <a:cxn ang="0">
+                <a:pos x="T70" y="T71"/>
+              </a:cxn>
+              <a:cxn ang="0">
+                <a:pos x="T72" y="T73"/>
+              </a:cxn>
+              <a:cxn ang="0">
+                <a:pos x="T74" y="T75"/>
+              </a:cxn>
+              <a:cxn ang="0">
+                <a:pos x="T76" y="T77"/>
+              </a:cxn>
+              <a:cxn ang="0">
+                <a:pos x="T78" y="T79"/>
+              </a:cxn>
+              <a:cxn ang="0">
+                <a:pos x="T80" y="T81"/>
+              </a:cxn>
+              <a:cxn ang="0">
+                <a:pos x="T82" y="T83"/>
+              </a:cxn>
+              <a:cxn ang="0">
+                <a:pos x="T84" y="T85"/>
+              </a:cxn>
+              <a:cxn ang="0">
+                <a:pos x="T86" y="T87"/>
+              </a:cxn>
+              <a:cxn ang="0">
+                <a:pos x="T88" y="T89"/>
+              </a:cxn>
+              <a:cxn ang="0">
+                <a:pos x="T90" y="T91"/>
+              </a:cxn>
+              <a:cxn ang="0">
+                <a:pos x="T92" y="T93"/>
+              </a:cxn>
+              <a:cxn ang="0">
+                <a:pos x="T94" y="T95"/>
+              </a:cxn>
+              <a:cxn ang="0">
+                <a:pos x="T96" y="T97"/>
+              </a:cxn>
+              <a:cxn ang="0">
+                <a:pos x="T98" y="T99"/>
+              </a:cxn>
+              <a:cxn ang="0">
+                <a:pos x="T100" y="T101"/>
+              </a:cxn>
+              <a:cxn ang="0">
+                <a:pos x="T102" y="T103"/>
+              </a:cxn>
+              <a:cxn ang="0">
+                <a:pos x="T104" y="T105"/>
+              </a:cxn>
+              <a:cxn ang="0">
+                <a:pos x="T106" y="T107"/>
+              </a:cxn>
+              <a:cxn ang="0">
+                <a:pos x="T108" y="T109"/>
+              </a:cxn>
+              <a:cxn ang="0">
+                <a:pos x="T110" y="T111"/>
+              </a:cxn>
+              <a:cxn ang="0">
+                <a:pos x="T112" y="T113"/>
+              </a:cxn>
+            </a:cxnLst>
+            <a:rect l="0" t="0" r="r" b="b"/>
+            <a:pathLst>
+              <a:path w="158" h="146">
+                <a:moveTo>
+                  <a:pt x="158" y="34"/>
+                </a:moveTo>
+                <a:cubicBezTo>
+                  <a:pt x="158" y="46"/>
+                  <a:pt x="158" y="46"/>
+                  <a:pt x="158" y="46"/>
+                </a:cubicBezTo>
+                <a:cubicBezTo>
+                  <a:pt x="158" y="50"/>
+                  <a:pt x="156" y="55"/>
+                  <a:pt x="154" y="59"/>
+                </a:cubicBezTo>
+                <a:cubicBezTo>
+                  <a:pt x="151" y="64"/>
+                  <a:pt x="148" y="68"/>
+                  <a:pt x="143" y="72"/>
+                </a:cubicBezTo>
+                <a:cubicBezTo>
+                  <a:pt x="139" y="75"/>
+                  <a:pt x="133" y="78"/>
+                  <a:pt x="127" y="81"/>
+                </a:cubicBezTo>
+                <a:cubicBezTo>
+                  <a:pt x="120" y="83"/>
+                  <a:pt x="113" y="85"/>
+                  <a:pt x="106" y="85"/>
+                </a:cubicBezTo>
+                <a:cubicBezTo>
+                  <a:pt x="104" y="88"/>
+                  <a:pt x="101" y="91"/>
+                  <a:pt x="97" y="94"/>
+                </a:cubicBezTo>
+                <a:cubicBezTo>
+                  <a:pt x="95" y="96"/>
+                  <a:pt x="93" y="98"/>
+                  <a:pt x="92" y="101"/>
+                </a:cubicBezTo>
+                <a:cubicBezTo>
+                  <a:pt x="92" y="103"/>
+                  <a:pt x="91" y="106"/>
+                  <a:pt x="91" y="109"/>
+                </a:cubicBezTo>
+                <a:cubicBezTo>
+                  <a:pt x="91" y="113"/>
+                  <a:pt x="92" y="116"/>
+                  <a:pt x="94" y="118"/>
+                </a:cubicBezTo>
+                <a:cubicBezTo>
+                  <a:pt x="96" y="120"/>
+                  <a:pt x="99" y="121"/>
+                  <a:pt x="103" y="121"/>
+                </a:cubicBezTo>
+                <a:cubicBezTo>
+                  <a:pt x="108" y="121"/>
+                  <a:pt x="112" y="123"/>
+                  <a:pt x="116" y="126"/>
+                </a:cubicBezTo>
+                <a:cubicBezTo>
+                  <a:pt x="119" y="129"/>
+                  <a:pt x="121" y="132"/>
+                  <a:pt x="121" y="136"/>
+                </a:cubicBezTo>
+                <a:cubicBezTo>
+                  <a:pt x="121" y="143"/>
+                  <a:pt x="121" y="143"/>
+                  <a:pt x="121" y="143"/>
+                </a:cubicBezTo>
+                <a:cubicBezTo>
+                  <a:pt x="121" y="143"/>
+                  <a:pt x="121" y="144"/>
+                  <a:pt x="120" y="145"/>
+                </a:cubicBezTo>
+                <a:cubicBezTo>
+                  <a:pt x="120" y="145"/>
+                  <a:pt x="119" y="146"/>
+                  <a:pt x="118" y="146"/>
+                </a:cubicBezTo>
+                <a:cubicBezTo>
+                  <a:pt x="40" y="146"/>
+                  <a:pt x="40" y="146"/>
+                  <a:pt x="40" y="146"/>
+                </a:cubicBezTo>
+                <a:cubicBezTo>
+                  <a:pt x="39" y="146"/>
+                  <a:pt x="38" y="145"/>
+                  <a:pt x="37" y="145"/>
+                </a:cubicBezTo>
+                <a:cubicBezTo>
+                  <a:pt x="37" y="144"/>
+                  <a:pt x="37" y="143"/>
+                  <a:pt x="37" y="143"/>
+                </a:cubicBezTo>
+                <a:cubicBezTo>
+                  <a:pt x="37" y="136"/>
+                  <a:pt x="37" y="136"/>
+                  <a:pt x="37" y="136"/>
+                </a:cubicBezTo>
+                <a:cubicBezTo>
+                  <a:pt x="37" y="132"/>
+                  <a:pt x="38" y="129"/>
+                  <a:pt x="42" y="126"/>
+                </a:cubicBezTo>
+                <a:cubicBezTo>
+                  <a:pt x="46" y="123"/>
+                  <a:pt x="50" y="121"/>
+                  <a:pt x="55" y="121"/>
+                </a:cubicBezTo>
+                <a:cubicBezTo>
+                  <a:pt x="59" y="121"/>
+                  <a:pt x="62" y="120"/>
+                  <a:pt x="64" y="118"/>
+                </a:cubicBezTo>
+                <a:cubicBezTo>
+                  <a:pt x="66" y="116"/>
+                  <a:pt x="67" y="113"/>
+                  <a:pt x="67" y="109"/>
+                </a:cubicBezTo>
+                <a:cubicBezTo>
+                  <a:pt x="67" y="106"/>
+                  <a:pt x="66" y="103"/>
+                  <a:pt x="65" y="101"/>
+                </a:cubicBezTo>
+                <a:cubicBezTo>
+                  <a:pt x="65" y="98"/>
+                  <a:pt x="63" y="96"/>
+                  <a:pt x="61" y="94"/>
+                </a:cubicBezTo>
+                <a:cubicBezTo>
+                  <a:pt x="57" y="91"/>
+                  <a:pt x="54" y="88"/>
+                  <a:pt x="52" y="85"/>
+                </a:cubicBezTo>
+                <a:cubicBezTo>
+                  <a:pt x="44" y="85"/>
+                  <a:pt x="38" y="83"/>
+                  <a:pt x="31" y="81"/>
+                </a:cubicBezTo>
+                <a:cubicBezTo>
+                  <a:pt x="25" y="78"/>
+                  <a:pt x="19" y="75"/>
+                  <a:pt x="15" y="72"/>
+                </a:cubicBezTo>
+                <a:cubicBezTo>
+                  <a:pt x="10" y="68"/>
+                  <a:pt x="7" y="64"/>
+                  <a:pt x="4" y="59"/>
+                </a:cubicBezTo>
+                <a:cubicBezTo>
+                  <a:pt x="2" y="55"/>
+                  <a:pt x="0" y="50"/>
+                  <a:pt x="0" y="46"/>
+                </a:cubicBezTo>
+                <a:cubicBezTo>
+                  <a:pt x="0" y="34"/>
+                  <a:pt x="0" y="34"/>
+                  <a:pt x="0" y="34"/>
+                </a:cubicBezTo>
+                <a:cubicBezTo>
+                  <a:pt x="0" y="31"/>
+                  <a:pt x="1" y="29"/>
+                  <a:pt x="3" y="27"/>
+                </a:cubicBezTo>
+                <a:cubicBezTo>
+                  <a:pt x="5" y="25"/>
+                  <a:pt x="7" y="25"/>
+                  <a:pt x="9" y="25"/>
+                </a:cubicBezTo>
+                <a:cubicBezTo>
+                  <a:pt x="37" y="25"/>
+                  <a:pt x="37" y="25"/>
+                  <a:pt x="37" y="25"/>
+                </a:cubicBezTo>
+                <a:cubicBezTo>
+                  <a:pt x="37" y="15"/>
+                  <a:pt x="37" y="15"/>
+                  <a:pt x="37" y="15"/>
+                </a:cubicBezTo>
+                <a:cubicBezTo>
+                  <a:pt x="37" y="11"/>
+                  <a:pt x="38" y="8"/>
+                  <a:pt x="41" y="5"/>
+                </a:cubicBezTo>
+                <a:cubicBezTo>
+                  <a:pt x="44" y="2"/>
+                  <a:pt x="48" y="0"/>
+                  <a:pt x="52" y="0"/>
+                </a:cubicBezTo>
+                <a:cubicBezTo>
+                  <a:pt x="106" y="0"/>
+                  <a:pt x="106" y="0"/>
+                  <a:pt x="106" y="0"/>
+                </a:cubicBezTo>
+                <a:cubicBezTo>
+                  <a:pt x="110" y="0"/>
+                  <a:pt x="114" y="2"/>
+                  <a:pt x="117" y="5"/>
+                </a:cubicBezTo>
+                <a:cubicBezTo>
+                  <a:pt x="120" y="8"/>
+                  <a:pt x="121" y="11"/>
+                  <a:pt x="121" y="15"/>
+                </a:cubicBezTo>
+                <a:cubicBezTo>
+                  <a:pt x="121" y="25"/>
+                  <a:pt x="121" y="25"/>
+                  <a:pt x="121" y="25"/>
+                </a:cubicBezTo>
+                <a:cubicBezTo>
+                  <a:pt x="149" y="25"/>
+                  <a:pt x="149" y="25"/>
+                  <a:pt x="149" y="25"/>
+                </a:cubicBezTo>
+                <a:cubicBezTo>
+                  <a:pt x="151" y="25"/>
+                  <a:pt x="153" y="25"/>
+                  <a:pt x="155" y="27"/>
+                </a:cubicBezTo>
+                <a:cubicBezTo>
+                  <a:pt x="157" y="29"/>
+                  <a:pt x="158" y="31"/>
+                  <a:pt x="158" y="34"/>
+                </a:cubicBezTo>
+                <a:close/>
+                <a:moveTo>
+                  <a:pt x="44" y="72"/>
+                </a:moveTo>
+                <a:cubicBezTo>
+                  <a:pt x="39" y="62"/>
+                  <a:pt x="37" y="50"/>
+                  <a:pt x="37" y="37"/>
+                </a:cubicBezTo>
+                <a:cubicBezTo>
+                  <a:pt x="12" y="37"/>
+                  <a:pt x="12" y="37"/>
+                  <a:pt x="12" y="37"/>
+                </a:cubicBezTo>
+                <a:cubicBezTo>
+                  <a:pt x="12" y="46"/>
+                  <a:pt x="12" y="46"/>
+                  <a:pt x="12" y="46"/>
+                </a:cubicBezTo>
+                <a:cubicBezTo>
+                  <a:pt x="12" y="51"/>
+                  <a:pt x="15" y="56"/>
+                  <a:pt x="21" y="61"/>
+                </a:cubicBezTo>
+                <a:cubicBezTo>
+                  <a:pt x="27" y="66"/>
+                  <a:pt x="35" y="70"/>
+                  <a:pt x="44" y="72"/>
+                </a:cubicBezTo>
+                <a:close/>
+                <a:moveTo>
+                  <a:pt x="146" y="46"/>
+                </a:moveTo>
+                <a:cubicBezTo>
+                  <a:pt x="146" y="37"/>
+                  <a:pt x="146" y="37"/>
+                  <a:pt x="146" y="37"/>
+                </a:cubicBezTo>
+                <a:cubicBezTo>
+                  <a:pt x="121" y="37"/>
+                  <a:pt x="121" y="37"/>
+                  <a:pt x="121" y="37"/>
+                </a:cubicBezTo>
+                <a:cubicBezTo>
+                  <a:pt x="121" y="50"/>
+                  <a:pt x="119" y="62"/>
+                  <a:pt x="114" y="72"/>
+                </a:cubicBezTo>
+                <a:cubicBezTo>
+                  <a:pt x="123" y="70"/>
+                  <a:pt x="131" y="66"/>
+                  <a:pt x="137" y="61"/>
+                </a:cubicBezTo>
+                <a:cubicBezTo>
+                  <a:pt x="143" y="56"/>
+                  <a:pt x="146" y="51"/>
+                  <a:pt x="146" y="46"/>
+                </a:cubicBezTo>
+                <a:close/>
+              </a:path>
+            </a:pathLst>
+          </a:custGeom>
+          <a:solidFill>
+            <a:schemeClr val="tx1">
+              <a:lumMod val="50000"/>
+              <a:lumOff val="50000"/>
+            </a:schemeClr>
+          </a:solidFill>
+          <a:ln>
+            <a:noFill/>
+          </a:ln>
+          <a:extLst>
+            <a:ext uri="{91240B29-F687-4F45-9708-019B960494DF}">
+              <a14:hiddenLine xmlns:a14="http://schemas.microsoft.com/office/drawing/2010/main" w="9525">
+                <a:solidFill>
+                  <a:srgbClr val="000000"/>
+                </a:solidFill>
+                <a:round/>
+              </a14:hiddenLine>
+            </a:ext>
+          </a:extLst>
+        </p:spPr>
+        <p:txBody>
+          <a:bodyPr vert="horz" wrap="square" lIns="91440" tIns="45720" rIns="91440" bIns="45720" numCol="1" anchor="t" anchorCtr="0" compatLnSpc="1"/>
+          <a:p>
+            <a:endParaRPr lang="en-US"/>
+          </a:p>
+        </p:txBody>
+      </p:sp>
+      <p:sp>
+        <p:nvSpPr>
+          <p:cNvPr id="174" name="Freeform 171"/>
+          <p:cNvSpPr>
+            <a:spLocks noEditPoints="1"/>
+          </p:cNvSpPr>
+          <p:nvPr/>
+        </p:nvSpPr>
+        <p:spPr bwMode="auto">
+          <a:xfrm>
+            <a:off x="512282" y="3626016"/>
+            <a:ext cx="387199" cy="331883"/>
+          </a:xfrm>
+          <a:custGeom>
+            <a:avLst/>
+            <a:gdLst>
+              <a:gd name="T0" fmla="*/ 169 w 169"/>
+              <a:gd name="T1" fmla="*/ 40 h 145"/>
+              <a:gd name="T2" fmla="*/ 169 w 169"/>
+              <a:gd name="T3" fmla="*/ 76 h 145"/>
+              <a:gd name="T4" fmla="*/ 0 w 169"/>
+              <a:gd name="T5" fmla="*/ 76 h 145"/>
+              <a:gd name="T6" fmla="*/ 0 w 169"/>
+              <a:gd name="T7" fmla="*/ 40 h 145"/>
+              <a:gd name="T8" fmla="*/ 4 w 169"/>
+              <a:gd name="T9" fmla="*/ 29 h 145"/>
+              <a:gd name="T10" fmla="*/ 15 w 169"/>
+              <a:gd name="T11" fmla="*/ 24 h 145"/>
+              <a:gd name="T12" fmla="*/ 48 w 169"/>
+              <a:gd name="T13" fmla="*/ 24 h 145"/>
+              <a:gd name="T14" fmla="*/ 48 w 169"/>
+              <a:gd name="T15" fmla="*/ 9 h 145"/>
+              <a:gd name="T16" fmla="*/ 51 w 169"/>
+              <a:gd name="T17" fmla="*/ 3 h 145"/>
+              <a:gd name="T18" fmla="*/ 57 w 169"/>
+              <a:gd name="T19" fmla="*/ 0 h 145"/>
+              <a:gd name="T20" fmla="*/ 112 w 169"/>
+              <a:gd name="T21" fmla="*/ 0 h 145"/>
+              <a:gd name="T22" fmla="*/ 118 w 169"/>
+              <a:gd name="T23" fmla="*/ 3 h 145"/>
+              <a:gd name="T24" fmla="*/ 121 w 169"/>
+              <a:gd name="T25" fmla="*/ 9 h 145"/>
+              <a:gd name="T26" fmla="*/ 121 w 169"/>
+              <a:gd name="T27" fmla="*/ 24 h 145"/>
+              <a:gd name="T28" fmla="*/ 154 w 169"/>
+              <a:gd name="T29" fmla="*/ 24 h 145"/>
+              <a:gd name="T30" fmla="*/ 165 w 169"/>
+              <a:gd name="T31" fmla="*/ 29 h 145"/>
+              <a:gd name="T32" fmla="*/ 169 w 169"/>
+              <a:gd name="T33" fmla="*/ 40 h 145"/>
+              <a:gd name="T34" fmla="*/ 169 w 169"/>
+              <a:gd name="T35" fmla="*/ 85 h 145"/>
+              <a:gd name="T36" fmla="*/ 169 w 169"/>
+              <a:gd name="T37" fmla="*/ 130 h 145"/>
+              <a:gd name="T38" fmla="*/ 165 w 169"/>
+              <a:gd name="T39" fmla="*/ 141 h 145"/>
+              <a:gd name="T40" fmla="*/ 154 w 169"/>
+              <a:gd name="T41" fmla="*/ 145 h 145"/>
+              <a:gd name="T42" fmla="*/ 15 w 169"/>
+              <a:gd name="T43" fmla="*/ 145 h 145"/>
+              <a:gd name="T44" fmla="*/ 4 w 169"/>
+              <a:gd name="T45" fmla="*/ 141 h 145"/>
+              <a:gd name="T46" fmla="*/ 0 w 169"/>
+              <a:gd name="T47" fmla="*/ 130 h 145"/>
+              <a:gd name="T48" fmla="*/ 0 w 169"/>
+              <a:gd name="T49" fmla="*/ 85 h 145"/>
+              <a:gd name="T50" fmla="*/ 63 w 169"/>
+              <a:gd name="T51" fmla="*/ 85 h 145"/>
+              <a:gd name="T52" fmla="*/ 63 w 169"/>
+              <a:gd name="T53" fmla="*/ 100 h 145"/>
+              <a:gd name="T54" fmla="*/ 65 w 169"/>
+              <a:gd name="T55" fmla="*/ 104 h 145"/>
+              <a:gd name="T56" fmla="*/ 69 w 169"/>
+              <a:gd name="T57" fmla="*/ 106 h 145"/>
+              <a:gd name="T58" fmla="*/ 100 w 169"/>
+              <a:gd name="T59" fmla="*/ 106 h 145"/>
+              <a:gd name="T60" fmla="*/ 104 w 169"/>
+              <a:gd name="T61" fmla="*/ 104 h 145"/>
+              <a:gd name="T62" fmla="*/ 106 w 169"/>
+              <a:gd name="T63" fmla="*/ 100 h 145"/>
+              <a:gd name="T64" fmla="*/ 106 w 169"/>
+              <a:gd name="T65" fmla="*/ 85 h 145"/>
+              <a:gd name="T66" fmla="*/ 169 w 169"/>
+              <a:gd name="T67" fmla="*/ 85 h 145"/>
+              <a:gd name="T68" fmla="*/ 60 w 169"/>
+              <a:gd name="T69" fmla="*/ 24 h 145"/>
+              <a:gd name="T70" fmla="*/ 109 w 169"/>
+              <a:gd name="T71" fmla="*/ 24 h 145"/>
+              <a:gd name="T72" fmla="*/ 109 w 169"/>
+              <a:gd name="T73" fmla="*/ 12 h 145"/>
+              <a:gd name="T74" fmla="*/ 60 w 169"/>
+              <a:gd name="T75" fmla="*/ 12 h 145"/>
+              <a:gd name="T76" fmla="*/ 60 w 169"/>
+              <a:gd name="T77" fmla="*/ 24 h 145"/>
+              <a:gd name="T78" fmla="*/ 97 w 169"/>
+              <a:gd name="T79" fmla="*/ 85 h 145"/>
+              <a:gd name="T80" fmla="*/ 97 w 169"/>
+              <a:gd name="T81" fmla="*/ 97 h 145"/>
+              <a:gd name="T82" fmla="*/ 72 w 169"/>
+              <a:gd name="T83" fmla="*/ 97 h 145"/>
+              <a:gd name="T84" fmla="*/ 72 w 169"/>
+              <a:gd name="T85" fmla="*/ 85 h 145"/>
+              <a:gd name="T86" fmla="*/ 97 w 169"/>
+              <a:gd name="T87" fmla="*/ 85 h 145"/>
+            </a:gdLst>
+            <a:ahLst/>
+            <a:cxnLst>
+              <a:cxn ang="0">
+                <a:pos x="T0" y="T1"/>
+              </a:cxn>
+              <a:cxn ang="0">
+                <a:pos x="T2" y="T3"/>
+              </a:cxn>
+              <a:cxn ang="0">
+                <a:pos x="T4" y="T5"/>
+              </a:cxn>
+              <a:cxn ang="0">
+                <a:pos x="T6" y="T7"/>
+              </a:cxn>
+              <a:cxn ang="0">
+                <a:pos x="T8" y="T9"/>
+              </a:cxn>
+              <a:cxn ang="0">
+                <a:pos x="T10" y="T11"/>
+              </a:cxn>
+              <a:cxn ang="0">
+                <a:pos x="T12" y="T13"/>
+              </a:cxn>
+              <a:cxn ang="0">
+                <a:pos x="T14" y="T15"/>
+              </a:cxn>
+              <a:cxn ang="0">
+                <a:pos x="T16" y="T17"/>
+              </a:cxn>
+              <a:cxn ang="0">
+                <a:pos x="T18" y="T19"/>
+              </a:cxn>
+              <a:cxn ang="0">
+                <a:pos x="T20" y="T21"/>
+              </a:cxn>
+              <a:cxn ang="0">
+                <a:pos x="T22" y="T23"/>
+              </a:cxn>
+              <a:cxn ang="0">
+                <a:pos x="T24" y="T25"/>
+              </a:cxn>
+              <a:cxn ang="0">
+                <a:pos x="T26" y="T27"/>
+              </a:cxn>
+              <a:cxn ang="0">
+                <a:pos x="T28" y="T29"/>
+              </a:cxn>
+              <a:cxn ang="0">
+                <a:pos x="T30" y="T31"/>
+              </a:cxn>
+              <a:cxn ang="0">
+                <a:pos x="T32" y="T33"/>
+              </a:cxn>
+              <a:cxn ang="0">
+                <a:pos x="T34" y="T35"/>
+              </a:cxn>
+              <a:cxn ang="0">
+                <a:pos x="T36" y="T37"/>
+              </a:cxn>
+              <a:cxn ang="0">
+                <a:pos x="T38" y="T39"/>
+              </a:cxn>
+              <a:cxn ang="0">
+                <a:pos x="T40" y="T41"/>
+              </a:cxn>
+              <a:cxn ang="0">
+                <a:pos x="T42" y="T43"/>
+              </a:cxn>
+              <a:cxn ang="0">
+                <a:pos x="T44" y="T45"/>
+              </a:cxn>
+              <a:cxn ang="0">
+                <a:pos x="T46" y="T47"/>
+              </a:cxn>
+              <a:cxn ang="0">
+                <a:pos x="T48" y="T49"/>
+              </a:cxn>
+              <a:cxn ang="0">
+                <a:pos x="T50" y="T51"/>
+              </a:cxn>
+              <a:cxn ang="0">
+                <a:pos x="T52" y="T53"/>
+              </a:cxn>
+              <a:cxn ang="0">
+                <a:pos x="T54" y="T55"/>
+              </a:cxn>
+              <a:cxn ang="0">
+                <a:pos x="T56" y="T57"/>
+              </a:cxn>
+              <a:cxn ang="0">
+                <a:pos x="T58" y="T59"/>
+              </a:cxn>
+              <a:cxn ang="0">
+                <a:pos x="T60" y="T61"/>
+              </a:cxn>
+              <a:cxn ang="0">
+                <a:pos x="T62" y="T63"/>
+              </a:cxn>
+              <a:cxn ang="0">
+                <a:pos x="T64" y="T65"/>
+              </a:cxn>
+              <a:cxn ang="0">
+                <a:pos x="T66" y="T67"/>
+              </a:cxn>
+              <a:cxn ang="0">
+                <a:pos x="T68" y="T69"/>
+              </a:cxn>
+              <a:cxn ang="0">
+                <a:pos x="T70" y="T71"/>
+              </a:cxn>
+              <a:cxn ang="0">
+                <a:pos x="T72" y="T73"/>
+              </a:cxn>
+              <a:cxn ang="0">
+                <a:pos x="T74" y="T75"/>
+              </a:cxn>
+              <a:cxn ang="0">
+                <a:pos x="T76" y="T77"/>
+              </a:cxn>
+              <a:cxn ang="0">
+                <a:pos x="T78" y="T79"/>
+              </a:cxn>
+              <a:cxn ang="0">
+                <a:pos x="T80" y="T81"/>
+              </a:cxn>
+              <a:cxn ang="0">
+                <a:pos x="T82" y="T83"/>
+              </a:cxn>
+              <a:cxn ang="0">
+                <a:pos x="T84" y="T85"/>
+              </a:cxn>
+              <a:cxn ang="0">
+                <a:pos x="T86" y="T87"/>
+              </a:cxn>
+            </a:cxnLst>
+            <a:rect l="0" t="0" r="r" b="b"/>
+            <a:pathLst>
+              <a:path w="169" h="145">
+                <a:moveTo>
+                  <a:pt x="169" y="40"/>
+                </a:moveTo>
+                <a:cubicBezTo>
+                  <a:pt x="169" y="76"/>
+                  <a:pt x="169" y="76"/>
+                  <a:pt x="169" y="76"/>
+                </a:cubicBezTo>
+                <a:cubicBezTo>
+                  <a:pt x="0" y="76"/>
+                  <a:pt x="0" y="76"/>
+                  <a:pt x="0" y="76"/>
+                </a:cubicBezTo>
+                <a:cubicBezTo>
+                  <a:pt x="0" y="40"/>
+                  <a:pt x="0" y="40"/>
+                  <a:pt x="0" y="40"/>
+                </a:cubicBezTo>
+                <a:cubicBezTo>
+                  <a:pt x="0" y="35"/>
+                  <a:pt x="1" y="32"/>
+                  <a:pt x="4" y="29"/>
+                </a:cubicBezTo>
+                <a:cubicBezTo>
+                  <a:pt x="7" y="26"/>
+                  <a:pt x="11" y="24"/>
+                  <a:pt x="15" y="24"/>
+                </a:cubicBezTo>
+                <a:cubicBezTo>
+                  <a:pt x="48" y="24"/>
+                  <a:pt x="48" y="24"/>
+                  <a:pt x="48" y="24"/>
+                </a:cubicBezTo>
+                <a:cubicBezTo>
+                  <a:pt x="48" y="9"/>
+                  <a:pt x="48" y="9"/>
+                  <a:pt x="48" y="9"/>
+                </a:cubicBezTo>
+                <a:cubicBezTo>
+                  <a:pt x="48" y="7"/>
+                  <a:pt x="49" y="5"/>
+                  <a:pt x="51" y="3"/>
+                </a:cubicBezTo>
+                <a:cubicBezTo>
+                  <a:pt x="53" y="1"/>
+                  <a:pt x="55" y="0"/>
+                  <a:pt x="57" y="0"/>
+                </a:cubicBezTo>
+                <a:cubicBezTo>
+                  <a:pt x="112" y="0"/>
+                  <a:pt x="112" y="0"/>
+                  <a:pt x="112" y="0"/>
+                </a:cubicBezTo>
+                <a:cubicBezTo>
+                  <a:pt x="114" y="0"/>
+                  <a:pt x="116" y="1"/>
+                  <a:pt x="118" y="3"/>
+                </a:cubicBezTo>
+                <a:cubicBezTo>
+                  <a:pt x="120" y="5"/>
+                  <a:pt x="121" y="7"/>
+                  <a:pt x="121" y="9"/>
+                </a:cubicBezTo>
+                <a:cubicBezTo>
+                  <a:pt x="121" y="24"/>
+                  <a:pt x="121" y="24"/>
+                  <a:pt x="121" y="24"/>
+                </a:cubicBezTo>
+                <a:cubicBezTo>
+                  <a:pt x="154" y="24"/>
+                  <a:pt x="154" y="24"/>
+                  <a:pt x="154" y="24"/>
+                </a:cubicBezTo>
+                <a:cubicBezTo>
+                  <a:pt x="158" y="24"/>
+                  <a:pt x="162" y="26"/>
+                  <a:pt x="165" y="29"/>
+                </a:cubicBezTo>
+                <a:cubicBezTo>
+                  <a:pt x="168" y="32"/>
+                  <a:pt x="169" y="35"/>
+                  <a:pt x="169" y="40"/>
+                </a:cubicBezTo>
+                <a:close/>
+                <a:moveTo>
+                  <a:pt x="169" y="85"/>
+                </a:moveTo>
+                <a:cubicBezTo>
+                  <a:pt x="169" y="130"/>
+                  <a:pt x="169" y="130"/>
+                  <a:pt x="169" y="130"/>
+                </a:cubicBezTo>
+                <a:cubicBezTo>
+                  <a:pt x="169" y="134"/>
+                  <a:pt x="168" y="138"/>
+                  <a:pt x="165" y="141"/>
+                </a:cubicBezTo>
+                <a:cubicBezTo>
+                  <a:pt x="162" y="144"/>
+                  <a:pt x="158" y="145"/>
+                  <a:pt x="154" y="145"/>
+                </a:cubicBezTo>
+                <a:cubicBezTo>
+                  <a:pt x="15" y="145"/>
+                  <a:pt x="15" y="145"/>
+                  <a:pt x="15" y="145"/>
+                </a:cubicBezTo>
+                <a:cubicBezTo>
+                  <a:pt x="11" y="145"/>
+                  <a:pt x="7" y="144"/>
+                  <a:pt x="4" y="141"/>
+                </a:cubicBezTo>
+                <a:cubicBezTo>
+                  <a:pt x="1" y="138"/>
+                  <a:pt x="0" y="134"/>
+                  <a:pt x="0" y="130"/>
+                </a:cubicBezTo>
+                <a:cubicBezTo>
+                  <a:pt x="0" y="85"/>
+                  <a:pt x="0" y="85"/>
+                  <a:pt x="0" y="85"/>
+                </a:cubicBezTo>
+                <a:cubicBezTo>
+                  <a:pt x="63" y="85"/>
+                  <a:pt x="63" y="85"/>
+                  <a:pt x="63" y="85"/>
+                </a:cubicBezTo>
+                <a:cubicBezTo>
+                  <a:pt x="63" y="100"/>
+                  <a:pt x="63" y="100"/>
+                  <a:pt x="63" y="100"/>
+                </a:cubicBezTo>
+                <a:cubicBezTo>
+                  <a:pt x="63" y="102"/>
+                  <a:pt x="64" y="103"/>
+                  <a:pt x="65" y="104"/>
+                </a:cubicBezTo>
+                <a:cubicBezTo>
+                  <a:pt x="66" y="106"/>
+                  <a:pt x="68" y="106"/>
+                  <a:pt x="69" y="106"/>
+                </a:cubicBezTo>
+                <a:cubicBezTo>
+                  <a:pt x="100" y="106"/>
+                  <a:pt x="100" y="106"/>
+                  <a:pt x="100" y="106"/>
+                </a:cubicBezTo>
+                <a:cubicBezTo>
+                  <a:pt x="101" y="106"/>
+                  <a:pt x="103" y="106"/>
+                  <a:pt x="104" y="104"/>
+                </a:cubicBezTo>
+                <a:cubicBezTo>
+                  <a:pt x="105" y="103"/>
+                  <a:pt x="106" y="102"/>
+                  <a:pt x="106" y="100"/>
+                </a:cubicBezTo>
+                <a:cubicBezTo>
+                  <a:pt x="106" y="85"/>
+                  <a:pt x="106" y="85"/>
+                  <a:pt x="106" y="85"/>
+                </a:cubicBezTo>
+                <a:lnTo>
+                  <a:pt x="169" y="85"/>
+                </a:lnTo>
+                <a:close/>
+                <a:moveTo>
+                  <a:pt x="60" y="24"/>
+                </a:moveTo>
+                <a:cubicBezTo>
+                  <a:pt x="109" y="24"/>
+                  <a:pt x="109" y="24"/>
+                  <a:pt x="109" y="24"/>
+                </a:cubicBezTo>
+                <a:cubicBezTo>
+                  <a:pt x="109" y="12"/>
+                  <a:pt x="109" y="12"/>
+                  <a:pt x="109" y="12"/>
+                </a:cubicBezTo>
+                <a:cubicBezTo>
+                  <a:pt x="60" y="12"/>
+                  <a:pt x="60" y="12"/>
+                  <a:pt x="60" y="12"/>
+                </a:cubicBezTo>
+                <a:lnTo>
+                  <a:pt x="60" y="24"/>
+                </a:lnTo>
+                <a:close/>
+                <a:moveTo>
+                  <a:pt x="97" y="85"/>
+                </a:moveTo>
+                <a:cubicBezTo>
+                  <a:pt x="97" y="97"/>
+                  <a:pt x="97" y="97"/>
+                  <a:pt x="97" y="97"/>
+                </a:cubicBezTo>
+                <a:cubicBezTo>
+                  <a:pt x="72" y="97"/>
+                  <a:pt x="72" y="97"/>
+                  <a:pt x="72" y="97"/>
+                </a:cubicBezTo>
+                <a:cubicBezTo>
+                  <a:pt x="72" y="85"/>
+                  <a:pt x="72" y="85"/>
+                  <a:pt x="72" y="85"/>
+                </a:cubicBezTo>
+                <a:lnTo>
+                  <a:pt x="97" y="85"/>
+                </a:lnTo>
+                <a:close/>
+              </a:path>
+            </a:pathLst>
+          </a:custGeom>
+          <a:solidFill>
+            <a:schemeClr val="tx1">
+              <a:lumMod val="50000"/>
+              <a:lumOff val="50000"/>
+            </a:schemeClr>
+          </a:solidFill>
+          <a:ln>
+            <a:noFill/>
+          </a:ln>
+          <a:extLst>
+            <a:ext uri="{91240B29-F687-4F45-9708-019B960494DF}">
+              <a14:hiddenLine xmlns:a14="http://schemas.microsoft.com/office/drawing/2010/main" w="9525">
+                <a:solidFill>
+                  <a:srgbClr val="000000"/>
+                </a:solidFill>
+                <a:round/>
+              </a14:hiddenLine>
+            </a:ext>
+          </a:extLst>
+        </p:spPr>
+        <p:txBody>
+          <a:bodyPr vert="horz" wrap="square" lIns="91440" tIns="45720" rIns="91440" bIns="45720" numCol="1" anchor="t" anchorCtr="0" compatLnSpc="1"/>
+          <a:p>
+            <a:endParaRPr lang="en-US"/>
+          </a:p>
+        </p:txBody>
+      </p:sp>
+      <p:sp>
+        <p:nvSpPr>
+          <p:cNvPr id="178" name="Freeform 175"/>
+          <p:cNvSpPr/>
+          <p:nvPr/>
+        </p:nvSpPr>
+        <p:spPr bwMode="auto">
+          <a:xfrm>
+            <a:off x="499181" y="4605539"/>
+            <a:ext cx="414856" cy="304228"/>
+          </a:xfrm>
+          <a:custGeom>
+            <a:avLst/>
+            <a:gdLst>
+              <a:gd name="T0" fmla="*/ 182 w 182"/>
+              <a:gd name="T1" fmla="*/ 97 h 133"/>
+              <a:gd name="T2" fmla="*/ 171 w 182"/>
+              <a:gd name="T3" fmla="*/ 123 h 133"/>
+              <a:gd name="T4" fmla="*/ 146 w 182"/>
+              <a:gd name="T5" fmla="*/ 133 h 133"/>
+              <a:gd name="T6" fmla="*/ 43 w 182"/>
+              <a:gd name="T7" fmla="*/ 133 h 133"/>
+              <a:gd name="T8" fmla="*/ 13 w 182"/>
+              <a:gd name="T9" fmla="*/ 121 h 133"/>
+              <a:gd name="T10" fmla="*/ 0 w 182"/>
+              <a:gd name="T11" fmla="*/ 91 h 133"/>
+              <a:gd name="T12" fmla="*/ 7 w 182"/>
+              <a:gd name="T13" fmla="*/ 68 h 133"/>
+              <a:gd name="T14" fmla="*/ 25 w 182"/>
+              <a:gd name="T15" fmla="*/ 53 h 133"/>
+              <a:gd name="T16" fmla="*/ 25 w 182"/>
+              <a:gd name="T17" fmla="*/ 49 h 133"/>
+              <a:gd name="T18" fmla="*/ 39 w 182"/>
+              <a:gd name="T19" fmla="*/ 15 h 133"/>
+              <a:gd name="T20" fmla="*/ 73 w 182"/>
+              <a:gd name="T21" fmla="*/ 0 h 133"/>
+              <a:gd name="T22" fmla="*/ 100 w 182"/>
+              <a:gd name="T23" fmla="*/ 9 h 133"/>
+              <a:gd name="T24" fmla="*/ 118 w 182"/>
+              <a:gd name="T25" fmla="*/ 30 h 133"/>
+              <a:gd name="T26" fmla="*/ 134 w 182"/>
+              <a:gd name="T27" fmla="*/ 25 h 133"/>
+              <a:gd name="T28" fmla="*/ 151 w 182"/>
+              <a:gd name="T29" fmla="*/ 32 h 133"/>
+              <a:gd name="T30" fmla="*/ 158 w 182"/>
+              <a:gd name="T31" fmla="*/ 49 h 133"/>
+              <a:gd name="T32" fmla="*/ 154 w 182"/>
+              <a:gd name="T33" fmla="*/ 62 h 133"/>
+              <a:gd name="T34" fmla="*/ 174 w 182"/>
+              <a:gd name="T35" fmla="*/ 74 h 133"/>
+              <a:gd name="T36" fmla="*/ 182 w 182"/>
+              <a:gd name="T37" fmla="*/ 97 h 133"/>
+            </a:gdLst>
+            <a:ahLst/>
+            <a:cxnLst>
+              <a:cxn ang="0">
+                <a:pos x="T0" y="T1"/>
+              </a:cxn>
+              <a:cxn ang="0">
+                <a:pos x="T2" y="T3"/>
+              </a:cxn>
+              <a:cxn ang="0">
+                <a:pos x="T4" y="T5"/>
+              </a:cxn>
+              <a:cxn ang="0">
+                <a:pos x="T6" y="T7"/>
+              </a:cxn>
+              <a:cxn ang="0">
+                <a:pos x="T8" y="T9"/>
+              </a:cxn>
+              <a:cxn ang="0">
+                <a:pos x="T10" y="T11"/>
+              </a:cxn>
+              <a:cxn ang="0">
+                <a:pos x="T12" y="T13"/>
+              </a:cxn>
+              <a:cxn ang="0">
+                <a:pos x="T14" y="T15"/>
+              </a:cxn>
+              <a:cxn ang="0">
+                <a:pos x="T16" y="T17"/>
+              </a:cxn>
+              <a:cxn ang="0">
+                <a:pos x="T18" y="T19"/>
+              </a:cxn>
+              <a:cxn ang="0">
+                <a:pos x="T20" y="T21"/>
+              </a:cxn>
+              <a:cxn ang="0">
+                <a:pos x="T22" y="T23"/>
+              </a:cxn>
+              <a:cxn ang="0">
+                <a:pos x="T24" y="T25"/>
+              </a:cxn>
+              <a:cxn ang="0">
+                <a:pos x="T26" y="T27"/>
+              </a:cxn>
+              <a:cxn ang="0">
+                <a:pos x="T28" y="T29"/>
+              </a:cxn>
+              <a:cxn ang="0">
+                <a:pos x="T30" y="T31"/>
+              </a:cxn>
+              <a:cxn ang="0">
+                <a:pos x="T32" y="T33"/>
+              </a:cxn>
+              <a:cxn ang="0">
+                <a:pos x="T34" y="T35"/>
+              </a:cxn>
+              <a:cxn ang="0">
+                <a:pos x="T36" y="T37"/>
+              </a:cxn>
+            </a:cxnLst>
+            <a:rect l="0" t="0" r="r" b="b"/>
+            <a:pathLst>
+              <a:path w="182" h="133">
+                <a:moveTo>
+                  <a:pt x="182" y="97"/>
+                </a:moveTo>
+                <a:cubicBezTo>
+                  <a:pt x="182" y="107"/>
+                  <a:pt x="178" y="116"/>
+                  <a:pt x="171" y="123"/>
+                </a:cubicBezTo>
+                <a:cubicBezTo>
+                  <a:pt x="164" y="130"/>
+                  <a:pt x="156" y="133"/>
+                  <a:pt x="146" y="133"/>
+                </a:cubicBezTo>
+                <a:cubicBezTo>
+                  <a:pt x="43" y="133"/>
+                  <a:pt x="43" y="133"/>
+                  <a:pt x="43" y="133"/>
+                </a:cubicBezTo>
+                <a:cubicBezTo>
+                  <a:pt x="31" y="133"/>
+                  <a:pt x="21" y="129"/>
+                  <a:pt x="13" y="121"/>
+                </a:cubicBezTo>
+                <a:cubicBezTo>
+                  <a:pt x="5" y="113"/>
+                  <a:pt x="0" y="103"/>
+                  <a:pt x="0" y="91"/>
+                </a:cubicBezTo>
+                <a:cubicBezTo>
+                  <a:pt x="0" y="83"/>
+                  <a:pt x="3" y="75"/>
+                  <a:pt x="7" y="68"/>
+                </a:cubicBezTo>
+                <a:cubicBezTo>
+                  <a:pt x="12" y="61"/>
+                  <a:pt x="18" y="56"/>
+                  <a:pt x="25" y="53"/>
+                </a:cubicBezTo>
+                <a:cubicBezTo>
+                  <a:pt x="25" y="51"/>
+                  <a:pt x="25" y="50"/>
+                  <a:pt x="25" y="49"/>
+                </a:cubicBezTo>
+                <a:cubicBezTo>
+                  <a:pt x="25" y="35"/>
+                  <a:pt x="29" y="24"/>
+                  <a:pt x="39" y="15"/>
+                </a:cubicBezTo>
+                <a:cubicBezTo>
+                  <a:pt x="48" y="5"/>
+                  <a:pt x="60" y="0"/>
+                  <a:pt x="73" y="0"/>
+                </a:cubicBezTo>
+                <a:cubicBezTo>
+                  <a:pt x="83" y="0"/>
+                  <a:pt x="92" y="3"/>
+                  <a:pt x="100" y="9"/>
+                </a:cubicBezTo>
+                <a:cubicBezTo>
+                  <a:pt x="108" y="14"/>
+                  <a:pt x="114" y="21"/>
+                  <a:pt x="118" y="30"/>
+                </a:cubicBezTo>
+                <a:cubicBezTo>
+                  <a:pt x="122" y="26"/>
+                  <a:pt x="128" y="25"/>
+                  <a:pt x="134" y="25"/>
+                </a:cubicBezTo>
+                <a:cubicBezTo>
+                  <a:pt x="140" y="25"/>
+                  <a:pt x="146" y="27"/>
+                  <a:pt x="151" y="32"/>
+                </a:cubicBezTo>
+                <a:cubicBezTo>
+                  <a:pt x="155" y="36"/>
+                  <a:pt x="158" y="42"/>
+                  <a:pt x="158" y="49"/>
+                </a:cubicBezTo>
+                <a:cubicBezTo>
+                  <a:pt x="158" y="53"/>
+                  <a:pt x="156" y="58"/>
+                  <a:pt x="154" y="62"/>
+                </a:cubicBezTo>
+                <a:cubicBezTo>
+                  <a:pt x="162" y="64"/>
+                  <a:pt x="169" y="68"/>
+                  <a:pt x="174" y="74"/>
+                </a:cubicBezTo>
+                <a:cubicBezTo>
+                  <a:pt x="179" y="81"/>
+                  <a:pt x="182" y="89"/>
+                  <a:pt x="182" y="97"/>
+                </a:cubicBezTo>
+                <a:close/>
+              </a:path>
+            </a:pathLst>
+          </a:custGeom>
+          <a:solidFill>
+            <a:schemeClr val="tx1">
+              <a:lumMod val="50000"/>
+              <a:lumOff val="50000"/>
+            </a:schemeClr>
+          </a:solidFill>
+          <a:ln>
+            <a:noFill/>
+          </a:ln>
+          <a:extLst>
+            <a:ext uri="{91240B29-F687-4F45-9708-019B960494DF}">
+              <a14:hiddenLine xmlns:a14="http://schemas.microsoft.com/office/drawing/2010/main" w="9525">
+                <a:solidFill>
+                  <a:srgbClr val="000000"/>
+                </a:solidFill>
+                <a:round/>
+              </a14:hiddenLine>
+            </a:ext>
+          </a:extLst>
+        </p:spPr>
+        <p:txBody>
+          <a:bodyPr vert="horz" wrap="square" lIns="91440" tIns="45720" rIns="91440" bIns="45720" numCol="1" anchor="t" anchorCtr="0" compatLnSpc="1"/>
+          <a:p>
+            <a:endParaRPr lang="en-US"/>
+          </a:p>
+        </p:txBody>
+      </p:sp>
+      <p:sp>
+        <p:nvSpPr>
+          <p:cNvPr id="24" name="文本框 23"/>
           <p:cNvSpPr txBox="1"/>
           <p:nvPr/>
         </p:nvSpPr>
         <p:spPr>
           <a:xfrm>
-            <a:off x="9233767" y="2662740"/>
-            <a:ext cx="2078181" cy="523220"/>
+            <a:off x="512445" y="1288415"/>
+            <a:ext cx="3152140" cy="583565"/>
           </a:xfrm>
           <a:prstGeom prst="rect">
             <a:avLst/>
@@ -4149,93 +7861,444 @@
           <a:bodyPr wrap="square" rtlCol="0">
             <a:spAutoFit/>
           </a:bodyPr>
-          <a:lstStyle/>
-          <a:p>
-            <a:pPr algn="ctr"/>
+          <a:p>
+            <a:pPr algn="l"/>
             <a:r>
-              <a:rPr lang="zh-CN" altLang="en-US" sz="2800" b="1" dirty="0" smtClean="0">
-                <a:latin typeface="+mn-ea"/>
+              <a:rPr lang="zh-CN" altLang="en-US" sz="3200" b="1" spc="200">
+                <a:solidFill>
+                  <a:schemeClr val="tx1">
+                    <a:lumMod val="85000"/>
+                    <a:lumOff val="15000"/>
+                  </a:schemeClr>
+                </a:solidFill>
+                <a:uFillTx/>
               </a:rPr>
-              <a:t>输入标题</a:t>
+              <a:t>添加您的标题</a:t>
             </a:r>
-            <a:endParaRPr lang="zh-CN" altLang="en-US" sz="2800" b="1" dirty="0">
-              <a:latin typeface="+mn-ea"/>
+            <a:endParaRPr lang="zh-CN" altLang="en-US" sz="3200" b="1" spc="200">
+              <a:solidFill>
+                <a:schemeClr val="tx1">
+                  <a:lumMod val="85000"/>
+                  <a:lumOff val="15000"/>
+                </a:schemeClr>
+              </a:solidFill>
+              <a:uFillTx/>
             </a:endParaRPr>
           </a:p>
         </p:txBody>
       </p:sp>
+      <p:sp>
+        <p:nvSpPr>
+          <p:cNvPr id="2" name="文本框 1"/>
+          <p:cNvSpPr txBox="1"/>
+          <p:nvPr/>
+        </p:nvSpPr>
+        <p:spPr>
+          <a:xfrm>
+            <a:off x="512445" y="1871980"/>
+            <a:ext cx="5127625" cy="650240"/>
+          </a:xfrm>
+          <a:prstGeom prst="rect">
+            <a:avLst/>
+          </a:prstGeom>
+          <a:noFill/>
+        </p:spPr>
+        <p:txBody>
+          <a:bodyPr wrap="square" rtlCol="0" anchor="t">
+            <a:spAutoFit/>
+          </a:bodyPr>
+          <a:p>
+            <a:pPr marL="0" lvl="0" indent="0" algn="l">
+              <a:lnSpc>
+                <a:spcPct val="130000"/>
+              </a:lnSpc>
+              <a:spcBef>
+                <a:spcPts val="0"/>
+              </a:spcBef>
+              <a:spcAft>
+                <a:spcPts val="1000"/>
+              </a:spcAft>
+              <a:buSzPct val="100000"/>
+              <a:buNone/>
+            </a:pPr>
+            <a:r>
+              <a:rPr lang="zh-CN" altLang="en-US" sz="1400">
+                <a:solidFill>
+                  <a:schemeClr val="tx1">
+                    <a:lumMod val="65000"/>
+                    <a:lumOff val="35000"/>
+                  </a:schemeClr>
+                </a:solidFill>
+                <a:uFillTx/>
+                <a:latin typeface="Arial" panose="020B0604020202020204" pitchFamily="34" charset="0"/>
+                <a:ea typeface="微软雅黑" panose="020B0503020204020204" charset="-122"/>
+                <a:sym typeface="+mn-ea"/>
+              </a:rPr>
+              <a:t>Multipurpose presentation for all bussines and personal powerpoint template.</a:t>
+            </a:r>
+            <a:endParaRPr lang="zh-CN" altLang="tr-TR" sz="1400" smtClean="0">
+              <a:solidFill>
+                <a:srgbClr val="53575E"/>
+              </a:solidFill>
+              <a:latin typeface="微软雅黑" panose="020B0503020204020204" charset="-122"/>
+              <a:ea typeface="微软雅黑" panose="020B0503020204020204" charset="-122"/>
+              <a:cs typeface="Open Sans Semibold" panose="020B0706030804020204" pitchFamily="34" charset="0"/>
+              <a:sym typeface="+mn-ea"/>
+            </a:endParaRPr>
+          </a:p>
+        </p:txBody>
+      </p:sp>
+    </p:spTree>
+  </p:cSld>
+  <p:clrMapOvr>
+    <a:masterClrMapping/>
+  </p:clrMapOvr>
+  <p:timing>
+    <p:tnLst>
+      <p:par>
+        <p:cTn id="1" dur="indefinite" restart="never" nodeType="tmRoot">
+          <p:childTnLst>
+            <p:seq concurrent="1" nextAc="seek">
+              <p:cTn id="2" dur="indefinite" nodeType="mainSeq">
+                <p:childTnLst>
+                  <p:par>
+                    <p:cTn id="3" fill="hold">
+                      <p:stCondLst>
+                        <p:cond delay="indefinite"/>
+                        <p:cond evt="onBegin" delay="0">
+                          <p:tn val="2"/>
+                        </p:cond>
+                      </p:stCondLst>
+                      <p:childTnLst>
+                        <p:par>
+                          <p:cTn id="4" fill="hold">
+                            <p:stCondLst>
+                              <p:cond delay="0"/>
+                            </p:stCondLst>
+                            <p:childTnLst>
+                              <p:par>
+                                <p:cTn id="5" presetID="53" presetClass="entr" presetSubtype="16" fill="hold" nodeType="afterEffect">
+                                  <p:stCondLst>
+                                    <p:cond delay="0"/>
+                                  </p:stCondLst>
+                                  <p:childTnLst>
+                                    <p:set>
+                                      <p:cBhvr>
+                                        <p:cTn id="6" dur="1" fill="hold">
+                                          <p:stCondLst>
+                                            <p:cond delay="0"/>
+                                          </p:stCondLst>
+                                        </p:cTn>
+                                        <p:tgtEl>
+                                          <p:spTgt spid="10"/>
+                                        </p:tgtEl>
+                                        <p:attrNameLst>
+                                          <p:attrName>style.visibility</p:attrName>
+                                        </p:attrNameLst>
+                                      </p:cBhvr>
+                                      <p:to>
+                                        <p:strVal val="visible"/>
+                                      </p:to>
+                                    </p:set>
+                                    <p:anim calcmode="lin" valueType="num">
+                                      <p:cBhvr>
+                                        <p:cTn id="7" dur="500" fill="hold"/>
+                                        <p:tgtEl>
+                                          <p:spTgt spid="10"/>
+                                        </p:tgtEl>
+                                        <p:attrNameLst>
+                                          <p:attrName>ppt_w</p:attrName>
+                                        </p:attrNameLst>
+                                      </p:cBhvr>
+                                      <p:tavLst>
+                                        <p:tav tm="0">
+                                          <p:val>
+                                            <p:fltVal val="0.000000"/>
+                                          </p:val>
+                                        </p:tav>
+                                        <p:tav tm="100000">
+                                          <p:val>
+                                            <p:strVal val="#ppt_w"/>
+                                          </p:val>
+                                        </p:tav>
+                                      </p:tavLst>
+                                    </p:anim>
+                                    <p:anim calcmode="lin" valueType="num">
+                                      <p:cBhvr>
+                                        <p:cTn id="8" dur="500" fill="hold"/>
+                                        <p:tgtEl>
+                                          <p:spTgt spid="10"/>
+                                        </p:tgtEl>
+                                        <p:attrNameLst>
+                                          <p:attrName>ppt_h</p:attrName>
+                                        </p:attrNameLst>
+                                      </p:cBhvr>
+                                      <p:tavLst>
+                                        <p:tav tm="0">
+                                          <p:val>
+                                            <p:fltVal val="0.000000"/>
+                                          </p:val>
+                                        </p:tav>
+                                        <p:tav tm="100000">
+                                          <p:val>
+                                            <p:strVal val="#ppt_h"/>
+                                          </p:val>
+                                        </p:tav>
+                                      </p:tavLst>
+                                    </p:anim>
+                                    <p:animEffect transition="in" filter="fade">
+                                      <p:cBhvr>
+                                        <p:cTn id="9" dur="500"/>
+                                        <p:tgtEl>
+                                          <p:spTgt spid="10"/>
+                                        </p:tgtEl>
+                                      </p:cBhvr>
+                                    </p:animEffect>
+                                  </p:childTnLst>
+                                </p:cTn>
+                              </p:par>
+                            </p:childTnLst>
+                          </p:cTn>
+                        </p:par>
+                      </p:childTnLst>
+                    </p:cTn>
+                  </p:par>
+                </p:childTnLst>
+              </p:cTn>
+              <p:prevCondLst>
+                <p:cond evt="onPrev" delay="0">
+                  <p:tgtEl>
+                    <p:sldTgt/>
+                  </p:tgtEl>
+                </p:cond>
+              </p:prevCondLst>
+              <p:nextCondLst>
+                <p:cond evt="onNext" delay="0">
+                  <p:tgtEl>
+                    <p:sldTgt/>
+                  </p:tgtEl>
+                </p:cond>
+              </p:nextCondLst>
+            </p:seq>
+          </p:childTnLst>
+        </p:cTn>
+      </p:par>
+    </p:tnLst>
+  </p:timing>
+</p:sld>
+</file>
+
+<file path=ppt/slides/slide3.xml><?xml version="1.0" encoding="utf-8"?>
+<p:sld xmlns:a="http://schemas.openxmlformats.org/drawingml/2006/main" xmlns:r="http://schemas.openxmlformats.org/officeDocument/2006/relationships" xmlns:p="http://schemas.openxmlformats.org/presentationml/2006/main">
+  <p:cSld>
+    <p:spTree>
+      <p:nvGrpSpPr>
+        <p:cNvPr id="1" name=""/>
+        <p:cNvGrpSpPr/>
+        <p:nvPr/>
+      </p:nvGrpSpPr>
+      <p:grpSpPr/>
+      <p:sp>
+        <p:nvSpPr>
+          <p:cNvPr id="14" name="矩形 13"/>
+          <p:cNvSpPr/>
+          <p:nvPr>
+            <p:custDataLst>
+              <p:tags r:id="rId1"/>
+            </p:custDataLst>
+          </p:nvPr>
+        </p:nvSpPr>
+        <p:spPr>
+          <a:xfrm>
+            <a:off x="12700" y="4765548"/>
+            <a:ext cx="12192000" cy="2155952"/>
+          </a:xfrm>
+          <a:prstGeom prst="rect">
+            <a:avLst/>
+          </a:prstGeom>
+          <a:solidFill>
+            <a:srgbClr val="C4D0CC"/>
+          </a:solidFill>
+          <a:ln>
+            <a:noFill/>
+          </a:ln>
+        </p:spPr>
+        <p:style>
+          <a:lnRef idx="2">
+            <a:srgbClr val="1E6BC5">
+              <a:shade val="50000"/>
+            </a:srgbClr>
+          </a:lnRef>
+          <a:fillRef idx="1">
+            <a:srgbClr val="1E6BC5"/>
+          </a:fillRef>
+          <a:effectRef idx="0">
+            <a:srgbClr val="1E6BC5"/>
+          </a:effectRef>
+          <a:fontRef idx="minor">
+            <a:srgbClr val="FFFFFF"/>
+          </a:fontRef>
+        </p:style>
+        <p:txBody>
+          <a:bodyPr rtlCol="0" anchor="ctr"/>
+          <a:p>
+            <a:pPr algn="ctr"/>
+            <a:endParaRPr kumimoji="1" lang="zh-CN" altLang="en-US" sz="1600" b="1" dirty="0">
+              <a:solidFill>
+                <a:srgbClr val="FFFFFF"/>
+              </a:solidFill>
+              <a:latin typeface="微软雅黑" panose="020B0503020204020204" charset="-122"/>
+            </a:endParaRPr>
+          </a:p>
+        </p:txBody>
+      </p:sp>
+      <p:sp>
+        <p:nvSpPr>
+          <p:cNvPr id="18" name="文本框 17"/>
+          <p:cNvSpPr txBox="1"/>
+          <p:nvPr>
+            <p:custDataLst>
+              <p:tags r:id="rId2"/>
+            </p:custDataLst>
+          </p:nvPr>
+        </p:nvSpPr>
+        <p:spPr>
+          <a:xfrm>
+            <a:off x="971963" y="5503121"/>
+            <a:ext cx="8185150" cy="1077976"/>
+          </a:xfrm>
+          <a:prstGeom prst="rect">
+            <a:avLst/>
+          </a:prstGeom>
+          <a:noFill/>
+        </p:spPr>
+        <p:txBody>
+          <a:bodyPr wrap="square" lIns="101600" tIns="0" rIns="82550" bIns="0" rtlCol="0">
+            <a:noAutofit/>
+          </a:bodyPr>
+          <a:lstStyle>
+            <a:defPPr>
+              <a:defRPr lang="zh-CN"/>
+            </a:defPPr>
+            <a:lvl1pPr fontAlgn="auto">
+              <a:lnSpc>
+                <a:spcPct val="130000"/>
+              </a:lnSpc>
+              <a:spcAft>
+                <a:spcPts val="1000"/>
+              </a:spcAft>
+              <a:defRPr sz="1600" spc="150"/>
+            </a:lvl1pPr>
+          </a:lstStyle>
+          <a:p>
+            <a:pPr marL="0" lvl="0" indent="0" algn="l">
+              <a:lnSpc>
+                <a:spcPct val="130000"/>
+              </a:lnSpc>
+              <a:spcBef>
+                <a:spcPts val="0"/>
+              </a:spcBef>
+              <a:spcAft>
+                <a:spcPts val="1000"/>
+              </a:spcAft>
+              <a:buSzPct val="100000"/>
+              <a:buNone/>
+            </a:pPr>
+            <a:r>
+              <a:rPr lang="zh-CN" altLang="en-US" sz="1600">
+                <a:solidFill>
+                  <a:schemeClr val="tx1">
+                    <a:lumMod val="50000"/>
+                    <a:lumOff val="50000"/>
+                  </a:schemeClr>
+                </a:solidFill>
+                <a:uFillTx/>
+                <a:latin typeface="Arial" panose="020B0604020202020204" pitchFamily="34" charset="0"/>
+                <a:ea typeface="微软雅黑" panose="020B0503020204020204" charset="-122"/>
+              </a:rPr>
+              <a:t>Multipurpose presentation for all bussines and personal powerpoint template.</a:t>
+            </a:r>
+            <a:endParaRPr lang="zh-CN" altLang="en-US" sz="1600">
+              <a:solidFill>
+                <a:schemeClr val="tx1">
+                  <a:lumMod val="50000"/>
+                  <a:lumOff val="50000"/>
+                </a:schemeClr>
+              </a:solidFill>
+              <a:uFillTx/>
+              <a:latin typeface="Arial" panose="020B0604020202020204" pitchFamily="34" charset="0"/>
+              <a:ea typeface="微软雅黑" panose="020B0503020204020204" charset="-122"/>
+            </a:endParaRPr>
+          </a:p>
+        </p:txBody>
+      </p:sp>
+      <p:pic>
+        <p:nvPicPr>
+          <p:cNvPr id="9" name="图片 8"/>
+          <p:cNvPicPr>
+            <a:picLocks noChangeAspect="1"/>
+          </p:cNvPicPr>
+          <p:nvPr>
+            <p:custDataLst>
+              <p:tags r:id="rId3"/>
+            </p:custDataLst>
+          </p:nvPr>
+        </p:nvPicPr>
+        <p:blipFill rotWithShape="1">
+          <a:blip r:embed="rId4">
+            <a:clrChange>
+              <a:clrFrom>
+                <a:srgbClr val="F0EFED">
+                  <a:alpha val="100000"/>
+                </a:srgbClr>
+              </a:clrFrom>
+              <a:clrTo>
+                <a:srgbClr val="F0EFED">
+                  <a:alpha val="100000"/>
+                  <a:alpha val="0"/>
+                </a:srgbClr>
+              </a:clrTo>
+            </a:clrChange>
+          </a:blip>
+          <a:srcRect l="31040" r="18956"/>
+          <a:stretch>
+            <a:fillRect/>
+          </a:stretch>
+        </p:blipFill>
+        <p:spPr>
+          <a:xfrm>
+            <a:off x="1068119" y="469900"/>
+            <a:ext cx="3510213" cy="4680286"/>
+          </a:xfrm>
+          <a:prstGeom prst="rect">
+            <a:avLst/>
+          </a:prstGeom>
+        </p:spPr>
+      </p:pic>
       <p:grpSp>
         <p:nvGrpSpPr>
-          <p:cNvPr id="13" name="组合 12"/>
+          <p:cNvPr id="10" name="组合 9"/>
           <p:cNvGrpSpPr/>
           <p:nvPr/>
         </p:nvGrpSpPr>
         <p:grpSpPr>
           <a:xfrm>
-            <a:off x="6267452" y="4117467"/>
-            <a:ext cx="800101" cy="800101"/>
-            <a:chOff x="6109853" y="1870364"/>
-            <a:chExt cx="800101" cy="800101"/>
+            <a:off x="5121910" y="1937385"/>
+            <a:ext cx="5611495" cy="2466340"/>
+            <a:chOff x="8066" y="3051"/>
+            <a:chExt cx="8837" cy="3884"/>
           </a:xfrm>
         </p:grpSpPr>
         <p:sp>
           <p:nvSpPr>
-            <p:cNvPr id="14" name="椭圆 13"/>
-            <p:cNvSpPr/>
-            <p:nvPr/>
-          </p:nvSpPr>
-          <p:spPr>
-            <a:xfrm>
-              <a:off x="6109853" y="1870364"/>
-              <a:ext cx="800101" cy="800101"/>
-            </a:xfrm>
-            <a:prstGeom prst="ellipse">
-              <a:avLst/>
-            </a:prstGeom>
-            <a:solidFill>
-              <a:srgbClr val="E570B2"/>
-            </a:solidFill>
-            <a:ln>
-              <a:noFill/>
-            </a:ln>
-          </p:spPr>
-          <p:style>
-            <a:lnRef idx="2">
-              <a:schemeClr val="accent1">
-                <a:shade val="50000"/>
-              </a:schemeClr>
-            </a:lnRef>
-            <a:fillRef idx="1">
-              <a:schemeClr val="accent1"/>
-            </a:fillRef>
-            <a:effectRef idx="0">
-              <a:schemeClr val="accent1"/>
-            </a:effectRef>
-            <a:fontRef idx="minor">
-              <a:schemeClr val="lt1"/>
-            </a:fontRef>
-          </p:style>
-          <p:txBody>
-            <a:bodyPr rtlCol="0" anchor="ctr"/>
-            <a:lstStyle/>
-            <a:p>
-              <a:pPr algn="ctr"/>
-              <a:endParaRPr lang="zh-CN" altLang="en-US" dirty="0">
-                <a:latin typeface="+mn-ea"/>
-              </a:endParaRPr>
-            </a:p>
-          </p:txBody>
-        </p:sp>
-        <p:sp>
-          <p:nvSpPr>
-            <p:cNvPr id="15" name="文本框 14"/>
+            <p:cNvPr id="35" name="文本框 34"/>
             <p:cNvSpPr txBox="1"/>
             <p:nvPr/>
           </p:nvSpPr>
           <p:spPr>
             <a:xfrm>
-              <a:off x="6177393" y="1978026"/>
-              <a:ext cx="665020" cy="584775"/>
+              <a:off x="8955" y="3051"/>
+              <a:ext cx="7948" cy="3884"/>
             </a:xfrm>
             <a:prstGeom prst="rect">
               <a:avLst/>
@@ -4243,35 +8306,1531 @@
             <a:noFill/>
           </p:spPr>
           <p:txBody>
-            <a:bodyPr wrap="square" rtlCol="0">
+            <a:bodyPr wrap="square" rtlCol="0" anchor="t">
               <a:spAutoFit/>
             </a:bodyPr>
-            <a:lstStyle/>
             <a:p>
-              <a:pPr algn="ctr"/>
+              <a:pPr algn="l" fontAlgn="auto">
+                <a:lnSpc>
+                  <a:spcPct val="120000"/>
+                </a:lnSpc>
+              </a:pPr>
               <a:r>
-                <a:rPr lang="en-US" altLang="zh-CN" sz="3200" dirty="0" smtClean="0">
-                  <a:latin typeface="+mn-ea"/>
+                <a:rPr lang="zh-CN" altLang="tr-TR" sz="1400">
+                  <a:solidFill>
+                    <a:schemeClr val="tx1"/>
+                  </a:solidFill>
+                  <a:latin typeface="微软雅黑" panose="020B0503020204020204" charset="-122"/>
+                  <a:ea typeface="微软雅黑" panose="020B0503020204020204" charset="-122"/>
+                  <a:sym typeface="+mn-ea"/>
                 </a:rPr>
-                <a:t>03</a:t>
+                <a:t>对主标题进行提炼和描述，请尽量言简意赅，清晰明了。对主标题进行提炼和描述</a:t>
               </a:r>
-              <a:endParaRPr lang="zh-CN" altLang="en-US" sz="3200" dirty="0">
-                <a:latin typeface="+mn-ea"/>
+              <a:r>
+                <a:rPr lang="en-US" altLang="zh-CN" sz="1400">
+                  <a:solidFill>
+                    <a:schemeClr val="tx1"/>
+                  </a:solidFill>
+                  <a:latin typeface="微软雅黑" panose="020B0503020204020204" charset="-122"/>
+                  <a:ea typeface="微软雅黑" panose="020B0503020204020204" charset="-122"/>
+                  <a:sym typeface="+mn-ea"/>
+                </a:rPr>
+                <a:t>,</a:t>
+              </a:r>
+              <a:r>
+                <a:rPr lang="zh-CN" altLang="tr-TR" sz="1400">
+                  <a:solidFill>
+                    <a:schemeClr val="tx1"/>
+                  </a:solidFill>
+                  <a:latin typeface="微软雅黑" panose="020B0503020204020204" charset="-122"/>
+                  <a:ea typeface="微软雅黑" panose="020B0503020204020204" charset="-122"/>
+                  <a:sym typeface="+mn-ea"/>
+                </a:rPr>
+                <a:t>请尽量言简意赅，清晰明了</a:t>
+              </a:r>
+              <a:endParaRPr lang="zh-CN" altLang="tr-TR" sz="1400">
+                <a:solidFill>
+                  <a:schemeClr val="tx1"/>
+                </a:solidFill>
+                <a:latin typeface="微软雅黑" panose="020B0503020204020204" charset="-122"/>
+                <a:ea typeface="微软雅黑" panose="020B0503020204020204" charset="-122"/>
+                <a:sym typeface="+mn-ea"/>
               </a:endParaRPr>
+            </a:p>
+            <a:p>
+              <a:pPr algn="l" fontAlgn="auto">
+                <a:lnSpc>
+                  <a:spcPct val="120000"/>
+                </a:lnSpc>
+                <a:spcAft>
+                  <a:spcPts val="1200"/>
+                </a:spcAft>
+              </a:pPr>
+              <a:endParaRPr lang="zh-CN" altLang="tr-TR" sz="1400" smtClean="0">
+                <a:solidFill>
+                  <a:schemeClr val="tx1"/>
+                </a:solidFill>
+                <a:latin typeface="微软雅黑" panose="020B0503020204020204" charset="-122"/>
+                <a:ea typeface="微软雅黑" panose="020B0503020204020204" charset="-122"/>
+                <a:cs typeface="Open Sans Semibold" panose="020B0706030804020204" pitchFamily="34" charset="0"/>
+                <a:sym typeface="+mn-ea"/>
+              </a:endParaRPr>
+            </a:p>
+            <a:p>
+              <a:pPr algn="l" fontAlgn="auto">
+                <a:lnSpc>
+                  <a:spcPct val="120000"/>
+                </a:lnSpc>
+              </a:pPr>
+              <a:r>
+                <a:rPr lang="zh-CN" altLang="tr-TR" sz="1400">
+                  <a:latin typeface="微软雅黑" panose="020B0503020204020204" charset="-122"/>
+                  <a:ea typeface="微软雅黑" panose="020B0503020204020204" charset="-122"/>
+                  <a:sym typeface="+mn-ea"/>
+                </a:rPr>
+                <a:t>对主标题进行提炼和描述，请尽量言简意赅，清晰明了。对主标题进行提炼和描述</a:t>
+              </a:r>
+              <a:r>
+                <a:rPr lang="en-US" altLang="zh-CN" sz="1400">
+                  <a:latin typeface="微软雅黑" panose="020B0503020204020204" charset="-122"/>
+                  <a:ea typeface="微软雅黑" panose="020B0503020204020204" charset="-122"/>
+                  <a:sym typeface="+mn-ea"/>
+                </a:rPr>
+                <a:t>,</a:t>
+              </a:r>
+              <a:r>
+                <a:rPr lang="zh-CN" altLang="tr-TR" sz="1400">
+                  <a:latin typeface="微软雅黑" panose="020B0503020204020204" charset="-122"/>
+                  <a:ea typeface="微软雅黑" panose="020B0503020204020204" charset="-122"/>
+                  <a:sym typeface="+mn-ea"/>
+                </a:rPr>
+                <a:t>请尽量言简意赅，清晰明了</a:t>
+              </a:r>
+              <a:endParaRPr lang="zh-CN" altLang="tr-TR" sz="1400" smtClean="0">
+                <a:solidFill>
+                  <a:schemeClr val="tx1"/>
+                </a:solidFill>
+                <a:latin typeface="微软雅黑" panose="020B0503020204020204" charset="-122"/>
+                <a:ea typeface="微软雅黑" panose="020B0503020204020204" charset="-122"/>
+                <a:cs typeface="Open Sans Semibold" panose="020B0706030804020204" pitchFamily="34" charset="0"/>
+                <a:sym typeface="+mn-ea"/>
+              </a:endParaRPr>
+            </a:p>
+            <a:p>
+              <a:pPr algn="l" fontAlgn="auto">
+                <a:lnSpc>
+                  <a:spcPct val="120000"/>
+                </a:lnSpc>
+                <a:spcAft>
+                  <a:spcPts val="1200"/>
+                </a:spcAft>
+              </a:pPr>
+              <a:endParaRPr lang="zh-CN" altLang="tr-TR" sz="1400" smtClean="0">
+                <a:solidFill>
+                  <a:schemeClr val="tx1"/>
+                </a:solidFill>
+                <a:latin typeface="微软雅黑" panose="020B0503020204020204" charset="-122"/>
+                <a:ea typeface="微软雅黑" panose="020B0503020204020204" charset="-122"/>
+                <a:cs typeface="Open Sans Semibold" panose="020B0706030804020204" pitchFamily="34" charset="0"/>
+                <a:sym typeface="+mn-ea"/>
+              </a:endParaRPr>
+            </a:p>
+            <a:p>
+              <a:pPr algn="l" fontAlgn="auto">
+                <a:lnSpc>
+                  <a:spcPct val="120000"/>
+                </a:lnSpc>
+              </a:pPr>
+              <a:r>
+                <a:rPr lang="zh-CN" altLang="tr-TR" sz="1400">
+                  <a:latin typeface="微软雅黑" panose="020B0503020204020204" charset="-122"/>
+                  <a:ea typeface="微软雅黑" panose="020B0503020204020204" charset="-122"/>
+                  <a:sym typeface="+mn-ea"/>
+                </a:rPr>
+                <a:t>对主标题进行提炼和描述，请尽量言简意赅，清晰明了。对主标题进行提炼和描述</a:t>
+              </a:r>
+              <a:r>
+                <a:rPr lang="en-US" altLang="zh-CN" sz="1400">
+                  <a:latin typeface="微软雅黑" panose="020B0503020204020204" charset="-122"/>
+                  <a:ea typeface="微软雅黑" panose="020B0503020204020204" charset="-122"/>
+                  <a:sym typeface="+mn-ea"/>
+                </a:rPr>
+                <a:t>,</a:t>
+              </a:r>
+              <a:r>
+                <a:rPr lang="zh-CN" altLang="tr-TR" sz="1400">
+                  <a:latin typeface="微软雅黑" panose="020B0503020204020204" charset="-122"/>
+                  <a:ea typeface="微软雅黑" panose="020B0503020204020204" charset="-122"/>
+                  <a:sym typeface="+mn-ea"/>
+                </a:rPr>
+                <a:t>请尽量言简意赅，清晰明了</a:t>
+              </a:r>
+              <a:endParaRPr lang="zh-CN" altLang="tr-TR" sz="1400" smtClean="0">
+                <a:solidFill>
+                  <a:schemeClr val="tx1"/>
+                </a:solidFill>
+                <a:latin typeface="微软雅黑" panose="020B0503020204020204" charset="-122"/>
+                <a:ea typeface="微软雅黑" panose="020B0503020204020204" charset="-122"/>
+                <a:cs typeface="Open Sans Semibold" panose="020B0706030804020204" pitchFamily="34" charset="0"/>
+                <a:sym typeface="+mn-ea"/>
+              </a:endParaRPr>
+            </a:p>
+          </p:txBody>
+        </p:sp>
+        <p:sp>
+          <p:nvSpPr>
+            <p:cNvPr id="144" name="Freeform 141"/>
+            <p:cNvSpPr>
+              <a:spLocks noEditPoints="1"/>
+            </p:cNvSpPr>
+            <p:nvPr/>
+          </p:nvSpPr>
+          <p:spPr bwMode="auto">
+            <a:xfrm>
+              <a:off x="8125" y="6202"/>
+              <a:ext cx="572" cy="528"/>
+            </a:xfrm>
+            <a:custGeom>
+              <a:avLst/>
+              <a:gdLst>
+                <a:gd name="T0" fmla="*/ 158 w 158"/>
+                <a:gd name="T1" fmla="*/ 34 h 146"/>
+                <a:gd name="T2" fmla="*/ 158 w 158"/>
+                <a:gd name="T3" fmla="*/ 46 h 146"/>
+                <a:gd name="T4" fmla="*/ 154 w 158"/>
+                <a:gd name="T5" fmla="*/ 59 h 146"/>
+                <a:gd name="T6" fmla="*/ 143 w 158"/>
+                <a:gd name="T7" fmla="*/ 72 h 146"/>
+                <a:gd name="T8" fmla="*/ 127 w 158"/>
+                <a:gd name="T9" fmla="*/ 81 h 146"/>
+                <a:gd name="T10" fmla="*/ 106 w 158"/>
+                <a:gd name="T11" fmla="*/ 85 h 146"/>
+                <a:gd name="T12" fmla="*/ 97 w 158"/>
+                <a:gd name="T13" fmla="*/ 94 h 146"/>
+                <a:gd name="T14" fmla="*/ 92 w 158"/>
+                <a:gd name="T15" fmla="*/ 101 h 146"/>
+                <a:gd name="T16" fmla="*/ 91 w 158"/>
+                <a:gd name="T17" fmla="*/ 109 h 146"/>
+                <a:gd name="T18" fmla="*/ 94 w 158"/>
+                <a:gd name="T19" fmla="*/ 118 h 146"/>
+                <a:gd name="T20" fmla="*/ 103 w 158"/>
+                <a:gd name="T21" fmla="*/ 121 h 146"/>
+                <a:gd name="T22" fmla="*/ 116 w 158"/>
+                <a:gd name="T23" fmla="*/ 126 h 146"/>
+                <a:gd name="T24" fmla="*/ 121 w 158"/>
+                <a:gd name="T25" fmla="*/ 136 h 146"/>
+                <a:gd name="T26" fmla="*/ 121 w 158"/>
+                <a:gd name="T27" fmla="*/ 143 h 146"/>
+                <a:gd name="T28" fmla="*/ 120 w 158"/>
+                <a:gd name="T29" fmla="*/ 145 h 146"/>
+                <a:gd name="T30" fmla="*/ 118 w 158"/>
+                <a:gd name="T31" fmla="*/ 146 h 146"/>
+                <a:gd name="T32" fmla="*/ 40 w 158"/>
+                <a:gd name="T33" fmla="*/ 146 h 146"/>
+                <a:gd name="T34" fmla="*/ 37 w 158"/>
+                <a:gd name="T35" fmla="*/ 145 h 146"/>
+                <a:gd name="T36" fmla="*/ 37 w 158"/>
+                <a:gd name="T37" fmla="*/ 143 h 146"/>
+                <a:gd name="T38" fmla="*/ 37 w 158"/>
+                <a:gd name="T39" fmla="*/ 136 h 146"/>
+                <a:gd name="T40" fmla="*/ 42 w 158"/>
+                <a:gd name="T41" fmla="*/ 126 h 146"/>
+                <a:gd name="T42" fmla="*/ 55 w 158"/>
+                <a:gd name="T43" fmla="*/ 121 h 146"/>
+                <a:gd name="T44" fmla="*/ 64 w 158"/>
+                <a:gd name="T45" fmla="*/ 118 h 146"/>
+                <a:gd name="T46" fmla="*/ 67 w 158"/>
+                <a:gd name="T47" fmla="*/ 109 h 146"/>
+                <a:gd name="T48" fmla="*/ 65 w 158"/>
+                <a:gd name="T49" fmla="*/ 101 h 146"/>
+                <a:gd name="T50" fmla="*/ 61 w 158"/>
+                <a:gd name="T51" fmla="*/ 94 h 146"/>
+                <a:gd name="T52" fmla="*/ 52 w 158"/>
+                <a:gd name="T53" fmla="*/ 85 h 146"/>
+                <a:gd name="T54" fmla="*/ 31 w 158"/>
+                <a:gd name="T55" fmla="*/ 81 h 146"/>
+                <a:gd name="T56" fmla="*/ 15 w 158"/>
+                <a:gd name="T57" fmla="*/ 72 h 146"/>
+                <a:gd name="T58" fmla="*/ 4 w 158"/>
+                <a:gd name="T59" fmla="*/ 59 h 146"/>
+                <a:gd name="T60" fmla="*/ 0 w 158"/>
+                <a:gd name="T61" fmla="*/ 46 h 146"/>
+                <a:gd name="T62" fmla="*/ 0 w 158"/>
+                <a:gd name="T63" fmla="*/ 34 h 146"/>
+                <a:gd name="T64" fmla="*/ 3 w 158"/>
+                <a:gd name="T65" fmla="*/ 27 h 146"/>
+                <a:gd name="T66" fmla="*/ 9 w 158"/>
+                <a:gd name="T67" fmla="*/ 25 h 146"/>
+                <a:gd name="T68" fmla="*/ 37 w 158"/>
+                <a:gd name="T69" fmla="*/ 25 h 146"/>
+                <a:gd name="T70" fmla="*/ 37 w 158"/>
+                <a:gd name="T71" fmla="*/ 15 h 146"/>
+                <a:gd name="T72" fmla="*/ 41 w 158"/>
+                <a:gd name="T73" fmla="*/ 5 h 146"/>
+                <a:gd name="T74" fmla="*/ 52 w 158"/>
+                <a:gd name="T75" fmla="*/ 0 h 146"/>
+                <a:gd name="T76" fmla="*/ 106 w 158"/>
+                <a:gd name="T77" fmla="*/ 0 h 146"/>
+                <a:gd name="T78" fmla="*/ 117 w 158"/>
+                <a:gd name="T79" fmla="*/ 5 h 146"/>
+                <a:gd name="T80" fmla="*/ 121 w 158"/>
+                <a:gd name="T81" fmla="*/ 15 h 146"/>
+                <a:gd name="T82" fmla="*/ 121 w 158"/>
+                <a:gd name="T83" fmla="*/ 25 h 146"/>
+                <a:gd name="T84" fmla="*/ 149 w 158"/>
+                <a:gd name="T85" fmla="*/ 25 h 146"/>
+                <a:gd name="T86" fmla="*/ 155 w 158"/>
+                <a:gd name="T87" fmla="*/ 27 h 146"/>
+                <a:gd name="T88" fmla="*/ 158 w 158"/>
+                <a:gd name="T89" fmla="*/ 34 h 146"/>
+                <a:gd name="T90" fmla="*/ 44 w 158"/>
+                <a:gd name="T91" fmla="*/ 72 h 146"/>
+                <a:gd name="T92" fmla="*/ 37 w 158"/>
+                <a:gd name="T93" fmla="*/ 37 h 146"/>
+                <a:gd name="T94" fmla="*/ 12 w 158"/>
+                <a:gd name="T95" fmla="*/ 37 h 146"/>
+                <a:gd name="T96" fmla="*/ 12 w 158"/>
+                <a:gd name="T97" fmla="*/ 46 h 146"/>
+                <a:gd name="T98" fmla="*/ 21 w 158"/>
+                <a:gd name="T99" fmla="*/ 61 h 146"/>
+                <a:gd name="T100" fmla="*/ 44 w 158"/>
+                <a:gd name="T101" fmla="*/ 72 h 146"/>
+                <a:gd name="T102" fmla="*/ 146 w 158"/>
+                <a:gd name="T103" fmla="*/ 46 h 146"/>
+                <a:gd name="T104" fmla="*/ 146 w 158"/>
+                <a:gd name="T105" fmla="*/ 37 h 146"/>
+                <a:gd name="T106" fmla="*/ 121 w 158"/>
+                <a:gd name="T107" fmla="*/ 37 h 146"/>
+                <a:gd name="T108" fmla="*/ 114 w 158"/>
+                <a:gd name="T109" fmla="*/ 72 h 146"/>
+                <a:gd name="T110" fmla="*/ 137 w 158"/>
+                <a:gd name="T111" fmla="*/ 61 h 146"/>
+                <a:gd name="T112" fmla="*/ 146 w 158"/>
+                <a:gd name="T113" fmla="*/ 46 h 146"/>
+              </a:gdLst>
+              <a:ahLst/>
+              <a:cxnLst>
+                <a:cxn ang="0">
+                  <a:pos x="T0" y="T1"/>
+                </a:cxn>
+                <a:cxn ang="0">
+                  <a:pos x="T2" y="T3"/>
+                </a:cxn>
+                <a:cxn ang="0">
+                  <a:pos x="T4" y="T5"/>
+                </a:cxn>
+                <a:cxn ang="0">
+                  <a:pos x="T6" y="T7"/>
+                </a:cxn>
+                <a:cxn ang="0">
+                  <a:pos x="T8" y="T9"/>
+                </a:cxn>
+                <a:cxn ang="0">
+                  <a:pos x="T10" y="T11"/>
+                </a:cxn>
+                <a:cxn ang="0">
+                  <a:pos x="T12" y="T13"/>
+                </a:cxn>
+                <a:cxn ang="0">
+                  <a:pos x="T14" y="T15"/>
+                </a:cxn>
+                <a:cxn ang="0">
+                  <a:pos x="T16" y="T17"/>
+                </a:cxn>
+                <a:cxn ang="0">
+                  <a:pos x="T18" y="T19"/>
+                </a:cxn>
+                <a:cxn ang="0">
+                  <a:pos x="T20" y="T21"/>
+                </a:cxn>
+                <a:cxn ang="0">
+                  <a:pos x="T22" y="T23"/>
+                </a:cxn>
+                <a:cxn ang="0">
+                  <a:pos x="T24" y="T25"/>
+                </a:cxn>
+                <a:cxn ang="0">
+                  <a:pos x="T26" y="T27"/>
+                </a:cxn>
+                <a:cxn ang="0">
+                  <a:pos x="T28" y="T29"/>
+                </a:cxn>
+                <a:cxn ang="0">
+                  <a:pos x="T30" y="T31"/>
+                </a:cxn>
+                <a:cxn ang="0">
+                  <a:pos x="T32" y="T33"/>
+                </a:cxn>
+                <a:cxn ang="0">
+                  <a:pos x="T34" y="T35"/>
+                </a:cxn>
+                <a:cxn ang="0">
+                  <a:pos x="T36" y="T37"/>
+                </a:cxn>
+                <a:cxn ang="0">
+                  <a:pos x="T38" y="T39"/>
+                </a:cxn>
+                <a:cxn ang="0">
+                  <a:pos x="T40" y="T41"/>
+                </a:cxn>
+                <a:cxn ang="0">
+                  <a:pos x="T42" y="T43"/>
+                </a:cxn>
+                <a:cxn ang="0">
+                  <a:pos x="T44" y="T45"/>
+                </a:cxn>
+                <a:cxn ang="0">
+                  <a:pos x="T46" y="T47"/>
+                </a:cxn>
+                <a:cxn ang="0">
+                  <a:pos x="T48" y="T49"/>
+                </a:cxn>
+                <a:cxn ang="0">
+                  <a:pos x="T50" y="T51"/>
+                </a:cxn>
+                <a:cxn ang="0">
+                  <a:pos x="T52" y="T53"/>
+                </a:cxn>
+                <a:cxn ang="0">
+                  <a:pos x="T54" y="T55"/>
+                </a:cxn>
+                <a:cxn ang="0">
+                  <a:pos x="T56" y="T57"/>
+                </a:cxn>
+                <a:cxn ang="0">
+                  <a:pos x="T58" y="T59"/>
+                </a:cxn>
+                <a:cxn ang="0">
+                  <a:pos x="T60" y="T61"/>
+                </a:cxn>
+                <a:cxn ang="0">
+                  <a:pos x="T62" y="T63"/>
+                </a:cxn>
+                <a:cxn ang="0">
+                  <a:pos x="T64" y="T65"/>
+                </a:cxn>
+                <a:cxn ang="0">
+                  <a:pos x="T66" y="T67"/>
+                </a:cxn>
+                <a:cxn ang="0">
+                  <a:pos x="T68" y="T69"/>
+                </a:cxn>
+                <a:cxn ang="0">
+                  <a:pos x="T70" y="T71"/>
+                </a:cxn>
+                <a:cxn ang="0">
+                  <a:pos x="T72" y="T73"/>
+                </a:cxn>
+                <a:cxn ang="0">
+                  <a:pos x="T74" y="T75"/>
+                </a:cxn>
+                <a:cxn ang="0">
+                  <a:pos x="T76" y="T77"/>
+                </a:cxn>
+                <a:cxn ang="0">
+                  <a:pos x="T78" y="T79"/>
+                </a:cxn>
+                <a:cxn ang="0">
+                  <a:pos x="T80" y="T81"/>
+                </a:cxn>
+                <a:cxn ang="0">
+                  <a:pos x="T82" y="T83"/>
+                </a:cxn>
+                <a:cxn ang="0">
+                  <a:pos x="T84" y="T85"/>
+                </a:cxn>
+                <a:cxn ang="0">
+                  <a:pos x="T86" y="T87"/>
+                </a:cxn>
+                <a:cxn ang="0">
+                  <a:pos x="T88" y="T89"/>
+                </a:cxn>
+                <a:cxn ang="0">
+                  <a:pos x="T90" y="T91"/>
+                </a:cxn>
+                <a:cxn ang="0">
+                  <a:pos x="T92" y="T93"/>
+                </a:cxn>
+                <a:cxn ang="0">
+                  <a:pos x="T94" y="T95"/>
+                </a:cxn>
+                <a:cxn ang="0">
+                  <a:pos x="T96" y="T97"/>
+                </a:cxn>
+                <a:cxn ang="0">
+                  <a:pos x="T98" y="T99"/>
+                </a:cxn>
+                <a:cxn ang="0">
+                  <a:pos x="T100" y="T101"/>
+                </a:cxn>
+                <a:cxn ang="0">
+                  <a:pos x="T102" y="T103"/>
+                </a:cxn>
+                <a:cxn ang="0">
+                  <a:pos x="T104" y="T105"/>
+                </a:cxn>
+                <a:cxn ang="0">
+                  <a:pos x="T106" y="T107"/>
+                </a:cxn>
+                <a:cxn ang="0">
+                  <a:pos x="T108" y="T109"/>
+                </a:cxn>
+                <a:cxn ang="0">
+                  <a:pos x="T110" y="T111"/>
+                </a:cxn>
+                <a:cxn ang="0">
+                  <a:pos x="T112" y="T113"/>
+                </a:cxn>
+              </a:cxnLst>
+              <a:rect l="0" t="0" r="r" b="b"/>
+              <a:pathLst>
+                <a:path w="158" h="146">
+                  <a:moveTo>
+                    <a:pt x="158" y="34"/>
+                  </a:moveTo>
+                  <a:cubicBezTo>
+                    <a:pt x="158" y="46"/>
+                    <a:pt x="158" y="46"/>
+                    <a:pt x="158" y="46"/>
+                  </a:cubicBezTo>
+                  <a:cubicBezTo>
+                    <a:pt x="158" y="50"/>
+                    <a:pt x="156" y="55"/>
+                    <a:pt x="154" y="59"/>
+                  </a:cubicBezTo>
+                  <a:cubicBezTo>
+                    <a:pt x="151" y="64"/>
+                    <a:pt x="148" y="68"/>
+                    <a:pt x="143" y="72"/>
+                  </a:cubicBezTo>
+                  <a:cubicBezTo>
+                    <a:pt x="139" y="75"/>
+                    <a:pt x="133" y="78"/>
+                    <a:pt x="127" y="81"/>
+                  </a:cubicBezTo>
+                  <a:cubicBezTo>
+                    <a:pt x="120" y="83"/>
+                    <a:pt x="113" y="85"/>
+                    <a:pt x="106" y="85"/>
+                  </a:cubicBezTo>
+                  <a:cubicBezTo>
+                    <a:pt x="104" y="88"/>
+                    <a:pt x="101" y="91"/>
+                    <a:pt x="97" y="94"/>
+                  </a:cubicBezTo>
+                  <a:cubicBezTo>
+                    <a:pt x="95" y="96"/>
+                    <a:pt x="93" y="98"/>
+                    <a:pt x="92" y="101"/>
+                  </a:cubicBezTo>
+                  <a:cubicBezTo>
+                    <a:pt x="92" y="103"/>
+                    <a:pt x="91" y="106"/>
+                    <a:pt x="91" y="109"/>
+                  </a:cubicBezTo>
+                  <a:cubicBezTo>
+                    <a:pt x="91" y="113"/>
+                    <a:pt x="92" y="116"/>
+                    <a:pt x="94" y="118"/>
+                  </a:cubicBezTo>
+                  <a:cubicBezTo>
+                    <a:pt x="96" y="120"/>
+                    <a:pt x="99" y="121"/>
+                    <a:pt x="103" y="121"/>
+                  </a:cubicBezTo>
+                  <a:cubicBezTo>
+                    <a:pt x="108" y="121"/>
+                    <a:pt x="112" y="123"/>
+                    <a:pt x="116" y="126"/>
+                  </a:cubicBezTo>
+                  <a:cubicBezTo>
+                    <a:pt x="119" y="129"/>
+                    <a:pt x="121" y="132"/>
+                    <a:pt x="121" y="136"/>
+                  </a:cubicBezTo>
+                  <a:cubicBezTo>
+                    <a:pt x="121" y="143"/>
+                    <a:pt x="121" y="143"/>
+                    <a:pt x="121" y="143"/>
+                  </a:cubicBezTo>
+                  <a:cubicBezTo>
+                    <a:pt x="121" y="143"/>
+                    <a:pt x="121" y="144"/>
+                    <a:pt x="120" y="145"/>
+                  </a:cubicBezTo>
+                  <a:cubicBezTo>
+                    <a:pt x="120" y="145"/>
+                    <a:pt x="119" y="146"/>
+                    <a:pt x="118" y="146"/>
+                  </a:cubicBezTo>
+                  <a:cubicBezTo>
+                    <a:pt x="40" y="146"/>
+                    <a:pt x="40" y="146"/>
+                    <a:pt x="40" y="146"/>
+                  </a:cubicBezTo>
+                  <a:cubicBezTo>
+                    <a:pt x="39" y="146"/>
+                    <a:pt x="38" y="145"/>
+                    <a:pt x="37" y="145"/>
+                  </a:cubicBezTo>
+                  <a:cubicBezTo>
+                    <a:pt x="37" y="144"/>
+                    <a:pt x="37" y="143"/>
+                    <a:pt x="37" y="143"/>
+                  </a:cubicBezTo>
+                  <a:cubicBezTo>
+                    <a:pt x="37" y="136"/>
+                    <a:pt x="37" y="136"/>
+                    <a:pt x="37" y="136"/>
+                  </a:cubicBezTo>
+                  <a:cubicBezTo>
+                    <a:pt x="37" y="132"/>
+                    <a:pt x="38" y="129"/>
+                    <a:pt x="42" y="126"/>
+                  </a:cubicBezTo>
+                  <a:cubicBezTo>
+                    <a:pt x="46" y="123"/>
+                    <a:pt x="50" y="121"/>
+                    <a:pt x="55" y="121"/>
+                  </a:cubicBezTo>
+                  <a:cubicBezTo>
+                    <a:pt x="59" y="121"/>
+                    <a:pt x="62" y="120"/>
+                    <a:pt x="64" y="118"/>
+                  </a:cubicBezTo>
+                  <a:cubicBezTo>
+                    <a:pt x="66" y="116"/>
+                    <a:pt x="67" y="113"/>
+                    <a:pt x="67" y="109"/>
+                  </a:cubicBezTo>
+                  <a:cubicBezTo>
+                    <a:pt x="67" y="106"/>
+                    <a:pt x="66" y="103"/>
+                    <a:pt x="65" y="101"/>
+                  </a:cubicBezTo>
+                  <a:cubicBezTo>
+                    <a:pt x="65" y="98"/>
+                    <a:pt x="63" y="96"/>
+                    <a:pt x="61" y="94"/>
+                  </a:cubicBezTo>
+                  <a:cubicBezTo>
+                    <a:pt x="57" y="91"/>
+                    <a:pt x="54" y="88"/>
+                    <a:pt x="52" y="85"/>
+                  </a:cubicBezTo>
+                  <a:cubicBezTo>
+                    <a:pt x="44" y="85"/>
+                    <a:pt x="38" y="83"/>
+                    <a:pt x="31" y="81"/>
+                  </a:cubicBezTo>
+                  <a:cubicBezTo>
+                    <a:pt x="25" y="78"/>
+                    <a:pt x="19" y="75"/>
+                    <a:pt x="15" y="72"/>
+                  </a:cubicBezTo>
+                  <a:cubicBezTo>
+                    <a:pt x="10" y="68"/>
+                    <a:pt x="7" y="64"/>
+                    <a:pt x="4" y="59"/>
+                  </a:cubicBezTo>
+                  <a:cubicBezTo>
+                    <a:pt x="2" y="55"/>
+                    <a:pt x="0" y="50"/>
+                    <a:pt x="0" y="46"/>
+                  </a:cubicBezTo>
+                  <a:cubicBezTo>
+                    <a:pt x="0" y="34"/>
+                    <a:pt x="0" y="34"/>
+                    <a:pt x="0" y="34"/>
+                  </a:cubicBezTo>
+                  <a:cubicBezTo>
+                    <a:pt x="0" y="31"/>
+                    <a:pt x="1" y="29"/>
+                    <a:pt x="3" y="27"/>
+                  </a:cubicBezTo>
+                  <a:cubicBezTo>
+                    <a:pt x="5" y="25"/>
+                    <a:pt x="7" y="25"/>
+                    <a:pt x="9" y="25"/>
+                  </a:cubicBezTo>
+                  <a:cubicBezTo>
+                    <a:pt x="37" y="25"/>
+                    <a:pt x="37" y="25"/>
+                    <a:pt x="37" y="25"/>
+                  </a:cubicBezTo>
+                  <a:cubicBezTo>
+                    <a:pt x="37" y="15"/>
+                    <a:pt x="37" y="15"/>
+                    <a:pt x="37" y="15"/>
+                  </a:cubicBezTo>
+                  <a:cubicBezTo>
+                    <a:pt x="37" y="11"/>
+                    <a:pt x="38" y="8"/>
+                    <a:pt x="41" y="5"/>
+                  </a:cubicBezTo>
+                  <a:cubicBezTo>
+                    <a:pt x="44" y="2"/>
+                    <a:pt x="48" y="0"/>
+                    <a:pt x="52" y="0"/>
+                  </a:cubicBezTo>
+                  <a:cubicBezTo>
+                    <a:pt x="106" y="0"/>
+                    <a:pt x="106" y="0"/>
+                    <a:pt x="106" y="0"/>
+                  </a:cubicBezTo>
+                  <a:cubicBezTo>
+                    <a:pt x="110" y="0"/>
+                    <a:pt x="114" y="2"/>
+                    <a:pt x="117" y="5"/>
+                  </a:cubicBezTo>
+                  <a:cubicBezTo>
+                    <a:pt x="120" y="8"/>
+                    <a:pt x="121" y="11"/>
+                    <a:pt x="121" y="15"/>
+                  </a:cubicBezTo>
+                  <a:cubicBezTo>
+                    <a:pt x="121" y="25"/>
+                    <a:pt x="121" y="25"/>
+                    <a:pt x="121" y="25"/>
+                  </a:cubicBezTo>
+                  <a:cubicBezTo>
+                    <a:pt x="149" y="25"/>
+                    <a:pt x="149" y="25"/>
+                    <a:pt x="149" y="25"/>
+                  </a:cubicBezTo>
+                  <a:cubicBezTo>
+                    <a:pt x="151" y="25"/>
+                    <a:pt x="153" y="25"/>
+                    <a:pt x="155" y="27"/>
+                  </a:cubicBezTo>
+                  <a:cubicBezTo>
+                    <a:pt x="157" y="29"/>
+                    <a:pt x="158" y="31"/>
+                    <a:pt x="158" y="34"/>
+                  </a:cubicBezTo>
+                  <a:close/>
+                  <a:moveTo>
+                    <a:pt x="44" y="72"/>
+                  </a:moveTo>
+                  <a:cubicBezTo>
+                    <a:pt x="39" y="62"/>
+                    <a:pt x="37" y="50"/>
+                    <a:pt x="37" y="37"/>
+                  </a:cubicBezTo>
+                  <a:cubicBezTo>
+                    <a:pt x="12" y="37"/>
+                    <a:pt x="12" y="37"/>
+                    <a:pt x="12" y="37"/>
+                  </a:cubicBezTo>
+                  <a:cubicBezTo>
+                    <a:pt x="12" y="46"/>
+                    <a:pt x="12" y="46"/>
+                    <a:pt x="12" y="46"/>
+                  </a:cubicBezTo>
+                  <a:cubicBezTo>
+                    <a:pt x="12" y="51"/>
+                    <a:pt x="15" y="56"/>
+                    <a:pt x="21" y="61"/>
+                  </a:cubicBezTo>
+                  <a:cubicBezTo>
+                    <a:pt x="27" y="66"/>
+                    <a:pt x="35" y="70"/>
+                    <a:pt x="44" y="72"/>
+                  </a:cubicBezTo>
+                  <a:close/>
+                  <a:moveTo>
+                    <a:pt x="146" y="46"/>
+                  </a:moveTo>
+                  <a:cubicBezTo>
+                    <a:pt x="146" y="37"/>
+                    <a:pt x="146" y="37"/>
+                    <a:pt x="146" y="37"/>
+                  </a:cubicBezTo>
+                  <a:cubicBezTo>
+                    <a:pt x="121" y="37"/>
+                    <a:pt x="121" y="37"/>
+                    <a:pt x="121" y="37"/>
+                  </a:cubicBezTo>
+                  <a:cubicBezTo>
+                    <a:pt x="121" y="50"/>
+                    <a:pt x="119" y="62"/>
+                    <a:pt x="114" y="72"/>
+                  </a:cubicBezTo>
+                  <a:cubicBezTo>
+                    <a:pt x="123" y="70"/>
+                    <a:pt x="131" y="66"/>
+                    <a:pt x="137" y="61"/>
+                  </a:cubicBezTo>
+                  <a:cubicBezTo>
+                    <a:pt x="143" y="56"/>
+                    <a:pt x="146" y="51"/>
+                    <a:pt x="146" y="46"/>
+                  </a:cubicBezTo>
+                  <a:close/>
+                </a:path>
+              </a:pathLst>
+            </a:custGeom>
+            <a:solidFill>
+              <a:schemeClr val="tx1">
+                <a:lumMod val="50000"/>
+                <a:lumOff val="50000"/>
+              </a:schemeClr>
+            </a:solidFill>
+            <a:ln>
+              <a:noFill/>
+            </a:ln>
+            <a:extLst>
+              <a:ext uri="{91240B29-F687-4F45-9708-019B960494DF}">
+                <a14:hiddenLine xmlns:a14="http://schemas.microsoft.com/office/drawing/2010/main" w="9525">
+                  <a:solidFill>
+                    <a:srgbClr val="000000"/>
+                  </a:solidFill>
+                  <a:round/>
+                </a14:hiddenLine>
+              </a:ext>
+            </a:extLst>
+          </p:spPr>
+          <p:txBody>
+            <a:bodyPr vert="horz" wrap="square" lIns="91440" tIns="45720" rIns="91440" bIns="45720" numCol="1" anchor="t" anchorCtr="0" compatLnSpc="1"/>
+            <a:p>
+              <a:endParaRPr lang="en-US"/>
+            </a:p>
+          </p:txBody>
+        </p:sp>
+        <p:sp>
+          <p:nvSpPr>
+            <p:cNvPr id="174" name="Freeform 171"/>
+            <p:cNvSpPr>
+              <a:spLocks noEditPoints="1"/>
+            </p:cNvSpPr>
+            <p:nvPr/>
+          </p:nvSpPr>
+          <p:spPr bwMode="auto">
+            <a:xfrm>
+              <a:off x="8087" y="3210"/>
+              <a:ext cx="610" cy="523"/>
+            </a:xfrm>
+            <a:custGeom>
+              <a:avLst/>
+              <a:gdLst>
+                <a:gd name="T0" fmla="*/ 169 w 169"/>
+                <a:gd name="T1" fmla="*/ 40 h 145"/>
+                <a:gd name="T2" fmla="*/ 169 w 169"/>
+                <a:gd name="T3" fmla="*/ 76 h 145"/>
+                <a:gd name="T4" fmla="*/ 0 w 169"/>
+                <a:gd name="T5" fmla="*/ 76 h 145"/>
+                <a:gd name="T6" fmla="*/ 0 w 169"/>
+                <a:gd name="T7" fmla="*/ 40 h 145"/>
+                <a:gd name="T8" fmla="*/ 4 w 169"/>
+                <a:gd name="T9" fmla="*/ 29 h 145"/>
+                <a:gd name="T10" fmla="*/ 15 w 169"/>
+                <a:gd name="T11" fmla="*/ 24 h 145"/>
+                <a:gd name="T12" fmla="*/ 48 w 169"/>
+                <a:gd name="T13" fmla="*/ 24 h 145"/>
+                <a:gd name="T14" fmla="*/ 48 w 169"/>
+                <a:gd name="T15" fmla="*/ 9 h 145"/>
+                <a:gd name="T16" fmla="*/ 51 w 169"/>
+                <a:gd name="T17" fmla="*/ 3 h 145"/>
+                <a:gd name="T18" fmla="*/ 57 w 169"/>
+                <a:gd name="T19" fmla="*/ 0 h 145"/>
+                <a:gd name="T20" fmla="*/ 112 w 169"/>
+                <a:gd name="T21" fmla="*/ 0 h 145"/>
+                <a:gd name="T22" fmla="*/ 118 w 169"/>
+                <a:gd name="T23" fmla="*/ 3 h 145"/>
+                <a:gd name="T24" fmla="*/ 121 w 169"/>
+                <a:gd name="T25" fmla="*/ 9 h 145"/>
+                <a:gd name="T26" fmla="*/ 121 w 169"/>
+                <a:gd name="T27" fmla="*/ 24 h 145"/>
+                <a:gd name="T28" fmla="*/ 154 w 169"/>
+                <a:gd name="T29" fmla="*/ 24 h 145"/>
+                <a:gd name="T30" fmla="*/ 165 w 169"/>
+                <a:gd name="T31" fmla="*/ 29 h 145"/>
+                <a:gd name="T32" fmla="*/ 169 w 169"/>
+                <a:gd name="T33" fmla="*/ 40 h 145"/>
+                <a:gd name="T34" fmla="*/ 169 w 169"/>
+                <a:gd name="T35" fmla="*/ 85 h 145"/>
+                <a:gd name="T36" fmla="*/ 169 w 169"/>
+                <a:gd name="T37" fmla="*/ 130 h 145"/>
+                <a:gd name="T38" fmla="*/ 165 w 169"/>
+                <a:gd name="T39" fmla="*/ 141 h 145"/>
+                <a:gd name="T40" fmla="*/ 154 w 169"/>
+                <a:gd name="T41" fmla="*/ 145 h 145"/>
+                <a:gd name="T42" fmla="*/ 15 w 169"/>
+                <a:gd name="T43" fmla="*/ 145 h 145"/>
+                <a:gd name="T44" fmla="*/ 4 w 169"/>
+                <a:gd name="T45" fmla="*/ 141 h 145"/>
+                <a:gd name="T46" fmla="*/ 0 w 169"/>
+                <a:gd name="T47" fmla="*/ 130 h 145"/>
+                <a:gd name="T48" fmla="*/ 0 w 169"/>
+                <a:gd name="T49" fmla="*/ 85 h 145"/>
+                <a:gd name="T50" fmla="*/ 63 w 169"/>
+                <a:gd name="T51" fmla="*/ 85 h 145"/>
+                <a:gd name="T52" fmla="*/ 63 w 169"/>
+                <a:gd name="T53" fmla="*/ 100 h 145"/>
+                <a:gd name="T54" fmla="*/ 65 w 169"/>
+                <a:gd name="T55" fmla="*/ 104 h 145"/>
+                <a:gd name="T56" fmla="*/ 69 w 169"/>
+                <a:gd name="T57" fmla="*/ 106 h 145"/>
+                <a:gd name="T58" fmla="*/ 100 w 169"/>
+                <a:gd name="T59" fmla="*/ 106 h 145"/>
+                <a:gd name="T60" fmla="*/ 104 w 169"/>
+                <a:gd name="T61" fmla="*/ 104 h 145"/>
+                <a:gd name="T62" fmla="*/ 106 w 169"/>
+                <a:gd name="T63" fmla="*/ 100 h 145"/>
+                <a:gd name="T64" fmla="*/ 106 w 169"/>
+                <a:gd name="T65" fmla="*/ 85 h 145"/>
+                <a:gd name="T66" fmla="*/ 169 w 169"/>
+                <a:gd name="T67" fmla="*/ 85 h 145"/>
+                <a:gd name="T68" fmla="*/ 60 w 169"/>
+                <a:gd name="T69" fmla="*/ 24 h 145"/>
+                <a:gd name="T70" fmla="*/ 109 w 169"/>
+                <a:gd name="T71" fmla="*/ 24 h 145"/>
+                <a:gd name="T72" fmla="*/ 109 w 169"/>
+                <a:gd name="T73" fmla="*/ 12 h 145"/>
+                <a:gd name="T74" fmla="*/ 60 w 169"/>
+                <a:gd name="T75" fmla="*/ 12 h 145"/>
+                <a:gd name="T76" fmla="*/ 60 w 169"/>
+                <a:gd name="T77" fmla="*/ 24 h 145"/>
+                <a:gd name="T78" fmla="*/ 97 w 169"/>
+                <a:gd name="T79" fmla="*/ 85 h 145"/>
+                <a:gd name="T80" fmla="*/ 97 w 169"/>
+                <a:gd name="T81" fmla="*/ 97 h 145"/>
+                <a:gd name="T82" fmla="*/ 72 w 169"/>
+                <a:gd name="T83" fmla="*/ 97 h 145"/>
+                <a:gd name="T84" fmla="*/ 72 w 169"/>
+                <a:gd name="T85" fmla="*/ 85 h 145"/>
+                <a:gd name="T86" fmla="*/ 97 w 169"/>
+                <a:gd name="T87" fmla="*/ 85 h 145"/>
+              </a:gdLst>
+              <a:ahLst/>
+              <a:cxnLst>
+                <a:cxn ang="0">
+                  <a:pos x="T0" y="T1"/>
+                </a:cxn>
+                <a:cxn ang="0">
+                  <a:pos x="T2" y="T3"/>
+                </a:cxn>
+                <a:cxn ang="0">
+                  <a:pos x="T4" y="T5"/>
+                </a:cxn>
+                <a:cxn ang="0">
+                  <a:pos x="T6" y="T7"/>
+                </a:cxn>
+                <a:cxn ang="0">
+                  <a:pos x="T8" y="T9"/>
+                </a:cxn>
+                <a:cxn ang="0">
+                  <a:pos x="T10" y="T11"/>
+                </a:cxn>
+                <a:cxn ang="0">
+                  <a:pos x="T12" y="T13"/>
+                </a:cxn>
+                <a:cxn ang="0">
+                  <a:pos x="T14" y="T15"/>
+                </a:cxn>
+                <a:cxn ang="0">
+                  <a:pos x="T16" y="T17"/>
+                </a:cxn>
+                <a:cxn ang="0">
+                  <a:pos x="T18" y="T19"/>
+                </a:cxn>
+                <a:cxn ang="0">
+                  <a:pos x="T20" y="T21"/>
+                </a:cxn>
+                <a:cxn ang="0">
+                  <a:pos x="T22" y="T23"/>
+                </a:cxn>
+                <a:cxn ang="0">
+                  <a:pos x="T24" y="T25"/>
+                </a:cxn>
+                <a:cxn ang="0">
+                  <a:pos x="T26" y="T27"/>
+                </a:cxn>
+                <a:cxn ang="0">
+                  <a:pos x="T28" y="T29"/>
+                </a:cxn>
+                <a:cxn ang="0">
+                  <a:pos x="T30" y="T31"/>
+                </a:cxn>
+                <a:cxn ang="0">
+                  <a:pos x="T32" y="T33"/>
+                </a:cxn>
+                <a:cxn ang="0">
+                  <a:pos x="T34" y="T35"/>
+                </a:cxn>
+                <a:cxn ang="0">
+                  <a:pos x="T36" y="T37"/>
+                </a:cxn>
+                <a:cxn ang="0">
+                  <a:pos x="T38" y="T39"/>
+                </a:cxn>
+                <a:cxn ang="0">
+                  <a:pos x="T40" y="T41"/>
+                </a:cxn>
+                <a:cxn ang="0">
+                  <a:pos x="T42" y="T43"/>
+                </a:cxn>
+                <a:cxn ang="0">
+                  <a:pos x="T44" y="T45"/>
+                </a:cxn>
+                <a:cxn ang="0">
+                  <a:pos x="T46" y="T47"/>
+                </a:cxn>
+                <a:cxn ang="0">
+                  <a:pos x="T48" y="T49"/>
+                </a:cxn>
+                <a:cxn ang="0">
+                  <a:pos x="T50" y="T51"/>
+                </a:cxn>
+                <a:cxn ang="0">
+                  <a:pos x="T52" y="T53"/>
+                </a:cxn>
+                <a:cxn ang="0">
+                  <a:pos x="T54" y="T55"/>
+                </a:cxn>
+                <a:cxn ang="0">
+                  <a:pos x="T56" y="T57"/>
+                </a:cxn>
+                <a:cxn ang="0">
+                  <a:pos x="T58" y="T59"/>
+                </a:cxn>
+                <a:cxn ang="0">
+                  <a:pos x="T60" y="T61"/>
+                </a:cxn>
+                <a:cxn ang="0">
+                  <a:pos x="T62" y="T63"/>
+                </a:cxn>
+                <a:cxn ang="0">
+                  <a:pos x="T64" y="T65"/>
+                </a:cxn>
+                <a:cxn ang="0">
+                  <a:pos x="T66" y="T67"/>
+                </a:cxn>
+                <a:cxn ang="0">
+                  <a:pos x="T68" y="T69"/>
+                </a:cxn>
+                <a:cxn ang="0">
+                  <a:pos x="T70" y="T71"/>
+                </a:cxn>
+                <a:cxn ang="0">
+                  <a:pos x="T72" y="T73"/>
+                </a:cxn>
+                <a:cxn ang="0">
+                  <a:pos x="T74" y="T75"/>
+                </a:cxn>
+                <a:cxn ang="0">
+                  <a:pos x="T76" y="T77"/>
+                </a:cxn>
+                <a:cxn ang="0">
+                  <a:pos x="T78" y="T79"/>
+                </a:cxn>
+                <a:cxn ang="0">
+                  <a:pos x="T80" y="T81"/>
+                </a:cxn>
+                <a:cxn ang="0">
+                  <a:pos x="T82" y="T83"/>
+                </a:cxn>
+                <a:cxn ang="0">
+                  <a:pos x="T84" y="T85"/>
+                </a:cxn>
+                <a:cxn ang="0">
+                  <a:pos x="T86" y="T87"/>
+                </a:cxn>
+              </a:cxnLst>
+              <a:rect l="0" t="0" r="r" b="b"/>
+              <a:pathLst>
+                <a:path w="169" h="145">
+                  <a:moveTo>
+                    <a:pt x="169" y="40"/>
+                  </a:moveTo>
+                  <a:cubicBezTo>
+                    <a:pt x="169" y="76"/>
+                    <a:pt x="169" y="76"/>
+                    <a:pt x="169" y="76"/>
+                  </a:cubicBezTo>
+                  <a:cubicBezTo>
+                    <a:pt x="0" y="76"/>
+                    <a:pt x="0" y="76"/>
+                    <a:pt x="0" y="76"/>
+                  </a:cubicBezTo>
+                  <a:cubicBezTo>
+                    <a:pt x="0" y="40"/>
+                    <a:pt x="0" y="40"/>
+                    <a:pt x="0" y="40"/>
+                  </a:cubicBezTo>
+                  <a:cubicBezTo>
+                    <a:pt x="0" y="35"/>
+                    <a:pt x="1" y="32"/>
+                    <a:pt x="4" y="29"/>
+                  </a:cubicBezTo>
+                  <a:cubicBezTo>
+                    <a:pt x="7" y="26"/>
+                    <a:pt x="11" y="24"/>
+                    <a:pt x="15" y="24"/>
+                  </a:cubicBezTo>
+                  <a:cubicBezTo>
+                    <a:pt x="48" y="24"/>
+                    <a:pt x="48" y="24"/>
+                    <a:pt x="48" y="24"/>
+                  </a:cubicBezTo>
+                  <a:cubicBezTo>
+                    <a:pt x="48" y="9"/>
+                    <a:pt x="48" y="9"/>
+                    <a:pt x="48" y="9"/>
+                  </a:cubicBezTo>
+                  <a:cubicBezTo>
+                    <a:pt x="48" y="7"/>
+                    <a:pt x="49" y="5"/>
+                    <a:pt x="51" y="3"/>
+                  </a:cubicBezTo>
+                  <a:cubicBezTo>
+                    <a:pt x="53" y="1"/>
+                    <a:pt x="55" y="0"/>
+                    <a:pt x="57" y="0"/>
+                  </a:cubicBezTo>
+                  <a:cubicBezTo>
+                    <a:pt x="112" y="0"/>
+                    <a:pt x="112" y="0"/>
+                    <a:pt x="112" y="0"/>
+                  </a:cubicBezTo>
+                  <a:cubicBezTo>
+                    <a:pt x="114" y="0"/>
+                    <a:pt x="116" y="1"/>
+                    <a:pt x="118" y="3"/>
+                  </a:cubicBezTo>
+                  <a:cubicBezTo>
+                    <a:pt x="120" y="5"/>
+                    <a:pt x="121" y="7"/>
+                    <a:pt x="121" y="9"/>
+                  </a:cubicBezTo>
+                  <a:cubicBezTo>
+                    <a:pt x="121" y="24"/>
+                    <a:pt x="121" y="24"/>
+                    <a:pt x="121" y="24"/>
+                  </a:cubicBezTo>
+                  <a:cubicBezTo>
+                    <a:pt x="154" y="24"/>
+                    <a:pt x="154" y="24"/>
+                    <a:pt x="154" y="24"/>
+                  </a:cubicBezTo>
+                  <a:cubicBezTo>
+                    <a:pt x="158" y="24"/>
+                    <a:pt x="162" y="26"/>
+                    <a:pt x="165" y="29"/>
+                  </a:cubicBezTo>
+                  <a:cubicBezTo>
+                    <a:pt x="168" y="32"/>
+                    <a:pt x="169" y="35"/>
+                    <a:pt x="169" y="40"/>
+                  </a:cubicBezTo>
+                  <a:close/>
+                  <a:moveTo>
+                    <a:pt x="169" y="85"/>
+                  </a:moveTo>
+                  <a:cubicBezTo>
+                    <a:pt x="169" y="130"/>
+                    <a:pt x="169" y="130"/>
+                    <a:pt x="169" y="130"/>
+                  </a:cubicBezTo>
+                  <a:cubicBezTo>
+                    <a:pt x="169" y="134"/>
+                    <a:pt x="168" y="138"/>
+                    <a:pt x="165" y="141"/>
+                  </a:cubicBezTo>
+                  <a:cubicBezTo>
+                    <a:pt x="162" y="144"/>
+                    <a:pt x="158" y="145"/>
+                    <a:pt x="154" y="145"/>
+                  </a:cubicBezTo>
+                  <a:cubicBezTo>
+                    <a:pt x="15" y="145"/>
+                    <a:pt x="15" y="145"/>
+                    <a:pt x="15" y="145"/>
+                  </a:cubicBezTo>
+                  <a:cubicBezTo>
+                    <a:pt x="11" y="145"/>
+                    <a:pt x="7" y="144"/>
+                    <a:pt x="4" y="141"/>
+                  </a:cubicBezTo>
+                  <a:cubicBezTo>
+                    <a:pt x="1" y="138"/>
+                    <a:pt x="0" y="134"/>
+                    <a:pt x="0" y="130"/>
+                  </a:cubicBezTo>
+                  <a:cubicBezTo>
+                    <a:pt x="0" y="85"/>
+                    <a:pt x="0" y="85"/>
+                    <a:pt x="0" y="85"/>
+                  </a:cubicBezTo>
+                  <a:cubicBezTo>
+                    <a:pt x="63" y="85"/>
+                    <a:pt x="63" y="85"/>
+                    <a:pt x="63" y="85"/>
+                  </a:cubicBezTo>
+                  <a:cubicBezTo>
+                    <a:pt x="63" y="100"/>
+                    <a:pt x="63" y="100"/>
+                    <a:pt x="63" y="100"/>
+                  </a:cubicBezTo>
+                  <a:cubicBezTo>
+                    <a:pt x="63" y="102"/>
+                    <a:pt x="64" y="103"/>
+                    <a:pt x="65" y="104"/>
+                  </a:cubicBezTo>
+                  <a:cubicBezTo>
+                    <a:pt x="66" y="106"/>
+                    <a:pt x="68" y="106"/>
+                    <a:pt x="69" y="106"/>
+                  </a:cubicBezTo>
+                  <a:cubicBezTo>
+                    <a:pt x="100" y="106"/>
+                    <a:pt x="100" y="106"/>
+                    <a:pt x="100" y="106"/>
+                  </a:cubicBezTo>
+                  <a:cubicBezTo>
+                    <a:pt x="101" y="106"/>
+                    <a:pt x="103" y="106"/>
+                    <a:pt x="104" y="104"/>
+                  </a:cubicBezTo>
+                  <a:cubicBezTo>
+                    <a:pt x="105" y="103"/>
+                    <a:pt x="106" y="102"/>
+                    <a:pt x="106" y="100"/>
+                  </a:cubicBezTo>
+                  <a:cubicBezTo>
+                    <a:pt x="106" y="85"/>
+                    <a:pt x="106" y="85"/>
+                    <a:pt x="106" y="85"/>
+                  </a:cubicBezTo>
+                  <a:lnTo>
+                    <a:pt x="169" y="85"/>
+                  </a:lnTo>
+                  <a:close/>
+                  <a:moveTo>
+                    <a:pt x="60" y="24"/>
+                  </a:moveTo>
+                  <a:cubicBezTo>
+                    <a:pt x="109" y="24"/>
+                    <a:pt x="109" y="24"/>
+                    <a:pt x="109" y="24"/>
+                  </a:cubicBezTo>
+                  <a:cubicBezTo>
+                    <a:pt x="109" y="12"/>
+                    <a:pt x="109" y="12"/>
+                    <a:pt x="109" y="12"/>
+                  </a:cubicBezTo>
+                  <a:cubicBezTo>
+                    <a:pt x="60" y="12"/>
+                    <a:pt x="60" y="12"/>
+                    <a:pt x="60" y="12"/>
+                  </a:cubicBezTo>
+                  <a:lnTo>
+                    <a:pt x="60" y="24"/>
+                  </a:lnTo>
+                  <a:close/>
+                  <a:moveTo>
+                    <a:pt x="97" y="85"/>
+                  </a:moveTo>
+                  <a:cubicBezTo>
+                    <a:pt x="97" y="97"/>
+                    <a:pt x="97" y="97"/>
+                    <a:pt x="97" y="97"/>
+                  </a:cubicBezTo>
+                  <a:cubicBezTo>
+                    <a:pt x="72" y="97"/>
+                    <a:pt x="72" y="97"/>
+                    <a:pt x="72" y="97"/>
+                  </a:cubicBezTo>
+                  <a:cubicBezTo>
+                    <a:pt x="72" y="85"/>
+                    <a:pt x="72" y="85"/>
+                    <a:pt x="72" y="85"/>
+                  </a:cubicBezTo>
+                  <a:lnTo>
+                    <a:pt x="97" y="85"/>
+                  </a:lnTo>
+                  <a:close/>
+                </a:path>
+              </a:pathLst>
+            </a:custGeom>
+            <a:solidFill>
+              <a:schemeClr val="tx1">
+                <a:lumMod val="50000"/>
+                <a:lumOff val="50000"/>
+              </a:schemeClr>
+            </a:solidFill>
+            <a:ln>
+              <a:noFill/>
+            </a:ln>
+            <a:extLst>
+              <a:ext uri="{91240B29-F687-4F45-9708-019B960494DF}">
+                <a14:hiddenLine xmlns:a14="http://schemas.microsoft.com/office/drawing/2010/main" w="9525">
+                  <a:solidFill>
+                    <a:srgbClr val="000000"/>
+                  </a:solidFill>
+                  <a:round/>
+                </a14:hiddenLine>
+              </a:ext>
+            </a:extLst>
+          </p:spPr>
+          <p:txBody>
+            <a:bodyPr vert="horz" wrap="square" lIns="91440" tIns="45720" rIns="91440" bIns="45720" numCol="1" anchor="t" anchorCtr="0" compatLnSpc="1"/>
+            <a:p>
+              <a:endParaRPr lang="en-US"/>
+            </a:p>
+          </p:txBody>
+        </p:sp>
+        <p:sp>
+          <p:nvSpPr>
+            <p:cNvPr id="178" name="Freeform 175"/>
+            <p:cNvSpPr/>
+            <p:nvPr/>
+          </p:nvSpPr>
+          <p:spPr bwMode="auto">
+            <a:xfrm>
+              <a:off x="8066" y="4753"/>
+              <a:ext cx="653" cy="479"/>
+            </a:xfrm>
+            <a:custGeom>
+              <a:avLst/>
+              <a:gdLst>
+                <a:gd name="T0" fmla="*/ 182 w 182"/>
+                <a:gd name="T1" fmla="*/ 97 h 133"/>
+                <a:gd name="T2" fmla="*/ 171 w 182"/>
+                <a:gd name="T3" fmla="*/ 123 h 133"/>
+                <a:gd name="T4" fmla="*/ 146 w 182"/>
+                <a:gd name="T5" fmla="*/ 133 h 133"/>
+                <a:gd name="T6" fmla="*/ 43 w 182"/>
+                <a:gd name="T7" fmla="*/ 133 h 133"/>
+                <a:gd name="T8" fmla="*/ 13 w 182"/>
+                <a:gd name="T9" fmla="*/ 121 h 133"/>
+                <a:gd name="T10" fmla="*/ 0 w 182"/>
+                <a:gd name="T11" fmla="*/ 91 h 133"/>
+                <a:gd name="T12" fmla="*/ 7 w 182"/>
+                <a:gd name="T13" fmla="*/ 68 h 133"/>
+                <a:gd name="T14" fmla="*/ 25 w 182"/>
+                <a:gd name="T15" fmla="*/ 53 h 133"/>
+                <a:gd name="T16" fmla="*/ 25 w 182"/>
+                <a:gd name="T17" fmla="*/ 49 h 133"/>
+                <a:gd name="T18" fmla="*/ 39 w 182"/>
+                <a:gd name="T19" fmla="*/ 15 h 133"/>
+                <a:gd name="T20" fmla="*/ 73 w 182"/>
+                <a:gd name="T21" fmla="*/ 0 h 133"/>
+                <a:gd name="T22" fmla="*/ 100 w 182"/>
+                <a:gd name="T23" fmla="*/ 9 h 133"/>
+                <a:gd name="T24" fmla="*/ 118 w 182"/>
+                <a:gd name="T25" fmla="*/ 30 h 133"/>
+                <a:gd name="T26" fmla="*/ 134 w 182"/>
+                <a:gd name="T27" fmla="*/ 25 h 133"/>
+                <a:gd name="T28" fmla="*/ 151 w 182"/>
+                <a:gd name="T29" fmla="*/ 32 h 133"/>
+                <a:gd name="T30" fmla="*/ 158 w 182"/>
+                <a:gd name="T31" fmla="*/ 49 h 133"/>
+                <a:gd name="T32" fmla="*/ 154 w 182"/>
+                <a:gd name="T33" fmla="*/ 62 h 133"/>
+                <a:gd name="T34" fmla="*/ 174 w 182"/>
+                <a:gd name="T35" fmla="*/ 74 h 133"/>
+                <a:gd name="T36" fmla="*/ 182 w 182"/>
+                <a:gd name="T37" fmla="*/ 97 h 133"/>
+              </a:gdLst>
+              <a:ahLst/>
+              <a:cxnLst>
+                <a:cxn ang="0">
+                  <a:pos x="T0" y="T1"/>
+                </a:cxn>
+                <a:cxn ang="0">
+                  <a:pos x="T2" y="T3"/>
+                </a:cxn>
+                <a:cxn ang="0">
+                  <a:pos x="T4" y="T5"/>
+                </a:cxn>
+                <a:cxn ang="0">
+                  <a:pos x="T6" y="T7"/>
+                </a:cxn>
+                <a:cxn ang="0">
+                  <a:pos x="T8" y="T9"/>
+                </a:cxn>
+                <a:cxn ang="0">
+                  <a:pos x="T10" y="T11"/>
+                </a:cxn>
+                <a:cxn ang="0">
+                  <a:pos x="T12" y="T13"/>
+                </a:cxn>
+                <a:cxn ang="0">
+                  <a:pos x="T14" y="T15"/>
+                </a:cxn>
+                <a:cxn ang="0">
+                  <a:pos x="T16" y="T17"/>
+                </a:cxn>
+                <a:cxn ang="0">
+                  <a:pos x="T18" y="T19"/>
+                </a:cxn>
+                <a:cxn ang="0">
+                  <a:pos x="T20" y="T21"/>
+                </a:cxn>
+                <a:cxn ang="0">
+                  <a:pos x="T22" y="T23"/>
+                </a:cxn>
+                <a:cxn ang="0">
+                  <a:pos x="T24" y="T25"/>
+                </a:cxn>
+                <a:cxn ang="0">
+                  <a:pos x="T26" y="T27"/>
+                </a:cxn>
+                <a:cxn ang="0">
+                  <a:pos x="T28" y="T29"/>
+                </a:cxn>
+                <a:cxn ang="0">
+                  <a:pos x="T30" y="T31"/>
+                </a:cxn>
+                <a:cxn ang="0">
+                  <a:pos x="T32" y="T33"/>
+                </a:cxn>
+                <a:cxn ang="0">
+                  <a:pos x="T34" y="T35"/>
+                </a:cxn>
+                <a:cxn ang="0">
+                  <a:pos x="T36" y="T37"/>
+                </a:cxn>
+              </a:cxnLst>
+              <a:rect l="0" t="0" r="r" b="b"/>
+              <a:pathLst>
+                <a:path w="182" h="133">
+                  <a:moveTo>
+                    <a:pt x="182" y="97"/>
+                  </a:moveTo>
+                  <a:cubicBezTo>
+                    <a:pt x="182" y="107"/>
+                    <a:pt x="178" y="116"/>
+                    <a:pt x="171" y="123"/>
+                  </a:cubicBezTo>
+                  <a:cubicBezTo>
+                    <a:pt x="164" y="130"/>
+                    <a:pt x="156" y="133"/>
+                    <a:pt x="146" y="133"/>
+                  </a:cubicBezTo>
+                  <a:cubicBezTo>
+                    <a:pt x="43" y="133"/>
+                    <a:pt x="43" y="133"/>
+                    <a:pt x="43" y="133"/>
+                  </a:cubicBezTo>
+                  <a:cubicBezTo>
+                    <a:pt x="31" y="133"/>
+                    <a:pt x="21" y="129"/>
+                    <a:pt x="13" y="121"/>
+                  </a:cubicBezTo>
+                  <a:cubicBezTo>
+                    <a:pt x="5" y="113"/>
+                    <a:pt x="0" y="103"/>
+                    <a:pt x="0" y="91"/>
+                  </a:cubicBezTo>
+                  <a:cubicBezTo>
+                    <a:pt x="0" y="83"/>
+                    <a:pt x="3" y="75"/>
+                    <a:pt x="7" y="68"/>
+                  </a:cubicBezTo>
+                  <a:cubicBezTo>
+                    <a:pt x="12" y="61"/>
+                    <a:pt x="18" y="56"/>
+                    <a:pt x="25" y="53"/>
+                  </a:cubicBezTo>
+                  <a:cubicBezTo>
+                    <a:pt x="25" y="51"/>
+                    <a:pt x="25" y="50"/>
+                    <a:pt x="25" y="49"/>
+                  </a:cubicBezTo>
+                  <a:cubicBezTo>
+                    <a:pt x="25" y="35"/>
+                    <a:pt x="29" y="24"/>
+                    <a:pt x="39" y="15"/>
+                  </a:cubicBezTo>
+                  <a:cubicBezTo>
+                    <a:pt x="48" y="5"/>
+                    <a:pt x="60" y="0"/>
+                    <a:pt x="73" y="0"/>
+                  </a:cubicBezTo>
+                  <a:cubicBezTo>
+                    <a:pt x="83" y="0"/>
+                    <a:pt x="92" y="3"/>
+                    <a:pt x="100" y="9"/>
+                  </a:cubicBezTo>
+                  <a:cubicBezTo>
+                    <a:pt x="108" y="14"/>
+                    <a:pt x="114" y="21"/>
+                    <a:pt x="118" y="30"/>
+                  </a:cubicBezTo>
+                  <a:cubicBezTo>
+                    <a:pt x="122" y="26"/>
+                    <a:pt x="128" y="25"/>
+                    <a:pt x="134" y="25"/>
+                  </a:cubicBezTo>
+                  <a:cubicBezTo>
+                    <a:pt x="140" y="25"/>
+                    <a:pt x="146" y="27"/>
+                    <a:pt x="151" y="32"/>
+                  </a:cubicBezTo>
+                  <a:cubicBezTo>
+                    <a:pt x="155" y="36"/>
+                    <a:pt x="158" y="42"/>
+                    <a:pt x="158" y="49"/>
+                  </a:cubicBezTo>
+                  <a:cubicBezTo>
+                    <a:pt x="158" y="53"/>
+                    <a:pt x="156" y="58"/>
+                    <a:pt x="154" y="62"/>
+                  </a:cubicBezTo>
+                  <a:cubicBezTo>
+                    <a:pt x="162" y="64"/>
+                    <a:pt x="169" y="68"/>
+                    <a:pt x="174" y="74"/>
+                  </a:cubicBezTo>
+                  <a:cubicBezTo>
+                    <a:pt x="179" y="81"/>
+                    <a:pt x="182" y="89"/>
+                    <a:pt x="182" y="97"/>
+                  </a:cubicBezTo>
+                  <a:close/>
+                </a:path>
+              </a:pathLst>
+            </a:custGeom>
+            <a:solidFill>
+              <a:schemeClr val="tx1">
+                <a:lumMod val="50000"/>
+                <a:lumOff val="50000"/>
+              </a:schemeClr>
+            </a:solidFill>
+            <a:ln>
+              <a:noFill/>
+            </a:ln>
+            <a:extLst>
+              <a:ext uri="{91240B29-F687-4F45-9708-019B960494DF}">
+                <a14:hiddenLine xmlns:a14="http://schemas.microsoft.com/office/drawing/2010/main" w="9525">
+                  <a:solidFill>
+                    <a:srgbClr val="000000"/>
+                  </a:solidFill>
+                  <a:round/>
+                </a14:hiddenLine>
+              </a:ext>
+            </a:extLst>
+          </p:spPr>
+          <p:txBody>
+            <a:bodyPr vert="horz" wrap="square" lIns="91440" tIns="45720" rIns="91440" bIns="45720" numCol="1" anchor="t" anchorCtr="0" compatLnSpc="1"/>
+            <a:p>
+              <a:endParaRPr lang="en-US"/>
             </a:p>
           </p:txBody>
         </p:sp>
       </p:grpSp>
       <p:sp>
         <p:nvSpPr>
-          <p:cNvPr id="16" name="文本框 15"/>
+          <p:cNvPr id="24" name="文本框 23"/>
           <p:cNvSpPr txBox="1"/>
           <p:nvPr/>
         </p:nvSpPr>
         <p:spPr>
           <a:xfrm>
-            <a:off x="5628411" y="5025230"/>
-            <a:ext cx="2078181" cy="523220"/>
+            <a:off x="5030470" y="634365"/>
+            <a:ext cx="3152140" cy="583565"/>
           </a:xfrm>
           <a:prstGeom prst="rect">
             <a:avLst/>
@@ -4282,129 +9841,42 @@
           <a:bodyPr wrap="square" rtlCol="0">
             <a:spAutoFit/>
           </a:bodyPr>
-          <a:lstStyle/>
-          <a:p>
-            <a:pPr algn="ctr"/>
+          <a:p>
+            <a:pPr algn="l"/>
             <a:r>
-              <a:rPr lang="zh-CN" altLang="en-US" sz="2800" b="1" dirty="0" smtClean="0">
-                <a:latin typeface="+mn-ea"/>
+              <a:rPr lang="zh-CN" altLang="en-US" sz="3200" b="1" spc="200">
+                <a:solidFill>
+                  <a:schemeClr val="tx1">
+                    <a:lumMod val="85000"/>
+                    <a:lumOff val="15000"/>
+                  </a:schemeClr>
+                </a:solidFill>
+                <a:uFillTx/>
               </a:rPr>
-              <a:t>输入标题</a:t>
+              <a:t>添加您的标题</a:t>
             </a:r>
-            <a:endParaRPr lang="zh-CN" altLang="en-US" sz="2800" b="1" dirty="0">
-              <a:latin typeface="+mn-ea"/>
+            <a:endParaRPr lang="zh-CN" altLang="en-US" sz="3200" b="1" spc="200">
+              <a:solidFill>
+                <a:schemeClr val="tx1">
+                  <a:lumMod val="85000"/>
+                  <a:lumOff val="15000"/>
+                </a:schemeClr>
+              </a:solidFill>
+              <a:uFillTx/>
             </a:endParaRPr>
           </a:p>
         </p:txBody>
       </p:sp>
-      <p:grpSp>
-        <p:nvGrpSpPr>
-          <p:cNvPr id="17" name="组合 16"/>
-          <p:cNvGrpSpPr/>
-          <p:nvPr/>
-        </p:nvGrpSpPr>
-        <p:grpSpPr>
-          <a:xfrm>
-            <a:off x="9872808" y="4117467"/>
-            <a:ext cx="800101" cy="800101"/>
-            <a:chOff x="6109853" y="1870364"/>
-            <a:chExt cx="800101" cy="800101"/>
-          </a:xfrm>
-        </p:grpSpPr>
-        <p:sp>
-          <p:nvSpPr>
-            <p:cNvPr id="18" name="椭圆 17"/>
-            <p:cNvSpPr/>
-            <p:nvPr/>
-          </p:nvSpPr>
-          <p:spPr>
-            <a:xfrm>
-              <a:off x="6109853" y="1870364"/>
-              <a:ext cx="800101" cy="800101"/>
-            </a:xfrm>
-            <a:prstGeom prst="ellipse">
-              <a:avLst/>
-            </a:prstGeom>
-            <a:solidFill>
-              <a:srgbClr val="E570B2"/>
-            </a:solidFill>
-            <a:ln>
-              <a:noFill/>
-            </a:ln>
-          </p:spPr>
-          <p:style>
-            <a:lnRef idx="2">
-              <a:schemeClr val="accent1">
-                <a:shade val="50000"/>
-              </a:schemeClr>
-            </a:lnRef>
-            <a:fillRef idx="1">
-              <a:schemeClr val="accent1"/>
-            </a:fillRef>
-            <a:effectRef idx="0">
-              <a:schemeClr val="accent1"/>
-            </a:effectRef>
-            <a:fontRef idx="minor">
-              <a:schemeClr val="lt1"/>
-            </a:fontRef>
-          </p:style>
-          <p:txBody>
-            <a:bodyPr rtlCol="0" anchor="ctr"/>
-            <a:lstStyle/>
-            <a:p>
-              <a:pPr algn="ctr"/>
-              <a:endParaRPr lang="zh-CN" altLang="en-US" dirty="0">
-                <a:latin typeface="+mn-ea"/>
-              </a:endParaRPr>
-            </a:p>
-          </p:txBody>
-        </p:sp>
-        <p:sp>
-          <p:nvSpPr>
-            <p:cNvPr id="19" name="文本框 18"/>
-            <p:cNvSpPr txBox="1"/>
-            <p:nvPr/>
-          </p:nvSpPr>
-          <p:spPr>
-            <a:xfrm>
-              <a:off x="6177393" y="1978026"/>
-              <a:ext cx="665020" cy="584775"/>
-            </a:xfrm>
-            <a:prstGeom prst="rect">
-              <a:avLst/>
-            </a:prstGeom>
-            <a:noFill/>
-          </p:spPr>
-          <p:txBody>
-            <a:bodyPr wrap="square" rtlCol="0">
-              <a:spAutoFit/>
-            </a:bodyPr>
-            <a:lstStyle/>
-            <a:p>
-              <a:pPr algn="ctr"/>
-              <a:r>
-                <a:rPr lang="en-US" altLang="zh-CN" sz="3200" dirty="0" smtClean="0">
-                  <a:latin typeface="+mn-ea"/>
-                </a:rPr>
-                <a:t>04</a:t>
-              </a:r>
-              <a:endParaRPr lang="zh-CN" altLang="en-US" sz="3200" dirty="0">
-                <a:latin typeface="+mn-ea"/>
-              </a:endParaRPr>
-            </a:p>
-          </p:txBody>
-        </p:sp>
-      </p:grpSp>
       <p:sp>
         <p:nvSpPr>
-          <p:cNvPr id="20" name="文本框 19"/>
+          <p:cNvPr id="25" name="文本框 24"/>
           <p:cNvSpPr txBox="1"/>
           <p:nvPr/>
         </p:nvSpPr>
         <p:spPr>
           <a:xfrm>
-            <a:off x="9233767" y="5025230"/>
-            <a:ext cx="2078181" cy="523220"/>
+            <a:off x="5030470" y="1217930"/>
+            <a:ext cx="3939540" cy="650240"/>
           </a:xfrm>
           <a:prstGeom prst="rect">
             <a:avLst/>
@@ -4412,195 +9884,46 @@
           <a:noFill/>
         </p:spPr>
         <p:txBody>
-          <a:bodyPr wrap="square" rtlCol="0">
+          <a:bodyPr wrap="square" rtlCol="0" anchor="t">
             <a:spAutoFit/>
           </a:bodyPr>
-          <a:lstStyle/>
-          <a:p>
-            <a:pPr algn="ctr"/>
+          <a:p>
+            <a:pPr marL="0" lvl="0" indent="0" algn="l">
+              <a:lnSpc>
+                <a:spcPct val="130000"/>
+              </a:lnSpc>
+              <a:spcBef>
+                <a:spcPts val="0"/>
+              </a:spcBef>
+              <a:spcAft>
+                <a:spcPts val="1000"/>
+              </a:spcAft>
+              <a:buSzPct val="100000"/>
+              <a:buNone/>
+            </a:pPr>
             <a:r>
-              <a:rPr lang="zh-CN" altLang="en-US" sz="2800" b="1" dirty="0" smtClean="0">
-                <a:latin typeface="+mn-ea"/>
+              <a:rPr lang="zh-CN" altLang="en-US" sz="1400">
+                <a:solidFill>
+                  <a:schemeClr val="tx1">
+                    <a:lumMod val="65000"/>
+                    <a:lumOff val="35000"/>
+                  </a:schemeClr>
+                </a:solidFill>
+                <a:uFillTx/>
+                <a:latin typeface="Arial" panose="020B0604020202020204" pitchFamily="34" charset="0"/>
+                <a:ea typeface="微软雅黑" panose="020B0503020204020204" charset="-122"/>
+                <a:sym typeface="+mn-ea"/>
               </a:rPr>
-              <a:t>输入标题</a:t>
+              <a:t>Multipurpose presentation for all bussines and personal powerpoint template.</a:t>
             </a:r>
-            <a:endParaRPr lang="zh-CN" altLang="en-US" sz="2800" b="1" dirty="0">
-              <a:latin typeface="+mn-ea"/>
-            </a:endParaRPr>
-          </a:p>
-        </p:txBody>
-      </p:sp>
-      <p:sp>
-        <p:nvSpPr>
-          <p:cNvPr id="29" name="文本框 28"/>
-          <p:cNvSpPr txBox="1"/>
-          <p:nvPr/>
-        </p:nvSpPr>
-        <p:spPr>
-          <a:xfrm>
-            <a:off x="5598857" y="3119625"/>
-            <a:ext cx="2137288" cy="338554"/>
-          </a:xfrm>
-          <a:prstGeom prst="rect">
-            <a:avLst/>
-          </a:prstGeom>
-          <a:noFill/>
-        </p:spPr>
-        <p:txBody>
-          <a:bodyPr wrap="square" rtlCol="0">
-            <a:spAutoFit/>
-          </a:bodyPr>
-          <a:lstStyle/>
-          <a:p>
-            <a:pPr algn="ctr"/>
-            <a:r>
-              <a:rPr lang="en-US" altLang="zh-CN" sz="1600" dirty="0" smtClean="0">
-                <a:latin typeface="+mn-ea"/>
-              </a:rPr>
-              <a:t>ADD YOUR TITLE HERE</a:t>
-            </a:r>
-            <a:endParaRPr lang="zh-CN" altLang="en-US" sz="1600" dirty="0">
-              <a:latin typeface="+mn-ea"/>
-            </a:endParaRPr>
-          </a:p>
-        </p:txBody>
-      </p:sp>
-      <p:sp>
-        <p:nvSpPr>
-          <p:cNvPr id="30" name="文本框 29"/>
-          <p:cNvSpPr txBox="1"/>
-          <p:nvPr/>
-        </p:nvSpPr>
-        <p:spPr>
-          <a:xfrm>
-            <a:off x="9204213" y="3119625"/>
-            <a:ext cx="2137288" cy="338554"/>
-          </a:xfrm>
-          <a:prstGeom prst="rect">
-            <a:avLst/>
-          </a:prstGeom>
-          <a:noFill/>
-        </p:spPr>
-        <p:txBody>
-          <a:bodyPr wrap="square" rtlCol="0">
-            <a:spAutoFit/>
-          </a:bodyPr>
-          <a:lstStyle/>
-          <a:p>
-            <a:pPr algn="ctr"/>
-            <a:r>
-              <a:rPr lang="en-US" altLang="zh-CN" sz="1600" dirty="0" smtClean="0">
-                <a:latin typeface="+mn-ea"/>
-              </a:rPr>
-              <a:t>ADD YOUR TITLE HERE</a:t>
-            </a:r>
-            <a:endParaRPr lang="zh-CN" altLang="en-US" sz="1600" dirty="0">
-              <a:latin typeface="+mn-ea"/>
-            </a:endParaRPr>
-          </a:p>
-        </p:txBody>
-      </p:sp>
-      <p:sp>
-        <p:nvSpPr>
-          <p:cNvPr id="31" name="文本框 30"/>
-          <p:cNvSpPr txBox="1"/>
-          <p:nvPr/>
-        </p:nvSpPr>
-        <p:spPr>
-          <a:xfrm>
-            <a:off x="5598857" y="5488774"/>
-            <a:ext cx="2137288" cy="338554"/>
-          </a:xfrm>
-          <a:prstGeom prst="rect">
-            <a:avLst/>
-          </a:prstGeom>
-          <a:noFill/>
-        </p:spPr>
-        <p:txBody>
-          <a:bodyPr wrap="square" rtlCol="0">
-            <a:spAutoFit/>
-          </a:bodyPr>
-          <a:lstStyle/>
-          <a:p>
-            <a:pPr algn="ctr"/>
-            <a:r>
-              <a:rPr lang="en-US" altLang="zh-CN" sz="1600" dirty="0" smtClean="0">
-                <a:latin typeface="+mn-ea"/>
-              </a:rPr>
-              <a:t>ADD YOUR TITLE HERE</a:t>
-            </a:r>
-            <a:endParaRPr lang="zh-CN" altLang="en-US" sz="1600" dirty="0">
-              <a:latin typeface="+mn-ea"/>
-            </a:endParaRPr>
-          </a:p>
-        </p:txBody>
-      </p:sp>
-      <p:sp>
-        <p:nvSpPr>
-          <p:cNvPr id="32" name="文本框 31"/>
-          <p:cNvSpPr txBox="1"/>
-          <p:nvPr/>
-        </p:nvSpPr>
-        <p:spPr>
-          <a:xfrm>
-            <a:off x="9204213" y="5453195"/>
-            <a:ext cx="2137288" cy="338554"/>
-          </a:xfrm>
-          <a:prstGeom prst="rect">
-            <a:avLst/>
-          </a:prstGeom>
-          <a:noFill/>
-        </p:spPr>
-        <p:txBody>
-          <a:bodyPr wrap="square" rtlCol="0">
-            <a:spAutoFit/>
-          </a:bodyPr>
-          <a:lstStyle/>
-          <a:p>
-            <a:pPr algn="ctr"/>
-            <a:r>
-              <a:rPr lang="en-US" altLang="zh-CN" sz="1600" dirty="0" smtClean="0">
-                <a:latin typeface="+mn-ea"/>
-              </a:rPr>
-              <a:t>ADD YOUR TITLE HERE</a:t>
-            </a:r>
-            <a:endParaRPr lang="zh-CN" altLang="en-US" sz="1600" dirty="0">
-              <a:latin typeface="+mn-ea"/>
-            </a:endParaRPr>
-          </a:p>
-        </p:txBody>
-      </p:sp>
-      <p:sp>
-        <p:nvSpPr>
-          <p:cNvPr id="47" name="文本框 46"/>
-          <p:cNvSpPr txBox="1"/>
-          <p:nvPr/>
-        </p:nvSpPr>
-        <p:spPr>
-          <a:xfrm>
-            <a:off x="7247349" y="905303"/>
-            <a:ext cx="2450276" cy="584775"/>
-          </a:xfrm>
-          <a:prstGeom prst="rect">
-            <a:avLst/>
-          </a:prstGeom>
-          <a:noFill/>
-        </p:spPr>
-        <p:txBody>
-          <a:bodyPr wrap="square" rtlCol="0">
-            <a:spAutoFit/>
-          </a:bodyPr>
-          <a:lstStyle/>
-          <a:p>
-            <a:pPr algn="ctr"/>
-            <a:r>
-              <a:rPr lang="en-US" altLang="zh-CN" sz="3200" dirty="0" smtClean="0">
-                <a:latin typeface="+mn-ea"/>
-              </a:rPr>
-              <a:t>CONTENTS</a:t>
-            </a:r>
-            <a:endParaRPr lang="zh-CN" altLang="en-US" sz="3200" dirty="0">
-              <a:latin typeface="+mn-ea"/>
+            <a:endParaRPr lang="zh-CN" altLang="tr-TR" sz="1400" smtClean="0">
+              <a:solidFill>
+                <a:srgbClr val="53575E"/>
+              </a:solidFill>
+              <a:latin typeface="微软雅黑" panose="020B0503020204020204" charset="-122"/>
+              <a:ea typeface="微软雅黑" panose="020B0503020204020204" charset="-122"/>
+              <a:cs typeface="Open Sans Semibold" panose="020B0706030804020204" pitchFamily="34" charset="0"/>
+              <a:sym typeface="+mn-ea"/>
             </a:endParaRPr>
           </a:p>
         </p:txBody>
@@ -4615,12 +9938,74 @@
 
 <file path=ppt/tags/tag1.xml><?xml version="1.0" encoding="utf-8"?>
 <p:tagLst xmlns:p="http://schemas.openxmlformats.org/presentationml/2006/main">
-  <p:tag name="ISLIDE.GUIDESSETTING" val="{&quot;Id&quot;:null,&quot;Name&quot;:&quot;无&quot;,&quot;HeaderHeight&quot;:0.0,&quot;FooterHeight&quot;:0.0,&quot;SideMargin&quot;:0.0,&quot;TopMargin&quot;:0.0,&quot;BottomMargin&quot;:0.0,&quot;IntervalMargin&quot;:0.0,&quot;SettingType&quot;:&quot;System&quot;}"/>
+  <p:tag name="KSO_WM_UNIT_HIGHLIGHT" val="0"/>
+  <p:tag name="KSO_WM_UNIT_COMPATIBLE" val="0"/>
+  <p:tag name="KSO_WM_UNIT_DIAGRAM_ISNUMVISUAL" val="0"/>
+  <p:tag name="KSO_WM_UNIT_DIAGRAM_ISREFERUNIT" val="0"/>
+  <p:tag name="KSO_WM_UNIT_ID" val="diagram30178689_1*i*1"/>
+  <p:tag name="KSO_WM_TEMPLATE_CATEGORY" val="diagram"/>
+  <p:tag name="KSO_WM_TEMPLATE_INDEX" val="30178689"/>
+  <p:tag name="KSO_WM_UNIT_LAYERLEVEL" val="1"/>
+  <p:tag name="KSO_WM_TAG_VERSION" val="1.0"/>
+  <p:tag name="KSO_WM_BEAUTIFY_FLAG" val="#wm#"/>
+  <p:tag name="KSO_WM_UNIT_TYPE" val="i"/>
+  <p:tag name="KSO_WM_UNIT_INDEX" val="1"/>
+  <p:tag name="KSO_WM_UNIT_ADJUSTLAYOUT_ID" val="14"/>
+  <p:tag name="KSO_WM_UNIT_COLOR_SCHEME_SHAPE_ID" val="14"/>
+  <p:tag name="KSO_WM_UNIT_COLOR_SCHEME_PARENT_PAGE" val="0_1"/>
+</p:tagLst>
+</file>
+
+<file path=ppt/tags/tag2.xml><?xml version="1.0" encoding="utf-8"?>
+<p:tagLst xmlns:p="http://schemas.openxmlformats.org/presentationml/2006/main">
+  <p:tag name="KSO_WM_UNIT_TEXT_PART_ID" val="3-b"/>
+  <p:tag name="KSO_WM_UNIT_TEXT_PART_SIZE" val="84.88*644.5"/>
+  <p:tag name="KSO_WM_UNIT_VALUE" val="117"/>
+  <p:tag name="KSO_WM_UNIT_HIGHLIGHT" val="0"/>
+  <p:tag name="KSO_WM_UNIT_COMPATIBLE" val="0"/>
+  <p:tag name="KSO_WM_UNIT_DIAGRAM_ISNUMVISUAL" val="0"/>
+  <p:tag name="KSO_WM_UNIT_DIAGRAM_ISREFERUNIT" val="0"/>
+  <p:tag name="KSO_WM_UNIT_ID" val="diagram30178689_1*f*2"/>
+  <p:tag name="KSO_WM_TEMPLATE_CATEGORY" val="diagram"/>
+  <p:tag name="KSO_WM_TEMPLATE_INDEX" val="30178689"/>
+  <p:tag name="KSO_WM_UNIT_LAYERLEVEL" val="1"/>
+  <p:tag name="KSO_WM_TAG_VERSION" val="1.0"/>
+  <p:tag name="KSO_WM_BEAUTIFY_FLAG" val="#wm#"/>
+  <p:tag name="KSO_WM_UNIT_PRESET_TEXT" val="点击此处添加正文，文字是您思想的提炼，为了最终呈现发布的良好效果，请尽量言简意赅的阐述观点；根据需要可酌情增减文字，以便观者可以准确理解您所传达的信息。"/>
+  <p:tag name="KSO_WM_UNIT_TYPE" val="f"/>
+  <p:tag name="KSO_WM_UNIT_INDEX" val="2"/>
+  <p:tag name="KSO_WM_UNIT_ADJUSTLAYOUT_ID" val="18"/>
+  <p:tag name="KSO_WM_UNIT_COLOR_SCHEME_SHAPE_ID" val="18"/>
+  <p:tag name="KSO_WM_UNIT_COLOR_SCHEME_PARENT_PAGE" val="0_1"/>
+  <p:tag name="KSO_WM_UNIT_TEXT_PART_ID_V2" val="d-3-1"/>
+</p:tagLst>
+</file>
+
+<file path=ppt/tags/tag3.xml><?xml version="1.0" encoding="utf-8"?>
+<p:tagLst xmlns:p="http://schemas.openxmlformats.org/presentationml/2006/main">
+  <p:tag name="KSO_WM_UNIT_VALUE" val="1299*974"/>
+  <p:tag name="KSO_WM_UNIT_HIGHLIGHT" val="0"/>
+  <p:tag name="KSO_WM_UNIT_COMPATIBLE" val="0"/>
+  <p:tag name="KSO_WM_UNIT_DIAGRAM_ISNUMVISUAL" val="0"/>
+  <p:tag name="KSO_WM_UNIT_DIAGRAM_ISREFERUNIT" val="0"/>
+  <p:tag name="KSO_WM_UNIT_TYPE" val="d"/>
+  <p:tag name="KSO_WM_UNIT_INDEX" val="1"/>
+  <p:tag name="KSO_WM_UNIT_ID" val="diagram30178689_1*d*1"/>
+  <p:tag name="KSO_WM_TEMPLATE_CATEGORY" val="diagram"/>
+  <p:tag name="KSO_WM_TEMPLATE_INDEX" val="30178689"/>
+  <p:tag name="KSO_WM_UNIT_LAYERLEVEL" val="1"/>
+  <p:tag name="KSO_WM_TAG_VERSION" val="1.0"/>
+  <p:tag name="KSO_WM_BEAUTIFY_FLAG" val="#wm#"/>
+  <p:tag name="KSO_WM_UNIT_ADJUSTLAYOUT_ID" val="9"/>
+  <p:tag name="KSO_WM_UNIT_PICTURE_CLIP_FLAG" val="1"/>
+  <p:tag name="KSO_WM_UNIT_COLOR_SCHEME_SHAPE_ID" val="9"/>
+  <p:tag name="KSO_WM_UNIT_COLOR_SCHEME_PARENT_PAGE" val="0_1"/>
+  <p:tag name="REFSHAPE" val="687680996"/>
 </p:tagLst>
 </file>
 
 <file path=ppt/theme/theme1.xml><?xml version="1.0" encoding="utf-8"?>
-<a:theme xmlns:a="http://schemas.openxmlformats.org/drawingml/2006/main" name="Office 主题​​">
+<a:theme xmlns:a="http://schemas.openxmlformats.org/drawingml/2006/main" name="Office 主题">
   <a:themeElements>
     <a:clrScheme name="Office">
       <a:dk1>
@@ -4660,16 +10045,335 @@
         <a:srgbClr val="954F72"/>
       </a:folHlink>
     </a:clrScheme>
-    <a:fontScheme name="iybidpnx">
+    <a:fontScheme name="Office">
       <a:majorFont>
-        <a:latin typeface=""/>
-        <a:ea typeface="幼圆"/>
+        <a:latin typeface="Calibri"/>
+        <a:ea typeface=""/>
         <a:cs typeface=""/>
+        <a:font script="Jpan" typeface="ＭＳ Ｐゴシック"/>
+        <a:font script="Hang" typeface="맑은 고딕"/>
+        <a:font script="Hans" typeface="微软雅黑"/>
+        <a:font script="Hant" typeface="新細明體"/>
+        <a:font script="Arab" typeface="Times New Roman"/>
+        <a:font script="Hebr" typeface="Times New Roman"/>
+        <a:font script="Thai" typeface="Angsana New"/>
+        <a:font script="Ethi" typeface="Nyala"/>
+        <a:font script="Beng" typeface="Vrinda"/>
+        <a:font script="Gujr" typeface="Shruti"/>
+        <a:font script="Khmr" typeface="MoolBoran"/>
+        <a:font script="Knda" typeface="Tunga"/>
+        <a:font script="Guru" typeface="Raavi"/>
+        <a:font script="Cans" typeface="Euphemia"/>
+        <a:font script="Cher" typeface="Plantagenet Cherokee"/>
+        <a:font script="Yiii" typeface="Microsoft Yi Baiti"/>
+        <a:font script="Tibt" typeface="Microsoft Himalaya"/>
+        <a:font script="Thaa" typeface="MV Boli"/>
+        <a:font script="Deva" typeface="Mangal"/>
+        <a:font script="Telu" typeface="Gautami"/>
+        <a:font script="Taml" typeface="Latha"/>
+        <a:font script="Syrc" typeface="Estrangelo Edessa"/>
+        <a:font script="Orya" typeface="Kalinga"/>
+        <a:font script="Mlym" typeface="Kartika"/>
+        <a:font script="Laoo" typeface="DokChampa"/>
+        <a:font script="Sinh" typeface="Iskoola Pota"/>
+        <a:font script="Mong" typeface="Mongolian Baiti"/>
+        <a:font script="Viet" typeface="Times New Roman"/>
+        <a:font script="Uigh" typeface="Microsoft Uighur"/>
+        <a:font script="Geor" typeface="Sylfaen"/>
       </a:majorFont>
       <a:minorFont>
-        <a:latin typeface=""/>
-        <a:ea typeface="幼圆"/>
+        <a:latin typeface="Calibri"/>
+        <a:ea typeface=""/>
         <a:cs typeface=""/>
+        <a:font script="Jpan" typeface="ＭＳ Ｐゴシック"/>
+        <a:font script="Hang" typeface="맑은 고딕"/>
+        <a:font script="Hans" typeface="微软雅黑"/>
+        <a:font script="Hant" typeface="新細明體"/>
+        <a:font script="Arab" typeface="Arial"/>
+        <a:font script="Hebr" typeface="Arial"/>
+        <a:font script="Thai" typeface="Cordia New"/>
+        <a:font script="Ethi" typeface="Nyala"/>
+        <a:font script="Beng" typeface="Vrinda"/>
+        <a:font script="Gujr" typeface="Shruti"/>
+        <a:font script="Khmr" typeface="DaunPenh"/>
+        <a:font script="Knda" typeface="Tunga"/>
+        <a:font script="Guru" typeface="Raavi"/>
+        <a:font script="Cans" typeface="Euphemia"/>
+        <a:font script="Cher" typeface="Plantagenet Cherokee"/>
+        <a:font script="Yiii" typeface="Microsoft Yi Baiti"/>
+        <a:font script="Tibt" typeface="Microsoft Himalaya"/>
+        <a:font script="Thaa" typeface="MV Boli"/>
+        <a:font script="Deva" typeface="Mangal"/>
+        <a:font script="Telu" typeface="Gautami"/>
+        <a:font script="Taml" typeface="Latha"/>
+        <a:font script="Syrc" typeface="Estrangelo Edessa"/>
+        <a:font script="Orya" typeface="Kalinga"/>
+        <a:font script="Mlym" typeface="Kartika"/>
+        <a:font script="Laoo" typeface="DokChampa"/>
+        <a:font script="Sinh" typeface="Iskoola Pota"/>
+        <a:font script="Mong" typeface="Mongolian Baiti"/>
+        <a:font script="Viet" typeface="Arial"/>
+        <a:font script="Uigh" typeface="Microsoft Uighur"/>
+        <a:font script="Geor" typeface="Sylfaen"/>
+      </a:minorFont>
+    </a:fontScheme>
+    <a:fmtScheme name="Office">
+      <a:fillStyleLst>
+        <a:solidFill>
+          <a:schemeClr val="phClr"/>
+        </a:solidFill>
+        <a:gradFill rotWithShape="1">
+          <a:gsLst>
+            <a:gs pos="0">
+              <a:schemeClr val="phClr">
+                <a:lumMod val="110000"/>
+                <a:satMod val="105000"/>
+                <a:tint val="67000"/>
+              </a:schemeClr>
+            </a:gs>
+            <a:gs pos="50000">
+              <a:schemeClr val="phClr">
+                <a:lumMod val="105000"/>
+                <a:satMod val="103000"/>
+                <a:tint val="73000"/>
+              </a:schemeClr>
+            </a:gs>
+            <a:gs pos="100000">
+              <a:schemeClr val="phClr">
+                <a:lumMod val="105000"/>
+                <a:satMod val="109000"/>
+                <a:tint val="81000"/>
+              </a:schemeClr>
+            </a:gs>
+          </a:gsLst>
+          <a:lin ang="5400000" scaled="0"/>
+        </a:gradFill>
+        <a:gradFill rotWithShape="1">
+          <a:gsLst>
+            <a:gs pos="0">
+              <a:schemeClr val="phClr">
+                <a:satMod val="103000"/>
+                <a:lumMod val="102000"/>
+                <a:tint val="94000"/>
+              </a:schemeClr>
+            </a:gs>
+            <a:gs pos="50000">
+              <a:schemeClr val="phClr">
+                <a:satMod val="110000"/>
+                <a:lumMod val="100000"/>
+                <a:shade val="100000"/>
+              </a:schemeClr>
+            </a:gs>
+            <a:gs pos="100000">
+              <a:schemeClr val="phClr">
+                <a:lumMod val="99000"/>
+                <a:satMod val="120000"/>
+                <a:shade val="78000"/>
+              </a:schemeClr>
+            </a:gs>
+          </a:gsLst>
+          <a:lin ang="5400000" scaled="0"/>
+        </a:gradFill>
+      </a:fillStyleLst>
+      <a:lnStyleLst>
+        <a:ln w="6350" cap="flat" cmpd="sng" algn="ctr">
+          <a:solidFill>
+            <a:schemeClr val="phClr"/>
+          </a:solidFill>
+          <a:prstDash val="solid"/>
+          <a:miter lim="800000"/>
+        </a:ln>
+        <a:ln w="12700" cap="flat" cmpd="sng" algn="ctr">
+          <a:solidFill>
+            <a:schemeClr val="phClr"/>
+          </a:solidFill>
+          <a:prstDash val="solid"/>
+          <a:miter lim="800000"/>
+        </a:ln>
+        <a:ln w="19050" cap="flat" cmpd="sng" algn="ctr">
+          <a:solidFill>
+            <a:schemeClr val="phClr"/>
+          </a:solidFill>
+          <a:prstDash val="solid"/>
+          <a:miter lim="800000"/>
+        </a:ln>
+      </a:lnStyleLst>
+      <a:effectStyleLst>
+        <a:effectStyle>
+          <a:effectLst/>
+        </a:effectStyle>
+        <a:effectStyle>
+          <a:effectLst/>
+        </a:effectStyle>
+        <a:effectStyle>
+          <a:effectLst>
+            <a:outerShdw blurRad="57150" dist="19050" dir="5400000" algn="ctr" rotWithShape="0">
+              <a:srgbClr val="000000">
+                <a:alpha val="63000"/>
+              </a:srgbClr>
+            </a:outerShdw>
+          </a:effectLst>
+        </a:effectStyle>
+      </a:effectStyleLst>
+      <a:bgFillStyleLst>
+        <a:solidFill>
+          <a:schemeClr val="phClr"/>
+        </a:solidFill>
+        <a:solidFill>
+          <a:schemeClr val="phClr">
+            <a:tint val="95000"/>
+            <a:satMod val="170000"/>
+          </a:schemeClr>
+        </a:solidFill>
+        <a:gradFill rotWithShape="1">
+          <a:gsLst>
+            <a:gs pos="0">
+              <a:schemeClr val="phClr">
+                <a:tint val="93000"/>
+                <a:satMod val="150000"/>
+                <a:shade val="98000"/>
+                <a:lumMod val="102000"/>
+              </a:schemeClr>
+            </a:gs>
+            <a:gs pos="50000">
+              <a:schemeClr val="phClr">
+                <a:tint val="98000"/>
+                <a:satMod val="130000"/>
+                <a:shade val="90000"/>
+                <a:lumMod val="103000"/>
+              </a:schemeClr>
+            </a:gs>
+            <a:gs pos="100000">
+              <a:schemeClr val="phClr">
+                <a:shade val="63000"/>
+                <a:satMod val="120000"/>
+              </a:schemeClr>
+            </a:gs>
+          </a:gsLst>
+          <a:lin ang="5400000" scaled="0"/>
+        </a:gradFill>
+      </a:bgFillStyleLst>
+    </a:fmtScheme>
+  </a:themeElements>
+  <a:extLst>
+    <a:ext uri="{05A4C25C-085E-4340-85A3-A5531E510DB2}">
+      <thm15:themeFamily xmlns:thm15="http://schemas.microsoft.com/office/thememl/2012/main" name="Office Theme" id="{62F939B6-93AF-4DB8-9C6B-D6C7DFDC589F}" vid="{4A3C46E8-61CC-4603-A589-7422A47A8E4A}"/>
+    </a:ext>
+  </a:extLst>
+</a:theme>
+</file>
+
+<file path=ppt/theme/theme2.xml><?xml version="1.0" encoding="utf-8"?>
+<a:theme xmlns:a="http://schemas.openxmlformats.org/drawingml/2006/main" name="Office 主题">
+  <a:themeElements>
+    <a:clrScheme name="Office">
+      <a:dk1>
+        <a:sysClr val="windowText" lastClr="000000"/>
+      </a:dk1>
+      <a:lt1>
+        <a:sysClr val="window" lastClr="FFFFFF"/>
+      </a:lt1>
+      <a:dk2>
+        <a:srgbClr val="44546A"/>
+      </a:dk2>
+      <a:lt2>
+        <a:srgbClr val="E7E6E6"/>
+      </a:lt2>
+      <a:accent1>
+        <a:srgbClr val="5B9BD5"/>
+      </a:accent1>
+      <a:accent2>
+        <a:srgbClr val="ED7D31"/>
+      </a:accent2>
+      <a:accent3>
+        <a:srgbClr val="A5A5A5"/>
+      </a:accent3>
+      <a:accent4>
+        <a:srgbClr val="FFC000"/>
+      </a:accent4>
+      <a:accent5>
+        <a:srgbClr val="4472C4"/>
+      </a:accent5>
+      <a:accent6>
+        <a:srgbClr val="70AD47"/>
+      </a:accent6>
+      <a:hlink>
+        <a:srgbClr val="0563C1"/>
+      </a:hlink>
+      <a:folHlink>
+        <a:srgbClr val="954F72"/>
+      </a:folHlink>
+    </a:clrScheme>
+    <a:fontScheme name="Office">
+      <a:majorFont>
+        <a:latin typeface="Calibri Light"/>
+        <a:ea typeface=""/>
+        <a:cs typeface=""/>
+        <a:font script="Jpan" typeface="ＭＳ Ｐゴシック"/>
+        <a:font script="Hang" typeface="맑은 고딕"/>
+        <a:font script="Hans" typeface="宋体"/>
+        <a:font script="Hant" typeface="新細明體"/>
+        <a:font script="Arab" typeface="Times New Roman"/>
+        <a:font script="Hebr" typeface="Times New Roman"/>
+        <a:font script="Thai" typeface="Angsana New"/>
+        <a:font script="Ethi" typeface="Nyala"/>
+        <a:font script="Beng" typeface="Vrinda"/>
+        <a:font script="Gujr" typeface="Shruti"/>
+        <a:font script="Khmr" typeface="MoolBoran"/>
+        <a:font script="Knda" typeface="Tunga"/>
+        <a:font script="Guru" typeface="Raavi"/>
+        <a:font script="Cans" typeface="Euphemia"/>
+        <a:font script="Cher" typeface="Plantagenet Cherokee"/>
+        <a:font script="Yiii" typeface="Microsoft Yi Baiti"/>
+        <a:font script="Tibt" typeface="Microsoft Himalaya"/>
+        <a:font script="Thaa" typeface="MV Boli"/>
+        <a:font script="Deva" typeface="Mangal"/>
+        <a:font script="Telu" typeface="Gautami"/>
+        <a:font script="Taml" typeface="Latha"/>
+        <a:font script="Syrc" typeface="Estrangelo Edessa"/>
+        <a:font script="Orya" typeface="Kalinga"/>
+        <a:font script="Mlym" typeface="Kartika"/>
+        <a:font script="Laoo" typeface="DokChampa"/>
+        <a:font script="Sinh" typeface="Iskoola Pota"/>
+        <a:font script="Mong" typeface="Mongolian Baiti"/>
+        <a:font script="Viet" typeface="Times New Roman"/>
+        <a:font script="Uigh" typeface="Microsoft Uighur"/>
+        <a:font script="Geor" typeface="Sylfaen"/>
+      </a:majorFont>
+      <a:minorFont>
+        <a:latin typeface="Calibri"/>
+        <a:ea typeface=""/>
+        <a:cs typeface=""/>
+        <a:font script="Jpan" typeface="ＭＳ Ｐゴシック"/>
+        <a:font script="Hang" typeface="맑은 고딕"/>
+        <a:font script="Hans" typeface="宋体"/>
+        <a:font script="Hant" typeface="新細明體"/>
+        <a:font script="Arab" typeface="Arial"/>
+        <a:font script="Hebr" typeface="Arial"/>
+        <a:font script="Thai" typeface="Cordia New"/>
+        <a:font script="Ethi" typeface="Nyala"/>
+        <a:font script="Beng" typeface="Vrinda"/>
+        <a:font script="Gujr" typeface="Shruti"/>
+        <a:font script="Khmr" typeface="DaunPenh"/>
+        <a:font script="Knda" typeface="Tunga"/>
+        <a:font script="Guru" typeface="Raavi"/>
+        <a:font script="Cans" typeface="Euphemia"/>
+        <a:font script="Cher" typeface="Plantagenet Cherokee"/>
+        <a:font script="Yiii" typeface="Microsoft Yi Baiti"/>
+        <a:font script="Tibt" typeface="Microsoft Himalaya"/>
+        <a:font script="Thaa" typeface="MV Boli"/>
+        <a:font script="Deva" typeface="Mangal"/>
+        <a:font script="Telu" typeface="Gautami"/>
+        <a:font script="Taml" typeface="Latha"/>
+        <a:font script="Syrc" typeface="Estrangelo Edessa"/>
+        <a:font script="Orya" typeface="Kalinga"/>
+        <a:font script="Mlym" typeface="Kartika"/>
+        <a:font script="Laoo" typeface="DokChampa"/>
+        <a:font script="Sinh" typeface="Iskoola Pota"/>
+        <a:font script="Mong" typeface="Mongolian Baiti"/>
+        <a:font script="Viet" typeface="Arial"/>
+        <a:font script="Uigh" typeface="Microsoft Uighur"/>
+        <a:font script="Geor" typeface="Sylfaen"/>
       </a:minorFont>
     </a:fontScheme>
     <a:fmtScheme name="Office">
